--- a/python_debutant/Formation Python débutant.pptx
+++ b/python_debutant/Formation Python débutant.pptx
@@ -16,32 +16,34 @@
     <p:sldId id="264" r:id="rId10"/>
     <p:sldId id="265" r:id="rId11"/>
     <p:sldId id="266" r:id="rId12"/>
-    <p:sldId id="267" r:id="rId13"/>
-    <p:sldId id="268" r:id="rId14"/>
-    <p:sldId id="269" r:id="rId15"/>
-    <p:sldId id="270" r:id="rId16"/>
-    <p:sldId id="271" r:id="rId17"/>
-    <p:sldId id="272" r:id="rId18"/>
-    <p:sldId id="273" r:id="rId19"/>
-    <p:sldId id="274" r:id="rId20"/>
-    <p:sldId id="276" r:id="rId21"/>
-    <p:sldId id="277" r:id="rId22"/>
-    <p:sldId id="278" r:id="rId23"/>
-    <p:sldId id="279" r:id="rId24"/>
-    <p:sldId id="280" r:id="rId25"/>
-    <p:sldId id="281" r:id="rId26"/>
-    <p:sldId id="282" r:id="rId27"/>
-    <p:sldId id="283" r:id="rId28"/>
-    <p:sldId id="284" r:id="rId29"/>
-    <p:sldId id="285" r:id="rId30"/>
-    <p:sldId id="286" r:id="rId31"/>
-    <p:sldId id="287" r:id="rId32"/>
-    <p:sldId id="288" r:id="rId33"/>
-    <p:sldId id="289" r:id="rId34"/>
-    <p:sldId id="290" r:id="rId35"/>
-    <p:sldId id="291" r:id="rId36"/>
-    <p:sldId id="292" r:id="rId37"/>
-    <p:sldId id="293" r:id="rId38"/>
+    <p:sldId id="294" r:id="rId13"/>
+    <p:sldId id="295" r:id="rId14"/>
+    <p:sldId id="267" r:id="rId15"/>
+    <p:sldId id="268" r:id="rId16"/>
+    <p:sldId id="269" r:id="rId17"/>
+    <p:sldId id="270" r:id="rId18"/>
+    <p:sldId id="271" r:id="rId19"/>
+    <p:sldId id="272" r:id="rId20"/>
+    <p:sldId id="273" r:id="rId21"/>
+    <p:sldId id="274" r:id="rId22"/>
+    <p:sldId id="277" r:id="rId23"/>
+    <p:sldId id="278" r:id="rId24"/>
+    <p:sldId id="279" r:id="rId25"/>
+    <p:sldId id="296" r:id="rId26"/>
+    <p:sldId id="280" r:id="rId27"/>
+    <p:sldId id="281" r:id="rId28"/>
+    <p:sldId id="282" r:id="rId29"/>
+    <p:sldId id="283" r:id="rId30"/>
+    <p:sldId id="284" r:id="rId31"/>
+    <p:sldId id="285" r:id="rId32"/>
+    <p:sldId id="286" r:id="rId33"/>
+    <p:sldId id="287" r:id="rId34"/>
+    <p:sldId id="288" r:id="rId35"/>
+    <p:sldId id="289" r:id="rId36"/>
+    <p:sldId id="290" r:id="rId37"/>
+    <p:sldId id="291" r:id="rId38"/>
+    <p:sldId id="292" r:id="rId39"/>
+    <p:sldId id="293" r:id="rId40"/>
   </p:sldIdLst>
   <p:sldSz cx="12192000" cy="6858000"/>
   <p:notesSz cx="6858000" cy="9144000"/>
@@ -295,7 +297,7 @@
           <a:p>
             <a:fld id="{21411C0B-397A-4926-8AFD-818269732011}" type="datetimeFigureOut">
               <a:rPr lang="fr-FR" smtClean="0"/>
-              <a:t>27/11/2020</a:t>
+              <a:t>04/12/2020</a:t>
             </a:fld>
             <a:endParaRPr lang="fr-FR"/>
           </a:p>
@@ -493,7 +495,7 @@
           <a:p>
             <a:fld id="{21411C0B-397A-4926-8AFD-818269732011}" type="datetimeFigureOut">
               <a:rPr lang="fr-FR" smtClean="0"/>
-              <a:t>27/11/2020</a:t>
+              <a:t>04/12/2020</a:t>
             </a:fld>
             <a:endParaRPr lang="fr-FR"/>
           </a:p>
@@ -701,7 +703,7 @@
           <a:p>
             <a:fld id="{21411C0B-397A-4926-8AFD-818269732011}" type="datetimeFigureOut">
               <a:rPr lang="fr-FR" smtClean="0"/>
-              <a:t>27/11/2020</a:t>
+              <a:t>04/12/2020</a:t>
             </a:fld>
             <a:endParaRPr lang="fr-FR"/>
           </a:p>
@@ -899,7 +901,7 @@
           <a:p>
             <a:fld id="{21411C0B-397A-4926-8AFD-818269732011}" type="datetimeFigureOut">
               <a:rPr lang="fr-FR" smtClean="0"/>
-              <a:t>27/11/2020</a:t>
+              <a:t>04/12/2020</a:t>
             </a:fld>
             <a:endParaRPr lang="fr-FR"/>
           </a:p>
@@ -1174,7 +1176,7 @@
           <a:p>
             <a:fld id="{21411C0B-397A-4926-8AFD-818269732011}" type="datetimeFigureOut">
               <a:rPr lang="fr-FR" smtClean="0"/>
-              <a:t>27/11/2020</a:t>
+              <a:t>04/12/2020</a:t>
             </a:fld>
             <a:endParaRPr lang="fr-FR"/>
           </a:p>
@@ -1439,7 +1441,7 @@
           <a:p>
             <a:fld id="{21411C0B-397A-4926-8AFD-818269732011}" type="datetimeFigureOut">
               <a:rPr lang="fr-FR" smtClean="0"/>
-              <a:t>27/11/2020</a:t>
+              <a:t>04/12/2020</a:t>
             </a:fld>
             <a:endParaRPr lang="fr-FR"/>
           </a:p>
@@ -1851,7 +1853,7 @@
           <a:p>
             <a:fld id="{21411C0B-397A-4926-8AFD-818269732011}" type="datetimeFigureOut">
               <a:rPr lang="fr-FR" smtClean="0"/>
-              <a:t>27/11/2020</a:t>
+              <a:t>04/12/2020</a:t>
             </a:fld>
             <a:endParaRPr lang="fr-FR"/>
           </a:p>
@@ -1992,7 +1994,7 @@
           <a:p>
             <a:fld id="{21411C0B-397A-4926-8AFD-818269732011}" type="datetimeFigureOut">
               <a:rPr lang="fr-FR" smtClean="0"/>
-              <a:t>27/11/2020</a:t>
+              <a:t>04/12/2020</a:t>
             </a:fld>
             <a:endParaRPr lang="fr-FR"/>
           </a:p>
@@ -2105,7 +2107,7 @@
           <a:p>
             <a:fld id="{21411C0B-397A-4926-8AFD-818269732011}" type="datetimeFigureOut">
               <a:rPr lang="fr-FR" smtClean="0"/>
-              <a:t>27/11/2020</a:t>
+              <a:t>04/12/2020</a:t>
             </a:fld>
             <a:endParaRPr lang="fr-FR"/>
           </a:p>
@@ -2416,7 +2418,7 @@
           <a:p>
             <a:fld id="{21411C0B-397A-4926-8AFD-818269732011}" type="datetimeFigureOut">
               <a:rPr lang="fr-FR" smtClean="0"/>
-              <a:t>27/11/2020</a:t>
+              <a:t>04/12/2020</a:t>
             </a:fld>
             <a:endParaRPr lang="fr-FR"/>
           </a:p>
@@ -2704,7 +2706,7 @@
           <a:p>
             <a:fld id="{21411C0B-397A-4926-8AFD-818269732011}" type="datetimeFigureOut">
               <a:rPr lang="fr-FR" smtClean="0"/>
-              <a:t>27/11/2020</a:t>
+              <a:t>04/12/2020</a:t>
             </a:fld>
             <a:endParaRPr lang="fr-FR"/>
           </a:p>
@@ -2945,7 +2947,7 @@
           <a:p>
             <a:fld id="{21411C0B-397A-4926-8AFD-818269732011}" type="datetimeFigureOut">
               <a:rPr lang="fr-FR" smtClean="0"/>
-              <a:t>27/11/2020</a:t>
+              <a:t>04/12/2020</a:t>
             </a:fld>
             <a:endParaRPr lang="fr-FR"/>
           </a:p>
@@ -3854,6 +3856,17 @@
 <file path=ppt/slides/slide12.xml><?xml version="1.0" encoding="utf-8"?>
 <p:sld xmlns:a="http://schemas.openxmlformats.org/drawingml/2006/main" xmlns:r="http://schemas.openxmlformats.org/officeDocument/2006/relationships" xmlns:p="http://schemas.openxmlformats.org/presentationml/2006/main">
   <p:cSld>
+    <p:bg>
+      <p:bgPr>
+        <a:solidFill>
+          <a:schemeClr val="accent5">
+            <a:lumMod val="60000"/>
+            <a:lumOff val="40000"/>
+          </a:schemeClr>
+        </a:solidFill>
+        <a:effectLst/>
+      </p:bgPr>
+    </p:bg>
     <p:spTree>
       <p:nvGrpSpPr>
         <p:cNvPr id="1" name=""/>
@@ -3873,7 +3886,7 @@
           <p:cNvPr id="2" name="Titre 1">
             <a:extLst>
               <a:ext uri="{FF2B5EF4-FFF2-40B4-BE49-F238E27FC236}">
-                <a16:creationId xmlns:a16="http://schemas.microsoft.com/office/drawing/2014/main" id="{0BE1AC30-9008-45CA-8FA5-3517A2A5CA6E}"/>
+                <a16:creationId xmlns:a16="http://schemas.microsoft.com/office/drawing/2014/main" id="{8E02C1CE-D966-4D11-B87D-FB48F6E1DC1E}"/>
               </a:ext>
             </a:extLst>
           </p:cNvPr>
@@ -3891,14 +3904,7 @@
           <a:p>
             <a:r>
               <a:rPr lang="fr-FR" dirty="0"/>
-              <a:t>Types de données</a:t>
-            </a:r>
-            <a:br>
-              <a:rPr lang="fr-FR" dirty="0"/>
-            </a:br>
-            <a:r>
-              <a:rPr lang="fr-FR" dirty="0"/>
-              <a:t>Listes</a:t>
+              <a:t>Exercice</a:t>
             </a:r>
           </a:p>
         </p:txBody>
@@ -3908,7 +3914,7 @@
           <p:cNvPr id="3" name="Espace réservé du contenu 2">
             <a:extLst>
               <a:ext uri="{FF2B5EF4-FFF2-40B4-BE49-F238E27FC236}">
-                <a16:creationId xmlns:a16="http://schemas.microsoft.com/office/drawing/2014/main" id="{002A5C6B-1B6B-473F-B17B-C8C50576264C}"/>
+                <a16:creationId xmlns:a16="http://schemas.microsoft.com/office/drawing/2014/main" id="{B714387B-F649-48D3-A3D6-CAE6CCA54038}"/>
               </a:ext>
             </a:extLst>
           </p:cNvPr>
@@ -3919,38 +3925,94 @@
             <p:ph idx="1"/>
           </p:nvPr>
         </p:nvSpPr>
-        <p:spPr/>
-        <p:txBody>
-          <a:bodyPr/>
-          <a:lstStyle/>
-          <a:p>
-            <a:r>
-              <a:rPr lang="fr-FR" dirty="0"/>
-              <a:t>Une liste va contenir un ensemble ordonné d’éléments dans une plage mémoire</a:t>
-            </a:r>
-          </a:p>
-          <a:p>
-            <a:pPr lvl="1"/>
-            <a:r>
-              <a:rPr lang="fr-FR" dirty="0"/>
-              <a:t>Les éléments peuvent être de type différent</a:t>
-            </a:r>
-          </a:p>
-          <a:p>
-            <a:pPr lvl="1"/>
-            <a:r>
-              <a:rPr lang="fr-FR" dirty="0"/>
-              <a:t>Les chaînes de caractères sont des listes</a:t>
+        <p:spPr>
+          <a:xfrm>
+            <a:off x="838200" y="1825625"/>
+            <a:ext cx="10515600" cy="4746625"/>
+          </a:xfrm>
+        </p:spPr>
+        <p:txBody>
+          <a:bodyPr>
+            <a:normAutofit/>
+          </a:bodyPr>
+          <a:lstStyle/>
+          <a:p>
+            <a:pPr marL="0" indent="0">
+              <a:buNone/>
+            </a:pPr>
+            <a:r>
+              <a:rPr lang="fr-FR" dirty="0"/>
+              <a:t>1/ Ecrire un programme qui </a:t>
+            </a:r>
+          </a:p>
+          <a:p>
+            <a:pPr marL="0" indent="0">
+              <a:buNone/>
+            </a:pPr>
+            <a:r>
+              <a:rPr lang="fr-FR" dirty="0"/>
+              <a:t>	- définit 2 variables : un rayon et une hauteur</a:t>
+            </a:r>
+          </a:p>
+          <a:p>
+            <a:pPr marL="0" indent="0">
+              <a:buNone/>
+            </a:pPr>
+            <a:r>
+              <a:rPr lang="fr-FR" dirty="0"/>
+              <a:t>	- calcule le volume d’un cône V = 1/3 * pi * r² * h  (la puissance 2 se note **2)</a:t>
+            </a:r>
+          </a:p>
+          <a:p>
+            <a:pPr marL="0" indent="0">
+              <a:buNone/>
+            </a:pPr>
+            <a:r>
+              <a:rPr lang="fr-FR" dirty="0"/>
+              <a:t>		- en définissant pi = 3.14</a:t>
+            </a:r>
+          </a:p>
+          <a:p>
+            <a:pPr marL="0" indent="0">
+              <a:buNone/>
+            </a:pPr>
+            <a:r>
+              <a:rPr lang="fr-FR" dirty="0"/>
+              <a:t>		- en important au début du script la librairie math</a:t>
+            </a:r>
+          </a:p>
+          <a:p>
+            <a:pPr marL="0" indent="0">
+              <a:buNone/>
+            </a:pPr>
+            <a:endParaRPr lang="fr-FR" dirty="0"/>
+          </a:p>
+          <a:p>
+            <a:pPr marL="0" indent="0">
+              <a:buNone/>
+            </a:pPr>
+            <a:r>
+              <a:rPr lang="fr-FR" dirty="0"/>
+              <a:t>	</a:t>
+            </a:r>
+          </a:p>
+          <a:p>
+            <a:pPr marL="0" indent="0">
+              <a:buNone/>
+            </a:pPr>
+            <a:r>
+              <a:rPr lang="fr-FR" dirty="0"/>
+              <a:t>	</a:t>
             </a:r>
           </a:p>
         </p:txBody>
       </p:sp>
       <p:pic>
         <p:nvPicPr>
-          <p:cNvPr id="5" name="Image 4">
-            <a:extLst>
-              <a:ext uri="{FF2B5EF4-FFF2-40B4-BE49-F238E27FC236}">
-                <a16:creationId xmlns:a16="http://schemas.microsoft.com/office/drawing/2014/main" id="{C86A3F3C-BD9B-4E9B-BBBB-1F2267A4F931}"/>
+          <p:cNvPr id="6" name="Image 5">
+            <a:extLst>
+              <a:ext uri="{FF2B5EF4-FFF2-40B4-BE49-F238E27FC236}">
+                <a16:creationId xmlns:a16="http://schemas.microsoft.com/office/drawing/2014/main" id="{F857E9A3-ED0B-449F-AB0C-98B38D176953}"/>
               </a:ext>
             </a:extLst>
           </p:cNvPr>
@@ -3967,8 +4029,8 @@
         </p:blipFill>
         <p:spPr>
           <a:xfrm>
-            <a:off x="2999556" y="4001294"/>
-            <a:ext cx="5106113" cy="1771897"/>
+            <a:off x="4876450" y="5099050"/>
+            <a:ext cx="3615863" cy="1393825"/>
           </a:xfrm>
           <a:prstGeom prst="rect">
             <a:avLst/>
@@ -3978,7 +4040,7 @@
     </p:spTree>
     <p:extLst>
       <p:ext uri="{BB962C8B-B14F-4D97-AF65-F5344CB8AC3E}">
-        <p14:creationId xmlns:p14="http://schemas.microsoft.com/office/powerpoint/2010/main" val="2280061595"/>
+        <p14:creationId xmlns:p14="http://schemas.microsoft.com/office/powerpoint/2010/main" val="1218598675"/>
       </p:ext>
     </p:extLst>
   </p:cSld>
@@ -3991,6 +4053,17 @@
 <file path=ppt/slides/slide13.xml><?xml version="1.0" encoding="utf-8"?>
 <p:sld xmlns:a="http://schemas.openxmlformats.org/drawingml/2006/main" xmlns:r="http://schemas.openxmlformats.org/officeDocument/2006/relationships" xmlns:p="http://schemas.openxmlformats.org/presentationml/2006/main">
   <p:cSld>
+    <p:bg>
+      <p:bgPr>
+        <a:solidFill>
+          <a:schemeClr val="accent5">
+            <a:lumMod val="60000"/>
+            <a:lumOff val="40000"/>
+          </a:schemeClr>
+        </a:solidFill>
+        <a:effectLst/>
+      </p:bgPr>
+    </p:bg>
     <p:spTree>
       <p:nvGrpSpPr>
         <p:cNvPr id="1" name=""/>
@@ -4010,7 +4083,7 @@
           <p:cNvPr id="2" name="Titre 1">
             <a:extLst>
               <a:ext uri="{FF2B5EF4-FFF2-40B4-BE49-F238E27FC236}">
-                <a16:creationId xmlns:a16="http://schemas.microsoft.com/office/drawing/2014/main" id="{0BE1AC30-9008-45CA-8FA5-3517A2A5CA6E}"/>
+                <a16:creationId xmlns:a16="http://schemas.microsoft.com/office/drawing/2014/main" id="{8E02C1CE-D966-4D11-B87D-FB48F6E1DC1E}"/>
               </a:ext>
             </a:extLst>
           </p:cNvPr>
@@ -4028,14 +4101,7 @@
           <a:p>
             <a:r>
               <a:rPr lang="fr-FR" dirty="0"/>
-              <a:t>Types de données</a:t>
-            </a:r>
-            <a:br>
-              <a:rPr lang="fr-FR" dirty="0"/>
-            </a:br>
-            <a:r>
-              <a:rPr lang="fr-FR" dirty="0"/>
-              <a:t>Listes</a:t>
+              <a:t>Exercice</a:t>
             </a:r>
           </a:p>
         </p:txBody>
@@ -4045,7 +4111,7 @@
           <p:cNvPr id="3" name="Espace réservé du contenu 2">
             <a:extLst>
               <a:ext uri="{FF2B5EF4-FFF2-40B4-BE49-F238E27FC236}">
-                <a16:creationId xmlns:a16="http://schemas.microsoft.com/office/drawing/2014/main" id="{002A5C6B-1B6B-473F-B17B-C8C50576264C}"/>
+                <a16:creationId xmlns:a16="http://schemas.microsoft.com/office/drawing/2014/main" id="{B714387B-F649-48D3-A3D6-CAE6CCA54038}"/>
               </a:ext>
             </a:extLst>
           </p:cNvPr>
@@ -4059,29 +4125,67 @@
         <p:spPr>
           <a:xfrm>
             <a:off x="838200" y="1825625"/>
-            <a:ext cx="10515600" cy="677878"/>
-          </a:xfrm>
-        </p:spPr>
-        <p:txBody>
-          <a:bodyPr/>
+            <a:ext cx="10515600" cy="4746625"/>
+          </a:xfrm>
+        </p:spPr>
+        <p:txBody>
+          <a:bodyPr>
+            <a:normAutofit/>
+          </a:bodyPr>
           <a:lstStyle/>
           <a:p>
             <a:pPr marL="0" indent="0">
               <a:buNone/>
             </a:pPr>
             <a:r>
-              <a:rPr lang="fr-FR" b="1" dirty="0"/>
-              <a:t>Création, assignation de valeur</a:t>
+              <a:rPr lang="fr-FR" dirty="0"/>
+              <a:t>2/ initialiser 2 variables numérique A et B. Afficher le résultat des tests suivants:</a:t>
+            </a:r>
+          </a:p>
+          <a:p>
+            <a:pPr marL="0" indent="0">
+              <a:buNone/>
+            </a:pPr>
+            <a:r>
+              <a:rPr lang="fr-FR" dirty="0"/>
+              <a:t>	- A est supérieur à B</a:t>
+            </a:r>
+          </a:p>
+          <a:p>
+            <a:pPr marL="0" indent="0">
+              <a:buNone/>
+            </a:pPr>
+            <a:r>
+              <a:rPr lang="fr-FR" dirty="0"/>
+              <a:t>	- A est égal à B</a:t>
+            </a:r>
+          </a:p>
+          <a:p>
+            <a:pPr marL="0" indent="0">
+              <a:buNone/>
+            </a:pPr>
+            <a:r>
+              <a:rPr lang="fr-FR" dirty="0"/>
+              <a:t>	- la partie entière de A est supérieure à la partie décimale de B</a:t>
+            </a:r>
+          </a:p>
+          <a:p>
+            <a:pPr marL="0" indent="0">
+              <a:buNone/>
+            </a:pPr>
+            <a:r>
+              <a:rPr lang="fr-FR" dirty="0"/>
+              <a:t>	</a:t>
             </a:r>
           </a:p>
         </p:txBody>
       </p:sp>
       <p:pic>
         <p:nvPicPr>
-          <p:cNvPr id="6" name="Image 5">
-            <a:extLst>
-              <a:ext uri="{FF2B5EF4-FFF2-40B4-BE49-F238E27FC236}">
-                <a16:creationId xmlns:a16="http://schemas.microsoft.com/office/drawing/2014/main" id="{07A13AA3-F51E-4376-BBAB-B75600971804}"/>
+          <p:cNvPr id="5" name="Image 4">
+            <a:extLst>
+              <a:ext uri="{FF2B5EF4-FFF2-40B4-BE49-F238E27FC236}">
+                <a16:creationId xmlns:a16="http://schemas.microsoft.com/office/drawing/2014/main" id="{A389B25F-2D9B-4CC6-B913-9549CF06E71D}"/>
               </a:ext>
             </a:extLst>
           </p:cNvPr>
@@ -4098,8 +4202,8 @@
         </p:blipFill>
         <p:spPr>
           <a:xfrm>
-            <a:off x="838200" y="2503503"/>
-            <a:ext cx="6811326" cy="1600423"/>
+            <a:off x="5524419" y="4372190"/>
+            <a:ext cx="1838406" cy="2200060"/>
           </a:xfrm>
           <a:prstGeom prst="rect">
             <a:avLst/>
@@ -4109,7 +4213,7 @@
     </p:spTree>
     <p:extLst>
       <p:ext uri="{BB962C8B-B14F-4D97-AF65-F5344CB8AC3E}">
-        <p14:creationId xmlns:p14="http://schemas.microsoft.com/office/powerpoint/2010/main" val="1564871656"/>
+        <p14:creationId xmlns:p14="http://schemas.microsoft.com/office/powerpoint/2010/main" val="4248297634"/>
       </p:ext>
     </p:extLst>
   </p:cSld>
@@ -4187,32 +4291,38 @@
             <p:ph idx="1"/>
           </p:nvPr>
         </p:nvSpPr>
-        <p:spPr>
-          <a:xfrm>
-            <a:off x="838200" y="1825625"/>
-            <a:ext cx="10515600" cy="677878"/>
-          </a:xfrm>
-        </p:spPr>
-        <p:txBody>
-          <a:bodyPr/>
-          <a:lstStyle/>
-          <a:p>
-            <a:pPr marL="0" indent="0">
-              <a:buNone/>
-            </a:pPr>
-            <a:r>
-              <a:rPr lang="fr-FR" b="1" dirty="0"/>
-              <a:t>Création, assignation de valeur</a:t>
+        <p:spPr/>
+        <p:txBody>
+          <a:bodyPr/>
+          <a:lstStyle/>
+          <a:p>
+            <a:r>
+              <a:rPr lang="fr-FR" dirty="0"/>
+              <a:t>Une liste va contenir un ensemble ordonné d’éléments dans une plage mémoire</a:t>
+            </a:r>
+          </a:p>
+          <a:p>
+            <a:pPr lvl="1"/>
+            <a:r>
+              <a:rPr lang="fr-FR" dirty="0"/>
+              <a:t>Les éléments peuvent être de type différent</a:t>
+            </a:r>
+          </a:p>
+          <a:p>
+            <a:pPr lvl="1"/>
+            <a:r>
+              <a:rPr lang="fr-FR" dirty="0"/>
+              <a:t>Les chaînes de caractères sont des listes</a:t>
             </a:r>
           </a:p>
         </p:txBody>
       </p:sp>
       <p:pic>
         <p:nvPicPr>
-          <p:cNvPr id="6" name="Image 5">
-            <a:extLst>
-              <a:ext uri="{FF2B5EF4-FFF2-40B4-BE49-F238E27FC236}">
-                <a16:creationId xmlns:a16="http://schemas.microsoft.com/office/drawing/2014/main" id="{07A13AA3-F51E-4376-BBAB-B75600971804}"/>
+          <p:cNvPr id="5" name="Image 4">
+            <a:extLst>
+              <a:ext uri="{FF2B5EF4-FFF2-40B4-BE49-F238E27FC236}">
+                <a16:creationId xmlns:a16="http://schemas.microsoft.com/office/drawing/2014/main" id="{C86A3F3C-BD9B-4E9B-BBBB-1F2267A4F931}"/>
               </a:ext>
             </a:extLst>
           </p:cNvPr>
@@ -4229,38 +4339,8 @@
         </p:blipFill>
         <p:spPr>
           <a:xfrm>
-            <a:off x="838200" y="2503503"/>
-            <a:ext cx="6811326" cy="1600423"/>
-          </a:xfrm>
-          <a:prstGeom prst="rect">
-            <a:avLst/>
-          </a:prstGeom>
-        </p:spPr>
-      </p:pic>
-      <p:pic>
-        <p:nvPicPr>
-          <p:cNvPr id="5" name="Image 4">
-            <a:extLst>
-              <a:ext uri="{FF2B5EF4-FFF2-40B4-BE49-F238E27FC236}">
-                <a16:creationId xmlns:a16="http://schemas.microsoft.com/office/drawing/2014/main" id="{881B545A-2CAC-4A13-AB00-9E68CF7EC8F8}"/>
-              </a:ext>
-            </a:extLst>
-          </p:cNvPr>
-          <p:cNvPicPr>
-            <a:picLocks noChangeAspect="1"/>
-          </p:cNvPicPr>
-          <p:nvPr/>
-        </p:nvPicPr>
-        <p:blipFill>
-          <a:blip r:embed="rId3"/>
-          <a:stretch>
-            <a:fillRect/>
-          </a:stretch>
-        </p:blipFill>
-        <p:spPr>
-          <a:xfrm>
-            <a:off x="935855" y="4282222"/>
-            <a:ext cx="5258534" cy="2057687"/>
+            <a:off x="2999556" y="4001294"/>
+            <a:ext cx="5106113" cy="1771897"/>
           </a:xfrm>
           <a:prstGeom prst="rect">
             <a:avLst/>
@@ -4270,7 +4350,7 @@
     </p:spTree>
     <p:extLst>
       <p:ext uri="{BB962C8B-B14F-4D97-AF65-F5344CB8AC3E}">
-        <p14:creationId xmlns:p14="http://schemas.microsoft.com/office/powerpoint/2010/main" val="4018284272"/>
+        <p14:creationId xmlns:p14="http://schemas.microsoft.com/office/powerpoint/2010/main" val="2280061595"/>
       </p:ext>
     </p:extLst>
   </p:cSld>
@@ -4363,17 +4443,17 @@
             </a:pPr>
             <a:r>
               <a:rPr lang="fr-FR" b="1" dirty="0"/>
-              <a:t>Ajout, suppression de valeurs</a:t>
+              <a:t>Création, assignation de valeur</a:t>
             </a:r>
           </a:p>
         </p:txBody>
       </p:sp>
       <p:pic>
         <p:nvPicPr>
-          <p:cNvPr id="9" name="Image 8">
-            <a:extLst>
-              <a:ext uri="{FF2B5EF4-FFF2-40B4-BE49-F238E27FC236}">
-                <a16:creationId xmlns:a16="http://schemas.microsoft.com/office/drawing/2014/main" id="{16BB2FDB-1481-424D-91FC-8F1478D3A1DB}"/>
+          <p:cNvPr id="6" name="Image 5">
+            <a:extLst>
+              <a:ext uri="{FF2B5EF4-FFF2-40B4-BE49-F238E27FC236}">
+                <a16:creationId xmlns:a16="http://schemas.microsoft.com/office/drawing/2014/main" id="{07A13AA3-F51E-4376-BBAB-B75600971804}"/>
               </a:ext>
             </a:extLst>
           </p:cNvPr>
@@ -4391,7 +4471,7 @@
         <p:spPr>
           <a:xfrm>
             <a:off x="838200" y="2503503"/>
-            <a:ext cx="6011114" cy="2105319"/>
+            <a:ext cx="6811326" cy="1600423"/>
           </a:xfrm>
           <a:prstGeom prst="rect">
             <a:avLst/>
@@ -4401,7 +4481,7 @@
     </p:spTree>
     <p:extLst>
       <p:ext uri="{BB962C8B-B14F-4D97-AF65-F5344CB8AC3E}">
-        <p14:creationId xmlns:p14="http://schemas.microsoft.com/office/powerpoint/2010/main" val="1726396567"/>
+        <p14:creationId xmlns:p14="http://schemas.microsoft.com/office/powerpoint/2010/main" val="1564871656"/>
       </p:ext>
     </p:extLst>
   </p:cSld>
@@ -4494,64 +4574,17 @@
             </a:pPr>
             <a:r>
               <a:rPr lang="fr-FR" b="1" dirty="0"/>
-              <a:t>Copie</a:t>
-            </a:r>
-          </a:p>
-          <a:p>
-            <a:pPr marL="0" indent="0">
-              <a:buNone/>
-            </a:pPr>
-            <a:endParaRPr lang="fr-FR" dirty="0"/>
-          </a:p>
-        </p:txBody>
-      </p:sp>
-      <p:sp>
-        <p:nvSpPr>
-          <p:cNvPr id="10" name="ZoneTexte 9">
-            <a:extLst>
-              <a:ext uri="{FF2B5EF4-FFF2-40B4-BE49-F238E27FC236}">
-                <a16:creationId xmlns:a16="http://schemas.microsoft.com/office/drawing/2014/main" id="{19AC538B-3415-4796-BABD-BE3CDE31BCEA}"/>
-              </a:ext>
-            </a:extLst>
-          </p:cNvPr>
-          <p:cNvSpPr txBox="1"/>
-          <p:nvPr/>
-        </p:nvSpPr>
-        <p:spPr>
-          <a:xfrm>
-            <a:off x="838200" y="2503503"/>
-            <a:ext cx="8463737" cy="923330"/>
-          </a:xfrm>
-          <a:prstGeom prst="rect">
-            <a:avLst/>
-          </a:prstGeom>
-          <a:noFill/>
-        </p:spPr>
-        <p:txBody>
-          <a:bodyPr wrap="square" rtlCol="0">
-            <a:spAutoFit/>
-          </a:bodyPr>
-          <a:lstStyle/>
-          <a:p>
-            <a:r>
-              <a:rPr lang="fr-FR" dirty="0"/>
-              <a:t>Attention! En dehors des simples variables unitaires, les opérations sur les listes, tableaux et objets renvoient une simple référence mémoire à l'objet.</a:t>
-            </a:r>
-          </a:p>
-          <a:p>
-            <a:r>
-              <a:rPr lang="fr-FR" dirty="0"/>
-              <a:t>Pour effectuer une vraie copie, utiliser l’opérateur copy</a:t>
+              <a:t>Création, assignation de valeur</a:t>
             </a:r>
           </a:p>
         </p:txBody>
       </p:sp>
       <p:pic>
         <p:nvPicPr>
-          <p:cNvPr id="11" name="Image 10">
-            <a:extLst>
-              <a:ext uri="{FF2B5EF4-FFF2-40B4-BE49-F238E27FC236}">
-                <a16:creationId xmlns:a16="http://schemas.microsoft.com/office/drawing/2014/main" id="{B76B905C-DEA8-44D7-9DF8-6838892F8701}"/>
+          <p:cNvPr id="6" name="Image 5">
+            <a:extLst>
+              <a:ext uri="{FF2B5EF4-FFF2-40B4-BE49-F238E27FC236}">
+                <a16:creationId xmlns:a16="http://schemas.microsoft.com/office/drawing/2014/main" id="{07A13AA3-F51E-4376-BBAB-B75600971804}"/>
               </a:ext>
             </a:extLst>
           </p:cNvPr>
@@ -4568,8 +4601,38 @@
         </p:blipFill>
         <p:spPr>
           <a:xfrm>
-            <a:off x="838200" y="3730766"/>
-            <a:ext cx="4448796" cy="3000794"/>
+            <a:off x="838200" y="2503503"/>
+            <a:ext cx="6811326" cy="1600423"/>
+          </a:xfrm>
+          <a:prstGeom prst="rect">
+            <a:avLst/>
+          </a:prstGeom>
+        </p:spPr>
+      </p:pic>
+      <p:pic>
+        <p:nvPicPr>
+          <p:cNvPr id="5" name="Image 4">
+            <a:extLst>
+              <a:ext uri="{FF2B5EF4-FFF2-40B4-BE49-F238E27FC236}">
+                <a16:creationId xmlns:a16="http://schemas.microsoft.com/office/drawing/2014/main" id="{881B545A-2CAC-4A13-AB00-9E68CF7EC8F8}"/>
+              </a:ext>
+            </a:extLst>
+          </p:cNvPr>
+          <p:cNvPicPr>
+            <a:picLocks noChangeAspect="1"/>
+          </p:cNvPicPr>
+          <p:nvPr/>
+        </p:nvPicPr>
+        <p:blipFill>
+          <a:blip r:embed="rId3"/>
+          <a:stretch>
+            <a:fillRect/>
+          </a:stretch>
+        </p:blipFill>
+        <p:spPr>
+          <a:xfrm>
+            <a:off x="935855" y="4282222"/>
+            <a:ext cx="5258534" cy="2057687"/>
           </a:xfrm>
           <a:prstGeom prst="rect">
             <a:avLst/>
@@ -4579,7 +4642,7 @@
     </p:spTree>
     <p:extLst>
       <p:ext uri="{BB962C8B-B14F-4D97-AF65-F5344CB8AC3E}">
-        <p14:creationId xmlns:p14="http://schemas.microsoft.com/office/powerpoint/2010/main" val="2953058996"/>
+        <p14:creationId xmlns:p14="http://schemas.microsoft.com/office/powerpoint/2010/main" val="4018284272"/>
       </p:ext>
     </p:extLst>
   </p:cSld>
@@ -4672,64 +4735,17 @@
             </a:pPr>
             <a:r>
               <a:rPr lang="fr-FR" b="1" dirty="0"/>
-              <a:t>Copie</a:t>
-            </a:r>
-          </a:p>
-          <a:p>
-            <a:pPr marL="0" indent="0">
-              <a:buNone/>
-            </a:pPr>
-            <a:endParaRPr lang="fr-FR" dirty="0"/>
-          </a:p>
-        </p:txBody>
-      </p:sp>
-      <p:sp>
-        <p:nvSpPr>
-          <p:cNvPr id="6" name="ZoneTexte 5">
-            <a:extLst>
-              <a:ext uri="{FF2B5EF4-FFF2-40B4-BE49-F238E27FC236}">
-                <a16:creationId xmlns:a16="http://schemas.microsoft.com/office/drawing/2014/main" id="{9142BE4E-99E1-43AC-8A0E-BF099694135F}"/>
-              </a:ext>
-            </a:extLst>
-          </p:cNvPr>
-          <p:cNvSpPr txBox="1"/>
-          <p:nvPr/>
-        </p:nvSpPr>
-        <p:spPr>
-          <a:xfrm>
-            <a:off x="838200" y="2503503"/>
-            <a:ext cx="8463737" cy="923330"/>
-          </a:xfrm>
-          <a:prstGeom prst="rect">
-            <a:avLst/>
-          </a:prstGeom>
-          <a:noFill/>
-        </p:spPr>
-        <p:txBody>
-          <a:bodyPr wrap="square" rtlCol="0">
-            <a:spAutoFit/>
-          </a:bodyPr>
-          <a:lstStyle/>
-          <a:p>
-            <a:r>
-              <a:rPr lang="fr-FR" dirty="0"/>
-              <a:t>Attention! En dehors des simples variables unitaires, les opérations sur les listes, tableaux et objets renvoient une simple référence mémoire à l'objet.</a:t>
-            </a:r>
-          </a:p>
-          <a:p>
-            <a:r>
-              <a:rPr lang="fr-FR" dirty="0"/>
-              <a:t>Pour effectuer une vraie copie, utiliser l’opérateur copy</a:t>
+              <a:t>Ajout, suppression de valeurs</a:t>
             </a:r>
           </a:p>
         </p:txBody>
       </p:sp>
       <p:pic>
         <p:nvPicPr>
-          <p:cNvPr id="8" name="Image 7">
-            <a:extLst>
-              <a:ext uri="{FF2B5EF4-FFF2-40B4-BE49-F238E27FC236}">
-                <a16:creationId xmlns:a16="http://schemas.microsoft.com/office/drawing/2014/main" id="{41DCBA6F-E34D-4FA4-ACFD-AD47CE79A740}"/>
+          <p:cNvPr id="9" name="Image 8">
+            <a:extLst>
+              <a:ext uri="{FF2B5EF4-FFF2-40B4-BE49-F238E27FC236}">
+                <a16:creationId xmlns:a16="http://schemas.microsoft.com/office/drawing/2014/main" id="{16BB2FDB-1481-424D-91FC-8F1478D3A1DB}"/>
               </a:ext>
             </a:extLst>
           </p:cNvPr>
@@ -4746,38 +4762,8 @@
         </p:blipFill>
         <p:spPr>
           <a:xfrm>
-            <a:off x="838200" y="3730766"/>
-            <a:ext cx="4448796" cy="3000794"/>
-          </a:xfrm>
-          <a:prstGeom prst="rect">
-            <a:avLst/>
-          </a:prstGeom>
-        </p:spPr>
-      </p:pic>
-      <p:pic>
-        <p:nvPicPr>
-          <p:cNvPr id="5" name="Image 4">
-            <a:extLst>
-              <a:ext uri="{FF2B5EF4-FFF2-40B4-BE49-F238E27FC236}">
-                <a16:creationId xmlns:a16="http://schemas.microsoft.com/office/drawing/2014/main" id="{FB2E456B-3C00-42AE-B3CA-EE39FB42B32D}"/>
-              </a:ext>
-            </a:extLst>
-          </p:cNvPr>
-          <p:cNvPicPr>
-            <a:picLocks noChangeAspect="1"/>
-          </p:cNvPicPr>
-          <p:nvPr/>
-        </p:nvPicPr>
-        <p:blipFill>
-          <a:blip r:embed="rId3"/>
-          <a:stretch>
-            <a:fillRect/>
-          </a:stretch>
-        </p:blipFill>
-        <p:spPr>
-          <a:xfrm>
-            <a:off x="5733967" y="3620347"/>
-            <a:ext cx="4505954" cy="2838846"/>
+            <a:off x="838200" y="2503503"/>
+            <a:ext cx="6011114" cy="2105319"/>
           </a:xfrm>
           <a:prstGeom prst="rect">
             <a:avLst/>
@@ -4787,7 +4773,7 @@
     </p:spTree>
     <p:extLst>
       <p:ext uri="{BB962C8B-B14F-4D97-AF65-F5344CB8AC3E}">
-        <p14:creationId xmlns:p14="http://schemas.microsoft.com/office/powerpoint/2010/main" val="1252398926"/>
+        <p14:creationId xmlns:p14="http://schemas.microsoft.com/office/powerpoint/2010/main" val="1726396567"/>
       </p:ext>
     </p:extLst>
   </p:cSld>
@@ -4880,7 +4866,7 @@
             </a:pPr>
             <a:r>
               <a:rPr lang="fr-FR" b="1" dirty="0"/>
-              <a:t>Opérateurs</a:t>
+              <a:t>Copie</a:t>
             </a:r>
           </a:p>
           <a:p>
@@ -4893,10 +4879,10 @@
       </p:sp>
       <p:sp>
         <p:nvSpPr>
-          <p:cNvPr id="6" name="ZoneTexte 5">
-            <a:extLst>
-              <a:ext uri="{FF2B5EF4-FFF2-40B4-BE49-F238E27FC236}">
-                <a16:creationId xmlns:a16="http://schemas.microsoft.com/office/drawing/2014/main" id="{9142BE4E-99E1-43AC-8A0E-BF099694135F}"/>
+          <p:cNvPr id="10" name="ZoneTexte 9">
+            <a:extLst>
+              <a:ext uri="{FF2B5EF4-FFF2-40B4-BE49-F238E27FC236}">
+                <a16:creationId xmlns:a16="http://schemas.microsoft.com/office/drawing/2014/main" id="{19AC538B-3415-4796-BABD-BE3CDE31BCEA}"/>
               </a:ext>
             </a:extLst>
           </p:cNvPr>
@@ -4906,7 +4892,7 @@
         <p:spPr>
           <a:xfrm>
             <a:off x="838200" y="2503503"/>
-            <a:ext cx="8463737" cy="646331"/>
+            <a:ext cx="8463737" cy="923330"/>
           </a:xfrm>
           <a:prstGeom prst="rect">
             <a:avLst/>
@@ -4921,25 +4907,23 @@
           <a:p>
             <a:r>
               <a:rPr lang="fr-FR" dirty="0"/>
-              <a:t>Les objets listes ne sont pas des tableaux! Pour cela il existe les objets </a:t>
-            </a:r>
-            <a:r>
-              <a:rPr lang="fr-FR" dirty="0" err="1"/>
-              <a:t>Array</a:t>
-            </a:r>
-            <a:r>
-              <a:rPr lang="fr-FR" dirty="0"/>
-              <a:t>. Les opérations numériques sont traitées comme des opérations sur chaines de caractère</a:t>
+              <a:t>Attention! En dehors des simples variables unitaires, les opérations sur les listes, tableaux et objets renvoient une simple référence mémoire à l'objet.</a:t>
+            </a:r>
+          </a:p>
+          <a:p>
+            <a:r>
+              <a:rPr lang="fr-FR" dirty="0"/>
+              <a:t>Pour effectuer une vraie copie, utiliser l’opérateur copy</a:t>
             </a:r>
           </a:p>
         </p:txBody>
       </p:sp>
       <p:pic>
         <p:nvPicPr>
-          <p:cNvPr id="7" name="Image 6">
-            <a:extLst>
-              <a:ext uri="{FF2B5EF4-FFF2-40B4-BE49-F238E27FC236}">
-                <a16:creationId xmlns:a16="http://schemas.microsoft.com/office/drawing/2014/main" id="{A1BC338A-60ED-4C49-A61A-FE16868CB726}"/>
+          <p:cNvPr id="11" name="Image 10">
+            <a:extLst>
+              <a:ext uri="{FF2B5EF4-FFF2-40B4-BE49-F238E27FC236}">
+                <a16:creationId xmlns:a16="http://schemas.microsoft.com/office/drawing/2014/main" id="{B76B905C-DEA8-44D7-9DF8-6838892F8701}"/>
               </a:ext>
             </a:extLst>
           </p:cNvPr>
@@ -4956,8 +4940,8 @@
         </p:blipFill>
         <p:spPr>
           <a:xfrm>
-            <a:off x="838200" y="3453134"/>
-            <a:ext cx="6373114" cy="2029108"/>
+            <a:off x="838200" y="3730766"/>
+            <a:ext cx="4448796" cy="3000794"/>
           </a:xfrm>
           <a:prstGeom prst="rect">
             <a:avLst/>
@@ -4967,7 +4951,7 @@
     </p:spTree>
     <p:extLst>
       <p:ext uri="{BB962C8B-B14F-4D97-AF65-F5344CB8AC3E}">
-        <p14:creationId xmlns:p14="http://schemas.microsoft.com/office/powerpoint/2010/main" val="3953189367"/>
+        <p14:creationId xmlns:p14="http://schemas.microsoft.com/office/powerpoint/2010/main" val="2953058996"/>
       </p:ext>
     </p:extLst>
   </p:cSld>
@@ -5060,7 +5044,7 @@
             </a:pPr>
             <a:r>
               <a:rPr lang="fr-FR" b="1" dirty="0"/>
-              <a:t>Exercice</a:t>
+              <a:t>Copie</a:t>
             </a:r>
           </a:p>
           <a:p>
@@ -5086,7 +5070,7 @@
         <p:spPr>
           <a:xfrm>
             <a:off x="838200" y="2503503"/>
-            <a:ext cx="8463737" cy="1754326"/>
+            <a:ext cx="8463737" cy="923330"/>
           </a:xfrm>
           <a:prstGeom prst="rect">
             <a:avLst/>
@@ -5099,76 +5083,83 @@
           </a:bodyPr>
           <a:lstStyle/>
           <a:p>
-            <a:pPr marL="285750" indent="-285750">
-              <a:buFontTx/>
-              <a:buChar char="-"/>
-            </a:pPr>
-            <a:r>
-              <a:rPr lang="fr-FR" dirty="0"/>
-              <a:t>Créer une liste avec les valeurs suivantes : 1,10, 4, 50, 4, 37, 2, 4</a:t>
-            </a:r>
-          </a:p>
-          <a:p>
-            <a:pPr marL="285750" indent="-285750">
-              <a:buFontTx/>
-              <a:buChar char="-"/>
-            </a:pPr>
-            <a:r>
-              <a:rPr lang="fr-FR" dirty="0"/>
-              <a:t>Ajouter le chiffre 4 une nouvelle fois</a:t>
-            </a:r>
-          </a:p>
-          <a:p>
-            <a:pPr marL="285750" indent="-285750">
-              <a:buFontTx/>
-              <a:buChar char="-"/>
-            </a:pPr>
-            <a:r>
-              <a:rPr lang="fr-FR" dirty="0"/>
-              <a:t>Utiliser la fonction </a:t>
-            </a:r>
-            <a:r>
-              <a:rPr lang="fr-FR" i="1" dirty="0" err="1"/>
-              <a:t>dir</a:t>
-            </a:r>
-            <a:r>
-              <a:rPr lang="fr-FR" dirty="0"/>
-              <a:t> pour lister les méthodes disponibles pour la liste créée</a:t>
-            </a:r>
-          </a:p>
-          <a:p>
-            <a:pPr marL="285750" indent="-285750">
-              <a:buFontTx/>
-              <a:buChar char="-"/>
-            </a:pPr>
-            <a:r>
-              <a:rPr lang="fr-FR" dirty="0"/>
-              <a:t>Effectuer un tri sur la liste</a:t>
-            </a:r>
-          </a:p>
-          <a:p>
-            <a:pPr marL="285750" indent="-285750">
-              <a:buFontTx/>
-              <a:buChar char="-"/>
-            </a:pPr>
-            <a:r>
-              <a:rPr lang="fr-FR" dirty="0"/>
-              <a:t>Compter combien de 4 sont présents dans la liste</a:t>
-            </a:r>
-          </a:p>
-          <a:p>
-            <a:pPr marL="285750" indent="-285750">
-              <a:buFontTx/>
-              <a:buChar char="-"/>
-            </a:pPr>
-            <a:endParaRPr lang="fr-FR" dirty="0"/>
-          </a:p>
-        </p:txBody>
-      </p:sp>
+            <a:r>
+              <a:rPr lang="fr-FR" dirty="0"/>
+              <a:t>Attention! En dehors des simples variables unitaires, les opérations sur les listes, tableaux et objets renvoient une simple référence mémoire à l'objet.</a:t>
+            </a:r>
+          </a:p>
+          <a:p>
+            <a:r>
+              <a:rPr lang="fr-FR" dirty="0"/>
+              <a:t>Pour effectuer une vraie copie, utiliser l’opérateur copy</a:t>
+            </a:r>
+          </a:p>
+        </p:txBody>
+      </p:sp>
+      <p:pic>
+        <p:nvPicPr>
+          <p:cNvPr id="8" name="Image 7">
+            <a:extLst>
+              <a:ext uri="{FF2B5EF4-FFF2-40B4-BE49-F238E27FC236}">
+                <a16:creationId xmlns:a16="http://schemas.microsoft.com/office/drawing/2014/main" id="{41DCBA6F-E34D-4FA4-ACFD-AD47CE79A740}"/>
+              </a:ext>
+            </a:extLst>
+          </p:cNvPr>
+          <p:cNvPicPr>
+            <a:picLocks noChangeAspect="1"/>
+          </p:cNvPicPr>
+          <p:nvPr/>
+        </p:nvPicPr>
+        <p:blipFill>
+          <a:blip r:embed="rId2"/>
+          <a:stretch>
+            <a:fillRect/>
+          </a:stretch>
+        </p:blipFill>
+        <p:spPr>
+          <a:xfrm>
+            <a:off x="838200" y="3730766"/>
+            <a:ext cx="4448796" cy="3000794"/>
+          </a:xfrm>
+          <a:prstGeom prst="rect">
+            <a:avLst/>
+          </a:prstGeom>
+        </p:spPr>
+      </p:pic>
+      <p:pic>
+        <p:nvPicPr>
+          <p:cNvPr id="5" name="Image 4">
+            <a:extLst>
+              <a:ext uri="{FF2B5EF4-FFF2-40B4-BE49-F238E27FC236}">
+                <a16:creationId xmlns:a16="http://schemas.microsoft.com/office/drawing/2014/main" id="{FB2E456B-3C00-42AE-B3CA-EE39FB42B32D}"/>
+              </a:ext>
+            </a:extLst>
+          </p:cNvPr>
+          <p:cNvPicPr>
+            <a:picLocks noChangeAspect="1"/>
+          </p:cNvPicPr>
+          <p:nvPr/>
+        </p:nvPicPr>
+        <p:blipFill>
+          <a:blip r:embed="rId3"/>
+          <a:stretch>
+            <a:fillRect/>
+          </a:stretch>
+        </p:blipFill>
+        <p:spPr>
+          <a:xfrm>
+            <a:off x="5733967" y="3620347"/>
+            <a:ext cx="4505954" cy="2838846"/>
+          </a:xfrm>
+          <a:prstGeom prst="rect">
+            <a:avLst/>
+          </a:prstGeom>
+        </p:spPr>
+      </p:pic>
     </p:spTree>
     <p:extLst>
       <p:ext uri="{BB962C8B-B14F-4D97-AF65-F5344CB8AC3E}">
-        <p14:creationId xmlns:p14="http://schemas.microsoft.com/office/powerpoint/2010/main" val="844647745"/>
+        <p14:creationId xmlns:p14="http://schemas.microsoft.com/office/powerpoint/2010/main" val="1252398926"/>
       </p:ext>
     </p:extLst>
   </p:cSld>
@@ -5588,7 +5579,7 @@
             </a:pPr>
             <a:r>
               <a:rPr lang="fr-FR" b="1" dirty="0"/>
-              <a:t>Exercice</a:t>
+              <a:t>Opérateurs</a:t>
             </a:r>
           </a:p>
           <a:p>
@@ -5601,10 +5592,10 @@
       </p:sp>
       <p:sp>
         <p:nvSpPr>
-          <p:cNvPr id="9" name="ZoneTexte 8">
-            <a:extLst>
-              <a:ext uri="{FF2B5EF4-FFF2-40B4-BE49-F238E27FC236}">
-                <a16:creationId xmlns:a16="http://schemas.microsoft.com/office/drawing/2014/main" id="{313979BF-C013-43C2-82B3-156EE82AFD81}"/>
+          <p:cNvPr id="6" name="ZoneTexte 5">
+            <a:extLst>
+              <a:ext uri="{FF2B5EF4-FFF2-40B4-BE49-F238E27FC236}">
+                <a16:creationId xmlns:a16="http://schemas.microsoft.com/office/drawing/2014/main" id="{9142BE4E-99E1-43AC-8A0E-BF099694135F}"/>
               </a:ext>
             </a:extLst>
           </p:cNvPr>
@@ -5614,7 +5605,7 @@
         <p:spPr>
           <a:xfrm>
             <a:off x="838200" y="2503503"/>
-            <a:ext cx="8463737" cy="1754326"/>
+            <a:ext cx="8463737" cy="646331"/>
           </a:xfrm>
           <a:prstGeom prst="rect">
             <a:avLst/>
@@ -5627,78 +5618,27 @@
           </a:bodyPr>
           <a:lstStyle/>
           <a:p>
-            <a:pPr marL="285750" indent="-285750">
-              <a:buFontTx/>
-              <a:buChar char="-"/>
-            </a:pPr>
-            <a:r>
-              <a:rPr lang="fr-FR" dirty="0"/>
-              <a:t>Créer une liste avec les valeurs suivantes : 1,10, 4, 50, 4, 37, 2, 4</a:t>
-            </a:r>
-          </a:p>
-          <a:p>
-            <a:pPr marL="285750" indent="-285750">
-              <a:buFontTx/>
-              <a:buChar char="-"/>
-            </a:pPr>
-            <a:r>
-              <a:rPr lang="fr-FR" dirty="0"/>
-              <a:t>Ajouter le chiffre 4 une nouvelle fois</a:t>
-            </a:r>
-          </a:p>
-          <a:p>
-            <a:pPr marL="285750" indent="-285750">
-              <a:buFontTx/>
-              <a:buChar char="-"/>
-            </a:pPr>
-            <a:r>
-              <a:rPr lang="fr-FR" dirty="0"/>
-              <a:t>Utiliser la fonction </a:t>
-            </a:r>
-            <a:r>
-              <a:rPr lang="fr-FR" i="1" dirty="0" err="1"/>
-              <a:t>dir</a:t>
-            </a:r>
-            <a:r>
-              <a:rPr lang="fr-FR" dirty="0"/>
-              <a:t> pour lister les méthodes disponibles pour la liste créée</a:t>
-            </a:r>
-          </a:p>
-          <a:p>
-            <a:pPr marL="285750" indent="-285750">
-              <a:buFontTx/>
-              <a:buChar char="-"/>
-            </a:pPr>
-            <a:r>
-              <a:rPr lang="fr-FR" dirty="0"/>
-              <a:t>Effectuer un tri sur la liste</a:t>
-            </a:r>
-          </a:p>
-          <a:p>
-            <a:pPr marL="285750" indent="-285750">
-              <a:buFontTx/>
-              <a:buChar char="-"/>
-            </a:pPr>
-            <a:r>
-              <a:rPr lang="fr-FR" dirty="0"/>
-              <a:t>Compter combien de 4 sont présents dans la liste</a:t>
-            </a:r>
-          </a:p>
-          <a:p>
-            <a:pPr marL="285750" indent="-285750">
-              <a:buFontTx/>
-              <a:buChar char="-"/>
-            </a:pPr>
-            <a:endParaRPr lang="fr-FR" dirty="0"/>
+            <a:r>
+              <a:rPr lang="fr-FR" dirty="0"/>
+              <a:t>Les objets listes ne sont pas des tableaux! Pour cela il existe les objets </a:t>
+            </a:r>
+            <a:r>
+              <a:rPr lang="fr-FR" dirty="0" err="1"/>
+              <a:t>Array</a:t>
+            </a:r>
+            <a:r>
+              <a:rPr lang="fr-FR" dirty="0"/>
+              <a:t>. Les opérations numériques sont traitées comme des opérations sur chaines de caractère</a:t>
+            </a:r>
           </a:p>
         </p:txBody>
       </p:sp>
       <p:pic>
         <p:nvPicPr>
-          <p:cNvPr id="11" name="Image 10">
-            <a:extLst>
-              <a:ext uri="{FF2B5EF4-FFF2-40B4-BE49-F238E27FC236}">
-                <a16:creationId xmlns:a16="http://schemas.microsoft.com/office/drawing/2014/main" id="{BF530D79-A5F7-4FD4-B016-DAFE65FD83DD}"/>
+          <p:cNvPr id="7" name="Image 6">
+            <a:extLst>
+              <a:ext uri="{FF2B5EF4-FFF2-40B4-BE49-F238E27FC236}">
+                <a16:creationId xmlns:a16="http://schemas.microsoft.com/office/drawing/2014/main" id="{A1BC338A-60ED-4C49-A61A-FE16868CB726}"/>
               </a:ext>
             </a:extLst>
           </p:cNvPr>
@@ -5715,8 +5655,8 @@
         </p:blipFill>
         <p:spPr>
           <a:xfrm>
-            <a:off x="838200" y="4175265"/>
-            <a:ext cx="4401164" cy="2200582"/>
+            <a:off x="838200" y="3453134"/>
+            <a:ext cx="6373114" cy="2029108"/>
           </a:xfrm>
           <a:prstGeom prst="rect">
             <a:avLst/>
@@ -5726,7 +5666,7 @@
     </p:spTree>
     <p:extLst>
       <p:ext uri="{BB962C8B-B14F-4D97-AF65-F5344CB8AC3E}">
-        <p14:creationId xmlns:p14="http://schemas.microsoft.com/office/powerpoint/2010/main" val="3327715119"/>
+        <p14:creationId xmlns:p14="http://schemas.microsoft.com/office/powerpoint/2010/main" val="3953189367"/>
       </p:ext>
     </p:extLst>
   </p:cSld>
@@ -5739,6 +5679,17 @@
 <file path=ppt/slides/slide21.xml><?xml version="1.0" encoding="utf-8"?>
 <p:sld xmlns:a="http://schemas.openxmlformats.org/drawingml/2006/main" xmlns:r="http://schemas.openxmlformats.org/officeDocument/2006/relationships" xmlns:p="http://schemas.openxmlformats.org/presentationml/2006/main">
   <p:cSld>
+    <p:bg>
+      <p:bgPr>
+        <a:solidFill>
+          <a:schemeClr val="accent5">
+            <a:lumMod val="60000"/>
+            <a:lumOff val="40000"/>
+          </a:schemeClr>
+        </a:solidFill>
+        <a:effectLst/>
+      </p:bgPr>
+    </p:bg>
     <p:spTree>
       <p:nvGrpSpPr>
         <p:cNvPr id="1" name=""/>
@@ -5776,701 +5727,17 @@
           <a:p>
             <a:r>
               <a:rPr lang="fr-FR" dirty="0"/>
-              <a:t>Types de données</a:t>
-            </a:r>
-            <a:br>
-              <a:rPr lang="fr-FR" dirty="0"/>
-            </a:br>
-            <a:r>
-              <a:rPr lang="fr-FR" dirty="0"/>
-              <a:t>Dictionnaires</a:t>
-            </a:r>
-          </a:p>
-        </p:txBody>
-      </p:sp>
-      <p:sp>
-        <p:nvSpPr>
-          <p:cNvPr id="3" name="Espace réservé du contenu 2">
-            <a:extLst>
-              <a:ext uri="{FF2B5EF4-FFF2-40B4-BE49-F238E27FC236}">
-                <a16:creationId xmlns:a16="http://schemas.microsoft.com/office/drawing/2014/main" id="{002A5C6B-1B6B-473F-B17B-C8C50576264C}"/>
-              </a:ext>
-            </a:extLst>
-          </p:cNvPr>
-          <p:cNvSpPr>
-            <a:spLocks noGrp="1"/>
-          </p:cNvSpPr>
-          <p:nvPr>
-            <p:ph idx="1"/>
-          </p:nvPr>
-        </p:nvSpPr>
-        <p:spPr>
-          <a:xfrm>
-            <a:off x="838200" y="1825625"/>
-            <a:ext cx="10515600" cy="1725443"/>
-          </a:xfrm>
-        </p:spPr>
-        <p:txBody>
-          <a:bodyPr>
-            <a:normAutofit fontScale="92500"/>
-          </a:bodyPr>
-          <a:lstStyle/>
-          <a:p>
-            <a:pPr marL="0" indent="0">
-              <a:buNone/>
-            </a:pPr>
-            <a:r>
-              <a:rPr lang="fr-FR" dirty="0"/>
-              <a:t>Un dictionnaire, ou </a:t>
-            </a:r>
-            <a:r>
-              <a:rPr lang="fr-FR" dirty="0" err="1"/>
-              <a:t>hashtable</a:t>
-            </a:r>
-            <a:r>
-              <a:rPr lang="fr-FR" dirty="0"/>
-              <a:t>, est vu comme un tableau dont les valeurs sont accessibles par des étiquettes plutôt que des indices. En python, les étiquettes comme les valeurs peuvent être de type différents. </a:t>
-            </a:r>
-          </a:p>
-          <a:p>
-            <a:pPr marL="0" indent="0">
-              <a:buNone/>
-            </a:pPr>
-            <a:r>
-              <a:rPr lang="fr-FR" dirty="0"/>
-              <a:t>Les étiquettes sont par nécessité uniques</a:t>
-            </a:r>
-          </a:p>
-        </p:txBody>
-      </p:sp>
-      <p:sp>
-        <p:nvSpPr>
-          <p:cNvPr id="4" name="Rectangle 3">
-            <a:extLst>
-              <a:ext uri="{FF2B5EF4-FFF2-40B4-BE49-F238E27FC236}">
-                <a16:creationId xmlns:a16="http://schemas.microsoft.com/office/drawing/2014/main" id="{2C493FB2-5620-42EB-BDCC-4E5C1AA4BCB4}"/>
-              </a:ext>
-            </a:extLst>
-          </p:cNvPr>
-          <p:cNvSpPr/>
-          <p:nvPr/>
-        </p:nvSpPr>
-        <p:spPr>
-          <a:xfrm>
-            <a:off x="6409678" y="4252404"/>
-            <a:ext cx="807868" cy="798990"/>
-          </a:xfrm>
-          <a:prstGeom prst="rect">
-            <a:avLst/>
-          </a:prstGeom>
-          <a:ln w="38100">
-            <a:solidFill>
-              <a:schemeClr val="accent1">
-                <a:lumMod val="75000"/>
-              </a:schemeClr>
-            </a:solidFill>
-          </a:ln>
-        </p:spPr>
-        <p:style>
-          <a:lnRef idx="2">
-            <a:schemeClr val="accent1">
-              <a:shade val="50000"/>
-            </a:schemeClr>
-          </a:lnRef>
-          <a:fillRef idx="1">
-            <a:schemeClr val="accent1"/>
-          </a:fillRef>
-          <a:effectRef idx="0">
-            <a:schemeClr val="accent1"/>
-          </a:effectRef>
-          <a:fontRef idx="minor">
-            <a:schemeClr val="lt1"/>
-          </a:fontRef>
-        </p:style>
-        <p:txBody>
-          <a:bodyPr rtlCol="0" anchor="ctr"/>
-          <a:lstStyle/>
-          <a:p>
-            <a:pPr algn="ctr"/>
-            <a:r>
-              <a:rPr lang="fr-FR" dirty="0"/>
-              <a:t>50</a:t>
-            </a:r>
-          </a:p>
-        </p:txBody>
-      </p:sp>
-      <p:sp>
-        <p:nvSpPr>
-          <p:cNvPr id="7" name="Rectangle 6">
-            <a:extLst>
-              <a:ext uri="{FF2B5EF4-FFF2-40B4-BE49-F238E27FC236}">
-                <a16:creationId xmlns:a16="http://schemas.microsoft.com/office/drawing/2014/main" id="{1D879D99-6EB8-460E-99A4-AD601D97D610}"/>
-              </a:ext>
-            </a:extLst>
-          </p:cNvPr>
-          <p:cNvSpPr/>
-          <p:nvPr/>
-        </p:nvSpPr>
-        <p:spPr>
-          <a:xfrm>
-            <a:off x="7217546" y="4252404"/>
-            <a:ext cx="807868" cy="798990"/>
-          </a:xfrm>
-          <a:prstGeom prst="rect">
-            <a:avLst/>
-          </a:prstGeom>
-          <a:ln w="38100">
-            <a:solidFill>
-              <a:schemeClr val="accent1">
-                <a:lumMod val="75000"/>
-              </a:schemeClr>
-            </a:solidFill>
-          </a:ln>
-        </p:spPr>
-        <p:style>
-          <a:lnRef idx="2">
-            <a:schemeClr val="accent1">
-              <a:shade val="50000"/>
-            </a:schemeClr>
-          </a:lnRef>
-          <a:fillRef idx="1">
-            <a:schemeClr val="accent1"/>
-          </a:fillRef>
-          <a:effectRef idx="0">
-            <a:schemeClr val="accent1"/>
-          </a:effectRef>
-          <a:fontRef idx="minor">
-            <a:schemeClr val="lt1"/>
-          </a:fontRef>
-        </p:style>
-        <p:txBody>
-          <a:bodyPr rtlCol="0" anchor="ctr"/>
-          <a:lstStyle/>
-          <a:p>
-            <a:pPr algn="ctr"/>
-            <a:r>
-              <a:rPr lang="fr-FR" dirty="0"/>
-              <a:t>70</a:t>
-            </a:r>
-          </a:p>
-        </p:txBody>
-      </p:sp>
-      <p:sp>
-        <p:nvSpPr>
-          <p:cNvPr id="8" name="Rectangle 7">
-            <a:extLst>
-              <a:ext uri="{FF2B5EF4-FFF2-40B4-BE49-F238E27FC236}">
-                <a16:creationId xmlns:a16="http://schemas.microsoft.com/office/drawing/2014/main" id="{121AD437-D99E-446B-AE45-AD38F35FD616}"/>
-              </a:ext>
-            </a:extLst>
-          </p:cNvPr>
-          <p:cNvSpPr/>
-          <p:nvPr/>
-        </p:nvSpPr>
-        <p:spPr>
-          <a:xfrm>
-            <a:off x="8025414" y="4252404"/>
-            <a:ext cx="807868" cy="798990"/>
-          </a:xfrm>
-          <a:prstGeom prst="rect">
-            <a:avLst/>
-          </a:prstGeom>
-          <a:ln w="38100">
-            <a:solidFill>
-              <a:schemeClr val="accent1">
-                <a:lumMod val="75000"/>
-              </a:schemeClr>
-            </a:solidFill>
-          </a:ln>
-        </p:spPr>
-        <p:style>
-          <a:lnRef idx="2">
-            <a:schemeClr val="accent1">
-              <a:shade val="50000"/>
-            </a:schemeClr>
-          </a:lnRef>
-          <a:fillRef idx="1">
-            <a:schemeClr val="accent1"/>
-          </a:fillRef>
-          <a:effectRef idx="0">
-            <a:schemeClr val="accent1"/>
-          </a:effectRef>
-          <a:fontRef idx="minor">
-            <a:schemeClr val="lt1"/>
-          </a:fontRef>
-        </p:style>
-        <p:txBody>
-          <a:bodyPr rtlCol="0" anchor="ctr"/>
-          <a:lstStyle/>
-          <a:p>
-            <a:pPr algn="ctr"/>
-            <a:r>
-              <a:rPr lang="fr-FR" dirty="0"/>
-              <a:t>39</a:t>
-            </a:r>
-          </a:p>
-        </p:txBody>
-      </p:sp>
-      <p:sp>
-        <p:nvSpPr>
-          <p:cNvPr id="9" name="Rectangle 8">
-            <a:extLst>
-              <a:ext uri="{FF2B5EF4-FFF2-40B4-BE49-F238E27FC236}">
-                <a16:creationId xmlns:a16="http://schemas.microsoft.com/office/drawing/2014/main" id="{182C3C13-0501-44C2-AC69-030AE09BFB2C}"/>
-              </a:ext>
-            </a:extLst>
-          </p:cNvPr>
-          <p:cNvSpPr/>
-          <p:nvPr/>
-        </p:nvSpPr>
-        <p:spPr>
-          <a:xfrm>
-            <a:off x="8833282" y="4252404"/>
-            <a:ext cx="807868" cy="798990"/>
-          </a:xfrm>
-          <a:prstGeom prst="rect">
-            <a:avLst/>
-          </a:prstGeom>
-          <a:ln w="38100">
-            <a:solidFill>
-              <a:schemeClr val="accent1">
-                <a:lumMod val="75000"/>
-              </a:schemeClr>
-            </a:solidFill>
-          </a:ln>
-        </p:spPr>
-        <p:style>
-          <a:lnRef idx="2">
-            <a:schemeClr val="accent1">
-              <a:shade val="50000"/>
-            </a:schemeClr>
-          </a:lnRef>
-          <a:fillRef idx="1">
-            <a:schemeClr val="accent1"/>
-          </a:fillRef>
-          <a:effectRef idx="0">
-            <a:schemeClr val="accent1"/>
-          </a:effectRef>
-          <a:fontRef idx="minor">
-            <a:schemeClr val="lt1"/>
-          </a:fontRef>
-        </p:style>
-        <p:txBody>
-          <a:bodyPr rtlCol="0" anchor="ctr"/>
-          <a:lstStyle/>
-          <a:p>
-            <a:pPr algn="ctr"/>
-            <a:r>
-              <a:rPr lang="fr-FR" dirty="0"/>
-              <a:t>4</a:t>
-            </a:r>
-          </a:p>
-        </p:txBody>
-      </p:sp>
-      <p:sp>
-        <p:nvSpPr>
-          <p:cNvPr id="10" name="Rectangle 9">
-            <a:extLst>
-              <a:ext uri="{FF2B5EF4-FFF2-40B4-BE49-F238E27FC236}">
-                <a16:creationId xmlns:a16="http://schemas.microsoft.com/office/drawing/2014/main" id="{B485108B-9C1B-4F95-B51E-5E8FCEBDC6D4}"/>
-              </a:ext>
-            </a:extLst>
-          </p:cNvPr>
-          <p:cNvSpPr/>
-          <p:nvPr/>
-        </p:nvSpPr>
-        <p:spPr>
-          <a:xfrm>
-            <a:off x="1742982" y="3536611"/>
-            <a:ext cx="807868" cy="798990"/>
-          </a:xfrm>
-          <a:prstGeom prst="rect">
-            <a:avLst/>
-          </a:prstGeom>
-          <a:ln w="38100">
-            <a:solidFill>
-              <a:schemeClr val="accent1">
-                <a:lumMod val="75000"/>
-              </a:schemeClr>
-            </a:solidFill>
-          </a:ln>
-        </p:spPr>
-        <p:style>
-          <a:lnRef idx="2">
-            <a:schemeClr val="accent1">
-              <a:shade val="50000"/>
-            </a:schemeClr>
-          </a:lnRef>
-          <a:fillRef idx="1">
-            <a:schemeClr val="accent1"/>
-          </a:fillRef>
-          <a:effectRef idx="0">
-            <a:schemeClr val="accent1"/>
-          </a:effectRef>
-          <a:fontRef idx="minor">
-            <a:schemeClr val="lt1"/>
-          </a:fontRef>
-        </p:style>
-        <p:txBody>
-          <a:bodyPr rtlCol="0" anchor="ctr"/>
-          <a:lstStyle/>
-          <a:p>
-            <a:pPr algn="ctr"/>
-            <a:r>
-              <a:rPr lang="fr-FR" dirty="0"/>
-              <a:t>‘C1’</a:t>
-            </a:r>
-          </a:p>
-        </p:txBody>
-      </p:sp>
-      <p:sp>
-        <p:nvSpPr>
-          <p:cNvPr id="11" name="Rectangle 10">
-            <a:extLst>
-              <a:ext uri="{FF2B5EF4-FFF2-40B4-BE49-F238E27FC236}">
-                <a16:creationId xmlns:a16="http://schemas.microsoft.com/office/drawing/2014/main" id="{1C81FC3D-B9C6-4531-BB69-B9661317FE2C}"/>
-              </a:ext>
-            </a:extLst>
-          </p:cNvPr>
-          <p:cNvSpPr/>
-          <p:nvPr/>
-        </p:nvSpPr>
-        <p:spPr>
-          <a:xfrm>
-            <a:off x="1742982" y="4353356"/>
-            <a:ext cx="807868" cy="798990"/>
-          </a:xfrm>
-          <a:prstGeom prst="rect">
-            <a:avLst/>
-          </a:prstGeom>
-          <a:ln w="38100">
-            <a:solidFill>
-              <a:schemeClr val="accent1">
-                <a:lumMod val="75000"/>
-              </a:schemeClr>
-            </a:solidFill>
-          </a:ln>
-        </p:spPr>
-        <p:style>
-          <a:lnRef idx="2">
-            <a:schemeClr val="accent1">
-              <a:shade val="50000"/>
-            </a:schemeClr>
-          </a:lnRef>
-          <a:fillRef idx="1">
-            <a:schemeClr val="accent1"/>
-          </a:fillRef>
-          <a:effectRef idx="0">
-            <a:schemeClr val="accent1"/>
-          </a:effectRef>
-          <a:fontRef idx="minor">
-            <a:schemeClr val="lt1"/>
-          </a:fontRef>
-        </p:style>
-        <p:txBody>
-          <a:bodyPr rtlCol="0" anchor="ctr"/>
-          <a:lstStyle/>
-          <a:p>
-            <a:pPr algn="ctr"/>
-            <a:r>
-              <a:rPr lang="fr-FR" dirty="0"/>
-              <a:t>‘C2’</a:t>
-            </a:r>
-          </a:p>
-        </p:txBody>
-      </p:sp>
-      <p:sp>
-        <p:nvSpPr>
-          <p:cNvPr id="12" name="Rectangle 11">
-            <a:extLst>
-              <a:ext uri="{FF2B5EF4-FFF2-40B4-BE49-F238E27FC236}">
-                <a16:creationId xmlns:a16="http://schemas.microsoft.com/office/drawing/2014/main" id="{39875808-D092-467E-9DD6-5B23530A98ED}"/>
-              </a:ext>
-            </a:extLst>
-          </p:cNvPr>
-          <p:cNvSpPr/>
-          <p:nvPr/>
-        </p:nvSpPr>
-        <p:spPr>
-          <a:xfrm>
-            <a:off x="1742982" y="5173401"/>
-            <a:ext cx="807868" cy="798990"/>
-          </a:xfrm>
-          <a:prstGeom prst="rect">
-            <a:avLst/>
-          </a:prstGeom>
-          <a:ln w="38100">
-            <a:solidFill>
-              <a:schemeClr val="accent1">
-                <a:lumMod val="75000"/>
-              </a:schemeClr>
-            </a:solidFill>
-          </a:ln>
-        </p:spPr>
-        <p:style>
-          <a:lnRef idx="2">
-            <a:schemeClr val="accent1">
-              <a:shade val="50000"/>
-            </a:schemeClr>
-          </a:lnRef>
-          <a:fillRef idx="1">
-            <a:schemeClr val="accent1"/>
-          </a:fillRef>
-          <a:effectRef idx="0">
-            <a:schemeClr val="accent1"/>
-          </a:effectRef>
-          <a:fontRef idx="minor">
-            <a:schemeClr val="lt1"/>
-          </a:fontRef>
-        </p:style>
-        <p:txBody>
-          <a:bodyPr rtlCol="0" anchor="ctr"/>
-          <a:lstStyle/>
-          <a:p>
-            <a:pPr algn="ctr"/>
-            <a:r>
-              <a:rPr lang="fr-FR" dirty="0"/>
-              <a:t>‘C3’</a:t>
-            </a:r>
-          </a:p>
-        </p:txBody>
-      </p:sp>
-      <p:sp>
-        <p:nvSpPr>
-          <p:cNvPr id="13" name="Rectangle 12">
-            <a:extLst>
-              <a:ext uri="{FF2B5EF4-FFF2-40B4-BE49-F238E27FC236}">
-                <a16:creationId xmlns:a16="http://schemas.microsoft.com/office/drawing/2014/main" id="{58B7A9A0-D94B-4335-B7FA-03CC4FC15133}"/>
-              </a:ext>
-            </a:extLst>
-          </p:cNvPr>
-          <p:cNvSpPr/>
-          <p:nvPr/>
-        </p:nvSpPr>
-        <p:spPr>
-          <a:xfrm>
-            <a:off x="1742982" y="5993446"/>
-            <a:ext cx="807868" cy="798990"/>
-          </a:xfrm>
-          <a:prstGeom prst="rect">
-            <a:avLst/>
-          </a:prstGeom>
-          <a:ln w="38100">
-            <a:solidFill>
-              <a:schemeClr val="accent1">
-                <a:lumMod val="75000"/>
-              </a:schemeClr>
-            </a:solidFill>
-          </a:ln>
-        </p:spPr>
-        <p:style>
-          <a:lnRef idx="2">
-            <a:schemeClr val="accent1">
-              <a:shade val="50000"/>
-            </a:schemeClr>
-          </a:lnRef>
-          <a:fillRef idx="1">
-            <a:schemeClr val="accent1"/>
-          </a:fillRef>
-          <a:effectRef idx="0">
-            <a:schemeClr val="accent1"/>
-          </a:effectRef>
-          <a:fontRef idx="minor">
-            <a:schemeClr val="lt1"/>
-          </a:fontRef>
-        </p:style>
-        <p:txBody>
-          <a:bodyPr rtlCol="0" anchor="ctr"/>
-          <a:lstStyle/>
-          <a:p>
-            <a:pPr algn="ctr"/>
-            <a:r>
-              <a:rPr lang="fr-FR" dirty="0"/>
-              <a:t>‘C4’</a:t>
-            </a:r>
-          </a:p>
-        </p:txBody>
-      </p:sp>
-      <p:cxnSp>
-        <p:nvCxnSpPr>
-          <p:cNvPr id="15" name="Connecteur : en arc 14">
-            <a:extLst>
-              <a:ext uri="{FF2B5EF4-FFF2-40B4-BE49-F238E27FC236}">
-                <a16:creationId xmlns:a16="http://schemas.microsoft.com/office/drawing/2014/main" id="{77B40E2C-F4A8-4DE8-95A7-38A37DBA4AE3}"/>
-              </a:ext>
-            </a:extLst>
-          </p:cNvPr>
-          <p:cNvCxnSpPr>
-            <a:stCxn id="10" idx="3"/>
-            <a:endCxn id="4" idx="2"/>
-          </p:cNvCxnSpPr>
-          <p:nvPr/>
-        </p:nvCxnSpPr>
-        <p:spPr>
-          <a:xfrm>
-            <a:off x="2550850" y="3936106"/>
-            <a:ext cx="4262762" cy="1115288"/>
-          </a:xfrm>
-          <a:prstGeom prst="curvedConnector4">
-            <a:avLst>
-              <a:gd name="adj1" fmla="val 45262"/>
-              <a:gd name="adj2" fmla="val 120497"/>
-            </a:avLst>
-          </a:prstGeom>
-          <a:ln w="38100">
-            <a:tailEnd type="triangle"/>
-          </a:ln>
-        </p:spPr>
-        <p:style>
-          <a:lnRef idx="1">
-            <a:schemeClr val="accent2"/>
-          </a:lnRef>
-          <a:fillRef idx="0">
-            <a:schemeClr val="accent2"/>
-          </a:fillRef>
-          <a:effectRef idx="0">
-            <a:schemeClr val="accent2"/>
-          </a:effectRef>
-          <a:fontRef idx="minor">
-            <a:schemeClr val="tx1"/>
-          </a:fontRef>
-        </p:style>
-      </p:cxnSp>
-      <p:cxnSp>
-        <p:nvCxnSpPr>
-          <p:cNvPr id="17" name="Connecteur : en arc 16">
-            <a:extLst>
-              <a:ext uri="{FF2B5EF4-FFF2-40B4-BE49-F238E27FC236}">
-                <a16:creationId xmlns:a16="http://schemas.microsoft.com/office/drawing/2014/main" id="{1396E236-BCB6-48EE-A781-60656E4BC69C}"/>
-              </a:ext>
-            </a:extLst>
-          </p:cNvPr>
-          <p:cNvCxnSpPr>
-            <a:stCxn id="11" idx="3"/>
-            <a:endCxn id="7" idx="2"/>
-          </p:cNvCxnSpPr>
-          <p:nvPr/>
-        </p:nvCxnSpPr>
-        <p:spPr>
-          <a:xfrm>
-            <a:off x="2550850" y="4752851"/>
-            <a:ext cx="5070630" cy="298543"/>
-          </a:xfrm>
-          <a:prstGeom prst="curvedConnector4">
-            <a:avLst>
-              <a:gd name="adj1" fmla="val 18179"/>
-              <a:gd name="adj2" fmla="val 244966"/>
-            </a:avLst>
-          </a:prstGeom>
-          <a:ln w="38100">
-            <a:tailEnd type="triangle"/>
-          </a:ln>
-        </p:spPr>
-        <p:style>
-          <a:lnRef idx="1">
-            <a:schemeClr val="accent2"/>
-          </a:lnRef>
-          <a:fillRef idx="0">
-            <a:schemeClr val="accent2"/>
-          </a:fillRef>
-          <a:effectRef idx="0">
-            <a:schemeClr val="accent2"/>
-          </a:effectRef>
-          <a:fontRef idx="minor">
-            <a:schemeClr val="tx1"/>
-          </a:fontRef>
-        </p:style>
-      </p:cxnSp>
-      <p:cxnSp>
-        <p:nvCxnSpPr>
-          <p:cNvPr id="28" name="Connecteur : en angle 27">
-            <a:extLst>
-              <a:ext uri="{FF2B5EF4-FFF2-40B4-BE49-F238E27FC236}">
-                <a16:creationId xmlns:a16="http://schemas.microsoft.com/office/drawing/2014/main" id="{82F72CBC-70E7-4D9F-8F9C-10B131380CA1}"/>
-              </a:ext>
-            </a:extLst>
-          </p:cNvPr>
-          <p:cNvCxnSpPr>
-            <a:stCxn id="12" idx="3"/>
-            <a:endCxn id="8" idx="2"/>
-          </p:cNvCxnSpPr>
-          <p:nvPr/>
-        </p:nvCxnSpPr>
-        <p:spPr>
-          <a:xfrm flipV="1">
-            <a:off x="2550850" y="5051394"/>
-            <a:ext cx="5878498" cy="521502"/>
-          </a:xfrm>
-          <a:prstGeom prst="bentConnector2">
-            <a:avLst/>
-          </a:prstGeom>
-          <a:ln w="38100">
-            <a:tailEnd type="triangle"/>
-          </a:ln>
-        </p:spPr>
-        <p:style>
-          <a:lnRef idx="1">
-            <a:schemeClr val="accent2"/>
-          </a:lnRef>
-          <a:fillRef idx="0">
-            <a:schemeClr val="accent2"/>
-          </a:fillRef>
-          <a:effectRef idx="0">
-            <a:schemeClr val="accent2"/>
-          </a:effectRef>
-          <a:fontRef idx="minor">
-            <a:schemeClr val="tx1"/>
-          </a:fontRef>
-        </p:style>
-      </p:cxnSp>
-      <p:cxnSp>
-        <p:nvCxnSpPr>
-          <p:cNvPr id="30" name="Connecteur : en angle 29">
-            <a:extLst>
-              <a:ext uri="{FF2B5EF4-FFF2-40B4-BE49-F238E27FC236}">
-                <a16:creationId xmlns:a16="http://schemas.microsoft.com/office/drawing/2014/main" id="{407B0C60-30AE-4DC4-9B60-48109EDB4B55}"/>
-              </a:ext>
-            </a:extLst>
-          </p:cNvPr>
-          <p:cNvCxnSpPr>
-            <a:stCxn id="13" idx="3"/>
-            <a:endCxn id="9" idx="2"/>
-          </p:cNvCxnSpPr>
-          <p:nvPr/>
-        </p:nvCxnSpPr>
-        <p:spPr>
-          <a:xfrm flipV="1">
-            <a:off x="2550850" y="5051394"/>
-            <a:ext cx="6686366" cy="1341547"/>
-          </a:xfrm>
-          <a:prstGeom prst="bentConnector2">
-            <a:avLst/>
-          </a:prstGeom>
-          <a:ln w="38100">
-            <a:tailEnd type="triangle"/>
-          </a:ln>
-        </p:spPr>
-        <p:style>
-          <a:lnRef idx="1">
-            <a:schemeClr val="accent2"/>
-          </a:lnRef>
-          <a:fillRef idx="0">
-            <a:schemeClr val="accent2"/>
-          </a:fillRef>
-          <a:effectRef idx="0">
-            <a:schemeClr val="accent2"/>
-          </a:effectRef>
-          <a:fontRef idx="minor">
-            <a:schemeClr val="tx1"/>
-          </a:fontRef>
-        </p:style>
-      </p:cxnSp>
-      <p:sp>
-        <p:nvSpPr>
-          <p:cNvPr id="31" name="ZoneTexte 30">
-            <a:extLst>
-              <a:ext uri="{FF2B5EF4-FFF2-40B4-BE49-F238E27FC236}">
-                <a16:creationId xmlns:a16="http://schemas.microsoft.com/office/drawing/2014/main" id="{C0167C9A-67FB-4F7B-813A-25C746FCC28C}"/>
+              <a:t>Exercice</a:t>
+            </a:r>
+          </a:p>
+        </p:txBody>
+      </p:sp>
+      <p:sp>
+        <p:nvSpPr>
+          <p:cNvPr id="6" name="ZoneTexte 5">
+            <a:extLst>
+              <a:ext uri="{FF2B5EF4-FFF2-40B4-BE49-F238E27FC236}">
+                <a16:creationId xmlns:a16="http://schemas.microsoft.com/office/drawing/2014/main" id="{9142BE4E-99E1-43AC-8A0E-BF099694135F}"/>
               </a:ext>
             </a:extLst>
           </p:cNvPr>
@@ -6479,8 +5746,8 @@
         </p:nvSpPr>
         <p:spPr>
           <a:xfrm>
-            <a:off x="911440" y="4866728"/>
-            <a:ext cx="540533" cy="369332"/>
+            <a:off x="838200" y="2503503"/>
+            <a:ext cx="8463737" cy="1754326"/>
           </a:xfrm>
           <a:prstGeom prst="rect">
             <a:avLst/>
@@ -6488,57 +5755,81 @@
           <a:noFill/>
         </p:spPr>
         <p:txBody>
-          <a:bodyPr wrap="none" rtlCol="0">
+          <a:bodyPr wrap="square" rtlCol="0">
             <a:spAutoFit/>
           </a:bodyPr>
           <a:lstStyle/>
           <a:p>
-            <a:r>
-              <a:rPr lang="fr-FR" dirty="0"/>
-              <a:t>clés</a:t>
-            </a:r>
-          </a:p>
-        </p:txBody>
-      </p:sp>
-      <p:sp>
-        <p:nvSpPr>
-          <p:cNvPr id="32" name="ZoneTexte 31">
-            <a:extLst>
-              <a:ext uri="{FF2B5EF4-FFF2-40B4-BE49-F238E27FC236}">
-                <a16:creationId xmlns:a16="http://schemas.microsoft.com/office/drawing/2014/main" id="{6C6BA6B3-40A2-4A6C-8F5E-4A52CEF61769}"/>
-              </a:ext>
-            </a:extLst>
-          </p:cNvPr>
-          <p:cNvSpPr txBox="1"/>
-          <p:nvPr/>
-        </p:nvSpPr>
-        <p:spPr>
-          <a:xfrm>
-            <a:off x="7621480" y="3839566"/>
-            <a:ext cx="869982" cy="369332"/>
-          </a:xfrm>
-          <a:prstGeom prst="rect">
-            <a:avLst/>
-          </a:prstGeom>
-          <a:noFill/>
-        </p:spPr>
-        <p:txBody>
-          <a:bodyPr wrap="none" rtlCol="0">
-            <a:spAutoFit/>
-          </a:bodyPr>
-          <a:lstStyle/>
-          <a:p>
-            <a:r>
-              <a:rPr lang="fr-FR" dirty="0"/>
-              <a:t>Valeurs</a:t>
-            </a:r>
+            <a:pPr marL="285750" indent="-285750">
+              <a:buFontTx/>
+              <a:buChar char="-"/>
+            </a:pPr>
+            <a:r>
+              <a:rPr lang="fr-FR" dirty="0"/>
+              <a:t>Créer une liste avec les valeurs suivantes : 1,10, 4, 50, 4, 37, 2, 4</a:t>
+            </a:r>
+          </a:p>
+          <a:p>
+            <a:pPr marL="285750" indent="-285750">
+              <a:buFontTx/>
+              <a:buChar char="-"/>
+            </a:pPr>
+            <a:r>
+              <a:rPr lang="fr-FR" dirty="0"/>
+              <a:t>Ajouter le chiffre 4 une nouvelle fois</a:t>
+            </a:r>
+          </a:p>
+          <a:p>
+            <a:pPr marL="285750" indent="-285750">
+              <a:buFontTx/>
+              <a:buChar char="-"/>
+            </a:pPr>
+            <a:r>
+              <a:rPr lang="fr-FR" dirty="0"/>
+              <a:t>Utiliser la fonction </a:t>
+            </a:r>
+            <a:r>
+              <a:rPr lang="fr-FR" i="1" dirty="0" err="1"/>
+              <a:t>dir</a:t>
+            </a:r>
+            <a:r>
+              <a:rPr lang="fr-FR" dirty="0"/>
+              <a:t> pour lister les méthodes disponibles pour la liste créée</a:t>
+            </a:r>
+          </a:p>
+          <a:p>
+            <a:pPr marL="742950" lvl="1" indent="-285750">
+              <a:buFontTx/>
+              <a:buChar char="-"/>
+            </a:pPr>
+            <a:r>
+              <a:rPr lang="fr-FR" dirty="0"/>
+              <a:t>Effectuer un tri sur la liste</a:t>
+            </a:r>
+          </a:p>
+          <a:p>
+            <a:pPr marL="742950" lvl="1" indent="-285750">
+              <a:buFontTx/>
+              <a:buChar char="-"/>
+            </a:pPr>
+            <a:r>
+              <a:rPr lang="fr-FR" dirty="0"/>
+              <a:t>Compter combien de 4 sont présents dans la liste</a:t>
+            </a:r>
+          </a:p>
+          <a:p>
+            <a:pPr marL="285750" indent="-285750">
+              <a:buFontTx/>
+              <a:buChar char="-"/>
+            </a:pPr>
+            <a:endParaRPr lang="fr-FR" dirty="0"/>
           </a:p>
         </p:txBody>
       </p:sp>
     </p:spTree>
     <p:extLst>
       <p:ext uri="{BB962C8B-B14F-4D97-AF65-F5344CB8AC3E}">
-        <p14:creationId xmlns:p14="http://schemas.microsoft.com/office/powerpoint/2010/main" val="1379717698"/>
+        <p14:creationId xmlns:p14="http://schemas.microsoft.com/office/powerpoint/2010/main" val="844647745"/>
       </p:ext>
     </p:extLst>
   </p:cSld>
@@ -6602,10 +5893,10 @@
       </p:sp>
       <p:sp>
         <p:nvSpPr>
-          <p:cNvPr id="20" name="Espace réservé du contenu 2">
-            <a:extLst>
-              <a:ext uri="{FF2B5EF4-FFF2-40B4-BE49-F238E27FC236}">
-                <a16:creationId xmlns:a16="http://schemas.microsoft.com/office/drawing/2014/main" id="{84A43DE6-9380-4287-8479-5ED32074B337}"/>
+          <p:cNvPr id="3" name="Espace réservé du contenu 2">
+            <a:extLst>
+              <a:ext uri="{FF2B5EF4-FFF2-40B4-BE49-F238E27FC236}">
+                <a16:creationId xmlns:a16="http://schemas.microsoft.com/office/drawing/2014/main" id="{002A5C6B-1B6B-473F-B17B-C8C50576264C}"/>
               </a:ext>
             </a:extLst>
           </p:cNvPr>
@@ -6619,57 +5910,738 @@
         <p:spPr>
           <a:xfrm>
             <a:off x="838200" y="1825625"/>
-            <a:ext cx="10515600" cy="677878"/>
-          </a:xfrm>
-        </p:spPr>
-        <p:txBody>
-          <a:bodyPr/>
+            <a:ext cx="10515600" cy="1725443"/>
+          </a:xfrm>
+        </p:spPr>
+        <p:txBody>
+          <a:bodyPr>
+            <a:normAutofit fontScale="92500"/>
+          </a:bodyPr>
           <a:lstStyle/>
           <a:p>
             <a:pPr marL="0" indent="0">
               <a:buNone/>
             </a:pPr>
             <a:r>
-              <a:rPr lang="fr-FR" b="1" dirty="0"/>
-              <a:t>Création, assignation de valeur</a:t>
-            </a:r>
-          </a:p>
-        </p:txBody>
-      </p:sp>
-      <p:pic>
-        <p:nvPicPr>
-          <p:cNvPr id="16" name="Image 15">
-            <a:extLst>
-              <a:ext uri="{FF2B5EF4-FFF2-40B4-BE49-F238E27FC236}">
-                <a16:creationId xmlns:a16="http://schemas.microsoft.com/office/drawing/2014/main" id="{7988B561-6AE3-4341-98D4-D7DC21344962}"/>
-              </a:ext>
-            </a:extLst>
-          </p:cNvPr>
-          <p:cNvPicPr>
-            <a:picLocks noChangeAspect="1"/>
-          </p:cNvPicPr>
+              <a:rPr lang="fr-FR" dirty="0"/>
+              <a:t>Un dictionnaire, ou </a:t>
+            </a:r>
+            <a:r>
+              <a:rPr lang="fr-FR" dirty="0" err="1"/>
+              <a:t>hashtable</a:t>
+            </a:r>
+            <a:r>
+              <a:rPr lang="fr-FR" dirty="0"/>
+              <a:t>, est vu comme un tableau dont les valeurs sont accessibles par des étiquettes plutôt que des indices. En python, les étiquettes comme les valeurs peuvent être de type différents. </a:t>
+            </a:r>
+          </a:p>
+          <a:p>
+            <a:pPr marL="0" indent="0">
+              <a:buNone/>
+            </a:pPr>
+            <a:r>
+              <a:rPr lang="fr-FR" dirty="0"/>
+              <a:t>Les étiquettes sont par nécessité uniques</a:t>
+            </a:r>
+          </a:p>
+        </p:txBody>
+      </p:sp>
+      <p:sp>
+        <p:nvSpPr>
+          <p:cNvPr id="4" name="Rectangle 3">
+            <a:extLst>
+              <a:ext uri="{FF2B5EF4-FFF2-40B4-BE49-F238E27FC236}">
+                <a16:creationId xmlns:a16="http://schemas.microsoft.com/office/drawing/2014/main" id="{2C493FB2-5620-42EB-BDCC-4E5C1AA4BCB4}"/>
+              </a:ext>
+            </a:extLst>
+          </p:cNvPr>
+          <p:cNvSpPr/>
           <p:nvPr/>
-        </p:nvPicPr>
-        <p:blipFill>
-          <a:blip r:embed="rId2"/>
-          <a:stretch>
-            <a:fillRect/>
-          </a:stretch>
-        </p:blipFill>
-        <p:spPr>
-          <a:xfrm>
-            <a:off x="0" y="2638440"/>
-            <a:ext cx="7097115" cy="2962688"/>
+        </p:nvSpPr>
+        <p:spPr>
+          <a:xfrm>
+            <a:off x="6409678" y="4252404"/>
+            <a:ext cx="807868" cy="798990"/>
           </a:xfrm>
           <a:prstGeom prst="rect">
             <a:avLst/>
           </a:prstGeom>
-        </p:spPr>
-      </p:pic>
+          <a:ln w="38100">
+            <a:solidFill>
+              <a:schemeClr val="accent1">
+                <a:lumMod val="75000"/>
+              </a:schemeClr>
+            </a:solidFill>
+          </a:ln>
+        </p:spPr>
+        <p:style>
+          <a:lnRef idx="2">
+            <a:schemeClr val="accent1">
+              <a:shade val="50000"/>
+            </a:schemeClr>
+          </a:lnRef>
+          <a:fillRef idx="1">
+            <a:schemeClr val="accent1"/>
+          </a:fillRef>
+          <a:effectRef idx="0">
+            <a:schemeClr val="accent1"/>
+          </a:effectRef>
+          <a:fontRef idx="minor">
+            <a:schemeClr val="lt1"/>
+          </a:fontRef>
+        </p:style>
+        <p:txBody>
+          <a:bodyPr rtlCol="0" anchor="ctr"/>
+          <a:lstStyle/>
+          <a:p>
+            <a:pPr algn="ctr"/>
+            <a:r>
+              <a:rPr lang="fr-FR" dirty="0"/>
+              <a:t>50</a:t>
+            </a:r>
+          </a:p>
+        </p:txBody>
+      </p:sp>
+      <p:sp>
+        <p:nvSpPr>
+          <p:cNvPr id="7" name="Rectangle 6">
+            <a:extLst>
+              <a:ext uri="{FF2B5EF4-FFF2-40B4-BE49-F238E27FC236}">
+                <a16:creationId xmlns:a16="http://schemas.microsoft.com/office/drawing/2014/main" id="{1D879D99-6EB8-460E-99A4-AD601D97D610}"/>
+              </a:ext>
+            </a:extLst>
+          </p:cNvPr>
+          <p:cNvSpPr/>
+          <p:nvPr/>
+        </p:nvSpPr>
+        <p:spPr>
+          <a:xfrm>
+            <a:off x="7217546" y="4252404"/>
+            <a:ext cx="807868" cy="798990"/>
+          </a:xfrm>
+          <a:prstGeom prst="rect">
+            <a:avLst/>
+          </a:prstGeom>
+          <a:ln w="38100">
+            <a:solidFill>
+              <a:schemeClr val="accent1">
+                <a:lumMod val="75000"/>
+              </a:schemeClr>
+            </a:solidFill>
+          </a:ln>
+        </p:spPr>
+        <p:style>
+          <a:lnRef idx="2">
+            <a:schemeClr val="accent1">
+              <a:shade val="50000"/>
+            </a:schemeClr>
+          </a:lnRef>
+          <a:fillRef idx="1">
+            <a:schemeClr val="accent1"/>
+          </a:fillRef>
+          <a:effectRef idx="0">
+            <a:schemeClr val="accent1"/>
+          </a:effectRef>
+          <a:fontRef idx="minor">
+            <a:schemeClr val="lt1"/>
+          </a:fontRef>
+        </p:style>
+        <p:txBody>
+          <a:bodyPr rtlCol="0" anchor="ctr"/>
+          <a:lstStyle/>
+          <a:p>
+            <a:pPr algn="ctr"/>
+            <a:r>
+              <a:rPr lang="fr-FR" dirty="0"/>
+              <a:t>70</a:t>
+            </a:r>
+          </a:p>
+        </p:txBody>
+      </p:sp>
+      <p:sp>
+        <p:nvSpPr>
+          <p:cNvPr id="8" name="Rectangle 7">
+            <a:extLst>
+              <a:ext uri="{FF2B5EF4-FFF2-40B4-BE49-F238E27FC236}">
+                <a16:creationId xmlns:a16="http://schemas.microsoft.com/office/drawing/2014/main" id="{121AD437-D99E-446B-AE45-AD38F35FD616}"/>
+              </a:ext>
+            </a:extLst>
+          </p:cNvPr>
+          <p:cNvSpPr/>
+          <p:nvPr/>
+        </p:nvSpPr>
+        <p:spPr>
+          <a:xfrm>
+            <a:off x="8025414" y="4252404"/>
+            <a:ext cx="807868" cy="798990"/>
+          </a:xfrm>
+          <a:prstGeom prst="rect">
+            <a:avLst/>
+          </a:prstGeom>
+          <a:ln w="38100">
+            <a:solidFill>
+              <a:schemeClr val="accent1">
+                <a:lumMod val="75000"/>
+              </a:schemeClr>
+            </a:solidFill>
+          </a:ln>
+        </p:spPr>
+        <p:style>
+          <a:lnRef idx="2">
+            <a:schemeClr val="accent1">
+              <a:shade val="50000"/>
+            </a:schemeClr>
+          </a:lnRef>
+          <a:fillRef idx="1">
+            <a:schemeClr val="accent1"/>
+          </a:fillRef>
+          <a:effectRef idx="0">
+            <a:schemeClr val="accent1"/>
+          </a:effectRef>
+          <a:fontRef idx="minor">
+            <a:schemeClr val="lt1"/>
+          </a:fontRef>
+        </p:style>
+        <p:txBody>
+          <a:bodyPr rtlCol="0" anchor="ctr"/>
+          <a:lstStyle/>
+          <a:p>
+            <a:pPr algn="ctr"/>
+            <a:r>
+              <a:rPr lang="fr-FR" dirty="0"/>
+              <a:t>39</a:t>
+            </a:r>
+          </a:p>
+        </p:txBody>
+      </p:sp>
+      <p:sp>
+        <p:nvSpPr>
+          <p:cNvPr id="9" name="Rectangle 8">
+            <a:extLst>
+              <a:ext uri="{FF2B5EF4-FFF2-40B4-BE49-F238E27FC236}">
+                <a16:creationId xmlns:a16="http://schemas.microsoft.com/office/drawing/2014/main" id="{182C3C13-0501-44C2-AC69-030AE09BFB2C}"/>
+              </a:ext>
+            </a:extLst>
+          </p:cNvPr>
+          <p:cNvSpPr/>
+          <p:nvPr/>
+        </p:nvSpPr>
+        <p:spPr>
+          <a:xfrm>
+            <a:off x="8833282" y="4252404"/>
+            <a:ext cx="807868" cy="798990"/>
+          </a:xfrm>
+          <a:prstGeom prst="rect">
+            <a:avLst/>
+          </a:prstGeom>
+          <a:ln w="38100">
+            <a:solidFill>
+              <a:schemeClr val="accent1">
+                <a:lumMod val="75000"/>
+              </a:schemeClr>
+            </a:solidFill>
+          </a:ln>
+        </p:spPr>
+        <p:style>
+          <a:lnRef idx="2">
+            <a:schemeClr val="accent1">
+              <a:shade val="50000"/>
+            </a:schemeClr>
+          </a:lnRef>
+          <a:fillRef idx="1">
+            <a:schemeClr val="accent1"/>
+          </a:fillRef>
+          <a:effectRef idx="0">
+            <a:schemeClr val="accent1"/>
+          </a:effectRef>
+          <a:fontRef idx="minor">
+            <a:schemeClr val="lt1"/>
+          </a:fontRef>
+        </p:style>
+        <p:txBody>
+          <a:bodyPr rtlCol="0" anchor="ctr"/>
+          <a:lstStyle/>
+          <a:p>
+            <a:pPr algn="ctr"/>
+            <a:r>
+              <a:rPr lang="fr-FR" dirty="0"/>
+              <a:t>4</a:t>
+            </a:r>
+          </a:p>
+        </p:txBody>
+      </p:sp>
+      <p:sp>
+        <p:nvSpPr>
+          <p:cNvPr id="10" name="Rectangle 9">
+            <a:extLst>
+              <a:ext uri="{FF2B5EF4-FFF2-40B4-BE49-F238E27FC236}">
+                <a16:creationId xmlns:a16="http://schemas.microsoft.com/office/drawing/2014/main" id="{B485108B-9C1B-4F95-B51E-5E8FCEBDC6D4}"/>
+              </a:ext>
+            </a:extLst>
+          </p:cNvPr>
+          <p:cNvSpPr/>
+          <p:nvPr/>
+        </p:nvSpPr>
+        <p:spPr>
+          <a:xfrm>
+            <a:off x="1742982" y="3536611"/>
+            <a:ext cx="807868" cy="798990"/>
+          </a:xfrm>
+          <a:prstGeom prst="rect">
+            <a:avLst/>
+          </a:prstGeom>
+          <a:ln w="38100">
+            <a:solidFill>
+              <a:schemeClr val="accent1">
+                <a:lumMod val="75000"/>
+              </a:schemeClr>
+            </a:solidFill>
+          </a:ln>
+        </p:spPr>
+        <p:style>
+          <a:lnRef idx="2">
+            <a:schemeClr val="accent1">
+              <a:shade val="50000"/>
+            </a:schemeClr>
+          </a:lnRef>
+          <a:fillRef idx="1">
+            <a:schemeClr val="accent1"/>
+          </a:fillRef>
+          <a:effectRef idx="0">
+            <a:schemeClr val="accent1"/>
+          </a:effectRef>
+          <a:fontRef idx="minor">
+            <a:schemeClr val="lt1"/>
+          </a:fontRef>
+        </p:style>
+        <p:txBody>
+          <a:bodyPr rtlCol="0" anchor="ctr"/>
+          <a:lstStyle/>
+          <a:p>
+            <a:pPr algn="ctr"/>
+            <a:r>
+              <a:rPr lang="fr-FR" dirty="0"/>
+              <a:t>‘C1’</a:t>
+            </a:r>
+          </a:p>
+        </p:txBody>
+      </p:sp>
+      <p:sp>
+        <p:nvSpPr>
+          <p:cNvPr id="11" name="Rectangle 10">
+            <a:extLst>
+              <a:ext uri="{FF2B5EF4-FFF2-40B4-BE49-F238E27FC236}">
+                <a16:creationId xmlns:a16="http://schemas.microsoft.com/office/drawing/2014/main" id="{1C81FC3D-B9C6-4531-BB69-B9661317FE2C}"/>
+              </a:ext>
+            </a:extLst>
+          </p:cNvPr>
+          <p:cNvSpPr/>
+          <p:nvPr/>
+        </p:nvSpPr>
+        <p:spPr>
+          <a:xfrm>
+            <a:off x="1742982" y="4353356"/>
+            <a:ext cx="807868" cy="798990"/>
+          </a:xfrm>
+          <a:prstGeom prst="rect">
+            <a:avLst/>
+          </a:prstGeom>
+          <a:ln w="38100">
+            <a:solidFill>
+              <a:schemeClr val="accent1">
+                <a:lumMod val="75000"/>
+              </a:schemeClr>
+            </a:solidFill>
+          </a:ln>
+        </p:spPr>
+        <p:style>
+          <a:lnRef idx="2">
+            <a:schemeClr val="accent1">
+              <a:shade val="50000"/>
+            </a:schemeClr>
+          </a:lnRef>
+          <a:fillRef idx="1">
+            <a:schemeClr val="accent1"/>
+          </a:fillRef>
+          <a:effectRef idx="0">
+            <a:schemeClr val="accent1"/>
+          </a:effectRef>
+          <a:fontRef idx="minor">
+            <a:schemeClr val="lt1"/>
+          </a:fontRef>
+        </p:style>
+        <p:txBody>
+          <a:bodyPr rtlCol="0" anchor="ctr"/>
+          <a:lstStyle/>
+          <a:p>
+            <a:pPr algn="ctr"/>
+            <a:r>
+              <a:rPr lang="fr-FR" dirty="0"/>
+              <a:t>‘C2’</a:t>
+            </a:r>
+          </a:p>
+        </p:txBody>
+      </p:sp>
+      <p:sp>
+        <p:nvSpPr>
+          <p:cNvPr id="12" name="Rectangle 11">
+            <a:extLst>
+              <a:ext uri="{FF2B5EF4-FFF2-40B4-BE49-F238E27FC236}">
+                <a16:creationId xmlns:a16="http://schemas.microsoft.com/office/drawing/2014/main" id="{39875808-D092-467E-9DD6-5B23530A98ED}"/>
+              </a:ext>
+            </a:extLst>
+          </p:cNvPr>
+          <p:cNvSpPr/>
+          <p:nvPr/>
+        </p:nvSpPr>
+        <p:spPr>
+          <a:xfrm>
+            <a:off x="1742982" y="5173401"/>
+            <a:ext cx="807868" cy="798990"/>
+          </a:xfrm>
+          <a:prstGeom prst="rect">
+            <a:avLst/>
+          </a:prstGeom>
+          <a:ln w="38100">
+            <a:solidFill>
+              <a:schemeClr val="accent1">
+                <a:lumMod val="75000"/>
+              </a:schemeClr>
+            </a:solidFill>
+          </a:ln>
+        </p:spPr>
+        <p:style>
+          <a:lnRef idx="2">
+            <a:schemeClr val="accent1">
+              <a:shade val="50000"/>
+            </a:schemeClr>
+          </a:lnRef>
+          <a:fillRef idx="1">
+            <a:schemeClr val="accent1"/>
+          </a:fillRef>
+          <a:effectRef idx="0">
+            <a:schemeClr val="accent1"/>
+          </a:effectRef>
+          <a:fontRef idx="minor">
+            <a:schemeClr val="lt1"/>
+          </a:fontRef>
+        </p:style>
+        <p:txBody>
+          <a:bodyPr rtlCol="0" anchor="ctr"/>
+          <a:lstStyle/>
+          <a:p>
+            <a:pPr algn="ctr"/>
+            <a:r>
+              <a:rPr lang="fr-FR" dirty="0"/>
+              <a:t>‘C3’</a:t>
+            </a:r>
+          </a:p>
+        </p:txBody>
+      </p:sp>
+      <p:sp>
+        <p:nvSpPr>
+          <p:cNvPr id="13" name="Rectangle 12">
+            <a:extLst>
+              <a:ext uri="{FF2B5EF4-FFF2-40B4-BE49-F238E27FC236}">
+                <a16:creationId xmlns:a16="http://schemas.microsoft.com/office/drawing/2014/main" id="{58B7A9A0-D94B-4335-B7FA-03CC4FC15133}"/>
+              </a:ext>
+            </a:extLst>
+          </p:cNvPr>
+          <p:cNvSpPr/>
+          <p:nvPr/>
+        </p:nvSpPr>
+        <p:spPr>
+          <a:xfrm>
+            <a:off x="1742982" y="5993446"/>
+            <a:ext cx="807868" cy="798990"/>
+          </a:xfrm>
+          <a:prstGeom prst="rect">
+            <a:avLst/>
+          </a:prstGeom>
+          <a:ln w="38100">
+            <a:solidFill>
+              <a:schemeClr val="accent1">
+                <a:lumMod val="75000"/>
+              </a:schemeClr>
+            </a:solidFill>
+          </a:ln>
+        </p:spPr>
+        <p:style>
+          <a:lnRef idx="2">
+            <a:schemeClr val="accent1">
+              <a:shade val="50000"/>
+            </a:schemeClr>
+          </a:lnRef>
+          <a:fillRef idx="1">
+            <a:schemeClr val="accent1"/>
+          </a:fillRef>
+          <a:effectRef idx="0">
+            <a:schemeClr val="accent1"/>
+          </a:effectRef>
+          <a:fontRef idx="minor">
+            <a:schemeClr val="lt1"/>
+          </a:fontRef>
+        </p:style>
+        <p:txBody>
+          <a:bodyPr rtlCol="0" anchor="ctr"/>
+          <a:lstStyle/>
+          <a:p>
+            <a:pPr algn="ctr"/>
+            <a:r>
+              <a:rPr lang="fr-FR" dirty="0"/>
+              <a:t>‘C4’</a:t>
+            </a:r>
+          </a:p>
+        </p:txBody>
+      </p:sp>
+      <p:cxnSp>
+        <p:nvCxnSpPr>
+          <p:cNvPr id="15" name="Connecteur : en arc 14">
+            <a:extLst>
+              <a:ext uri="{FF2B5EF4-FFF2-40B4-BE49-F238E27FC236}">
+                <a16:creationId xmlns:a16="http://schemas.microsoft.com/office/drawing/2014/main" id="{77B40E2C-F4A8-4DE8-95A7-38A37DBA4AE3}"/>
+              </a:ext>
+            </a:extLst>
+          </p:cNvPr>
+          <p:cNvCxnSpPr>
+            <a:stCxn id="10" idx="3"/>
+            <a:endCxn id="4" idx="2"/>
+          </p:cNvCxnSpPr>
+          <p:nvPr/>
+        </p:nvCxnSpPr>
+        <p:spPr>
+          <a:xfrm>
+            <a:off x="2550850" y="3936106"/>
+            <a:ext cx="4262762" cy="1115288"/>
+          </a:xfrm>
+          <a:prstGeom prst="curvedConnector4">
+            <a:avLst>
+              <a:gd name="adj1" fmla="val 45262"/>
+              <a:gd name="adj2" fmla="val 120497"/>
+            </a:avLst>
+          </a:prstGeom>
+          <a:ln w="38100">
+            <a:tailEnd type="triangle"/>
+          </a:ln>
+        </p:spPr>
+        <p:style>
+          <a:lnRef idx="1">
+            <a:schemeClr val="accent2"/>
+          </a:lnRef>
+          <a:fillRef idx="0">
+            <a:schemeClr val="accent2"/>
+          </a:fillRef>
+          <a:effectRef idx="0">
+            <a:schemeClr val="accent2"/>
+          </a:effectRef>
+          <a:fontRef idx="minor">
+            <a:schemeClr val="tx1"/>
+          </a:fontRef>
+        </p:style>
+      </p:cxnSp>
+      <p:cxnSp>
+        <p:nvCxnSpPr>
+          <p:cNvPr id="17" name="Connecteur : en arc 16">
+            <a:extLst>
+              <a:ext uri="{FF2B5EF4-FFF2-40B4-BE49-F238E27FC236}">
+                <a16:creationId xmlns:a16="http://schemas.microsoft.com/office/drawing/2014/main" id="{1396E236-BCB6-48EE-A781-60656E4BC69C}"/>
+              </a:ext>
+            </a:extLst>
+          </p:cNvPr>
+          <p:cNvCxnSpPr>
+            <a:stCxn id="11" idx="3"/>
+            <a:endCxn id="7" idx="2"/>
+          </p:cNvCxnSpPr>
+          <p:nvPr/>
+        </p:nvCxnSpPr>
+        <p:spPr>
+          <a:xfrm>
+            <a:off x="2550850" y="4752851"/>
+            <a:ext cx="5070630" cy="298543"/>
+          </a:xfrm>
+          <a:prstGeom prst="curvedConnector4">
+            <a:avLst>
+              <a:gd name="adj1" fmla="val 18179"/>
+              <a:gd name="adj2" fmla="val 244966"/>
+            </a:avLst>
+          </a:prstGeom>
+          <a:ln w="38100">
+            <a:tailEnd type="triangle"/>
+          </a:ln>
+        </p:spPr>
+        <p:style>
+          <a:lnRef idx="1">
+            <a:schemeClr val="accent2"/>
+          </a:lnRef>
+          <a:fillRef idx="0">
+            <a:schemeClr val="accent2"/>
+          </a:fillRef>
+          <a:effectRef idx="0">
+            <a:schemeClr val="accent2"/>
+          </a:effectRef>
+          <a:fontRef idx="minor">
+            <a:schemeClr val="tx1"/>
+          </a:fontRef>
+        </p:style>
+      </p:cxnSp>
+      <p:cxnSp>
+        <p:nvCxnSpPr>
+          <p:cNvPr id="28" name="Connecteur : en angle 27">
+            <a:extLst>
+              <a:ext uri="{FF2B5EF4-FFF2-40B4-BE49-F238E27FC236}">
+                <a16:creationId xmlns:a16="http://schemas.microsoft.com/office/drawing/2014/main" id="{82F72CBC-70E7-4D9F-8F9C-10B131380CA1}"/>
+              </a:ext>
+            </a:extLst>
+          </p:cNvPr>
+          <p:cNvCxnSpPr>
+            <a:stCxn id="12" idx="3"/>
+            <a:endCxn id="8" idx="2"/>
+          </p:cNvCxnSpPr>
+          <p:nvPr/>
+        </p:nvCxnSpPr>
+        <p:spPr>
+          <a:xfrm flipV="1">
+            <a:off x="2550850" y="5051394"/>
+            <a:ext cx="5878498" cy="521502"/>
+          </a:xfrm>
+          <a:prstGeom prst="bentConnector2">
+            <a:avLst/>
+          </a:prstGeom>
+          <a:ln w="38100">
+            <a:tailEnd type="triangle"/>
+          </a:ln>
+        </p:spPr>
+        <p:style>
+          <a:lnRef idx="1">
+            <a:schemeClr val="accent2"/>
+          </a:lnRef>
+          <a:fillRef idx="0">
+            <a:schemeClr val="accent2"/>
+          </a:fillRef>
+          <a:effectRef idx="0">
+            <a:schemeClr val="accent2"/>
+          </a:effectRef>
+          <a:fontRef idx="minor">
+            <a:schemeClr val="tx1"/>
+          </a:fontRef>
+        </p:style>
+      </p:cxnSp>
+      <p:cxnSp>
+        <p:nvCxnSpPr>
+          <p:cNvPr id="30" name="Connecteur : en angle 29">
+            <a:extLst>
+              <a:ext uri="{FF2B5EF4-FFF2-40B4-BE49-F238E27FC236}">
+                <a16:creationId xmlns:a16="http://schemas.microsoft.com/office/drawing/2014/main" id="{407B0C60-30AE-4DC4-9B60-48109EDB4B55}"/>
+              </a:ext>
+            </a:extLst>
+          </p:cNvPr>
+          <p:cNvCxnSpPr>
+            <a:stCxn id="13" idx="3"/>
+            <a:endCxn id="9" idx="2"/>
+          </p:cNvCxnSpPr>
+          <p:nvPr/>
+        </p:nvCxnSpPr>
+        <p:spPr>
+          <a:xfrm flipV="1">
+            <a:off x="2550850" y="5051394"/>
+            <a:ext cx="6686366" cy="1341547"/>
+          </a:xfrm>
+          <a:prstGeom prst="bentConnector2">
+            <a:avLst/>
+          </a:prstGeom>
+          <a:ln w="38100">
+            <a:tailEnd type="triangle"/>
+          </a:ln>
+        </p:spPr>
+        <p:style>
+          <a:lnRef idx="1">
+            <a:schemeClr val="accent2"/>
+          </a:lnRef>
+          <a:fillRef idx="0">
+            <a:schemeClr val="accent2"/>
+          </a:fillRef>
+          <a:effectRef idx="0">
+            <a:schemeClr val="accent2"/>
+          </a:effectRef>
+          <a:fontRef idx="minor">
+            <a:schemeClr val="tx1"/>
+          </a:fontRef>
+        </p:style>
+      </p:cxnSp>
+      <p:sp>
+        <p:nvSpPr>
+          <p:cNvPr id="31" name="ZoneTexte 30">
+            <a:extLst>
+              <a:ext uri="{FF2B5EF4-FFF2-40B4-BE49-F238E27FC236}">
+                <a16:creationId xmlns:a16="http://schemas.microsoft.com/office/drawing/2014/main" id="{C0167C9A-67FB-4F7B-813A-25C746FCC28C}"/>
+              </a:ext>
+            </a:extLst>
+          </p:cNvPr>
+          <p:cNvSpPr txBox="1"/>
+          <p:nvPr/>
+        </p:nvSpPr>
+        <p:spPr>
+          <a:xfrm>
+            <a:off x="911440" y="4866728"/>
+            <a:ext cx="540533" cy="369332"/>
+          </a:xfrm>
+          <a:prstGeom prst="rect">
+            <a:avLst/>
+          </a:prstGeom>
+          <a:noFill/>
+        </p:spPr>
+        <p:txBody>
+          <a:bodyPr wrap="none" rtlCol="0">
+            <a:spAutoFit/>
+          </a:bodyPr>
+          <a:lstStyle/>
+          <a:p>
+            <a:r>
+              <a:rPr lang="fr-FR" dirty="0"/>
+              <a:t>clés</a:t>
+            </a:r>
+          </a:p>
+        </p:txBody>
+      </p:sp>
+      <p:sp>
+        <p:nvSpPr>
+          <p:cNvPr id="32" name="ZoneTexte 31">
+            <a:extLst>
+              <a:ext uri="{FF2B5EF4-FFF2-40B4-BE49-F238E27FC236}">
+                <a16:creationId xmlns:a16="http://schemas.microsoft.com/office/drawing/2014/main" id="{6C6BA6B3-40A2-4A6C-8F5E-4A52CEF61769}"/>
+              </a:ext>
+            </a:extLst>
+          </p:cNvPr>
+          <p:cNvSpPr txBox="1"/>
+          <p:nvPr/>
+        </p:nvSpPr>
+        <p:spPr>
+          <a:xfrm>
+            <a:off x="7621480" y="3839566"/>
+            <a:ext cx="869982" cy="369332"/>
+          </a:xfrm>
+          <a:prstGeom prst="rect">
+            <a:avLst/>
+          </a:prstGeom>
+          <a:noFill/>
+        </p:spPr>
+        <p:txBody>
+          <a:bodyPr wrap="none" rtlCol="0">
+            <a:spAutoFit/>
+          </a:bodyPr>
+          <a:lstStyle/>
+          <a:p>
+            <a:r>
+              <a:rPr lang="fr-FR" dirty="0"/>
+              <a:t>Valeurs</a:t>
+            </a:r>
+          </a:p>
+        </p:txBody>
+      </p:sp>
     </p:spTree>
     <p:extLst>
       <p:ext uri="{BB962C8B-B14F-4D97-AF65-F5344CB8AC3E}">
-        <p14:creationId xmlns:p14="http://schemas.microsoft.com/office/powerpoint/2010/main" val="4034415619"/>
+        <p14:creationId xmlns:p14="http://schemas.microsoft.com/office/powerpoint/2010/main" val="1379717698"/>
       </p:ext>
     </p:extLst>
   </p:cSld>
@@ -6769,10 +6741,10 @@
       </p:sp>
       <p:pic>
         <p:nvPicPr>
-          <p:cNvPr id="4" name="Image 3">
-            <a:extLst>
-              <a:ext uri="{FF2B5EF4-FFF2-40B4-BE49-F238E27FC236}">
-                <a16:creationId xmlns:a16="http://schemas.microsoft.com/office/drawing/2014/main" id="{6C8FC7FB-5C74-45CC-ADCB-2E21DF31BF13}"/>
+          <p:cNvPr id="16" name="Image 15">
+            <a:extLst>
+              <a:ext uri="{FF2B5EF4-FFF2-40B4-BE49-F238E27FC236}">
+                <a16:creationId xmlns:a16="http://schemas.microsoft.com/office/drawing/2014/main" id="{7988B561-6AE3-4341-98D4-D7DC21344962}"/>
               </a:ext>
             </a:extLst>
           </p:cNvPr>
@@ -6789,8 +6761,8 @@
         </p:blipFill>
         <p:spPr>
           <a:xfrm>
-            <a:off x="71019" y="2227921"/>
-            <a:ext cx="6738947" cy="4564814"/>
+            <a:off x="0" y="2638440"/>
+            <a:ext cx="7097115" cy="2962688"/>
           </a:xfrm>
           <a:prstGeom prst="rect">
             <a:avLst/>
@@ -6800,7 +6772,7 @@
     </p:spTree>
     <p:extLst>
       <p:ext uri="{BB962C8B-B14F-4D97-AF65-F5344CB8AC3E}">
-        <p14:creationId xmlns:p14="http://schemas.microsoft.com/office/powerpoint/2010/main" val="2979622227"/>
+        <p14:creationId xmlns:p14="http://schemas.microsoft.com/office/powerpoint/2010/main" val="4034415619"/>
       </p:ext>
     </p:extLst>
   </p:cSld>
@@ -6893,17 +6865,17 @@
             </a:pPr>
             <a:r>
               <a:rPr lang="fr-FR" b="1" dirty="0"/>
-              <a:t>Accéder aux valeurs</a:t>
+              <a:t>Création, assignation de valeur</a:t>
             </a:r>
           </a:p>
         </p:txBody>
       </p:sp>
       <p:pic>
         <p:nvPicPr>
-          <p:cNvPr id="5" name="Image 4">
-            <a:extLst>
-              <a:ext uri="{FF2B5EF4-FFF2-40B4-BE49-F238E27FC236}">
-                <a16:creationId xmlns:a16="http://schemas.microsoft.com/office/drawing/2014/main" id="{243F4265-7A77-47CE-BA68-72A592345D37}"/>
+          <p:cNvPr id="4" name="Image 3">
+            <a:extLst>
+              <a:ext uri="{FF2B5EF4-FFF2-40B4-BE49-F238E27FC236}">
+                <a16:creationId xmlns:a16="http://schemas.microsoft.com/office/drawing/2014/main" id="{6C8FC7FB-5C74-45CC-ADCB-2E21DF31BF13}"/>
               </a:ext>
             </a:extLst>
           </p:cNvPr>
@@ -6920,8 +6892,8 @@
         </p:blipFill>
         <p:spPr>
           <a:xfrm>
-            <a:off x="0" y="2806601"/>
-            <a:ext cx="6306430" cy="2505425"/>
+            <a:off x="71019" y="2227921"/>
+            <a:ext cx="6738947" cy="4564814"/>
           </a:xfrm>
           <a:prstGeom prst="rect">
             <a:avLst/>
@@ -6931,7 +6903,7 @@
     </p:spTree>
     <p:extLst>
       <p:ext uri="{BB962C8B-B14F-4D97-AF65-F5344CB8AC3E}">
-        <p14:creationId xmlns:p14="http://schemas.microsoft.com/office/powerpoint/2010/main" val="2894575030"/>
+        <p14:creationId xmlns:p14="http://schemas.microsoft.com/office/powerpoint/2010/main" val="2979622227"/>
       </p:ext>
     </p:extLst>
   </p:cSld>
@@ -6963,7 +6935,7 @@
           <p:cNvPr id="2" name="Titre 1">
             <a:extLst>
               <a:ext uri="{FF2B5EF4-FFF2-40B4-BE49-F238E27FC236}">
-                <a16:creationId xmlns:a16="http://schemas.microsoft.com/office/drawing/2014/main" id="{8F94FFC9-0FEB-42E8-A49B-9FA0805DB9C0}"/>
+                <a16:creationId xmlns:a16="http://schemas.microsoft.com/office/drawing/2014/main" id="{0BE1AC30-9008-45CA-8FA5-3517A2A5CA6E}"/>
               </a:ext>
             </a:extLst>
           </p:cNvPr>
@@ -6987,27 +6959,18 @@
               <a:rPr lang="fr-FR" dirty="0"/>
             </a:br>
             <a:r>
-              <a:rPr lang="fr-FR" dirty="0" err="1"/>
-              <a:t>Numpy</a:t>
-            </a:r>
-            <a:r>
-              <a:rPr lang="fr-FR" dirty="0"/>
-              <a:t> </a:t>
-            </a:r>
-            <a:r>
-              <a:rPr lang="fr-FR" dirty="0" err="1"/>
-              <a:t>Arrays</a:t>
-            </a:r>
-            <a:endParaRPr lang="fr-FR" dirty="0"/>
-          </a:p>
-        </p:txBody>
-      </p:sp>
-      <p:sp>
-        <p:nvSpPr>
-          <p:cNvPr id="3" name="Espace réservé du contenu 2">
-            <a:extLst>
-              <a:ext uri="{FF2B5EF4-FFF2-40B4-BE49-F238E27FC236}">
-                <a16:creationId xmlns:a16="http://schemas.microsoft.com/office/drawing/2014/main" id="{87E369D6-8F1E-4FF7-812D-C2FA232DACD1}"/>
+              <a:rPr lang="fr-FR" dirty="0"/>
+              <a:t>Dictionnaires</a:t>
+            </a:r>
+          </a:p>
+        </p:txBody>
+      </p:sp>
+      <p:sp>
+        <p:nvSpPr>
+          <p:cNvPr id="20" name="Espace réservé du contenu 2">
+            <a:extLst>
+              <a:ext uri="{FF2B5EF4-FFF2-40B4-BE49-F238E27FC236}">
+                <a16:creationId xmlns:a16="http://schemas.microsoft.com/office/drawing/2014/main" id="{84A43DE6-9380-4287-8479-5ED32074B337}"/>
               </a:ext>
             </a:extLst>
           </p:cNvPr>
@@ -7018,7 +6981,12 @@
             <p:ph idx="1"/>
           </p:nvPr>
         </p:nvSpPr>
-        <p:spPr/>
+        <p:spPr>
+          <a:xfrm>
+            <a:off x="838200" y="1825625"/>
+            <a:ext cx="10515600" cy="677878"/>
+          </a:xfrm>
+        </p:spPr>
         <p:txBody>
           <a:bodyPr/>
           <a:lstStyle/>
@@ -7027,81 +6995,46 @@
               <a:buNone/>
             </a:pPr>
             <a:r>
-              <a:rPr lang="fr-FR" dirty="0"/>
-              <a:t>Les objets </a:t>
-            </a:r>
-            <a:r>
-              <a:rPr lang="fr-FR" dirty="0" err="1"/>
-              <a:t>list</a:t>
-            </a:r>
-            <a:r>
-              <a:rPr lang="fr-FR" dirty="0"/>
-              <a:t> et dict ne sont pas dédiés aux calculs sur de grands volumes de données, ou tout simplement le calcul matriciel. </a:t>
-            </a:r>
-          </a:p>
-          <a:p>
-            <a:pPr marL="0" indent="0">
-              <a:buNone/>
-            </a:pPr>
-            <a:r>
-              <a:rPr lang="fr-FR" dirty="0"/>
-              <a:t>Pour ce faire, il faut utiliser l'objet </a:t>
-            </a:r>
-            <a:r>
-              <a:rPr lang="fr-FR" dirty="0" err="1"/>
-              <a:t>array</a:t>
-            </a:r>
-            <a:r>
-              <a:rPr lang="fr-FR" dirty="0"/>
-              <a:t> qui permet l'usage de tableaux de données sous plusieurs dimensions.</a:t>
-            </a:r>
-          </a:p>
-          <a:p>
-            <a:pPr marL="0" indent="0">
-              <a:buNone/>
-            </a:pPr>
-            <a:r>
-              <a:rPr lang="fr-FR" dirty="0"/>
-              <a:t>La meilleure implémentation est celle proposée par la librairie </a:t>
-            </a:r>
-            <a:r>
-              <a:rPr lang="fr-FR" dirty="0" err="1"/>
-              <a:t>Numpy</a:t>
-            </a:r>
-            <a:r>
-              <a:rPr lang="fr-FR" dirty="0"/>
-              <a:t>. Cette librairie est utilisée de façon générale par l'ensemble des librairies Python en calcul scientifique.</a:t>
-            </a:r>
-          </a:p>
-          <a:p>
-            <a:pPr marL="0" indent="0">
-              <a:buNone/>
-            </a:pPr>
-            <a:endParaRPr lang="fr-FR" dirty="0">
-              <a:hlinkClick r:id="rId2"/>
-            </a:endParaRPr>
-          </a:p>
-          <a:p>
-            <a:pPr marL="0" indent="0">
-              <a:buNone/>
-            </a:pPr>
-            <a:r>
-              <a:rPr lang="fr-FR" dirty="0">
-                <a:hlinkClick r:id="rId2"/>
-              </a:rPr>
-              <a:t>https://numpy.org/doc/stable/reference/</a:t>
-            </a:r>
-            <a:endParaRPr lang="fr-FR" dirty="0"/>
-          </a:p>
-          <a:p>
-            <a:endParaRPr lang="fr-FR" dirty="0"/>
-          </a:p>
-        </p:txBody>
-      </p:sp>
+              <a:rPr lang="fr-FR" b="1" dirty="0"/>
+              <a:t>Test de présence de clés et de valeurs</a:t>
+            </a:r>
+          </a:p>
+        </p:txBody>
+      </p:sp>
+      <p:pic>
+        <p:nvPicPr>
+          <p:cNvPr id="5" name="Image 4">
+            <a:extLst>
+              <a:ext uri="{FF2B5EF4-FFF2-40B4-BE49-F238E27FC236}">
+                <a16:creationId xmlns:a16="http://schemas.microsoft.com/office/drawing/2014/main" id="{56B5DEE3-FF5B-4D17-B2DC-E362DDD4E97F}"/>
+              </a:ext>
+            </a:extLst>
+          </p:cNvPr>
+          <p:cNvPicPr>
+            <a:picLocks noChangeAspect="1"/>
+          </p:cNvPicPr>
+          <p:nvPr/>
+        </p:nvPicPr>
+        <p:blipFill>
+          <a:blip r:embed="rId2"/>
+          <a:stretch>
+            <a:fillRect/>
+          </a:stretch>
+        </p:blipFill>
+        <p:spPr>
+          <a:xfrm>
+            <a:off x="838200" y="2947839"/>
+            <a:ext cx="5363323" cy="2124371"/>
+          </a:xfrm>
+          <a:prstGeom prst="rect">
+            <a:avLst/>
+          </a:prstGeom>
+        </p:spPr>
+      </p:pic>
     </p:spTree>
     <p:extLst>
       <p:ext uri="{BB962C8B-B14F-4D97-AF65-F5344CB8AC3E}">
-        <p14:creationId xmlns:p14="http://schemas.microsoft.com/office/powerpoint/2010/main" val="1847510317"/>
+        <p14:creationId xmlns:p14="http://schemas.microsoft.com/office/powerpoint/2010/main" val="2102554234"/>
       </p:ext>
     </p:extLst>
   </p:cSld>
@@ -7133,7 +7066,7 @@
           <p:cNvPr id="2" name="Titre 1">
             <a:extLst>
               <a:ext uri="{FF2B5EF4-FFF2-40B4-BE49-F238E27FC236}">
-                <a16:creationId xmlns:a16="http://schemas.microsoft.com/office/drawing/2014/main" id="{8F94FFC9-0FEB-42E8-A49B-9FA0805DB9C0}"/>
+                <a16:creationId xmlns:a16="http://schemas.microsoft.com/office/drawing/2014/main" id="{0BE1AC30-9008-45CA-8FA5-3517A2A5CA6E}"/>
               </a:ext>
             </a:extLst>
           </p:cNvPr>
@@ -7157,27 +7090,18 @@
               <a:rPr lang="fr-FR" dirty="0"/>
             </a:br>
             <a:r>
-              <a:rPr lang="fr-FR" dirty="0" err="1"/>
-              <a:t>Numpy</a:t>
-            </a:r>
-            <a:r>
-              <a:rPr lang="fr-FR" dirty="0"/>
-              <a:t> </a:t>
-            </a:r>
-            <a:r>
-              <a:rPr lang="fr-FR" dirty="0" err="1"/>
-              <a:t>Arrays</a:t>
-            </a:r>
-            <a:endParaRPr lang="fr-FR" dirty="0"/>
-          </a:p>
-        </p:txBody>
-      </p:sp>
-      <p:sp>
-        <p:nvSpPr>
-          <p:cNvPr id="3" name="Espace réservé du contenu 2">
-            <a:extLst>
-              <a:ext uri="{FF2B5EF4-FFF2-40B4-BE49-F238E27FC236}">
-                <a16:creationId xmlns:a16="http://schemas.microsoft.com/office/drawing/2014/main" id="{87E369D6-8F1E-4FF7-812D-C2FA232DACD1}"/>
+              <a:rPr lang="fr-FR" dirty="0"/>
+              <a:t>Dictionnaires</a:t>
+            </a:r>
+          </a:p>
+        </p:txBody>
+      </p:sp>
+      <p:sp>
+        <p:nvSpPr>
+          <p:cNvPr id="20" name="Espace réservé du contenu 2">
+            <a:extLst>
+              <a:ext uri="{FF2B5EF4-FFF2-40B4-BE49-F238E27FC236}">
+                <a16:creationId xmlns:a16="http://schemas.microsoft.com/office/drawing/2014/main" id="{84A43DE6-9380-4287-8479-5ED32074B337}"/>
               </a:ext>
             </a:extLst>
           </p:cNvPr>
@@ -7188,84 +7112,23 @@
             <p:ph idx="1"/>
           </p:nvPr>
         </p:nvSpPr>
-        <p:spPr/>
-        <p:txBody>
-          <a:bodyPr/>
-          <a:lstStyle/>
-          <a:p>
-            <a:pPr>
-              <a:buFont typeface="Wingdings" panose="05000000000000000000" pitchFamily="2" charset="2"/>
-              <a:buChar char="Ø"/>
+        <p:spPr>
+          <a:xfrm>
+            <a:off x="838200" y="1825625"/>
+            <a:ext cx="10515600" cy="677878"/>
+          </a:xfrm>
+        </p:spPr>
+        <p:txBody>
+          <a:bodyPr/>
+          <a:lstStyle/>
+          <a:p>
+            <a:pPr marL="0" indent="0">
+              <a:buNone/>
             </a:pPr>
             <a:r>
-              <a:rPr lang="fr-FR" dirty="0"/>
-              <a:t> Les objets </a:t>
-            </a:r>
-            <a:r>
-              <a:rPr lang="fr-FR" dirty="0" err="1"/>
-              <a:t>list</a:t>
-            </a:r>
-            <a:r>
-              <a:rPr lang="fr-FR" dirty="0"/>
-              <a:t> et dict ne sont pas dédiés aux calculs sur de grands volumes de données, ou tout simplement le calcul matriciel. </a:t>
-            </a:r>
-          </a:p>
-          <a:p>
-            <a:pPr>
-              <a:buFont typeface="Wingdings" panose="05000000000000000000" pitchFamily="2" charset="2"/>
-              <a:buChar char="Ø"/>
-            </a:pPr>
-            <a:r>
-              <a:rPr lang="fr-FR" dirty="0"/>
-              <a:t> L'objet </a:t>
-            </a:r>
-            <a:r>
-              <a:rPr lang="fr-FR" dirty="0" err="1"/>
-              <a:t>array</a:t>
-            </a:r>
-            <a:r>
-              <a:rPr lang="fr-FR" dirty="0"/>
-              <a:t> qui permet l'usage de tableaux de données sous plusieurs dimensions.</a:t>
-            </a:r>
-          </a:p>
-          <a:p>
-            <a:pPr>
-              <a:buFont typeface="Wingdings" panose="05000000000000000000" pitchFamily="2" charset="2"/>
-              <a:buChar char="Ø"/>
-            </a:pPr>
-            <a:r>
-              <a:rPr lang="fr-FR" dirty="0"/>
-              <a:t> Librairie </a:t>
-            </a:r>
-            <a:r>
-              <a:rPr lang="fr-FR" dirty="0" err="1"/>
-              <a:t>Numpy</a:t>
-            </a:r>
-            <a:endParaRPr lang="fr-FR" dirty="0"/>
-          </a:p>
-          <a:p>
-            <a:pPr marL="0" indent="0">
-              <a:buNone/>
-            </a:pPr>
-            <a:r>
-              <a:rPr lang="fr-FR" dirty="0">
-                <a:hlinkClick r:id="rId2"/>
-              </a:rPr>
-              <a:t>https://numpy.org/doc/stable/reference/</a:t>
-            </a:r>
-            <a:endParaRPr lang="fr-FR" dirty="0"/>
-          </a:p>
-          <a:p>
-            <a:pPr marL="0" indent="0">
-              <a:buNone/>
-            </a:pPr>
-            <a:endParaRPr lang="fr-FR" dirty="0"/>
-          </a:p>
-          <a:p>
-            <a:pPr marL="0" indent="0">
-              <a:buNone/>
-            </a:pPr>
-            <a:endParaRPr lang="fr-FR" dirty="0"/>
+              <a:rPr lang="fr-FR" b="1" dirty="0"/>
+              <a:t>Accéder aux valeurs</a:t>
+            </a:r>
           </a:p>
         </p:txBody>
       </p:sp>
@@ -7274,7 +7137,7 @@
           <p:cNvPr id="5" name="Image 4">
             <a:extLst>
               <a:ext uri="{FF2B5EF4-FFF2-40B4-BE49-F238E27FC236}">
-                <a16:creationId xmlns:a16="http://schemas.microsoft.com/office/drawing/2014/main" id="{F928F3C0-F544-495F-A378-905F68F23BE1}"/>
+                <a16:creationId xmlns:a16="http://schemas.microsoft.com/office/drawing/2014/main" id="{243F4265-7A77-47CE-BA68-72A592345D37}"/>
               </a:ext>
             </a:extLst>
           </p:cNvPr>
@@ -7284,15 +7147,15 @@
           <p:nvPr/>
         </p:nvPicPr>
         <p:blipFill>
-          <a:blip r:embed="rId3"/>
+          <a:blip r:embed="rId2"/>
           <a:stretch>
             <a:fillRect/>
           </a:stretch>
         </p:blipFill>
         <p:spPr>
           <a:xfrm>
-            <a:off x="2536429" y="4957943"/>
-            <a:ext cx="5469550" cy="1219020"/>
+            <a:off x="0" y="2806601"/>
+            <a:ext cx="6306430" cy="2505425"/>
           </a:xfrm>
           <a:prstGeom prst="rect">
             <a:avLst/>
@@ -7302,7 +7165,7 @@
     </p:spTree>
     <p:extLst>
       <p:ext uri="{BB962C8B-B14F-4D97-AF65-F5344CB8AC3E}">
-        <p14:creationId xmlns:p14="http://schemas.microsoft.com/office/powerpoint/2010/main" val="2990242325"/>
+        <p14:creationId xmlns:p14="http://schemas.microsoft.com/office/powerpoint/2010/main" val="2894575030"/>
       </p:ext>
     </p:extLst>
   </p:cSld>
@@ -7334,7 +7197,7 @@
           <p:cNvPr id="2" name="Titre 1">
             <a:extLst>
               <a:ext uri="{FF2B5EF4-FFF2-40B4-BE49-F238E27FC236}">
-                <a16:creationId xmlns:a16="http://schemas.microsoft.com/office/drawing/2014/main" id="{0BE1AC30-9008-45CA-8FA5-3517A2A5CA6E}"/>
+                <a16:creationId xmlns:a16="http://schemas.microsoft.com/office/drawing/2014/main" id="{8F94FFC9-0FEB-42E8-A49B-9FA0805DB9C0}"/>
               </a:ext>
             </a:extLst>
           </p:cNvPr>
@@ -7375,10 +7238,10 @@
       </p:sp>
       <p:sp>
         <p:nvSpPr>
-          <p:cNvPr id="20" name="Espace réservé du contenu 2">
-            <a:extLst>
-              <a:ext uri="{FF2B5EF4-FFF2-40B4-BE49-F238E27FC236}">
-                <a16:creationId xmlns:a16="http://schemas.microsoft.com/office/drawing/2014/main" id="{84A43DE6-9380-4287-8479-5ED32074B337}"/>
+          <p:cNvPr id="3" name="Espace réservé du contenu 2">
+            <a:extLst>
+              <a:ext uri="{FF2B5EF4-FFF2-40B4-BE49-F238E27FC236}">
+                <a16:creationId xmlns:a16="http://schemas.microsoft.com/office/drawing/2014/main" id="{87E369D6-8F1E-4FF7-812D-C2FA232DACD1}"/>
               </a:ext>
             </a:extLst>
           </p:cNvPr>
@@ -7389,12 +7252,7 @@
             <p:ph idx="1"/>
           </p:nvPr>
         </p:nvSpPr>
-        <p:spPr>
-          <a:xfrm>
-            <a:off x="838200" y="1648071"/>
-            <a:ext cx="10515600" cy="677878"/>
-          </a:xfrm>
-        </p:spPr>
+        <p:spPr/>
         <p:txBody>
           <a:bodyPr/>
           <a:lstStyle/>
@@ -7403,46 +7261,81 @@
               <a:buNone/>
             </a:pPr>
             <a:r>
-              <a:rPr lang="fr-FR" b="1" dirty="0"/>
-              <a:t>Création</a:t>
-            </a:r>
-          </a:p>
-        </p:txBody>
-      </p:sp>
-      <p:pic>
-        <p:nvPicPr>
-          <p:cNvPr id="5" name="Image 4">
-            <a:extLst>
-              <a:ext uri="{FF2B5EF4-FFF2-40B4-BE49-F238E27FC236}">
-                <a16:creationId xmlns:a16="http://schemas.microsoft.com/office/drawing/2014/main" id="{647FF1D5-4604-44A9-A683-0D49C2EF56A0}"/>
-              </a:ext>
-            </a:extLst>
-          </p:cNvPr>
-          <p:cNvPicPr>
-            <a:picLocks noChangeAspect="1"/>
-          </p:cNvPicPr>
-          <p:nvPr/>
-        </p:nvPicPr>
-        <p:blipFill>
-          <a:blip r:embed="rId2"/>
-          <a:stretch>
-            <a:fillRect/>
-          </a:stretch>
-        </p:blipFill>
-        <p:spPr>
-          <a:xfrm>
-            <a:off x="727969" y="2120583"/>
-            <a:ext cx="6842721" cy="4645382"/>
-          </a:xfrm>
-          <a:prstGeom prst="rect">
-            <a:avLst/>
-          </a:prstGeom>
-        </p:spPr>
-      </p:pic>
+              <a:rPr lang="fr-FR" dirty="0"/>
+              <a:t>Les objets </a:t>
+            </a:r>
+            <a:r>
+              <a:rPr lang="fr-FR" dirty="0" err="1"/>
+              <a:t>list</a:t>
+            </a:r>
+            <a:r>
+              <a:rPr lang="fr-FR" dirty="0"/>
+              <a:t> et dict ne sont pas dédiés aux calculs sur de grands volumes de données, ou tout simplement le calcul matriciel. </a:t>
+            </a:r>
+          </a:p>
+          <a:p>
+            <a:pPr marL="0" indent="0">
+              <a:buNone/>
+            </a:pPr>
+            <a:r>
+              <a:rPr lang="fr-FR" dirty="0"/>
+              <a:t>Pour ce faire, il faut utiliser l'objet </a:t>
+            </a:r>
+            <a:r>
+              <a:rPr lang="fr-FR" dirty="0" err="1"/>
+              <a:t>array</a:t>
+            </a:r>
+            <a:r>
+              <a:rPr lang="fr-FR" dirty="0"/>
+              <a:t> qui permet l'usage de tableaux de données sous plusieurs dimensions.</a:t>
+            </a:r>
+          </a:p>
+          <a:p>
+            <a:pPr marL="0" indent="0">
+              <a:buNone/>
+            </a:pPr>
+            <a:r>
+              <a:rPr lang="fr-FR" dirty="0"/>
+              <a:t>La meilleure implémentation est celle proposée par la librairie </a:t>
+            </a:r>
+            <a:r>
+              <a:rPr lang="fr-FR" dirty="0" err="1"/>
+              <a:t>Numpy</a:t>
+            </a:r>
+            <a:r>
+              <a:rPr lang="fr-FR" dirty="0"/>
+              <a:t>. Cette librairie est utilisée de façon générale par l'ensemble des librairies Python en calcul scientifique.</a:t>
+            </a:r>
+          </a:p>
+          <a:p>
+            <a:pPr marL="0" indent="0">
+              <a:buNone/>
+            </a:pPr>
+            <a:endParaRPr lang="fr-FR" dirty="0">
+              <a:hlinkClick r:id="rId2"/>
+            </a:endParaRPr>
+          </a:p>
+          <a:p>
+            <a:pPr marL="0" indent="0">
+              <a:buNone/>
+            </a:pPr>
+            <a:r>
+              <a:rPr lang="fr-FR" dirty="0">
+                <a:hlinkClick r:id="rId2"/>
+              </a:rPr>
+              <a:t>https://numpy.org/doc/stable/reference/</a:t>
+            </a:r>
+            <a:endParaRPr lang="fr-FR" dirty="0"/>
+          </a:p>
+          <a:p>
+            <a:endParaRPr lang="fr-FR" dirty="0"/>
+          </a:p>
+        </p:txBody>
+      </p:sp>
     </p:spTree>
     <p:extLst>
       <p:ext uri="{BB962C8B-B14F-4D97-AF65-F5344CB8AC3E}">
-        <p14:creationId xmlns:p14="http://schemas.microsoft.com/office/powerpoint/2010/main" val="2487626353"/>
+        <p14:creationId xmlns:p14="http://schemas.microsoft.com/office/powerpoint/2010/main" val="1847510317"/>
       </p:ext>
     </p:extLst>
   </p:cSld>
@@ -7474,7 +7367,7 @@
           <p:cNvPr id="2" name="Titre 1">
             <a:extLst>
               <a:ext uri="{FF2B5EF4-FFF2-40B4-BE49-F238E27FC236}">
-                <a16:creationId xmlns:a16="http://schemas.microsoft.com/office/drawing/2014/main" id="{0BE1AC30-9008-45CA-8FA5-3517A2A5CA6E}"/>
+                <a16:creationId xmlns:a16="http://schemas.microsoft.com/office/drawing/2014/main" id="{8F94FFC9-0FEB-42E8-A49B-9FA0805DB9C0}"/>
               </a:ext>
             </a:extLst>
           </p:cNvPr>
@@ -7515,10 +7408,10 @@
       </p:sp>
       <p:sp>
         <p:nvSpPr>
-          <p:cNvPr id="20" name="Espace réservé du contenu 2">
-            <a:extLst>
-              <a:ext uri="{FF2B5EF4-FFF2-40B4-BE49-F238E27FC236}">
-                <a16:creationId xmlns:a16="http://schemas.microsoft.com/office/drawing/2014/main" id="{84A43DE6-9380-4287-8479-5ED32074B337}"/>
+          <p:cNvPr id="3" name="Espace réservé du contenu 2">
+            <a:extLst>
+              <a:ext uri="{FF2B5EF4-FFF2-40B4-BE49-F238E27FC236}">
+                <a16:creationId xmlns:a16="http://schemas.microsoft.com/office/drawing/2014/main" id="{87E369D6-8F1E-4FF7-812D-C2FA232DACD1}"/>
               </a:ext>
             </a:extLst>
           </p:cNvPr>
@@ -7529,32 +7422,93 @@
             <p:ph idx="1"/>
           </p:nvPr>
         </p:nvSpPr>
-        <p:spPr>
-          <a:xfrm>
-            <a:off x="838200" y="1648071"/>
-            <a:ext cx="10515600" cy="677878"/>
-          </a:xfrm>
-        </p:spPr>
-        <p:txBody>
-          <a:bodyPr/>
-          <a:lstStyle/>
+        <p:spPr/>
+        <p:txBody>
+          <a:bodyPr/>
+          <a:lstStyle/>
+          <a:p>
+            <a:pPr>
+              <a:buFont typeface="Wingdings" panose="05000000000000000000" pitchFamily="2" charset="2"/>
+              <a:buChar char="Ø"/>
+            </a:pPr>
+            <a:r>
+              <a:rPr lang="fr-FR" dirty="0"/>
+              <a:t> Les objets </a:t>
+            </a:r>
+            <a:r>
+              <a:rPr lang="fr-FR" dirty="0" err="1"/>
+              <a:t>list</a:t>
+            </a:r>
+            <a:r>
+              <a:rPr lang="fr-FR" dirty="0"/>
+              <a:t> et dict ne sont pas dédiés aux calculs sur de grands volumes de données, ou tout simplement le calcul matriciel. </a:t>
+            </a:r>
+          </a:p>
+          <a:p>
+            <a:pPr>
+              <a:buFont typeface="Wingdings" panose="05000000000000000000" pitchFamily="2" charset="2"/>
+              <a:buChar char="Ø"/>
+            </a:pPr>
+            <a:r>
+              <a:rPr lang="fr-FR" dirty="0"/>
+              <a:t> L'objet </a:t>
+            </a:r>
+            <a:r>
+              <a:rPr lang="fr-FR" dirty="0" err="1"/>
+              <a:t>array</a:t>
+            </a:r>
+            <a:r>
+              <a:rPr lang="fr-FR" dirty="0"/>
+              <a:t> qui permet l'usage de tableaux de données sous plusieurs dimensions.</a:t>
+            </a:r>
+          </a:p>
+          <a:p>
+            <a:pPr>
+              <a:buFont typeface="Wingdings" panose="05000000000000000000" pitchFamily="2" charset="2"/>
+              <a:buChar char="Ø"/>
+            </a:pPr>
+            <a:r>
+              <a:rPr lang="fr-FR" dirty="0"/>
+              <a:t> Librairie </a:t>
+            </a:r>
+            <a:r>
+              <a:rPr lang="fr-FR" dirty="0" err="1"/>
+              <a:t>Numpy</a:t>
+            </a:r>
+            <a:endParaRPr lang="fr-FR" dirty="0"/>
+          </a:p>
           <a:p>
             <a:pPr marL="0" indent="0">
               <a:buNone/>
             </a:pPr>
             <a:r>
-              <a:rPr lang="fr-FR" b="1" dirty="0"/>
-              <a:t>Paramètres et typage</a:t>
-            </a:r>
+              <a:rPr lang="fr-FR" dirty="0">
+                <a:hlinkClick r:id="rId2"/>
+              </a:rPr>
+              <a:t>https://numpy.org/doc/stable/reference/</a:t>
+            </a:r>
+            <a:endParaRPr lang="fr-FR" dirty="0"/>
+          </a:p>
+          <a:p>
+            <a:pPr marL="0" indent="0">
+              <a:buNone/>
+            </a:pPr>
+            <a:endParaRPr lang="fr-FR" dirty="0"/>
+          </a:p>
+          <a:p>
+            <a:pPr marL="0" indent="0">
+              <a:buNone/>
+            </a:pPr>
+            <a:endParaRPr lang="fr-FR" dirty="0"/>
           </a:p>
         </p:txBody>
       </p:sp>
       <p:pic>
         <p:nvPicPr>
-          <p:cNvPr id="4" name="Image 3">
-            <a:extLst>
-              <a:ext uri="{FF2B5EF4-FFF2-40B4-BE49-F238E27FC236}">
-                <a16:creationId xmlns:a16="http://schemas.microsoft.com/office/drawing/2014/main" id="{E0A8585C-B6EF-43BF-A0D6-0CB3C27AC261}"/>
+          <p:cNvPr id="5" name="Image 4">
+            <a:extLst>
+              <a:ext uri="{FF2B5EF4-FFF2-40B4-BE49-F238E27FC236}">
+                <a16:creationId xmlns:a16="http://schemas.microsoft.com/office/drawing/2014/main" id="{F928F3C0-F544-495F-A378-905F68F23BE1}"/>
               </a:ext>
             </a:extLst>
           </p:cNvPr>
@@ -7564,15 +7518,15 @@
           <p:nvPr/>
         </p:nvPicPr>
         <p:blipFill>
-          <a:blip r:embed="rId2"/>
+          <a:blip r:embed="rId3"/>
           <a:stretch>
             <a:fillRect/>
           </a:stretch>
         </p:blipFill>
         <p:spPr>
           <a:xfrm>
-            <a:off x="838200" y="2325949"/>
-            <a:ext cx="2610214" cy="1505160"/>
+            <a:off x="2536429" y="4957943"/>
+            <a:ext cx="5469550" cy="1219020"/>
           </a:xfrm>
           <a:prstGeom prst="rect">
             <a:avLst/>
@@ -7582,7 +7536,7 @@
     </p:spTree>
     <p:extLst>
       <p:ext uri="{BB962C8B-B14F-4D97-AF65-F5344CB8AC3E}">
-        <p14:creationId xmlns:p14="http://schemas.microsoft.com/office/powerpoint/2010/main" val="2425279057"/>
+        <p14:creationId xmlns:p14="http://schemas.microsoft.com/office/powerpoint/2010/main" val="2990242325"/>
       </p:ext>
     </p:extLst>
   </p:cSld>
@@ -7684,17 +7638,17 @@
             </a:pPr>
             <a:r>
               <a:rPr lang="fr-FR" b="1" dirty="0"/>
-              <a:t>Paramètres et typage</a:t>
+              <a:t>Création</a:t>
             </a:r>
           </a:p>
         </p:txBody>
       </p:sp>
       <p:pic>
         <p:nvPicPr>
-          <p:cNvPr id="4" name="Image 3">
-            <a:extLst>
-              <a:ext uri="{FF2B5EF4-FFF2-40B4-BE49-F238E27FC236}">
-                <a16:creationId xmlns:a16="http://schemas.microsoft.com/office/drawing/2014/main" id="{E0A8585C-B6EF-43BF-A0D6-0CB3C27AC261}"/>
+          <p:cNvPr id="5" name="Image 4">
+            <a:extLst>
+              <a:ext uri="{FF2B5EF4-FFF2-40B4-BE49-F238E27FC236}">
+                <a16:creationId xmlns:a16="http://schemas.microsoft.com/office/drawing/2014/main" id="{647FF1D5-4604-44A9-A683-0D49C2EF56A0}"/>
               </a:ext>
             </a:extLst>
           </p:cNvPr>
@@ -7711,38 +7665,8 @@
         </p:blipFill>
         <p:spPr>
           <a:xfrm>
-            <a:off x="838200" y="2325949"/>
-            <a:ext cx="2610214" cy="1505160"/>
-          </a:xfrm>
-          <a:prstGeom prst="rect">
-            <a:avLst/>
-          </a:prstGeom>
-        </p:spPr>
-      </p:pic>
-      <p:pic>
-        <p:nvPicPr>
-          <p:cNvPr id="7" name="Image 6">
-            <a:extLst>
-              <a:ext uri="{FF2B5EF4-FFF2-40B4-BE49-F238E27FC236}">
-                <a16:creationId xmlns:a16="http://schemas.microsoft.com/office/drawing/2014/main" id="{A54ED0AC-202D-4F9D-AB04-2BA17A8256FC}"/>
-              </a:ext>
-            </a:extLst>
-          </p:cNvPr>
-          <p:cNvPicPr>
-            <a:picLocks noChangeAspect="1"/>
-          </p:cNvPicPr>
-          <p:nvPr/>
-        </p:nvPicPr>
-        <p:blipFill>
-          <a:blip r:embed="rId3"/>
-          <a:stretch>
-            <a:fillRect/>
-          </a:stretch>
-        </p:blipFill>
-        <p:spPr>
-          <a:xfrm>
-            <a:off x="838200" y="4002067"/>
-            <a:ext cx="8392696" cy="2724530"/>
+            <a:off x="727969" y="2120583"/>
+            <a:ext cx="6842721" cy="4645382"/>
           </a:xfrm>
           <a:prstGeom prst="rect">
             <a:avLst/>
@@ -7752,7 +7676,7 @@
     </p:spTree>
     <p:extLst>
       <p:ext uri="{BB962C8B-B14F-4D97-AF65-F5344CB8AC3E}">
-        <p14:creationId xmlns:p14="http://schemas.microsoft.com/office/powerpoint/2010/main" val="1240210721"/>
+        <p14:creationId xmlns:p14="http://schemas.microsoft.com/office/powerpoint/2010/main" val="2487626353"/>
       </p:ext>
     </p:extLst>
   </p:cSld>
@@ -8079,17 +8003,17 @@
             </a:pPr>
             <a:r>
               <a:rPr lang="fr-FR" b="1" dirty="0"/>
-              <a:t>Accès aux données</a:t>
+              <a:t>Paramètres et typage</a:t>
             </a:r>
           </a:p>
         </p:txBody>
       </p:sp>
       <p:pic>
         <p:nvPicPr>
-          <p:cNvPr id="5" name="Image 4">
-            <a:extLst>
-              <a:ext uri="{FF2B5EF4-FFF2-40B4-BE49-F238E27FC236}">
-                <a16:creationId xmlns:a16="http://schemas.microsoft.com/office/drawing/2014/main" id="{277D9BF1-9CBE-405C-A572-23FBA742CD9E}"/>
+          <p:cNvPr id="4" name="Image 3">
+            <a:extLst>
+              <a:ext uri="{FF2B5EF4-FFF2-40B4-BE49-F238E27FC236}">
+                <a16:creationId xmlns:a16="http://schemas.microsoft.com/office/drawing/2014/main" id="{E0A8585C-B6EF-43BF-A0D6-0CB3C27AC261}"/>
               </a:ext>
             </a:extLst>
           </p:cNvPr>
@@ -8106,8 +8030,8 @@
         </p:blipFill>
         <p:spPr>
           <a:xfrm>
-            <a:off x="838200" y="2202864"/>
-            <a:ext cx="5115639" cy="4658375"/>
+            <a:off x="838200" y="2325949"/>
+            <a:ext cx="2610214" cy="1505160"/>
           </a:xfrm>
           <a:prstGeom prst="rect">
             <a:avLst/>
@@ -8117,7 +8041,7 @@
     </p:spTree>
     <p:extLst>
       <p:ext uri="{BB962C8B-B14F-4D97-AF65-F5344CB8AC3E}">
-        <p14:creationId xmlns:p14="http://schemas.microsoft.com/office/powerpoint/2010/main" val="3487947033"/>
+        <p14:creationId xmlns:p14="http://schemas.microsoft.com/office/powerpoint/2010/main" val="2425279057"/>
       </p:ext>
     </p:extLst>
   </p:cSld>
@@ -8219,7 +8143,7 @@
             </a:pPr>
             <a:r>
               <a:rPr lang="fr-FR" b="1" dirty="0"/>
-              <a:t>Opérations</a:t>
+              <a:t>Paramètres et typage</a:t>
             </a:r>
           </a:p>
         </p:txBody>
@@ -8229,7 +8153,7 @@
           <p:cNvPr id="4" name="Image 3">
             <a:extLst>
               <a:ext uri="{FF2B5EF4-FFF2-40B4-BE49-F238E27FC236}">
-                <a16:creationId xmlns:a16="http://schemas.microsoft.com/office/drawing/2014/main" id="{D672E4BD-46AD-4C70-BA2E-A9D924CE1ED8}"/>
+                <a16:creationId xmlns:a16="http://schemas.microsoft.com/office/drawing/2014/main" id="{E0A8585C-B6EF-43BF-A0D6-0CB3C27AC261}"/>
               </a:ext>
             </a:extLst>
           </p:cNvPr>
@@ -8246,8 +8170,8 @@
         </p:blipFill>
         <p:spPr>
           <a:xfrm>
-            <a:off x="838200" y="2080617"/>
-            <a:ext cx="7211431" cy="3229426"/>
+            <a:off x="838200" y="2325949"/>
+            <a:ext cx="2610214" cy="1505160"/>
           </a:xfrm>
           <a:prstGeom prst="rect">
             <a:avLst/>
@@ -8259,7 +8183,7 @@
           <p:cNvPr id="7" name="Image 6">
             <a:extLst>
               <a:ext uri="{FF2B5EF4-FFF2-40B4-BE49-F238E27FC236}">
-                <a16:creationId xmlns:a16="http://schemas.microsoft.com/office/drawing/2014/main" id="{2E9AB3DF-CC2B-4ABD-9E11-6FD205C940F3}"/>
+                <a16:creationId xmlns:a16="http://schemas.microsoft.com/office/drawing/2014/main" id="{A54ED0AC-202D-4F9D-AB04-2BA17A8256FC}"/>
               </a:ext>
             </a:extLst>
           </p:cNvPr>
@@ -8268,15 +8192,16 @@
           </p:cNvPicPr>
           <p:nvPr/>
         </p:nvPicPr>
-        <p:blipFill rotWithShape="1">
+        <p:blipFill>
           <a:blip r:embed="rId3"/>
-          <a:srcRect r="62935" b="62483"/>
-          <a:stretch/>
+          <a:stretch>
+            <a:fillRect/>
+          </a:stretch>
         </p:blipFill>
         <p:spPr>
           <a:xfrm>
-            <a:off x="10295878" y="5110301"/>
-            <a:ext cx="1896122" cy="1747699"/>
+            <a:off x="838200" y="4002067"/>
+            <a:ext cx="8392696" cy="2724530"/>
           </a:xfrm>
           <a:prstGeom prst="rect">
             <a:avLst/>
@@ -8286,7 +8211,7 @@
     </p:spTree>
     <p:extLst>
       <p:ext uri="{BB962C8B-B14F-4D97-AF65-F5344CB8AC3E}">
-        <p14:creationId xmlns:p14="http://schemas.microsoft.com/office/powerpoint/2010/main" val="1926295936"/>
+        <p14:creationId xmlns:p14="http://schemas.microsoft.com/office/powerpoint/2010/main" val="1240210721"/>
       </p:ext>
     </p:extLst>
   </p:cSld>
@@ -8388,7 +8313,7 @@
             </a:pPr>
             <a:r>
               <a:rPr lang="fr-FR" b="1" dirty="0"/>
-              <a:t>Opérations</a:t>
+              <a:t>Accès aux données</a:t>
             </a:r>
           </a:p>
         </p:txBody>
@@ -8398,7 +8323,7 @@
           <p:cNvPr id="5" name="Image 4">
             <a:extLst>
               <a:ext uri="{FF2B5EF4-FFF2-40B4-BE49-F238E27FC236}">
-                <a16:creationId xmlns:a16="http://schemas.microsoft.com/office/drawing/2014/main" id="{32498B7A-692D-44DC-AC23-CEDAA8AFB7D1}"/>
+                <a16:creationId xmlns:a16="http://schemas.microsoft.com/office/drawing/2014/main" id="{277D9BF1-9CBE-405C-A572-23FBA742CD9E}"/>
               </a:ext>
             </a:extLst>
           </p:cNvPr>
@@ -8415,37 +8340,8 @@
         </p:blipFill>
         <p:spPr>
           <a:xfrm>
-            <a:off x="838200" y="2186315"/>
-            <a:ext cx="5639587" cy="3905795"/>
-          </a:xfrm>
-          <a:prstGeom prst="rect">
-            <a:avLst/>
-          </a:prstGeom>
-        </p:spPr>
-      </p:pic>
-      <p:pic>
-        <p:nvPicPr>
-          <p:cNvPr id="7" name="Image 6">
-            <a:extLst>
-              <a:ext uri="{FF2B5EF4-FFF2-40B4-BE49-F238E27FC236}">
-                <a16:creationId xmlns:a16="http://schemas.microsoft.com/office/drawing/2014/main" id="{FD6A2443-32DD-48D1-AEF1-94FB8D4E002D}"/>
-              </a:ext>
-            </a:extLst>
-          </p:cNvPr>
-          <p:cNvPicPr>
-            <a:picLocks noChangeAspect="1"/>
-          </p:cNvPicPr>
-          <p:nvPr/>
-        </p:nvPicPr>
-        <p:blipFill rotWithShape="1">
-          <a:blip r:embed="rId3"/>
-          <a:srcRect r="62935" b="62483"/>
-          <a:stretch/>
-        </p:blipFill>
-        <p:spPr>
-          <a:xfrm>
-            <a:off x="10295878" y="5110301"/>
-            <a:ext cx="1896122" cy="1747699"/>
+            <a:off x="838200" y="2202864"/>
+            <a:ext cx="5115639" cy="4658375"/>
           </a:xfrm>
           <a:prstGeom prst="rect">
             <a:avLst/>
@@ -8455,7 +8351,7 @@
     </p:spTree>
     <p:extLst>
       <p:ext uri="{BB962C8B-B14F-4D97-AF65-F5344CB8AC3E}">
-        <p14:creationId xmlns:p14="http://schemas.microsoft.com/office/powerpoint/2010/main" val="4244104779"/>
+        <p14:creationId xmlns:p14="http://schemas.microsoft.com/office/powerpoint/2010/main" val="3487947033"/>
       </p:ext>
     </p:extLst>
   </p:cSld>
@@ -8564,10 +8460,10 @@
       </p:sp>
       <p:pic>
         <p:nvPicPr>
-          <p:cNvPr id="5" name="Image 4">
-            <a:extLst>
-              <a:ext uri="{FF2B5EF4-FFF2-40B4-BE49-F238E27FC236}">
-                <a16:creationId xmlns:a16="http://schemas.microsoft.com/office/drawing/2014/main" id="{32498B7A-692D-44DC-AC23-CEDAA8AFB7D1}"/>
+          <p:cNvPr id="4" name="Image 3">
+            <a:extLst>
+              <a:ext uri="{FF2B5EF4-FFF2-40B4-BE49-F238E27FC236}">
+                <a16:creationId xmlns:a16="http://schemas.microsoft.com/office/drawing/2014/main" id="{D672E4BD-46AD-4C70-BA2E-A9D924CE1ED8}"/>
               </a:ext>
             </a:extLst>
           </p:cNvPr>
@@ -8584,8 +8480,8 @@
         </p:blipFill>
         <p:spPr>
           <a:xfrm>
-            <a:off x="838200" y="2186315"/>
-            <a:ext cx="5639587" cy="3905795"/>
+            <a:off x="838200" y="2080617"/>
+            <a:ext cx="7211431" cy="3229426"/>
           </a:xfrm>
           <a:prstGeom prst="rect">
             <a:avLst/>
@@ -8594,10 +8490,10 @@
       </p:pic>
       <p:pic>
         <p:nvPicPr>
-          <p:cNvPr id="4" name="Image 3">
-            <a:extLst>
-              <a:ext uri="{FF2B5EF4-FFF2-40B4-BE49-F238E27FC236}">
-                <a16:creationId xmlns:a16="http://schemas.microsoft.com/office/drawing/2014/main" id="{4427B526-9845-44C8-94D6-62A9BAA70826}"/>
+          <p:cNvPr id="7" name="Image 6">
+            <a:extLst>
+              <a:ext uri="{FF2B5EF4-FFF2-40B4-BE49-F238E27FC236}">
+                <a16:creationId xmlns:a16="http://schemas.microsoft.com/office/drawing/2014/main" id="{2E9AB3DF-CC2B-4ABD-9E11-6FD205C940F3}"/>
               </a:ext>
             </a:extLst>
           </p:cNvPr>
@@ -8606,16 +8502,15 @@
           </p:cNvPicPr>
           <p:nvPr/>
         </p:nvPicPr>
-        <p:blipFill>
+        <p:blipFill rotWithShape="1">
           <a:blip r:embed="rId3"/>
-          <a:stretch>
-            <a:fillRect/>
-          </a:stretch>
+          <a:srcRect r="62935" b="62483"/>
+          <a:stretch/>
         </p:blipFill>
         <p:spPr>
           <a:xfrm>
-            <a:off x="7704791" y="4691850"/>
-            <a:ext cx="4115374" cy="1276528"/>
+            <a:off x="10295878" y="5110301"/>
+            <a:ext cx="1896122" cy="1747699"/>
           </a:xfrm>
           <a:prstGeom prst="rect">
             <a:avLst/>
@@ -8625,7 +8520,7 @@
     </p:spTree>
     <p:extLst>
       <p:ext uri="{BB962C8B-B14F-4D97-AF65-F5344CB8AC3E}">
-        <p14:creationId xmlns:p14="http://schemas.microsoft.com/office/powerpoint/2010/main" val="1826760716"/>
+        <p14:creationId xmlns:p14="http://schemas.microsoft.com/office/powerpoint/2010/main" val="1926295936"/>
       </p:ext>
     </p:extLst>
   </p:cSld>
@@ -8727,55 +8622,17 @@
             </a:pPr>
             <a:r>
               <a:rPr lang="fr-FR" b="1" dirty="0"/>
-              <a:t>Routines logiques</a:t>
-            </a:r>
-          </a:p>
-        </p:txBody>
-      </p:sp>
-      <p:sp>
-        <p:nvSpPr>
-          <p:cNvPr id="6" name="ZoneTexte 5">
-            <a:extLst>
-              <a:ext uri="{FF2B5EF4-FFF2-40B4-BE49-F238E27FC236}">
-                <a16:creationId xmlns:a16="http://schemas.microsoft.com/office/drawing/2014/main" id="{49CD1B9F-270E-486F-9B60-0C0BA201B06B}"/>
-              </a:ext>
-            </a:extLst>
-          </p:cNvPr>
-          <p:cNvSpPr txBox="1"/>
-          <p:nvPr/>
-        </p:nvSpPr>
-        <p:spPr>
-          <a:xfrm>
-            <a:off x="6882414" y="86102"/>
-            <a:ext cx="6094520" cy="369332"/>
-          </a:xfrm>
-          <a:prstGeom prst="rect">
-            <a:avLst/>
-          </a:prstGeom>
-          <a:noFill/>
-        </p:spPr>
-        <p:txBody>
-          <a:bodyPr wrap="square">
-            <a:spAutoFit/>
-          </a:bodyPr>
-          <a:lstStyle/>
-          <a:p>
-            <a:r>
-              <a:rPr lang="fr-FR" dirty="0">
-                <a:hlinkClick r:id="rId2"/>
-              </a:rPr>
-              <a:t>https://numpy.org/doc/stable/reference/routines.html</a:t>
-            </a:r>
-            <a:endParaRPr lang="fr-FR" dirty="0"/>
+              <a:t>Opérations</a:t>
+            </a:r>
           </a:p>
         </p:txBody>
       </p:sp>
       <p:pic>
         <p:nvPicPr>
-          <p:cNvPr id="7" name="Image 6">
-            <a:extLst>
-              <a:ext uri="{FF2B5EF4-FFF2-40B4-BE49-F238E27FC236}">
-                <a16:creationId xmlns:a16="http://schemas.microsoft.com/office/drawing/2014/main" id="{01D3906A-22C9-4E5C-9CA7-F705EC6F4CF5}"/>
+          <p:cNvPr id="5" name="Image 4">
+            <a:extLst>
+              <a:ext uri="{FF2B5EF4-FFF2-40B4-BE49-F238E27FC236}">
+                <a16:creationId xmlns:a16="http://schemas.microsoft.com/office/drawing/2014/main" id="{32498B7A-692D-44DC-AC23-CEDAA8AFB7D1}"/>
               </a:ext>
             </a:extLst>
           </p:cNvPr>
@@ -8785,15 +8642,15 @@
           <p:nvPr/>
         </p:nvPicPr>
         <p:blipFill>
-          <a:blip r:embed="rId3"/>
+          <a:blip r:embed="rId2"/>
           <a:stretch>
             <a:fillRect/>
           </a:stretch>
         </p:blipFill>
         <p:spPr>
           <a:xfrm>
-            <a:off x="838200" y="2325949"/>
-            <a:ext cx="5811061" cy="3029373"/>
+            <a:off x="838200" y="2186315"/>
+            <a:ext cx="5639587" cy="3905795"/>
           </a:xfrm>
           <a:prstGeom prst="rect">
             <a:avLst/>
@@ -8802,10 +8659,10 @@
       </p:pic>
       <p:pic>
         <p:nvPicPr>
-          <p:cNvPr id="9" name="Image 8">
-            <a:extLst>
-              <a:ext uri="{FF2B5EF4-FFF2-40B4-BE49-F238E27FC236}">
-                <a16:creationId xmlns:a16="http://schemas.microsoft.com/office/drawing/2014/main" id="{1541F835-E59E-488A-9C46-1DC4DAA3B2FA}"/>
+          <p:cNvPr id="7" name="Image 6">
+            <a:extLst>
+              <a:ext uri="{FF2B5EF4-FFF2-40B4-BE49-F238E27FC236}">
+                <a16:creationId xmlns:a16="http://schemas.microsoft.com/office/drawing/2014/main" id="{FD6A2443-32DD-48D1-AEF1-94FB8D4E002D}"/>
               </a:ext>
             </a:extLst>
           </p:cNvPr>
@@ -8815,7 +8672,7 @@
           <p:nvPr/>
         </p:nvPicPr>
         <p:blipFill rotWithShape="1">
-          <a:blip r:embed="rId4"/>
+          <a:blip r:embed="rId3"/>
           <a:srcRect r="62935" b="62483"/>
           <a:stretch/>
         </p:blipFill>
@@ -8832,7 +8689,7 @@
     </p:spTree>
     <p:extLst>
       <p:ext uri="{BB962C8B-B14F-4D97-AF65-F5344CB8AC3E}">
-        <p14:creationId xmlns:p14="http://schemas.microsoft.com/office/powerpoint/2010/main" val="1005059585"/>
+        <p14:creationId xmlns:p14="http://schemas.microsoft.com/office/powerpoint/2010/main" val="4244104779"/>
       </p:ext>
     </p:extLst>
   </p:cSld>
@@ -8934,84 +8791,17 @@
             </a:pPr>
             <a:r>
               <a:rPr lang="fr-FR" b="1" dirty="0"/>
-              <a:t>Routines statistiques</a:t>
-            </a:r>
-          </a:p>
-        </p:txBody>
-      </p:sp>
-      <p:sp>
-        <p:nvSpPr>
-          <p:cNvPr id="6" name="ZoneTexte 5">
-            <a:extLst>
-              <a:ext uri="{FF2B5EF4-FFF2-40B4-BE49-F238E27FC236}">
-                <a16:creationId xmlns:a16="http://schemas.microsoft.com/office/drawing/2014/main" id="{49CD1B9F-270E-486F-9B60-0C0BA201B06B}"/>
-              </a:ext>
-            </a:extLst>
-          </p:cNvPr>
-          <p:cNvSpPr txBox="1"/>
-          <p:nvPr/>
-        </p:nvSpPr>
-        <p:spPr>
-          <a:xfrm>
-            <a:off x="6882414" y="86102"/>
-            <a:ext cx="6094520" cy="369332"/>
-          </a:xfrm>
-          <a:prstGeom prst="rect">
-            <a:avLst/>
-          </a:prstGeom>
-          <a:noFill/>
-        </p:spPr>
-        <p:txBody>
-          <a:bodyPr wrap="square">
-            <a:spAutoFit/>
-          </a:bodyPr>
-          <a:lstStyle/>
-          <a:p>
-            <a:r>
-              <a:rPr lang="fr-FR" dirty="0">
-                <a:hlinkClick r:id="rId2"/>
-              </a:rPr>
-              <a:t>https://numpy.org/doc/stable/reference/routines.html</a:t>
-            </a:r>
-            <a:endParaRPr lang="fr-FR" dirty="0"/>
+              <a:t>Opérations</a:t>
+            </a:r>
           </a:p>
         </p:txBody>
       </p:sp>
       <p:pic>
         <p:nvPicPr>
-          <p:cNvPr id="9" name="Image 8">
-            <a:extLst>
-              <a:ext uri="{FF2B5EF4-FFF2-40B4-BE49-F238E27FC236}">
-                <a16:creationId xmlns:a16="http://schemas.microsoft.com/office/drawing/2014/main" id="{1541F835-E59E-488A-9C46-1DC4DAA3B2FA}"/>
-              </a:ext>
-            </a:extLst>
-          </p:cNvPr>
-          <p:cNvPicPr>
-            <a:picLocks noChangeAspect="1"/>
-          </p:cNvPicPr>
-          <p:nvPr/>
-        </p:nvPicPr>
-        <p:blipFill rotWithShape="1">
-          <a:blip r:embed="rId3"/>
-          <a:srcRect r="62935" b="62483"/>
-          <a:stretch/>
-        </p:blipFill>
-        <p:spPr>
-          <a:xfrm>
-            <a:off x="10295878" y="5110301"/>
-            <a:ext cx="1896122" cy="1747699"/>
-          </a:xfrm>
-          <a:prstGeom prst="rect">
-            <a:avLst/>
-          </a:prstGeom>
-        </p:spPr>
-      </p:pic>
-      <p:pic>
-        <p:nvPicPr>
-          <p:cNvPr id="4" name="Image 3">
-            <a:extLst>
-              <a:ext uri="{FF2B5EF4-FFF2-40B4-BE49-F238E27FC236}">
-                <a16:creationId xmlns:a16="http://schemas.microsoft.com/office/drawing/2014/main" id="{0C9299D2-8B2B-4985-B4BB-4A528A42659F}"/>
+          <p:cNvPr id="5" name="Image 4">
+            <a:extLst>
+              <a:ext uri="{FF2B5EF4-FFF2-40B4-BE49-F238E27FC236}">
+                <a16:creationId xmlns:a16="http://schemas.microsoft.com/office/drawing/2014/main" id="{32498B7A-692D-44DC-AC23-CEDAA8AFB7D1}"/>
               </a:ext>
             </a:extLst>
           </p:cNvPr>
@@ -9021,15 +8811,45 @@
           <p:nvPr/>
         </p:nvPicPr>
         <p:blipFill>
-          <a:blip r:embed="rId4"/>
+          <a:blip r:embed="rId2"/>
           <a:stretch>
             <a:fillRect/>
           </a:stretch>
         </p:blipFill>
         <p:spPr>
           <a:xfrm>
-            <a:off x="0" y="2045404"/>
-            <a:ext cx="9579006" cy="4812596"/>
+            <a:off x="838200" y="2186315"/>
+            <a:ext cx="5639587" cy="3905795"/>
+          </a:xfrm>
+          <a:prstGeom prst="rect">
+            <a:avLst/>
+          </a:prstGeom>
+        </p:spPr>
+      </p:pic>
+      <p:pic>
+        <p:nvPicPr>
+          <p:cNvPr id="4" name="Image 3">
+            <a:extLst>
+              <a:ext uri="{FF2B5EF4-FFF2-40B4-BE49-F238E27FC236}">
+                <a16:creationId xmlns:a16="http://schemas.microsoft.com/office/drawing/2014/main" id="{4427B526-9845-44C8-94D6-62A9BAA70826}"/>
+              </a:ext>
+            </a:extLst>
+          </p:cNvPr>
+          <p:cNvPicPr>
+            <a:picLocks noChangeAspect="1"/>
+          </p:cNvPicPr>
+          <p:nvPr/>
+        </p:nvPicPr>
+        <p:blipFill>
+          <a:blip r:embed="rId3"/>
+          <a:stretch>
+            <a:fillRect/>
+          </a:stretch>
+        </p:blipFill>
+        <p:spPr>
+          <a:xfrm>
+            <a:off x="7704791" y="4691850"/>
+            <a:ext cx="4115374" cy="1276528"/>
           </a:xfrm>
           <a:prstGeom prst="rect">
             <a:avLst/>
@@ -9039,7 +8859,7 @@
     </p:spTree>
     <p:extLst>
       <p:ext uri="{BB962C8B-B14F-4D97-AF65-F5344CB8AC3E}">
-        <p14:creationId xmlns:p14="http://schemas.microsoft.com/office/powerpoint/2010/main" val="940989411"/>
+        <p14:creationId xmlns:p14="http://schemas.microsoft.com/office/powerpoint/2010/main" val="1826760716"/>
       </p:ext>
     </p:extLst>
   </p:cSld>
@@ -9141,6 +8961,420 @@
             </a:pPr>
             <a:r>
               <a:rPr lang="fr-FR" b="1" dirty="0"/>
+              <a:t>Routines logiques</a:t>
+            </a:r>
+          </a:p>
+        </p:txBody>
+      </p:sp>
+      <p:sp>
+        <p:nvSpPr>
+          <p:cNvPr id="6" name="ZoneTexte 5">
+            <a:extLst>
+              <a:ext uri="{FF2B5EF4-FFF2-40B4-BE49-F238E27FC236}">
+                <a16:creationId xmlns:a16="http://schemas.microsoft.com/office/drawing/2014/main" id="{49CD1B9F-270E-486F-9B60-0C0BA201B06B}"/>
+              </a:ext>
+            </a:extLst>
+          </p:cNvPr>
+          <p:cNvSpPr txBox="1"/>
+          <p:nvPr/>
+        </p:nvSpPr>
+        <p:spPr>
+          <a:xfrm>
+            <a:off x="6882414" y="86102"/>
+            <a:ext cx="6094520" cy="369332"/>
+          </a:xfrm>
+          <a:prstGeom prst="rect">
+            <a:avLst/>
+          </a:prstGeom>
+          <a:noFill/>
+        </p:spPr>
+        <p:txBody>
+          <a:bodyPr wrap="square">
+            <a:spAutoFit/>
+          </a:bodyPr>
+          <a:lstStyle/>
+          <a:p>
+            <a:r>
+              <a:rPr lang="fr-FR" dirty="0">
+                <a:hlinkClick r:id="rId2"/>
+              </a:rPr>
+              <a:t>https://numpy.org/doc/stable/reference/routines.html</a:t>
+            </a:r>
+            <a:endParaRPr lang="fr-FR" dirty="0"/>
+          </a:p>
+        </p:txBody>
+      </p:sp>
+      <p:pic>
+        <p:nvPicPr>
+          <p:cNvPr id="7" name="Image 6">
+            <a:extLst>
+              <a:ext uri="{FF2B5EF4-FFF2-40B4-BE49-F238E27FC236}">
+                <a16:creationId xmlns:a16="http://schemas.microsoft.com/office/drawing/2014/main" id="{01D3906A-22C9-4E5C-9CA7-F705EC6F4CF5}"/>
+              </a:ext>
+            </a:extLst>
+          </p:cNvPr>
+          <p:cNvPicPr>
+            <a:picLocks noChangeAspect="1"/>
+          </p:cNvPicPr>
+          <p:nvPr/>
+        </p:nvPicPr>
+        <p:blipFill>
+          <a:blip r:embed="rId3"/>
+          <a:stretch>
+            <a:fillRect/>
+          </a:stretch>
+        </p:blipFill>
+        <p:spPr>
+          <a:xfrm>
+            <a:off x="838200" y="2325949"/>
+            <a:ext cx="5811061" cy="3029373"/>
+          </a:xfrm>
+          <a:prstGeom prst="rect">
+            <a:avLst/>
+          </a:prstGeom>
+        </p:spPr>
+      </p:pic>
+      <p:pic>
+        <p:nvPicPr>
+          <p:cNvPr id="9" name="Image 8">
+            <a:extLst>
+              <a:ext uri="{FF2B5EF4-FFF2-40B4-BE49-F238E27FC236}">
+                <a16:creationId xmlns:a16="http://schemas.microsoft.com/office/drawing/2014/main" id="{1541F835-E59E-488A-9C46-1DC4DAA3B2FA}"/>
+              </a:ext>
+            </a:extLst>
+          </p:cNvPr>
+          <p:cNvPicPr>
+            <a:picLocks noChangeAspect="1"/>
+          </p:cNvPicPr>
+          <p:nvPr/>
+        </p:nvPicPr>
+        <p:blipFill rotWithShape="1">
+          <a:blip r:embed="rId4"/>
+          <a:srcRect r="62935" b="62483"/>
+          <a:stretch/>
+        </p:blipFill>
+        <p:spPr>
+          <a:xfrm>
+            <a:off x="10295878" y="5110301"/>
+            <a:ext cx="1896122" cy="1747699"/>
+          </a:xfrm>
+          <a:prstGeom prst="rect">
+            <a:avLst/>
+          </a:prstGeom>
+        </p:spPr>
+      </p:pic>
+    </p:spTree>
+    <p:extLst>
+      <p:ext uri="{BB962C8B-B14F-4D97-AF65-F5344CB8AC3E}">
+        <p14:creationId xmlns:p14="http://schemas.microsoft.com/office/powerpoint/2010/main" val="1005059585"/>
+      </p:ext>
+    </p:extLst>
+  </p:cSld>
+  <p:clrMapOvr>
+    <a:masterClrMapping/>
+  </p:clrMapOvr>
+</p:sld>
+</file>
+
+<file path=ppt/slides/slide37.xml><?xml version="1.0" encoding="utf-8"?>
+<p:sld xmlns:a="http://schemas.openxmlformats.org/drawingml/2006/main" xmlns:r="http://schemas.openxmlformats.org/officeDocument/2006/relationships" xmlns:p="http://schemas.openxmlformats.org/presentationml/2006/main">
+  <p:cSld>
+    <p:spTree>
+      <p:nvGrpSpPr>
+        <p:cNvPr id="1" name=""/>
+        <p:cNvGrpSpPr/>
+        <p:nvPr/>
+      </p:nvGrpSpPr>
+      <p:grpSpPr>
+        <a:xfrm>
+          <a:off x="0" y="0"/>
+          <a:ext cx="0" cy="0"/>
+          <a:chOff x="0" y="0"/>
+          <a:chExt cx="0" cy="0"/>
+        </a:xfrm>
+      </p:grpSpPr>
+      <p:sp>
+        <p:nvSpPr>
+          <p:cNvPr id="2" name="Titre 1">
+            <a:extLst>
+              <a:ext uri="{FF2B5EF4-FFF2-40B4-BE49-F238E27FC236}">
+                <a16:creationId xmlns:a16="http://schemas.microsoft.com/office/drawing/2014/main" id="{0BE1AC30-9008-45CA-8FA5-3517A2A5CA6E}"/>
+              </a:ext>
+            </a:extLst>
+          </p:cNvPr>
+          <p:cNvSpPr>
+            <a:spLocks noGrp="1"/>
+          </p:cNvSpPr>
+          <p:nvPr>
+            <p:ph type="title"/>
+          </p:nvPr>
+        </p:nvSpPr>
+        <p:spPr/>
+        <p:txBody>
+          <a:bodyPr/>
+          <a:lstStyle/>
+          <a:p>
+            <a:r>
+              <a:rPr lang="fr-FR" dirty="0"/>
+              <a:t>Types de données</a:t>
+            </a:r>
+            <a:br>
+              <a:rPr lang="fr-FR" dirty="0"/>
+            </a:br>
+            <a:r>
+              <a:rPr lang="fr-FR" dirty="0" err="1"/>
+              <a:t>Numpy</a:t>
+            </a:r>
+            <a:r>
+              <a:rPr lang="fr-FR" dirty="0"/>
+              <a:t> </a:t>
+            </a:r>
+            <a:r>
+              <a:rPr lang="fr-FR" dirty="0" err="1"/>
+              <a:t>Arrays</a:t>
+            </a:r>
+            <a:endParaRPr lang="fr-FR" dirty="0"/>
+          </a:p>
+        </p:txBody>
+      </p:sp>
+      <p:sp>
+        <p:nvSpPr>
+          <p:cNvPr id="20" name="Espace réservé du contenu 2">
+            <a:extLst>
+              <a:ext uri="{FF2B5EF4-FFF2-40B4-BE49-F238E27FC236}">
+                <a16:creationId xmlns:a16="http://schemas.microsoft.com/office/drawing/2014/main" id="{84A43DE6-9380-4287-8479-5ED32074B337}"/>
+              </a:ext>
+            </a:extLst>
+          </p:cNvPr>
+          <p:cNvSpPr>
+            <a:spLocks noGrp="1"/>
+          </p:cNvSpPr>
+          <p:nvPr>
+            <p:ph idx="1"/>
+          </p:nvPr>
+        </p:nvSpPr>
+        <p:spPr>
+          <a:xfrm>
+            <a:off x="838200" y="1648071"/>
+            <a:ext cx="10515600" cy="677878"/>
+          </a:xfrm>
+        </p:spPr>
+        <p:txBody>
+          <a:bodyPr/>
+          <a:lstStyle/>
+          <a:p>
+            <a:pPr marL="0" indent="0">
+              <a:buNone/>
+            </a:pPr>
+            <a:r>
+              <a:rPr lang="fr-FR" b="1" dirty="0"/>
+              <a:t>Routines statistiques</a:t>
+            </a:r>
+          </a:p>
+        </p:txBody>
+      </p:sp>
+      <p:sp>
+        <p:nvSpPr>
+          <p:cNvPr id="6" name="ZoneTexte 5">
+            <a:extLst>
+              <a:ext uri="{FF2B5EF4-FFF2-40B4-BE49-F238E27FC236}">
+                <a16:creationId xmlns:a16="http://schemas.microsoft.com/office/drawing/2014/main" id="{49CD1B9F-270E-486F-9B60-0C0BA201B06B}"/>
+              </a:ext>
+            </a:extLst>
+          </p:cNvPr>
+          <p:cNvSpPr txBox="1"/>
+          <p:nvPr/>
+        </p:nvSpPr>
+        <p:spPr>
+          <a:xfrm>
+            <a:off x="6882414" y="86102"/>
+            <a:ext cx="6094520" cy="369332"/>
+          </a:xfrm>
+          <a:prstGeom prst="rect">
+            <a:avLst/>
+          </a:prstGeom>
+          <a:noFill/>
+        </p:spPr>
+        <p:txBody>
+          <a:bodyPr wrap="square">
+            <a:spAutoFit/>
+          </a:bodyPr>
+          <a:lstStyle/>
+          <a:p>
+            <a:r>
+              <a:rPr lang="fr-FR" dirty="0">
+                <a:hlinkClick r:id="rId2"/>
+              </a:rPr>
+              <a:t>https://numpy.org/doc/stable/reference/routines.html</a:t>
+            </a:r>
+            <a:endParaRPr lang="fr-FR" dirty="0"/>
+          </a:p>
+        </p:txBody>
+      </p:sp>
+      <p:pic>
+        <p:nvPicPr>
+          <p:cNvPr id="9" name="Image 8">
+            <a:extLst>
+              <a:ext uri="{FF2B5EF4-FFF2-40B4-BE49-F238E27FC236}">
+                <a16:creationId xmlns:a16="http://schemas.microsoft.com/office/drawing/2014/main" id="{1541F835-E59E-488A-9C46-1DC4DAA3B2FA}"/>
+              </a:ext>
+            </a:extLst>
+          </p:cNvPr>
+          <p:cNvPicPr>
+            <a:picLocks noChangeAspect="1"/>
+          </p:cNvPicPr>
+          <p:nvPr/>
+        </p:nvPicPr>
+        <p:blipFill rotWithShape="1">
+          <a:blip r:embed="rId3"/>
+          <a:srcRect r="62935" b="62483"/>
+          <a:stretch/>
+        </p:blipFill>
+        <p:spPr>
+          <a:xfrm>
+            <a:off x="10295878" y="5110301"/>
+            <a:ext cx="1896122" cy="1747699"/>
+          </a:xfrm>
+          <a:prstGeom prst="rect">
+            <a:avLst/>
+          </a:prstGeom>
+        </p:spPr>
+      </p:pic>
+      <p:pic>
+        <p:nvPicPr>
+          <p:cNvPr id="4" name="Image 3">
+            <a:extLst>
+              <a:ext uri="{FF2B5EF4-FFF2-40B4-BE49-F238E27FC236}">
+                <a16:creationId xmlns:a16="http://schemas.microsoft.com/office/drawing/2014/main" id="{0C9299D2-8B2B-4985-B4BB-4A528A42659F}"/>
+              </a:ext>
+            </a:extLst>
+          </p:cNvPr>
+          <p:cNvPicPr>
+            <a:picLocks noChangeAspect="1"/>
+          </p:cNvPicPr>
+          <p:nvPr/>
+        </p:nvPicPr>
+        <p:blipFill>
+          <a:blip r:embed="rId4"/>
+          <a:stretch>
+            <a:fillRect/>
+          </a:stretch>
+        </p:blipFill>
+        <p:spPr>
+          <a:xfrm>
+            <a:off x="0" y="2045404"/>
+            <a:ext cx="9579006" cy="4812596"/>
+          </a:xfrm>
+          <a:prstGeom prst="rect">
+            <a:avLst/>
+          </a:prstGeom>
+        </p:spPr>
+      </p:pic>
+    </p:spTree>
+    <p:extLst>
+      <p:ext uri="{BB962C8B-B14F-4D97-AF65-F5344CB8AC3E}">
+        <p14:creationId xmlns:p14="http://schemas.microsoft.com/office/powerpoint/2010/main" val="940989411"/>
+      </p:ext>
+    </p:extLst>
+  </p:cSld>
+  <p:clrMapOvr>
+    <a:masterClrMapping/>
+  </p:clrMapOvr>
+</p:sld>
+</file>
+
+<file path=ppt/slides/slide38.xml><?xml version="1.0" encoding="utf-8"?>
+<p:sld xmlns:a="http://schemas.openxmlformats.org/drawingml/2006/main" xmlns:r="http://schemas.openxmlformats.org/officeDocument/2006/relationships" xmlns:p="http://schemas.openxmlformats.org/presentationml/2006/main">
+  <p:cSld>
+    <p:spTree>
+      <p:nvGrpSpPr>
+        <p:cNvPr id="1" name=""/>
+        <p:cNvGrpSpPr/>
+        <p:nvPr/>
+      </p:nvGrpSpPr>
+      <p:grpSpPr>
+        <a:xfrm>
+          <a:off x="0" y="0"/>
+          <a:ext cx="0" cy="0"/>
+          <a:chOff x="0" y="0"/>
+          <a:chExt cx="0" cy="0"/>
+        </a:xfrm>
+      </p:grpSpPr>
+      <p:sp>
+        <p:nvSpPr>
+          <p:cNvPr id="2" name="Titre 1">
+            <a:extLst>
+              <a:ext uri="{FF2B5EF4-FFF2-40B4-BE49-F238E27FC236}">
+                <a16:creationId xmlns:a16="http://schemas.microsoft.com/office/drawing/2014/main" id="{0BE1AC30-9008-45CA-8FA5-3517A2A5CA6E}"/>
+              </a:ext>
+            </a:extLst>
+          </p:cNvPr>
+          <p:cNvSpPr>
+            <a:spLocks noGrp="1"/>
+          </p:cNvSpPr>
+          <p:nvPr>
+            <p:ph type="title"/>
+          </p:nvPr>
+        </p:nvSpPr>
+        <p:spPr/>
+        <p:txBody>
+          <a:bodyPr/>
+          <a:lstStyle/>
+          <a:p>
+            <a:r>
+              <a:rPr lang="fr-FR" dirty="0"/>
+              <a:t>Types de données</a:t>
+            </a:r>
+            <a:br>
+              <a:rPr lang="fr-FR" dirty="0"/>
+            </a:br>
+            <a:r>
+              <a:rPr lang="fr-FR" dirty="0" err="1"/>
+              <a:t>Numpy</a:t>
+            </a:r>
+            <a:r>
+              <a:rPr lang="fr-FR" dirty="0"/>
+              <a:t> </a:t>
+            </a:r>
+            <a:r>
+              <a:rPr lang="fr-FR" dirty="0" err="1"/>
+              <a:t>Arrays</a:t>
+            </a:r>
+            <a:endParaRPr lang="fr-FR" dirty="0"/>
+          </a:p>
+        </p:txBody>
+      </p:sp>
+      <p:sp>
+        <p:nvSpPr>
+          <p:cNvPr id="20" name="Espace réservé du contenu 2">
+            <a:extLst>
+              <a:ext uri="{FF2B5EF4-FFF2-40B4-BE49-F238E27FC236}">
+                <a16:creationId xmlns:a16="http://schemas.microsoft.com/office/drawing/2014/main" id="{84A43DE6-9380-4287-8479-5ED32074B337}"/>
+              </a:ext>
+            </a:extLst>
+          </p:cNvPr>
+          <p:cNvSpPr>
+            <a:spLocks noGrp="1"/>
+          </p:cNvSpPr>
+          <p:nvPr>
+            <p:ph idx="1"/>
+          </p:nvPr>
+        </p:nvSpPr>
+        <p:spPr>
+          <a:xfrm>
+            <a:off x="838200" y="1648071"/>
+            <a:ext cx="10515600" cy="677878"/>
+          </a:xfrm>
+        </p:spPr>
+        <p:txBody>
+          <a:bodyPr/>
+          <a:lstStyle/>
+          <a:p>
+            <a:pPr marL="0" indent="0">
+              <a:buNone/>
+            </a:pPr>
+            <a:r>
+              <a:rPr lang="fr-FR" b="1" dirty="0"/>
               <a:t>Routines statistiques</a:t>
             </a:r>
           </a:p>
@@ -9257,7 +9491,7 @@
 </p:sld>
 </file>
 
-<file path=ppt/slides/slide37.xml><?xml version="1.0" encoding="utf-8"?>
+<file path=ppt/slides/slide39.xml><?xml version="1.0" encoding="utf-8"?>
 <p:sld xmlns:a="http://schemas.openxmlformats.org/drawingml/2006/main" xmlns:r="http://schemas.openxmlformats.org/officeDocument/2006/relationships" xmlns:p="http://schemas.openxmlformats.org/presentationml/2006/main">
   <p:cSld>
     <p:spTree>
@@ -10148,10 +10382,10 @@
       </p:sp>
       <p:pic>
         <p:nvPicPr>
-          <p:cNvPr id="6" name="Image 5">
-            <a:extLst>
-              <a:ext uri="{FF2B5EF4-FFF2-40B4-BE49-F238E27FC236}">
-                <a16:creationId xmlns:a16="http://schemas.microsoft.com/office/drawing/2014/main" id="{AE636CB7-D3F8-4CA3-8C71-67B40A9A9CE5}"/>
+          <p:cNvPr id="7" name="Image 6">
+            <a:extLst>
+              <a:ext uri="{FF2B5EF4-FFF2-40B4-BE49-F238E27FC236}">
+                <a16:creationId xmlns:a16="http://schemas.microsoft.com/office/drawing/2014/main" id="{9171F0B8-B130-4B33-97DC-96F36A809D96}"/>
               </a:ext>
             </a:extLst>
           </p:cNvPr>
@@ -10168,8 +10402,8 @@
         </p:blipFill>
         <p:spPr>
           <a:xfrm>
-            <a:off x="7347320" y="4075363"/>
-            <a:ext cx="4681924" cy="2534734"/>
+            <a:off x="0" y="2749800"/>
+            <a:ext cx="6353020" cy="3314619"/>
           </a:xfrm>
           <a:prstGeom prst="rect">
             <a:avLst/>
@@ -10178,10 +10412,10 @@
       </p:pic>
       <p:pic>
         <p:nvPicPr>
-          <p:cNvPr id="7" name="Image 6">
-            <a:extLst>
-              <a:ext uri="{FF2B5EF4-FFF2-40B4-BE49-F238E27FC236}">
-                <a16:creationId xmlns:a16="http://schemas.microsoft.com/office/drawing/2014/main" id="{9171F0B8-B130-4B33-97DC-96F36A809D96}"/>
+          <p:cNvPr id="5" name="Image 4">
+            <a:extLst>
+              <a:ext uri="{FF2B5EF4-FFF2-40B4-BE49-F238E27FC236}">
+                <a16:creationId xmlns:a16="http://schemas.microsoft.com/office/drawing/2014/main" id="{D0779F64-C6B2-42D2-BDFB-6D462638BFF7}"/>
               </a:ext>
             </a:extLst>
           </p:cNvPr>
@@ -10198,8 +10432,8 @@
         </p:blipFill>
         <p:spPr>
           <a:xfrm>
-            <a:off x="0" y="2749800"/>
-            <a:ext cx="6353020" cy="3314619"/>
+            <a:off x="6557206" y="3791393"/>
+            <a:ext cx="5172797" cy="2915057"/>
           </a:xfrm>
           <a:prstGeom prst="rect">
             <a:avLst/>

--- a/python_debutant/Formation Python débutant.pptx
+++ b/python_debutant/Formation Python débutant.pptx
@@ -31,19 +31,18 @@
     <p:sldId id="279" r:id="rId25"/>
     <p:sldId id="296" r:id="rId26"/>
     <p:sldId id="280" r:id="rId27"/>
-    <p:sldId id="281" r:id="rId28"/>
-    <p:sldId id="282" r:id="rId29"/>
-    <p:sldId id="283" r:id="rId30"/>
-    <p:sldId id="284" r:id="rId31"/>
-    <p:sldId id="285" r:id="rId32"/>
-    <p:sldId id="286" r:id="rId33"/>
-    <p:sldId id="287" r:id="rId34"/>
-    <p:sldId id="288" r:id="rId35"/>
-    <p:sldId id="289" r:id="rId36"/>
-    <p:sldId id="290" r:id="rId37"/>
-    <p:sldId id="291" r:id="rId38"/>
-    <p:sldId id="292" r:id="rId39"/>
-    <p:sldId id="293" r:id="rId40"/>
+    <p:sldId id="282" r:id="rId28"/>
+    <p:sldId id="283" r:id="rId29"/>
+    <p:sldId id="284" r:id="rId30"/>
+    <p:sldId id="285" r:id="rId31"/>
+    <p:sldId id="286" r:id="rId32"/>
+    <p:sldId id="287" r:id="rId33"/>
+    <p:sldId id="288" r:id="rId34"/>
+    <p:sldId id="289" r:id="rId35"/>
+    <p:sldId id="290" r:id="rId36"/>
+    <p:sldId id="291" r:id="rId37"/>
+    <p:sldId id="292" r:id="rId38"/>
+    <p:sldId id="293" r:id="rId39"/>
   </p:sldIdLst>
   <p:sldSz cx="12192000" cy="6858000"/>
   <p:notesSz cx="6858000" cy="9144000"/>
@@ -3636,6 +3635,17 @@
 <file path=ppt/slides/slide11.xml><?xml version="1.0" encoding="utf-8"?>
 <p:sld xmlns:a="http://schemas.openxmlformats.org/drawingml/2006/main" xmlns:r="http://schemas.openxmlformats.org/officeDocument/2006/relationships" xmlns:p="http://schemas.openxmlformats.org/presentationml/2006/main">
   <p:cSld>
+    <p:bg>
+      <p:bgPr>
+        <a:solidFill>
+          <a:schemeClr val="accent2">
+            <a:lumMod val="40000"/>
+            <a:lumOff val="60000"/>
+          </a:schemeClr>
+        </a:solidFill>
+        <a:effectLst/>
+      </p:bgPr>
+    </p:bg>
     <p:spTree>
       <p:nvGrpSpPr>
         <p:cNvPr id="1" name=""/>
@@ -4226,6 +4236,17 @@
 <file path=ppt/slides/slide14.xml><?xml version="1.0" encoding="utf-8"?>
 <p:sld xmlns:a="http://schemas.openxmlformats.org/drawingml/2006/main" xmlns:r="http://schemas.openxmlformats.org/officeDocument/2006/relationships" xmlns:p="http://schemas.openxmlformats.org/presentationml/2006/main">
   <p:cSld>
+    <p:bg>
+      <p:bgPr>
+        <a:solidFill>
+          <a:schemeClr val="accent2">
+            <a:lumMod val="40000"/>
+            <a:lumOff val="60000"/>
+          </a:schemeClr>
+        </a:solidFill>
+        <a:effectLst/>
+      </p:bgPr>
+    </p:bg>
     <p:spTree>
       <p:nvGrpSpPr>
         <p:cNvPr id="1" name=""/>
@@ -5842,6 +5863,17 @@
 <file path=ppt/slides/slide22.xml><?xml version="1.0" encoding="utf-8"?>
 <p:sld xmlns:a="http://schemas.openxmlformats.org/drawingml/2006/main" xmlns:r="http://schemas.openxmlformats.org/officeDocument/2006/relationships" xmlns:p="http://schemas.openxmlformats.org/presentationml/2006/main">
   <p:cSld>
+    <p:bg>
+      <p:bgPr>
+        <a:solidFill>
+          <a:schemeClr val="accent2">
+            <a:lumMod val="40000"/>
+            <a:lumOff val="60000"/>
+          </a:schemeClr>
+        </a:solidFill>
+        <a:effectLst/>
+      </p:bgPr>
+    </p:bg>
     <p:spTree>
       <p:nvGrpSpPr>
         <p:cNvPr id="1" name=""/>
@@ -7178,6 +7210,17 @@
 <file path=ppt/slides/slide27.xml><?xml version="1.0" encoding="utf-8"?>
 <p:sld xmlns:a="http://schemas.openxmlformats.org/drawingml/2006/main" xmlns:r="http://schemas.openxmlformats.org/officeDocument/2006/relationships" xmlns:p="http://schemas.openxmlformats.org/presentationml/2006/main">
   <p:cSld>
+    <p:bg>
+      <p:bgPr>
+        <a:solidFill>
+          <a:schemeClr val="accent2">
+            <a:lumMod val="40000"/>
+            <a:lumOff val="60000"/>
+          </a:schemeClr>
+        </a:solidFill>
+        <a:effectLst/>
+      </p:bgPr>
+    </p:bg>
     <p:spTree>
       <p:nvGrpSpPr>
         <p:cNvPr id="1" name=""/>
@@ -7257,12 +7300,13 @@
           <a:bodyPr/>
           <a:lstStyle/>
           <a:p>
-            <a:pPr marL="0" indent="0">
-              <a:buNone/>
+            <a:pPr>
+              <a:buFont typeface="Wingdings" panose="05000000000000000000" pitchFamily="2" charset="2"/>
+              <a:buChar char="Ø"/>
             </a:pPr>
             <a:r>
               <a:rPr lang="fr-FR" dirty="0"/>
-              <a:t>Les objets </a:t>
+              <a:t> Les objets </a:t>
             </a:r>
             <a:r>
               <a:rPr lang="fr-FR" dirty="0" err="1"/>
@@ -7274,12 +7318,13 @@
             </a:r>
           </a:p>
           <a:p>
-            <a:pPr marL="0" indent="0">
-              <a:buNone/>
+            <a:pPr>
+              <a:buFont typeface="Wingdings" panose="05000000000000000000" pitchFamily="2" charset="2"/>
+              <a:buChar char="Ø"/>
             </a:pPr>
             <a:r>
               <a:rPr lang="fr-FR" dirty="0"/>
-              <a:t>Pour ce faire, il faut utiliser l'objet </a:t>
+              <a:t> L'objet </a:t>
             </a:r>
             <a:r>
               <a:rPr lang="fr-FR" dirty="0" err="1"/>
@@ -7291,29 +7336,19 @@
             </a:r>
           </a:p>
           <a:p>
-            <a:pPr marL="0" indent="0">
-              <a:buNone/>
+            <a:pPr>
+              <a:buFont typeface="Wingdings" panose="05000000000000000000" pitchFamily="2" charset="2"/>
+              <a:buChar char="Ø"/>
             </a:pPr>
             <a:r>
               <a:rPr lang="fr-FR" dirty="0"/>
-              <a:t>La meilleure implémentation est celle proposée par la librairie </a:t>
+              <a:t> Librairie </a:t>
             </a:r>
             <a:r>
               <a:rPr lang="fr-FR" dirty="0" err="1"/>
               <a:t>Numpy</a:t>
             </a:r>
-            <a:r>
-              <a:rPr lang="fr-FR" dirty="0"/>
-              <a:t>. Cette librairie est utilisée de façon générale par l'ensemble des librairies Python en calcul scientifique.</a:t>
-            </a:r>
-          </a:p>
-          <a:p>
-            <a:pPr marL="0" indent="0">
-              <a:buNone/>
-            </a:pPr>
-            <a:endParaRPr lang="fr-FR" dirty="0">
-              <a:hlinkClick r:id="rId2"/>
-            </a:endParaRPr>
+            <a:endParaRPr lang="fr-FR" dirty="0"/>
           </a:p>
           <a:p>
             <a:pPr marL="0" indent="0">
@@ -7328,14 +7363,53 @@
             <a:endParaRPr lang="fr-FR" dirty="0"/>
           </a:p>
           <a:p>
+            <a:pPr marL="0" indent="0">
+              <a:buNone/>
+            </a:pPr>
             <a:endParaRPr lang="fr-FR" dirty="0"/>
           </a:p>
-        </p:txBody>
-      </p:sp>
+          <a:p>
+            <a:pPr marL="0" indent="0">
+              <a:buNone/>
+            </a:pPr>
+            <a:endParaRPr lang="fr-FR" dirty="0"/>
+          </a:p>
+        </p:txBody>
+      </p:sp>
+      <p:pic>
+        <p:nvPicPr>
+          <p:cNvPr id="5" name="Image 4">
+            <a:extLst>
+              <a:ext uri="{FF2B5EF4-FFF2-40B4-BE49-F238E27FC236}">
+                <a16:creationId xmlns:a16="http://schemas.microsoft.com/office/drawing/2014/main" id="{F928F3C0-F544-495F-A378-905F68F23BE1}"/>
+              </a:ext>
+            </a:extLst>
+          </p:cNvPr>
+          <p:cNvPicPr>
+            <a:picLocks noChangeAspect="1"/>
+          </p:cNvPicPr>
+          <p:nvPr/>
+        </p:nvPicPr>
+        <p:blipFill>
+          <a:blip r:embed="rId3"/>
+          <a:stretch>
+            <a:fillRect/>
+          </a:stretch>
+        </p:blipFill>
+        <p:spPr>
+          <a:xfrm>
+            <a:off x="2536429" y="4957943"/>
+            <a:ext cx="5469550" cy="1219020"/>
+          </a:xfrm>
+          <a:prstGeom prst="rect">
+            <a:avLst/>
+          </a:prstGeom>
+        </p:spPr>
+      </p:pic>
     </p:spTree>
     <p:extLst>
       <p:ext uri="{BB962C8B-B14F-4D97-AF65-F5344CB8AC3E}">
-        <p14:creationId xmlns:p14="http://schemas.microsoft.com/office/powerpoint/2010/main" val="1847510317"/>
+        <p14:creationId xmlns:p14="http://schemas.microsoft.com/office/powerpoint/2010/main" val="2990242325"/>
       </p:ext>
     </p:extLst>
   </p:cSld>
@@ -7367,7 +7441,7 @@
           <p:cNvPr id="2" name="Titre 1">
             <a:extLst>
               <a:ext uri="{FF2B5EF4-FFF2-40B4-BE49-F238E27FC236}">
-                <a16:creationId xmlns:a16="http://schemas.microsoft.com/office/drawing/2014/main" id="{8F94FFC9-0FEB-42E8-A49B-9FA0805DB9C0}"/>
+                <a16:creationId xmlns:a16="http://schemas.microsoft.com/office/drawing/2014/main" id="{0BE1AC30-9008-45CA-8FA5-3517A2A5CA6E}"/>
               </a:ext>
             </a:extLst>
           </p:cNvPr>
@@ -7408,10 +7482,10 @@
       </p:sp>
       <p:sp>
         <p:nvSpPr>
-          <p:cNvPr id="3" name="Espace réservé du contenu 2">
-            <a:extLst>
-              <a:ext uri="{FF2B5EF4-FFF2-40B4-BE49-F238E27FC236}">
-                <a16:creationId xmlns:a16="http://schemas.microsoft.com/office/drawing/2014/main" id="{87E369D6-8F1E-4FF7-812D-C2FA232DACD1}"/>
+          <p:cNvPr id="20" name="Espace réservé du contenu 2">
+            <a:extLst>
+              <a:ext uri="{FF2B5EF4-FFF2-40B4-BE49-F238E27FC236}">
+                <a16:creationId xmlns:a16="http://schemas.microsoft.com/office/drawing/2014/main" id="{84A43DE6-9380-4287-8479-5ED32074B337}"/>
               </a:ext>
             </a:extLst>
           </p:cNvPr>
@@ -7422,84 +7496,23 @@
             <p:ph idx="1"/>
           </p:nvPr>
         </p:nvSpPr>
-        <p:spPr/>
-        <p:txBody>
-          <a:bodyPr/>
-          <a:lstStyle/>
-          <a:p>
-            <a:pPr>
-              <a:buFont typeface="Wingdings" panose="05000000000000000000" pitchFamily="2" charset="2"/>
-              <a:buChar char="Ø"/>
+        <p:spPr>
+          <a:xfrm>
+            <a:off x="838200" y="1648071"/>
+            <a:ext cx="10515600" cy="677878"/>
+          </a:xfrm>
+        </p:spPr>
+        <p:txBody>
+          <a:bodyPr/>
+          <a:lstStyle/>
+          <a:p>
+            <a:pPr marL="0" indent="0">
+              <a:buNone/>
             </a:pPr>
             <a:r>
-              <a:rPr lang="fr-FR" dirty="0"/>
-              <a:t> Les objets </a:t>
-            </a:r>
-            <a:r>
-              <a:rPr lang="fr-FR" dirty="0" err="1"/>
-              <a:t>list</a:t>
-            </a:r>
-            <a:r>
-              <a:rPr lang="fr-FR" dirty="0"/>
-              <a:t> et dict ne sont pas dédiés aux calculs sur de grands volumes de données, ou tout simplement le calcul matriciel. </a:t>
-            </a:r>
-          </a:p>
-          <a:p>
-            <a:pPr>
-              <a:buFont typeface="Wingdings" panose="05000000000000000000" pitchFamily="2" charset="2"/>
-              <a:buChar char="Ø"/>
-            </a:pPr>
-            <a:r>
-              <a:rPr lang="fr-FR" dirty="0"/>
-              <a:t> L'objet </a:t>
-            </a:r>
-            <a:r>
-              <a:rPr lang="fr-FR" dirty="0" err="1"/>
-              <a:t>array</a:t>
-            </a:r>
-            <a:r>
-              <a:rPr lang="fr-FR" dirty="0"/>
-              <a:t> qui permet l'usage de tableaux de données sous plusieurs dimensions.</a:t>
-            </a:r>
-          </a:p>
-          <a:p>
-            <a:pPr>
-              <a:buFont typeface="Wingdings" panose="05000000000000000000" pitchFamily="2" charset="2"/>
-              <a:buChar char="Ø"/>
-            </a:pPr>
-            <a:r>
-              <a:rPr lang="fr-FR" dirty="0"/>
-              <a:t> Librairie </a:t>
-            </a:r>
-            <a:r>
-              <a:rPr lang="fr-FR" dirty="0" err="1"/>
-              <a:t>Numpy</a:t>
-            </a:r>
-            <a:endParaRPr lang="fr-FR" dirty="0"/>
-          </a:p>
-          <a:p>
-            <a:pPr marL="0" indent="0">
-              <a:buNone/>
-            </a:pPr>
-            <a:r>
-              <a:rPr lang="fr-FR" dirty="0">
-                <a:hlinkClick r:id="rId2"/>
-              </a:rPr>
-              <a:t>https://numpy.org/doc/stable/reference/</a:t>
-            </a:r>
-            <a:endParaRPr lang="fr-FR" dirty="0"/>
-          </a:p>
-          <a:p>
-            <a:pPr marL="0" indent="0">
-              <a:buNone/>
-            </a:pPr>
-            <a:endParaRPr lang="fr-FR" dirty="0"/>
-          </a:p>
-          <a:p>
-            <a:pPr marL="0" indent="0">
-              <a:buNone/>
-            </a:pPr>
-            <a:endParaRPr lang="fr-FR" dirty="0"/>
+              <a:rPr lang="fr-FR" b="1" dirty="0"/>
+              <a:t>Création</a:t>
+            </a:r>
           </a:p>
         </p:txBody>
       </p:sp>
@@ -7508,7 +7521,7 @@
           <p:cNvPr id="5" name="Image 4">
             <a:extLst>
               <a:ext uri="{FF2B5EF4-FFF2-40B4-BE49-F238E27FC236}">
-                <a16:creationId xmlns:a16="http://schemas.microsoft.com/office/drawing/2014/main" id="{F928F3C0-F544-495F-A378-905F68F23BE1}"/>
+                <a16:creationId xmlns:a16="http://schemas.microsoft.com/office/drawing/2014/main" id="{647FF1D5-4604-44A9-A683-0D49C2EF56A0}"/>
               </a:ext>
             </a:extLst>
           </p:cNvPr>
@@ -7518,15 +7531,15 @@
           <p:nvPr/>
         </p:nvPicPr>
         <p:blipFill>
-          <a:blip r:embed="rId3"/>
+          <a:blip r:embed="rId2"/>
           <a:stretch>
             <a:fillRect/>
           </a:stretch>
         </p:blipFill>
         <p:spPr>
           <a:xfrm>
-            <a:off x="2536429" y="4957943"/>
-            <a:ext cx="5469550" cy="1219020"/>
+            <a:off x="727969" y="2120583"/>
+            <a:ext cx="6842721" cy="4645382"/>
           </a:xfrm>
           <a:prstGeom prst="rect">
             <a:avLst/>
@@ -7536,7 +7549,7 @@
     </p:spTree>
     <p:extLst>
       <p:ext uri="{BB962C8B-B14F-4D97-AF65-F5344CB8AC3E}">
-        <p14:creationId xmlns:p14="http://schemas.microsoft.com/office/powerpoint/2010/main" val="2990242325"/>
+        <p14:creationId xmlns:p14="http://schemas.microsoft.com/office/powerpoint/2010/main" val="2487626353"/>
       </p:ext>
     </p:extLst>
   </p:cSld>
@@ -7638,17 +7651,17 @@
             </a:pPr>
             <a:r>
               <a:rPr lang="fr-FR" b="1" dirty="0"/>
-              <a:t>Création</a:t>
+              <a:t>Paramètres et typage</a:t>
             </a:r>
           </a:p>
         </p:txBody>
       </p:sp>
       <p:pic>
         <p:nvPicPr>
-          <p:cNvPr id="5" name="Image 4">
-            <a:extLst>
-              <a:ext uri="{FF2B5EF4-FFF2-40B4-BE49-F238E27FC236}">
-                <a16:creationId xmlns:a16="http://schemas.microsoft.com/office/drawing/2014/main" id="{647FF1D5-4604-44A9-A683-0D49C2EF56A0}"/>
+          <p:cNvPr id="4" name="Image 3">
+            <a:extLst>
+              <a:ext uri="{FF2B5EF4-FFF2-40B4-BE49-F238E27FC236}">
+                <a16:creationId xmlns:a16="http://schemas.microsoft.com/office/drawing/2014/main" id="{E0A8585C-B6EF-43BF-A0D6-0CB3C27AC261}"/>
               </a:ext>
             </a:extLst>
           </p:cNvPr>
@@ -7665,8 +7678,8 @@
         </p:blipFill>
         <p:spPr>
           <a:xfrm>
-            <a:off x="727969" y="2120583"/>
-            <a:ext cx="6842721" cy="4645382"/>
+            <a:off x="838200" y="2325949"/>
+            <a:ext cx="2610214" cy="1505160"/>
           </a:xfrm>
           <a:prstGeom prst="rect">
             <a:avLst/>
@@ -7676,7 +7689,7 @@
     </p:spTree>
     <p:extLst>
       <p:ext uri="{BB962C8B-B14F-4D97-AF65-F5344CB8AC3E}">
-        <p14:creationId xmlns:p14="http://schemas.microsoft.com/office/powerpoint/2010/main" val="2487626353"/>
+        <p14:creationId xmlns:p14="http://schemas.microsoft.com/office/powerpoint/2010/main" val="2425279057"/>
       </p:ext>
     </p:extLst>
   </p:cSld>
@@ -8038,10 +8051,40 @@
           </a:prstGeom>
         </p:spPr>
       </p:pic>
+      <p:pic>
+        <p:nvPicPr>
+          <p:cNvPr id="7" name="Image 6">
+            <a:extLst>
+              <a:ext uri="{FF2B5EF4-FFF2-40B4-BE49-F238E27FC236}">
+                <a16:creationId xmlns:a16="http://schemas.microsoft.com/office/drawing/2014/main" id="{A54ED0AC-202D-4F9D-AB04-2BA17A8256FC}"/>
+              </a:ext>
+            </a:extLst>
+          </p:cNvPr>
+          <p:cNvPicPr>
+            <a:picLocks noChangeAspect="1"/>
+          </p:cNvPicPr>
+          <p:nvPr/>
+        </p:nvPicPr>
+        <p:blipFill>
+          <a:blip r:embed="rId3"/>
+          <a:stretch>
+            <a:fillRect/>
+          </a:stretch>
+        </p:blipFill>
+        <p:spPr>
+          <a:xfrm>
+            <a:off x="838200" y="4002067"/>
+            <a:ext cx="8392696" cy="2724530"/>
+          </a:xfrm>
+          <a:prstGeom prst="rect">
+            <a:avLst/>
+          </a:prstGeom>
+        </p:spPr>
+      </p:pic>
     </p:spTree>
     <p:extLst>
       <p:ext uri="{BB962C8B-B14F-4D97-AF65-F5344CB8AC3E}">
-        <p14:creationId xmlns:p14="http://schemas.microsoft.com/office/powerpoint/2010/main" val="2425279057"/>
+        <p14:creationId xmlns:p14="http://schemas.microsoft.com/office/powerpoint/2010/main" val="1240210721"/>
       </p:ext>
     </p:extLst>
   </p:cSld>
@@ -8143,17 +8186,17 @@
             </a:pPr>
             <a:r>
               <a:rPr lang="fr-FR" b="1" dirty="0"/>
-              <a:t>Paramètres et typage</a:t>
+              <a:t>Accès aux données</a:t>
             </a:r>
           </a:p>
         </p:txBody>
       </p:sp>
       <p:pic>
         <p:nvPicPr>
-          <p:cNvPr id="4" name="Image 3">
-            <a:extLst>
-              <a:ext uri="{FF2B5EF4-FFF2-40B4-BE49-F238E27FC236}">
-                <a16:creationId xmlns:a16="http://schemas.microsoft.com/office/drawing/2014/main" id="{E0A8585C-B6EF-43BF-A0D6-0CB3C27AC261}"/>
+          <p:cNvPr id="5" name="Image 4">
+            <a:extLst>
+              <a:ext uri="{FF2B5EF4-FFF2-40B4-BE49-F238E27FC236}">
+                <a16:creationId xmlns:a16="http://schemas.microsoft.com/office/drawing/2014/main" id="{277D9BF1-9CBE-405C-A572-23FBA742CD9E}"/>
               </a:ext>
             </a:extLst>
           </p:cNvPr>
@@ -8170,38 +8213,8 @@
         </p:blipFill>
         <p:spPr>
           <a:xfrm>
-            <a:off x="838200" y="2325949"/>
-            <a:ext cx="2610214" cy="1505160"/>
-          </a:xfrm>
-          <a:prstGeom prst="rect">
-            <a:avLst/>
-          </a:prstGeom>
-        </p:spPr>
-      </p:pic>
-      <p:pic>
-        <p:nvPicPr>
-          <p:cNvPr id="7" name="Image 6">
-            <a:extLst>
-              <a:ext uri="{FF2B5EF4-FFF2-40B4-BE49-F238E27FC236}">
-                <a16:creationId xmlns:a16="http://schemas.microsoft.com/office/drawing/2014/main" id="{A54ED0AC-202D-4F9D-AB04-2BA17A8256FC}"/>
-              </a:ext>
-            </a:extLst>
-          </p:cNvPr>
-          <p:cNvPicPr>
-            <a:picLocks noChangeAspect="1"/>
-          </p:cNvPicPr>
-          <p:nvPr/>
-        </p:nvPicPr>
-        <p:blipFill>
-          <a:blip r:embed="rId3"/>
-          <a:stretch>
-            <a:fillRect/>
-          </a:stretch>
-        </p:blipFill>
-        <p:spPr>
-          <a:xfrm>
-            <a:off x="838200" y="4002067"/>
-            <a:ext cx="8392696" cy="2724530"/>
+            <a:off x="838200" y="2202864"/>
+            <a:ext cx="5115639" cy="4658375"/>
           </a:xfrm>
           <a:prstGeom prst="rect">
             <a:avLst/>
@@ -8211,7 +8224,7 @@
     </p:spTree>
     <p:extLst>
       <p:ext uri="{BB962C8B-B14F-4D97-AF65-F5344CB8AC3E}">
-        <p14:creationId xmlns:p14="http://schemas.microsoft.com/office/powerpoint/2010/main" val="1240210721"/>
+        <p14:creationId xmlns:p14="http://schemas.microsoft.com/office/powerpoint/2010/main" val="3487947033"/>
       </p:ext>
     </p:extLst>
   </p:cSld>
@@ -8313,17 +8326,17 @@
             </a:pPr>
             <a:r>
               <a:rPr lang="fr-FR" b="1" dirty="0"/>
-              <a:t>Accès aux données</a:t>
+              <a:t>Opérations</a:t>
             </a:r>
           </a:p>
         </p:txBody>
       </p:sp>
       <p:pic>
         <p:nvPicPr>
-          <p:cNvPr id="5" name="Image 4">
-            <a:extLst>
-              <a:ext uri="{FF2B5EF4-FFF2-40B4-BE49-F238E27FC236}">
-                <a16:creationId xmlns:a16="http://schemas.microsoft.com/office/drawing/2014/main" id="{277D9BF1-9CBE-405C-A572-23FBA742CD9E}"/>
+          <p:cNvPr id="4" name="Image 3">
+            <a:extLst>
+              <a:ext uri="{FF2B5EF4-FFF2-40B4-BE49-F238E27FC236}">
+                <a16:creationId xmlns:a16="http://schemas.microsoft.com/office/drawing/2014/main" id="{D672E4BD-46AD-4C70-BA2E-A9D924CE1ED8}"/>
               </a:ext>
             </a:extLst>
           </p:cNvPr>
@@ -8340,8 +8353,37 @@
         </p:blipFill>
         <p:spPr>
           <a:xfrm>
-            <a:off x="838200" y="2202864"/>
-            <a:ext cx="5115639" cy="4658375"/>
+            <a:off x="838200" y="2080617"/>
+            <a:ext cx="7211431" cy="3229426"/>
+          </a:xfrm>
+          <a:prstGeom prst="rect">
+            <a:avLst/>
+          </a:prstGeom>
+        </p:spPr>
+      </p:pic>
+      <p:pic>
+        <p:nvPicPr>
+          <p:cNvPr id="7" name="Image 6">
+            <a:extLst>
+              <a:ext uri="{FF2B5EF4-FFF2-40B4-BE49-F238E27FC236}">
+                <a16:creationId xmlns:a16="http://schemas.microsoft.com/office/drawing/2014/main" id="{2E9AB3DF-CC2B-4ABD-9E11-6FD205C940F3}"/>
+              </a:ext>
+            </a:extLst>
+          </p:cNvPr>
+          <p:cNvPicPr>
+            <a:picLocks noChangeAspect="1"/>
+          </p:cNvPicPr>
+          <p:nvPr/>
+        </p:nvPicPr>
+        <p:blipFill rotWithShape="1">
+          <a:blip r:embed="rId3"/>
+          <a:srcRect r="62935" b="62483"/>
+          <a:stretch/>
+        </p:blipFill>
+        <p:spPr>
+          <a:xfrm>
+            <a:off x="10295878" y="5110301"/>
+            <a:ext cx="1896122" cy="1747699"/>
           </a:xfrm>
           <a:prstGeom prst="rect">
             <a:avLst/>
@@ -8351,7 +8393,7 @@
     </p:spTree>
     <p:extLst>
       <p:ext uri="{BB962C8B-B14F-4D97-AF65-F5344CB8AC3E}">
-        <p14:creationId xmlns:p14="http://schemas.microsoft.com/office/powerpoint/2010/main" val="3487947033"/>
+        <p14:creationId xmlns:p14="http://schemas.microsoft.com/office/powerpoint/2010/main" val="1926295936"/>
       </p:ext>
     </p:extLst>
   </p:cSld>
@@ -8460,10 +8502,10 @@
       </p:sp>
       <p:pic>
         <p:nvPicPr>
-          <p:cNvPr id="4" name="Image 3">
-            <a:extLst>
-              <a:ext uri="{FF2B5EF4-FFF2-40B4-BE49-F238E27FC236}">
-                <a16:creationId xmlns:a16="http://schemas.microsoft.com/office/drawing/2014/main" id="{D672E4BD-46AD-4C70-BA2E-A9D924CE1ED8}"/>
+          <p:cNvPr id="5" name="Image 4">
+            <a:extLst>
+              <a:ext uri="{FF2B5EF4-FFF2-40B4-BE49-F238E27FC236}">
+                <a16:creationId xmlns:a16="http://schemas.microsoft.com/office/drawing/2014/main" id="{32498B7A-692D-44DC-AC23-CEDAA8AFB7D1}"/>
               </a:ext>
             </a:extLst>
           </p:cNvPr>
@@ -8480,8 +8522,8 @@
         </p:blipFill>
         <p:spPr>
           <a:xfrm>
-            <a:off x="838200" y="2080617"/>
-            <a:ext cx="7211431" cy="3229426"/>
+            <a:off x="838200" y="2186315"/>
+            <a:ext cx="5639587" cy="3905795"/>
           </a:xfrm>
           <a:prstGeom prst="rect">
             <a:avLst/>
@@ -8493,7 +8535,7 @@
           <p:cNvPr id="7" name="Image 6">
             <a:extLst>
               <a:ext uri="{FF2B5EF4-FFF2-40B4-BE49-F238E27FC236}">
-                <a16:creationId xmlns:a16="http://schemas.microsoft.com/office/drawing/2014/main" id="{2E9AB3DF-CC2B-4ABD-9E11-6FD205C940F3}"/>
+                <a16:creationId xmlns:a16="http://schemas.microsoft.com/office/drawing/2014/main" id="{FD6A2443-32DD-48D1-AEF1-94FB8D4E002D}"/>
               </a:ext>
             </a:extLst>
           </p:cNvPr>
@@ -8520,7 +8562,7 @@
     </p:spTree>
     <p:extLst>
       <p:ext uri="{BB962C8B-B14F-4D97-AF65-F5344CB8AC3E}">
-        <p14:creationId xmlns:p14="http://schemas.microsoft.com/office/powerpoint/2010/main" val="1926295936"/>
+        <p14:creationId xmlns:p14="http://schemas.microsoft.com/office/powerpoint/2010/main" val="4244104779"/>
       </p:ext>
     </p:extLst>
   </p:cSld>
@@ -8659,10 +8701,10 @@
       </p:pic>
       <p:pic>
         <p:nvPicPr>
-          <p:cNvPr id="7" name="Image 6">
-            <a:extLst>
-              <a:ext uri="{FF2B5EF4-FFF2-40B4-BE49-F238E27FC236}">
-                <a16:creationId xmlns:a16="http://schemas.microsoft.com/office/drawing/2014/main" id="{FD6A2443-32DD-48D1-AEF1-94FB8D4E002D}"/>
+          <p:cNvPr id="4" name="Image 3">
+            <a:extLst>
+              <a:ext uri="{FF2B5EF4-FFF2-40B4-BE49-F238E27FC236}">
+                <a16:creationId xmlns:a16="http://schemas.microsoft.com/office/drawing/2014/main" id="{4427B526-9845-44C8-94D6-62A9BAA70826}"/>
               </a:ext>
             </a:extLst>
           </p:cNvPr>
@@ -8671,15 +8713,16 @@
           </p:cNvPicPr>
           <p:nvPr/>
         </p:nvPicPr>
-        <p:blipFill rotWithShape="1">
+        <p:blipFill>
           <a:blip r:embed="rId3"/>
-          <a:srcRect r="62935" b="62483"/>
-          <a:stretch/>
+          <a:stretch>
+            <a:fillRect/>
+          </a:stretch>
         </p:blipFill>
         <p:spPr>
           <a:xfrm>
-            <a:off x="10295878" y="5110301"/>
-            <a:ext cx="1896122" cy="1747699"/>
+            <a:off x="7704791" y="4691850"/>
+            <a:ext cx="4115374" cy="1276528"/>
           </a:xfrm>
           <a:prstGeom prst="rect">
             <a:avLst/>
@@ -8689,7 +8732,7 @@
     </p:spTree>
     <p:extLst>
       <p:ext uri="{BB962C8B-B14F-4D97-AF65-F5344CB8AC3E}">
-        <p14:creationId xmlns:p14="http://schemas.microsoft.com/office/powerpoint/2010/main" val="4244104779"/>
+        <p14:creationId xmlns:p14="http://schemas.microsoft.com/office/powerpoint/2010/main" val="1826760716"/>
       </p:ext>
     </p:extLst>
   </p:cSld>
@@ -8791,47 +8834,55 @@
             </a:pPr>
             <a:r>
               <a:rPr lang="fr-FR" b="1" dirty="0"/>
-              <a:t>Opérations</a:t>
-            </a:r>
-          </a:p>
-        </p:txBody>
-      </p:sp>
-      <p:pic>
-        <p:nvPicPr>
-          <p:cNvPr id="5" name="Image 4">
-            <a:extLst>
-              <a:ext uri="{FF2B5EF4-FFF2-40B4-BE49-F238E27FC236}">
-                <a16:creationId xmlns:a16="http://schemas.microsoft.com/office/drawing/2014/main" id="{32498B7A-692D-44DC-AC23-CEDAA8AFB7D1}"/>
-              </a:ext>
-            </a:extLst>
-          </p:cNvPr>
-          <p:cNvPicPr>
-            <a:picLocks noChangeAspect="1"/>
-          </p:cNvPicPr>
+              <a:t>Routines logiques</a:t>
+            </a:r>
+          </a:p>
+        </p:txBody>
+      </p:sp>
+      <p:sp>
+        <p:nvSpPr>
+          <p:cNvPr id="6" name="ZoneTexte 5">
+            <a:extLst>
+              <a:ext uri="{FF2B5EF4-FFF2-40B4-BE49-F238E27FC236}">
+                <a16:creationId xmlns:a16="http://schemas.microsoft.com/office/drawing/2014/main" id="{49CD1B9F-270E-486F-9B60-0C0BA201B06B}"/>
+              </a:ext>
+            </a:extLst>
+          </p:cNvPr>
+          <p:cNvSpPr txBox="1"/>
           <p:nvPr/>
-        </p:nvPicPr>
-        <p:blipFill>
-          <a:blip r:embed="rId2"/>
-          <a:stretch>
-            <a:fillRect/>
-          </a:stretch>
-        </p:blipFill>
-        <p:spPr>
-          <a:xfrm>
-            <a:off x="838200" y="2186315"/>
-            <a:ext cx="5639587" cy="3905795"/>
+        </p:nvSpPr>
+        <p:spPr>
+          <a:xfrm>
+            <a:off x="6882414" y="86102"/>
+            <a:ext cx="6094520" cy="369332"/>
           </a:xfrm>
           <a:prstGeom prst="rect">
             <a:avLst/>
           </a:prstGeom>
-        </p:spPr>
-      </p:pic>
+          <a:noFill/>
+        </p:spPr>
+        <p:txBody>
+          <a:bodyPr wrap="square">
+            <a:spAutoFit/>
+          </a:bodyPr>
+          <a:lstStyle/>
+          <a:p>
+            <a:r>
+              <a:rPr lang="fr-FR" dirty="0">
+                <a:hlinkClick r:id="rId2"/>
+              </a:rPr>
+              <a:t>https://numpy.org/doc/stable/reference/routines.html</a:t>
+            </a:r>
+            <a:endParaRPr lang="fr-FR" dirty="0"/>
+          </a:p>
+        </p:txBody>
+      </p:sp>
       <p:pic>
         <p:nvPicPr>
-          <p:cNvPr id="4" name="Image 3">
-            <a:extLst>
-              <a:ext uri="{FF2B5EF4-FFF2-40B4-BE49-F238E27FC236}">
-                <a16:creationId xmlns:a16="http://schemas.microsoft.com/office/drawing/2014/main" id="{4427B526-9845-44C8-94D6-62A9BAA70826}"/>
+          <p:cNvPr id="7" name="Image 6">
+            <a:extLst>
+              <a:ext uri="{FF2B5EF4-FFF2-40B4-BE49-F238E27FC236}">
+                <a16:creationId xmlns:a16="http://schemas.microsoft.com/office/drawing/2014/main" id="{01D3906A-22C9-4E5C-9CA7-F705EC6F4CF5}"/>
               </a:ext>
             </a:extLst>
           </p:cNvPr>
@@ -8848,8 +8899,37 @@
         </p:blipFill>
         <p:spPr>
           <a:xfrm>
-            <a:off x="7704791" y="4691850"/>
-            <a:ext cx="4115374" cy="1276528"/>
+            <a:off x="838200" y="2325949"/>
+            <a:ext cx="5811061" cy="3029373"/>
+          </a:xfrm>
+          <a:prstGeom prst="rect">
+            <a:avLst/>
+          </a:prstGeom>
+        </p:spPr>
+      </p:pic>
+      <p:pic>
+        <p:nvPicPr>
+          <p:cNvPr id="9" name="Image 8">
+            <a:extLst>
+              <a:ext uri="{FF2B5EF4-FFF2-40B4-BE49-F238E27FC236}">
+                <a16:creationId xmlns:a16="http://schemas.microsoft.com/office/drawing/2014/main" id="{1541F835-E59E-488A-9C46-1DC4DAA3B2FA}"/>
+              </a:ext>
+            </a:extLst>
+          </p:cNvPr>
+          <p:cNvPicPr>
+            <a:picLocks noChangeAspect="1"/>
+          </p:cNvPicPr>
+          <p:nvPr/>
+        </p:nvPicPr>
+        <p:blipFill rotWithShape="1">
+          <a:blip r:embed="rId4"/>
+          <a:srcRect r="62935" b="62483"/>
+          <a:stretch/>
+        </p:blipFill>
+        <p:spPr>
+          <a:xfrm>
+            <a:off x="10295878" y="5110301"/>
+            <a:ext cx="1896122" cy="1747699"/>
           </a:xfrm>
           <a:prstGeom prst="rect">
             <a:avLst/>
@@ -8859,7 +8939,7 @@
     </p:spTree>
     <p:extLst>
       <p:ext uri="{BB962C8B-B14F-4D97-AF65-F5344CB8AC3E}">
-        <p14:creationId xmlns:p14="http://schemas.microsoft.com/office/powerpoint/2010/main" val="1826760716"/>
+        <p14:creationId xmlns:p14="http://schemas.microsoft.com/office/powerpoint/2010/main" val="1005059585"/>
       </p:ext>
     </p:extLst>
   </p:cSld>
@@ -8961,7 +9041,7 @@
             </a:pPr>
             <a:r>
               <a:rPr lang="fr-FR" b="1" dirty="0"/>
-              <a:t>Routines logiques</a:t>
+              <a:t>Routines statistiques</a:t>
             </a:r>
           </a:p>
         </p:txBody>
@@ -9006,10 +9086,39 @@
       </p:sp>
       <p:pic>
         <p:nvPicPr>
-          <p:cNvPr id="7" name="Image 6">
-            <a:extLst>
-              <a:ext uri="{FF2B5EF4-FFF2-40B4-BE49-F238E27FC236}">
-                <a16:creationId xmlns:a16="http://schemas.microsoft.com/office/drawing/2014/main" id="{01D3906A-22C9-4E5C-9CA7-F705EC6F4CF5}"/>
+          <p:cNvPr id="9" name="Image 8">
+            <a:extLst>
+              <a:ext uri="{FF2B5EF4-FFF2-40B4-BE49-F238E27FC236}">
+                <a16:creationId xmlns:a16="http://schemas.microsoft.com/office/drawing/2014/main" id="{1541F835-E59E-488A-9C46-1DC4DAA3B2FA}"/>
+              </a:ext>
+            </a:extLst>
+          </p:cNvPr>
+          <p:cNvPicPr>
+            <a:picLocks noChangeAspect="1"/>
+          </p:cNvPicPr>
+          <p:nvPr/>
+        </p:nvPicPr>
+        <p:blipFill rotWithShape="1">
+          <a:blip r:embed="rId3"/>
+          <a:srcRect r="62935" b="62483"/>
+          <a:stretch/>
+        </p:blipFill>
+        <p:spPr>
+          <a:xfrm>
+            <a:off x="10295878" y="5110301"/>
+            <a:ext cx="1896122" cy="1747699"/>
+          </a:xfrm>
+          <a:prstGeom prst="rect">
+            <a:avLst/>
+          </a:prstGeom>
+        </p:spPr>
+      </p:pic>
+      <p:pic>
+        <p:nvPicPr>
+          <p:cNvPr id="4" name="Image 3">
+            <a:extLst>
+              <a:ext uri="{FF2B5EF4-FFF2-40B4-BE49-F238E27FC236}">
+                <a16:creationId xmlns:a16="http://schemas.microsoft.com/office/drawing/2014/main" id="{0C9299D2-8B2B-4985-B4BB-4A528A42659F}"/>
               </a:ext>
             </a:extLst>
           </p:cNvPr>
@@ -9019,44 +9128,15 @@
           <p:nvPr/>
         </p:nvPicPr>
         <p:blipFill>
-          <a:blip r:embed="rId3"/>
+          <a:blip r:embed="rId4"/>
           <a:stretch>
             <a:fillRect/>
           </a:stretch>
         </p:blipFill>
         <p:spPr>
           <a:xfrm>
-            <a:off x="838200" y="2325949"/>
-            <a:ext cx="5811061" cy="3029373"/>
-          </a:xfrm>
-          <a:prstGeom prst="rect">
-            <a:avLst/>
-          </a:prstGeom>
-        </p:spPr>
-      </p:pic>
-      <p:pic>
-        <p:nvPicPr>
-          <p:cNvPr id="9" name="Image 8">
-            <a:extLst>
-              <a:ext uri="{FF2B5EF4-FFF2-40B4-BE49-F238E27FC236}">
-                <a16:creationId xmlns:a16="http://schemas.microsoft.com/office/drawing/2014/main" id="{1541F835-E59E-488A-9C46-1DC4DAA3B2FA}"/>
-              </a:ext>
-            </a:extLst>
-          </p:cNvPr>
-          <p:cNvPicPr>
-            <a:picLocks noChangeAspect="1"/>
-          </p:cNvPicPr>
-          <p:nvPr/>
-        </p:nvPicPr>
-        <p:blipFill rotWithShape="1">
-          <a:blip r:embed="rId4"/>
-          <a:srcRect r="62935" b="62483"/>
-          <a:stretch/>
-        </p:blipFill>
-        <p:spPr>
-          <a:xfrm>
-            <a:off x="10295878" y="5110301"/>
-            <a:ext cx="1896122" cy="1747699"/>
+            <a:off x="0" y="2045404"/>
+            <a:ext cx="9579006" cy="4812596"/>
           </a:xfrm>
           <a:prstGeom prst="rect">
             <a:avLst/>
@@ -9066,7 +9146,7 @@
     </p:spTree>
     <p:extLst>
       <p:ext uri="{BB962C8B-B14F-4D97-AF65-F5344CB8AC3E}">
-        <p14:creationId xmlns:p14="http://schemas.microsoft.com/office/powerpoint/2010/main" val="1005059585"/>
+        <p14:creationId xmlns:p14="http://schemas.microsoft.com/office/powerpoint/2010/main" val="940989411"/>
       </p:ext>
     </p:extLst>
   </p:cSld>
@@ -9213,213 +9293,6 @@
       </p:sp>
       <p:pic>
         <p:nvPicPr>
-          <p:cNvPr id="9" name="Image 8">
-            <a:extLst>
-              <a:ext uri="{FF2B5EF4-FFF2-40B4-BE49-F238E27FC236}">
-                <a16:creationId xmlns:a16="http://schemas.microsoft.com/office/drawing/2014/main" id="{1541F835-E59E-488A-9C46-1DC4DAA3B2FA}"/>
-              </a:ext>
-            </a:extLst>
-          </p:cNvPr>
-          <p:cNvPicPr>
-            <a:picLocks noChangeAspect="1"/>
-          </p:cNvPicPr>
-          <p:nvPr/>
-        </p:nvPicPr>
-        <p:blipFill rotWithShape="1">
-          <a:blip r:embed="rId3"/>
-          <a:srcRect r="62935" b="62483"/>
-          <a:stretch/>
-        </p:blipFill>
-        <p:spPr>
-          <a:xfrm>
-            <a:off x="10295878" y="5110301"/>
-            <a:ext cx="1896122" cy="1747699"/>
-          </a:xfrm>
-          <a:prstGeom prst="rect">
-            <a:avLst/>
-          </a:prstGeom>
-        </p:spPr>
-      </p:pic>
-      <p:pic>
-        <p:nvPicPr>
-          <p:cNvPr id="4" name="Image 3">
-            <a:extLst>
-              <a:ext uri="{FF2B5EF4-FFF2-40B4-BE49-F238E27FC236}">
-                <a16:creationId xmlns:a16="http://schemas.microsoft.com/office/drawing/2014/main" id="{0C9299D2-8B2B-4985-B4BB-4A528A42659F}"/>
-              </a:ext>
-            </a:extLst>
-          </p:cNvPr>
-          <p:cNvPicPr>
-            <a:picLocks noChangeAspect="1"/>
-          </p:cNvPicPr>
-          <p:nvPr/>
-        </p:nvPicPr>
-        <p:blipFill>
-          <a:blip r:embed="rId4"/>
-          <a:stretch>
-            <a:fillRect/>
-          </a:stretch>
-        </p:blipFill>
-        <p:spPr>
-          <a:xfrm>
-            <a:off x="0" y="2045404"/>
-            <a:ext cx="9579006" cy="4812596"/>
-          </a:xfrm>
-          <a:prstGeom prst="rect">
-            <a:avLst/>
-          </a:prstGeom>
-        </p:spPr>
-      </p:pic>
-    </p:spTree>
-    <p:extLst>
-      <p:ext uri="{BB962C8B-B14F-4D97-AF65-F5344CB8AC3E}">
-        <p14:creationId xmlns:p14="http://schemas.microsoft.com/office/powerpoint/2010/main" val="940989411"/>
-      </p:ext>
-    </p:extLst>
-  </p:cSld>
-  <p:clrMapOvr>
-    <a:masterClrMapping/>
-  </p:clrMapOvr>
-</p:sld>
-</file>
-
-<file path=ppt/slides/slide38.xml><?xml version="1.0" encoding="utf-8"?>
-<p:sld xmlns:a="http://schemas.openxmlformats.org/drawingml/2006/main" xmlns:r="http://schemas.openxmlformats.org/officeDocument/2006/relationships" xmlns:p="http://schemas.openxmlformats.org/presentationml/2006/main">
-  <p:cSld>
-    <p:spTree>
-      <p:nvGrpSpPr>
-        <p:cNvPr id="1" name=""/>
-        <p:cNvGrpSpPr/>
-        <p:nvPr/>
-      </p:nvGrpSpPr>
-      <p:grpSpPr>
-        <a:xfrm>
-          <a:off x="0" y="0"/>
-          <a:ext cx="0" cy="0"/>
-          <a:chOff x="0" y="0"/>
-          <a:chExt cx="0" cy="0"/>
-        </a:xfrm>
-      </p:grpSpPr>
-      <p:sp>
-        <p:nvSpPr>
-          <p:cNvPr id="2" name="Titre 1">
-            <a:extLst>
-              <a:ext uri="{FF2B5EF4-FFF2-40B4-BE49-F238E27FC236}">
-                <a16:creationId xmlns:a16="http://schemas.microsoft.com/office/drawing/2014/main" id="{0BE1AC30-9008-45CA-8FA5-3517A2A5CA6E}"/>
-              </a:ext>
-            </a:extLst>
-          </p:cNvPr>
-          <p:cNvSpPr>
-            <a:spLocks noGrp="1"/>
-          </p:cNvSpPr>
-          <p:nvPr>
-            <p:ph type="title"/>
-          </p:nvPr>
-        </p:nvSpPr>
-        <p:spPr/>
-        <p:txBody>
-          <a:bodyPr/>
-          <a:lstStyle/>
-          <a:p>
-            <a:r>
-              <a:rPr lang="fr-FR" dirty="0"/>
-              <a:t>Types de données</a:t>
-            </a:r>
-            <a:br>
-              <a:rPr lang="fr-FR" dirty="0"/>
-            </a:br>
-            <a:r>
-              <a:rPr lang="fr-FR" dirty="0" err="1"/>
-              <a:t>Numpy</a:t>
-            </a:r>
-            <a:r>
-              <a:rPr lang="fr-FR" dirty="0"/>
-              <a:t> </a:t>
-            </a:r>
-            <a:r>
-              <a:rPr lang="fr-FR" dirty="0" err="1"/>
-              <a:t>Arrays</a:t>
-            </a:r>
-            <a:endParaRPr lang="fr-FR" dirty="0"/>
-          </a:p>
-        </p:txBody>
-      </p:sp>
-      <p:sp>
-        <p:nvSpPr>
-          <p:cNvPr id="20" name="Espace réservé du contenu 2">
-            <a:extLst>
-              <a:ext uri="{FF2B5EF4-FFF2-40B4-BE49-F238E27FC236}">
-                <a16:creationId xmlns:a16="http://schemas.microsoft.com/office/drawing/2014/main" id="{84A43DE6-9380-4287-8479-5ED32074B337}"/>
-              </a:ext>
-            </a:extLst>
-          </p:cNvPr>
-          <p:cNvSpPr>
-            <a:spLocks noGrp="1"/>
-          </p:cNvSpPr>
-          <p:nvPr>
-            <p:ph idx="1"/>
-          </p:nvPr>
-        </p:nvSpPr>
-        <p:spPr>
-          <a:xfrm>
-            <a:off x="838200" y="1648071"/>
-            <a:ext cx="10515600" cy="677878"/>
-          </a:xfrm>
-        </p:spPr>
-        <p:txBody>
-          <a:bodyPr/>
-          <a:lstStyle/>
-          <a:p>
-            <a:pPr marL="0" indent="0">
-              <a:buNone/>
-            </a:pPr>
-            <a:r>
-              <a:rPr lang="fr-FR" b="1" dirty="0"/>
-              <a:t>Routines statistiques</a:t>
-            </a:r>
-          </a:p>
-        </p:txBody>
-      </p:sp>
-      <p:sp>
-        <p:nvSpPr>
-          <p:cNvPr id="6" name="ZoneTexte 5">
-            <a:extLst>
-              <a:ext uri="{FF2B5EF4-FFF2-40B4-BE49-F238E27FC236}">
-                <a16:creationId xmlns:a16="http://schemas.microsoft.com/office/drawing/2014/main" id="{49CD1B9F-270E-486F-9B60-0C0BA201B06B}"/>
-              </a:ext>
-            </a:extLst>
-          </p:cNvPr>
-          <p:cNvSpPr txBox="1"/>
-          <p:nvPr/>
-        </p:nvSpPr>
-        <p:spPr>
-          <a:xfrm>
-            <a:off x="6882414" y="86102"/>
-            <a:ext cx="6094520" cy="369332"/>
-          </a:xfrm>
-          <a:prstGeom prst="rect">
-            <a:avLst/>
-          </a:prstGeom>
-          <a:noFill/>
-        </p:spPr>
-        <p:txBody>
-          <a:bodyPr wrap="square">
-            <a:spAutoFit/>
-          </a:bodyPr>
-          <a:lstStyle/>
-          <a:p>
-            <a:r>
-              <a:rPr lang="fr-FR" dirty="0">
-                <a:hlinkClick r:id="rId2"/>
-              </a:rPr>
-              <a:t>https://numpy.org/doc/stable/reference/routines.html</a:t>
-            </a:r>
-            <a:endParaRPr lang="fr-FR" dirty="0"/>
-          </a:p>
-        </p:txBody>
-      </p:sp>
-      <p:pic>
-        <p:nvPicPr>
           <p:cNvPr id="5" name="Image 4">
             <a:extLst>
               <a:ext uri="{FF2B5EF4-FFF2-40B4-BE49-F238E27FC236}">
@@ -9491,9 +9364,20 @@
 </p:sld>
 </file>
 
-<file path=ppt/slides/slide39.xml><?xml version="1.0" encoding="utf-8"?>
+<file path=ppt/slides/slide38.xml><?xml version="1.0" encoding="utf-8"?>
 <p:sld xmlns:a="http://schemas.openxmlformats.org/drawingml/2006/main" xmlns:r="http://schemas.openxmlformats.org/officeDocument/2006/relationships" xmlns:p="http://schemas.openxmlformats.org/presentationml/2006/main">
   <p:cSld>
+    <p:bg>
+      <p:bgPr>
+        <a:solidFill>
+          <a:schemeClr val="accent5">
+            <a:lumMod val="40000"/>
+            <a:lumOff val="60000"/>
+          </a:schemeClr>
+        </a:solidFill>
+        <a:effectLst/>
+      </p:bgPr>
+    </p:bg>
     <p:spTree>
       <p:nvGrpSpPr>
         <p:cNvPr id="1" name=""/>
@@ -10170,6 +10054,17 @@
 <file path=ppt/slides/slide6.xml><?xml version="1.0" encoding="utf-8"?>
 <p:sld xmlns:a="http://schemas.openxmlformats.org/drawingml/2006/main" xmlns:r="http://schemas.openxmlformats.org/officeDocument/2006/relationships" xmlns:p="http://schemas.openxmlformats.org/presentationml/2006/main">
   <p:cSld>
+    <p:bg>
+      <p:bgPr>
+        <a:solidFill>
+          <a:schemeClr val="accent2">
+            <a:lumMod val="40000"/>
+            <a:lumOff val="60000"/>
+          </a:schemeClr>
+        </a:solidFill>
+        <a:effectLst/>
+      </p:bgPr>
+    </p:bg>
     <p:spTree>
       <p:nvGrpSpPr>
         <p:cNvPr id="1" name=""/>

--- a/python_debutant/Formation Python débutant.pptx
+++ b/python_debutant/Formation Python débutant.pptx
@@ -29,8 +29,8 @@
     <p:sldId id="277" r:id="rId23"/>
     <p:sldId id="278" r:id="rId24"/>
     <p:sldId id="279" r:id="rId25"/>
-    <p:sldId id="296" r:id="rId26"/>
-    <p:sldId id="280" r:id="rId27"/>
+    <p:sldId id="280" r:id="rId26"/>
+    <p:sldId id="296" r:id="rId27"/>
     <p:sldId id="282" r:id="rId28"/>
     <p:sldId id="283" r:id="rId29"/>
     <p:sldId id="284" r:id="rId30"/>
@@ -43,6 +43,18 @@
     <p:sldId id="291" r:id="rId37"/>
     <p:sldId id="292" r:id="rId38"/>
     <p:sldId id="293" r:id="rId39"/>
+    <p:sldId id="297" r:id="rId40"/>
+    <p:sldId id="298" r:id="rId41"/>
+    <p:sldId id="299" r:id="rId42"/>
+    <p:sldId id="300" r:id="rId43"/>
+    <p:sldId id="301" r:id="rId44"/>
+    <p:sldId id="303" r:id="rId45"/>
+    <p:sldId id="302" r:id="rId46"/>
+    <p:sldId id="304" r:id="rId47"/>
+    <p:sldId id="305" r:id="rId48"/>
+    <p:sldId id="306" r:id="rId49"/>
+    <p:sldId id="309" r:id="rId50"/>
+    <p:sldId id="307" r:id="rId51"/>
   </p:sldIdLst>
   <p:sldSz cx="12192000" cy="6858000"/>
   <p:notesSz cx="6858000" cy="9144000"/>
@@ -296,7 +308,7 @@
           <a:p>
             <a:fld id="{21411C0B-397A-4926-8AFD-818269732011}" type="datetimeFigureOut">
               <a:rPr lang="fr-FR" smtClean="0"/>
-              <a:t>04/12/2020</a:t>
+              <a:t>07/12/2020</a:t>
             </a:fld>
             <a:endParaRPr lang="fr-FR"/>
           </a:p>
@@ -494,7 +506,7 @@
           <a:p>
             <a:fld id="{21411C0B-397A-4926-8AFD-818269732011}" type="datetimeFigureOut">
               <a:rPr lang="fr-FR" smtClean="0"/>
-              <a:t>04/12/2020</a:t>
+              <a:t>07/12/2020</a:t>
             </a:fld>
             <a:endParaRPr lang="fr-FR"/>
           </a:p>
@@ -702,7 +714,7 @@
           <a:p>
             <a:fld id="{21411C0B-397A-4926-8AFD-818269732011}" type="datetimeFigureOut">
               <a:rPr lang="fr-FR" smtClean="0"/>
-              <a:t>04/12/2020</a:t>
+              <a:t>07/12/2020</a:t>
             </a:fld>
             <a:endParaRPr lang="fr-FR"/>
           </a:p>
@@ -900,7 +912,7 @@
           <a:p>
             <a:fld id="{21411C0B-397A-4926-8AFD-818269732011}" type="datetimeFigureOut">
               <a:rPr lang="fr-FR" smtClean="0"/>
-              <a:t>04/12/2020</a:t>
+              <a:t>07/12/2020</a:t>
             </a:fld>
             <a:endParaRPr lang="fr-FR"/>
           </a:p>
@@ -1175,7 +1187,7 @@
           <a:p>
             <a:fld id="{21411C0B-397A-4926-8AFD-818269732011}" type="datetimeFigureOut">
               <a:rPr lang="fr-FR" smtClean="0"/>
-              <a:t>04/12/2020</a:t>
+              <a:t>07/12/2020</a:t>
             </a:fld>
             <a:endParaRPr lang="fr-FR"/>
           </a:p>
@@ -1440,7 +1452,7 @@
           <a:p>
             <a:fld id="{21411C0B-397A-4926-8AFD-818269732011}" type="datetimeFigureOut">
               <a:rPr lang="fr-FR" smtClean="0"/>
-              <a:t>04/12/2020</a:t>
+              <a:t>07/12/2020</a:t>
             </a:fld>
             <a:endParaRPr lang="fr-FR"/>
           </a:p>
@@ -1852,7 +1864,7 @@
           <a:p>
             <a:fld id="{21411C0B-397A-4926-8AFD-818269732011}" type="datetimeFigureOut">
               <a:rPr lang="fr-FR" smtClean="0"/>
-              <a:t>04/12/2020</a:t>
+              <a:t>07/12/2020</a:t>
             </a:fld>
             <a:endParaRPr lang="fr-FR"/>
           </a:p>
@@ -1993,7 +2005,7 @@
           <a:p>
             <a:fld id="{21411C0B-397A-4926-8AFD-818269732011}" type="datetimeFigureOut">
               <a:rPr lang="fr-FR" smtClean="0"/>
-              <a:t>04/12/2020</a:t>
+              <a:t>07/12/2020</a:t>
             </a:fld>
             <a:endParaRPr lang="fr-FR"/>
           </a:p>
@@ -2106,7 +2118,7 @@
           <a:p>
             <a:fld id="{21411C0B-397A-4926-8AFD-818269732011}" type="datetimeFigureOut">
               <a:rPr lang="fr-FR" smtClean="0"/>
-              <a:t>04/12/2020</a:t>
+              <a:t>07/12/2020</a:t>
             </a:fld>
             <a:endParaRPr lang="fr-FR"/>
           </a:p>
@@ -2417,7 +2429,7 @@
           <a:p>
             <a:fld id="{21411C0B-397A-4926-8AFD-818269732011}" type="datetimeFigureOut">
               <a:rPr lang="fr-FR" smtClean="0"/>
-              <a:t>04/12/2020</a:t>
+              <a:t>07/12/2020</a:t>
             </a:fld>
             <a:endParaRPr lang="fr-FR"/>
           </a:p>
@@ -2705,7 +2717,7 @@
           <a:p>
             <a:fld id="{21411C0B-397A-4926-8AFD-818269732011}" type="datetimeFigureOut">
               <a:rPr lang="fr-FR" smtClean="0"/>
-              <a:t>04/12/2020</a:t>
+              <a:t>07/12/2020</a:t>
             </a:fld>
             <a:endParaRPr lang="fr-FR"/>
           </a:p>
@@ -2946,7 +2958,7 @@
           <a:p>
             <a:fld id="{21411C0B-397A-4926-8AFD-818269732011}" type="datetimeFigureOut">
               <a:rPr lang="fr-FR" smtClean="0"/>
-              <a:t>04/12/2020</a:t>
+              <a:t>07/12/2020</a:t>
             </a:fld>
             <a:endParaRPr lang="fr-FR"/>
           </a:p>
@@ -3409,7 +3421,9 @@
         </p:nvSpPr>
         <p:spPr/>
         <p:txBody>
-          <a:bodyPr/>
+          <a:bodyPr>
+            <a:normAutofit lnSpcReduction="10000"/>
+          </a:bodyPr>
           <a:lstStyle/>
           <a:p>
             <a:r>
@@ -3422,6 +3436,27 @@
               <a:rPr lang="fr-FR" dirty="0"/>
               <a:t>Institut de Génétique Humaine, CNRS, Montpellier</a:t>
             </a:r>
+          </a:p>
+          <a:p>
+            <a:endParaRPr lang="fr-FR" dirty="0"/>
+          </a:p>
+          <a:p>
+            <a:r>
+              <a:rPr lang="fr-FR" dirty="0">
+                <a:hlinkClick r:id="rId2"/>
+              </a:rPr>
+              <a:t>https://github.com/aubinthomas/Course/</a:t>
+            </a:r>
+            <a:r>
+              <a:rPr lang="fr-FR" dirty="0">
+                <a:hlinkClick r:id="rId2"/>
+              </a:rPr>
+              <a:t>tree/master/python_debutant</a:t>
+            </a:r>
+            <a:endParaRPr lang="fr-FR" dirty="0"/>
+          </a:p>
+          <a:p>
+            <a:endParaRPr lang="fr-FR" dirty="0"/>
           </a:p>
         </p:txBody>
       </p:sp>
@@ -3440,7 +3475,7 @@
           <p:nvPr/>
         </p:nvPicPr>
         <p:blipFill rotWithShape="1">
-          <a:blip r:embed="rId2">
+          <a:blip r:embed="rId3">
             <a:extLst>
               <a:ext uri="{28A0092B-C50C-407E-A947-70E740481C1C}">
                 <a14:useLocalDpi xmlns:a14="http://schemas.microsoft.com/office/drawing/2010/main" val="0"/>
@@ -3970,7 +4005,7 @@
             </a:pPr>
             <a:r>
               <a:rPr lang="fr-FR" dirty="0"/>
-              <a:t>	- calcule le volume d’un cône V = 1/3 * pi * r² * h  (la puissance 2 se note **2)</a:t>
+              <a:t>	- calcule le volume d’un cône V = 1/3 * pi * r² * h</a:t>
             </a:r>
           </a:p>
           <a:p>
@@ -4763,10 +4798,10 @@
       </p:sp>
       <p:pic>
         <p:nvPicPr>
-          <p:cNvPr id="9" name="Image 8">
-            <a:extLst>
-              <a:ext uri="{FF2B5EF4-FFF2-40B4-BE49-F238E27FC236}">
-                <a16:creationId xmlns:a16="http://schemas.microsoft.com/office/drawing/2014/main" id="{16BB2FDB-1481-424D-91FC-8F1478D3A1DB}"/>
+          <p:cNvPr id="5" name="Image 4">
+            <a:extLst>
+              <a:ext uri="{FF2B5EF4-FFF2-40B4-BE49-F238E27FC236}">
+                <a16:creationId xmlns:a16="http://schemas.microsoft.com/office/drawing/2014/main" id="{E6AC1B32-CCE2-4B1A-B3A7-8BB245275C8F}"/>
               </a:ext>
             </a:extLst>
           </p:cNvPr>
@@ -4783,8 +4818,8 @@
         </p:blipFill>
         <p:spPr>
           <a:xfrm>
-            <a:off x="838200" y="2503503"/>
-            <a:ext cx="6011114" cy="2105319"/>
+            <a:off x="838200" y="2638440"/>
+            <a:ext cx="5639587" cy="2829320"/>
           </a:xfrm>
           <a:prstGeom prst="rect">
             <a:avLst/>
@@ -4912,8 +4947,8 @@
         </p:nvSpPr>
         <p:spPr>
           <a:xfrm>
-            <a:off x="838200" y="2503503"/>
-            <a:ext cx="8463737" cy="923330"/>
+            <a:off x="838201" y="2503503"/>
+            <a:ext cx="9548674" cy="1200329"/>
           </a:xfrm>
           <a:prstGeom prst="rect">
             <a:avLst/>
@@ -4928,8 +4963,11 @@
           <a:p>
             <a:r>
               <a:rPr lang="fr-FR" dirty="0"/>
-              <a:t>Attention! En dehors des simples variables unitaires, les opérations sur les listes, tableaux et objets renvoient une simple référence mémoire à l'objet.</a:t>
-            </a:r>
+              <a:t>Attention! En dehors des simples variables unitaires, les opérations sur les listes, tableaux et objets renvoient une simple référence mémoire à l'objet. Sauf les chaines de caractères!</a:t>
+            </a:r>
+          </a:p>
+          <a:p>
+            <a:endParaRPr lang="fr-FR" dirty="0"/>
           </a:p>
           <a:p>
             <a:r>
@@ -5964,7 +6002,7 @@
             </a:r>
             <a:r>
               <a:rPr lang="fr-FR" dirty="0"/>
-              <a:t>, est vu comme un tableau dont les valeurs sont accessibles par des étiquettes plutôt que des indices. En python, les étiquettes comme les valeurs peuvent être de type différents. </a:t>
+              <a:t>, est vu comme un tableau dont les valeurs sont accessibles par des étiquettes plutôt que des indices. En python, les étiquettes comme les valeurs peuvent être de types différents. </a:t>
             </a:r>
           </a:p>
           <a:p>
@@ -7028,7 +7066,7 @@
             </a:pPr>
             <a:r>
               <a:rPr lang="fr-FR" b="1" dirty="0"/>
-              <a:t>Test de présence de clés et de valeurs</a:t>
+              <a:t>Accéder aux valeurs</a:t>
             </a:r>
           </a:p>
         </p:txBody>
@@ -7038,7 +7076,7 @@
           <p:cNvPr id="5" name="Image 4">
             <a:extLst>
               <a:ext uri="{FF2B5EF4-FFF2-40B4-BE49-F238E27FC236}">
-                <a16:creationId xmlns:a16="http://schemas.microsoft.com/office/drawing/2014/main" id="{56B5DEE3-FF5B-4D17-B2DC-E362DDD4E97F}"/>
+                <a16:creationId xmlns:a16="http://schemas.microsoft.com/office/drawing/2014/main" id="{243F4265-7A77-47CE-BA68-72A592345D37}"/>
               </a:ext>
             </a:extLst>
           </p:cNvPr>
@@ -7055,8 +7093,8 @@
         </p:blipFill>
         <p:spPr>
           <a:xfrm>
-            <a:off x="838200" y="2947839"/>
-            <a:ext cx="5363323" cy="2124371"/>
+            <a:off x="0" y="2806601"/>
+            <a:ext cx="6306430" cy="2505425"/>
           </a:xfrm>
           <a:prstGeom prst="rect">
             <a:avLst/>
@@ -7066,7 +7104,7 @@
     </p:spTree>
     <p:extLst>
       <p:ext uri="{BB962C8B-B14F-4D97-AF65-F5344CB8AC3E}">
-        <p14:creationId xmlns:p14="http://schemas.microsoft.com/office/powerpoint/2010/main" val="2102554234"/>
+        <p14:creationId xmlns:p14="http://schemas.microsoft.com/office/powerpoint/2010/main" val="2894575030"/>
       </p:ext>
     </p:extLst>
   </p:cSld>
@@ -7159,7 +7197,7 @@
             </a:pPr>
             <a:r>
               <a:rPr lang="fr-FR" b="1" dirty="0"/>
-              <a:t>Accéder aux valeurs</a:t>
+              <a:t>Test de présence de clés et de valeurs</a:t>
             </a:r>
           </a:p>
         </p:txBody>
@@ -7169,7 +7207,7 @@
           <p:cNvPr id="5" name="Image 4">
             <a:extLst>
               <a:ext uri="{FF2B5EF4-FFF2-40B4-BE49-F238E27FC236}">
-                <a16:creationId xmlns:a16="http://schemas.microsoft.com/office/drawing/2014/main" id="{243F4265-7A77-47CE-BA68-72A592345D37}"/>
+                <a16:creationId xmlns:a16="http://schemas.microsoft.com/office/drawing/2014/main" id="{56B5DEE3-FF5B-4D17-B2DC-E362DDD4E97F}"/>
               </a:ext>
             </a:extLst>
           </p:cNvPr>
@@ -7186,8 +7224,8 @@
         </p:blipFill>
         <p:spPr>
           <a:xfrm>
-            <a:off x="0" y="2806601"/>
-            <a:ext cx="6306430" cy="2505425"/>
+            <a:off x="838200" y="2947839"/>
+            <a:ext cx="5363323" cy="2124371"/>
           </a:xfrm>
           <a:prstGeom prst="rect">
             <a:avLst/>
@@ -7197,7 +7235,7 @@
     </p:spTree>
     <p:extLst>
       <p:ext uri="{BB962C8B-B14F-4D97-AF65-F5344CB8AC3E}">
-        <p14:creationId xmlns:p14="http://schemas.microsoft.com/office/powerpoint/2010/main" val="2894575030"/>
+        <p14:creationId xmlns:p14="http://schemas.microsoft.com/office/powerpoint/2010/main" val="2102554234"/>
       </p:ext>
     </p:extLst>
   </p:cSld>
@@ -7738,10 +7776,9 @@
           <a:lstStyle/>
           <a:p>
             <a:r>
-              <a:rPr lang="fr-FR"/>
+              <a:rPr lang="fr-FR" dirty="0"/>
               <a:t>Plan</a:t>
             </a:r>
-            <a:endParaRPr lang="fr-FR" dirty="0"/>
           </a:p>
         </p:txBody>
       </p:sp>
@@ -7904,6 +7941,20 @@
               <a:rPr lang="fr-FR" dirty="0"/>
               <a:t>Python avancé</a:t>
             </a:r>
+          </a:p>
+          <a:p>
+            <a:r>
+              <a:rPr lang="fr-FR" dirty="0"/>
+              <a:t>Pas d’analyse de données </a:t>
+            </a:r>
+          </a:p>
+          <a:p>
+            <a:pPr lvl="1"/>
+            <a:r>
+              <a:rPr lang="fr-FR" dirty="0" err="1"/>
+              <a:t>Scikit-learn</a:t>
+            </a:r>
+            <a:endParaRPr lang="fr-FR" dirty="0"/>
           </a:p>
           <a:p>
             <a:pPr lvl="1"/>
@@ -9781,6 +9832,432 @@
 </p:sld>
 </file>
 
+<file path=ppt/slides/slide39.xml><?xml version="1.0" encoding="utf-8"?>
+<p:sld xmlns:a="http://schemas.openxmlformats.org/drawingml/2006/main" xmlns:r="http://schemas.openxmlformats.org/officeDocument/2006/relationships" xmlns:p="http://schemas.openxmlformats.org/presentationml/2006/main">
+  <p:cSld>
+    <p:bg>
+      <p:bgPr>
+        <a:solidFill>
+          <a:schemeClr val="accent2">
+            <a:lumMod val="40000"/>
+            <a:lumOff val="60000"/>
+          </a:schemeClr>
+        </a:solidFill>
+        <a:effectLst/>
+      </p:bgPr>
+    </p:bg>
+    <p:spTree>
+      <p:nvGrpSpPr>
+        <p:cNvPr id="1" name=""/>
+        <p:cNvGrpSpPr/>
+        <p:nvPr/>
+      </p:nvGrpSpPr>
+      <p:grpSpPr>
+        <a:xfrm>
+          <a:off x="0" y="0"/>
+          <a:ext cx="0" cy="0"/>
+          <a:chOff x="0" y="0"/>
+          <a:chExt cx="0" cy="0"/>
+        </a:xfrm>
+      </p:grpSpPr>
+      <p:sp>
+        <p:nvSpPr>
+          <p:cNvPr id="2" name="Titre 1">
+            <a:extLst>
+              <a:ext uri="{FF2B5EF4-FFF2-40B4-BE49-F238E27FC236}">
+                <a16:creationId xmlns:a16="http://schemas.microsoft.com/office/drawing/2014/main" id="{863FF70F-DD1A-43CA-B868-A4D538D85B83}"/>
+              </a:ext>
+            </a:extLst>
+          </p:cNvPr>
+          <p:cNvSpPr>
+            <a:spLocks noGrp="1"/>
+          </p:cNvSpPr>
+          <p:nvPr>
+            <p:ph type="title"/>
+          </p:nvPr>
+        </p:nvSpPr>
+        <p:spPr/>
+        <p:txBody>
+          <a:bodyPr/>
+          <a:lstStyle/>
+          <a:p>
+            <a:r>
+              <a:rPr lang="fr-FR" dirty="0"/>
+              <a:t>Les blocks</a:t>
+            </a:r>
+            <a:br>
+              <a:rPr lang="fr-FR" dirty="0"/>
+            </a:br>
+            <a:r>
+              <a:rPr lang="fr-FR" dirty="0"/>
+              <a:t>Conditionnelle</a:t>
+            </a:r>
+          </a:p>
+        </p:txBody>
+      </p:sp>
+      <p:sp>
+        <p:nvSpPr>
+          <p:cNvPr id="3" name="Espace réservé du contenu 2">
+            <a:extLst>
+              <a:ext uri="{FF2B5EF4-FFF2-40B4-BE49-F238E27FC236}">
+                <a16:creationId xmlns:a16="http://schemas.microsoft.com/office/drawing/2014/main" id="{FA373623-F3CD-48E5-926E-31654CDC4580}"/>
+              </a:ext>
+            </a:extLst>
+          </p:cNvPr>
+          <p:cNvSpPr>
+            <a:spLocks noGrp="1"/>
+          </p:cNvSpPr>
+          <p:nvPr>
+            <p:ph idx="1"/>
+          </p:nvPr>
+        </p:nvSpPr>
+        <p:spPr>
+          <a:xfrm>
+            <a:off x="3971647" y="1852258"/>
+            <a:ext cx="4248705" cy="4351338"/>
+          </a:xfrm>
+        </p:spPr>
+        <p:txBody>
+          <a:bodyPr>
+            <a:normAutofit fontScale="85000" lnSpcReduction="20000"/>
+          </a:bodyPr>
+          <a:lstStyle/>
+          <a:p>
+            <a:pPr marL="0" indent="0">
+              <a:buNone/>
+            </a:pPr>
+            <a:r>
+              <a:rPr lang="fr-FR" dirty="0"/>
+              <a:t>Structure générale</a:t>
+            </a:r>
+          </a:p>
+          <a:p>
+            <a:pPr marL="0" indent="0">
+              <a:buNone/>
+            </a:pPr>
+            <a:endParaRPr lang="fr-FR" dirty="0"/>
+          </a:p>
+          <a:p>
+            <a:pPr marL="0" indent="0">
+              <a:buNone/>
+            </a:pPr>
+            <a:r>
+              <a:rPr lang="fr-FR" b="1" dirty="0"/>
+              <a:t>if</a:t>
+            </a:r>
+            <a:r>
+              <a:rPr lang="fr-FR" dirty="0"/>
+              <a:t> (condition)</a:t>
+            </a:r>
+            <a:r>
+              <a:rPr lang="fr-FR" b="1" dirty="0"/>
+              <a:t>:</a:t>
+            </a:r>
+          </a:p>
+          <a:p>
+            <a:pPr marL="0" indent="0">
+              <a:buNone/>
+            </a:pPr>
+            <a:r>
+              <a:rPr lang="fr-FR" dirty="0"/>
+              <a:t>	instruction1</a:t>
+            </a:r>
+          </a:p>
+          <a:p>
+            <a:pPr marL="0" indent="0">
+              <a:buNone/>
+            </a:pPr>
+            <a:r>
+              <a:rPr lang="fr-FR" dirty="0"/>
+              <a:t>	 instruction1</a:t>
+            </a:r>
+          </a:p>
+          <a:p>
+            <a:pPr marL="0" indent="0">
+              <a:buNone/>
+            </a:pPr>
+            <a:r>
+              <a:rPr lang="fr-FR" b="1" dirty="0" err="1"/>
+              <a:t>elif</a:t>
+            </a:r>
+            <a:r>
+              <a:rPr lang="fr-FR" b="1" dirty="0"/>
+              <a:t> :</a:t>
+            </a:r>
+          </a:p>
+          <a:p>
+            <a:pPr marL="0" indent="0">
+              <a:buNone/>
+            </a:pPr>
+            <a:r>
+              <a:rPr lang="fr-FR" dirty="0"/>
+              <a:t>	instruction 2</a:t>
+            </a:r>
+          </a:p>
+          <a:p>
+            <a:pPr marL="0" indent="0">
+              <a:buNone/>
+            </a:pPr>
+            <a:r>
+              <a:rPr lang="fr-FR" dirty="0"/>
+              <a:t>	 instruction 2</a:t>
+            </a:r>
+          </a:p>
+          <a:p>
+            <a:pPr marL="0" indent="0">
+              <a:buNone/>
+            </a:pPr>
+            <a:r>
+              <a:rPr lang="fr-FR" b="1" dirty="0" err="1"/>
+              <a:t>else</a:t>
+            </a:r>
+            <a:r>
+              <a:rPr lang="fr-FR" b="1" dirty="0"/>
+              <a:t> :</a:t>
+            </a:r>
+          </a:p>
+          <a:p>
+            <a:pPr marL="0" indent="0">
+              <a:buNone/>
+            </a:pPr>
+            <a:r>
+              <a:rPr lang="fr-FR" dirty="0"/>
+              <a:t>	instruction3</a:t>
+            </a:r>
+          </a:p>
+          <a:p>
+            <a:pPr marL="0" indent="0">
+              <a:buNone/>
+            </a:pPr>
+            <a:r>
+              <a:rPr lang="fr-FR" dirty="0"/>
+              <a:t>	instruction3</a:t>
+            </a:r>
+          </a:p>
+        </p:txBody>
+      </p:sp>
+      <p:sp>
+        <p:nvSpPr>
+          <p:cNvPr id="5" name="Bulle narrative : rectangle 4">
+            <a:extLst>
+              <a:ext uri="{FF2B5EF4-FFF2-40B4-BE49-F238E27FC236}">
+                <a16:creationId xmlns:a16="http://schemas.microsoft.com/office/drawing/2014/main" id="{AD5CF3BA-D50E-493D-99AE-1AECAB8F1739}"/>
+              </a:ext>
+            </a:extLst>
+          </p:cNvPr>
+          <p:cNvSpPr/>
+          <p:nvPr/>
+        </p:nvSpPr>
+        <p:spPr>
+          <a:xfrm>
+            <a:off x="358437" y="1690688"/>
+            <a:ext cx="1890943" cy="1025879"/>
+          </a:xfrm>
+          <a:prstGeom prst="wedgeRectCallout">
+            <a:avLst>
+              <a:gd name="adj1" fmla="val 134566"/>
+              <a:gd name="adj2" fmla="val 53846"/>
+            </a:avLst>
+          </a:prstGeom>
+        </p:spPr>
+        <p:style>
+          <a:lnRef idx="2">
+            <a:schemeClr val="accent1">
+              <a:shade val="50000"/>
+            </a:schemeClr>
+          </a:lnRef>
+          <a:fillRef idx="1">
+            <a:schemeClr val="accent1"/>
+          </a:fillRef>
+          <a:effectRef idx="0">
+            <a:schemeClr val="accent1"/>
+          </a:effectRef>
+          <a:fontRef idx="minor">
+            <a:schemeClr val="lt1"/>
+          </a:fontRef>
+        </p:style>
+        <p:txBody>
+          <a:bodyPr rtlCol="0" anchor="ctr"/>
+          <a:lstStyle/>
+          <a:p>
+            <a:pPr algn="ctr"/>
+            <a:r>
+              <a:rPr lang="fr-FR" sz="3600" dirty="0"/>
+              <a:t>si</a:t>
+            </a:r>
+          </a:p>
+        </p:txBody>
+      </p:sp>
+      <p:sp>
+        <p:nvSpPr>
+          <p:cNvPr id="6" name="Bulle narrative : rectangle 5">
+            <a:extLst>
+              <a:ext uri="{FF2B5EF4-FFF2-40B4-BE49-F238E27FC236}">
+                <a16:creationId xmlns:a16="http://schemas.microsoft.com/office/drawing/2014/main" id="{BFAAC902-57C1-44FE-AA18-04867DDC003B}"/>
+              </a:ext>
+            </a:extLst>
+          </p:cNvPr>
+          <p:cNvSpPr/>
+          <p:nvPr/>
+        </p:nvSpPr>
+        <p:spPr>
+          <a:xfrm>
+            <a:off x="343456" y="3628494"/>
+            <a:ext cx="1890943" cy="1025879"/>
+          </a:xfrm>
+          <a:prstGeom prst="wedgeRectCallout">
+            <a:avLst>
+              <a:gd name="adj1" fmla="val 141139"/>
+              <a:gd name="adj2" fmla="val -20576"/>
+            </a:avLst>
+          </a:prstGeom>
+        </p:spPr>
+        <p:style>
+          <a:lnRef idx="2">
+            <a:schemeClr val="accent1">
+              <a:shade val="50000"/>
+            </a:schemeClr>
+          </a:lnRef>
+          <a:fillRef idx="1">
+            <a:schemeClr val="accent1"/>
+          </a:fillRef>
+          <a:effectRef idx="0">
+            <a:schemeClr val="accent1"/>
+          </a:effectRef>
+          <a:fontRef idx="minor">
+            <a:schemeClr val="lt1"/>
+          </a:fontRef>
+        </p:style>
+        <p:txBody>
+          <a:bodyPr rtlCol="0" anchor="ctr"/>
+          <a:lstStyle/>
+          <a:p>
+            <a:pPr algn="ctr"/>
+            <a:r>
+              <a:rPr lang="fr-FR" sz="3600" dirty="0"/>
+              <a:t>Sinon si</a:t>
+            </a:r>
+          </a:p>
+        </p:txBody>
+      </p:sp>
+      <p:sp>
+        <p:nvSpPr>
+          <p:cNvPr id="7" name="Bulle narrative : rectangle 6">
+            <a:extLst>
+              <a:ext uri="{FF2B5EF4-FFF2-40B4-BE49-F238E27FC236}">
+                <a16:creationId xmlns:a16="http://schemas.microsoft.com/office/drawing/2014/main" id="{391CD5A8-2A75-4383-AFFC-5767A9D76085}"/>
+              </a:ext>
+            </a:extLst>
+          </p:cNvPr>
+          <p:cNvSpPr/>
+          <p:nvPr/>
+        </p:nvSpPr>
+        <p:spPr>
+          <a:xfrm>
+            <a:off x="343455" y="5352242"/>
+            <a:ext cx="1890943" cy="1025879"/>
+          </a:xfrm>
+          <a:prstGeom prst="wedgeRectCallout">
+            <a:avLst>
+              <a:gd name="adj1" fmla="val 141609"/>
+              <a:gd name="adj2" fmla="val -75094"/>
+            </a:avLst>
+          </a:prstGeom>
+        </p:spPr>
+        <p:style>
+          <a:lnRef idx="2">
+            <a:schemeClr val="accent1">
+              <a:shade val="50000"/>
+            </a:schemeClr>
+          </a:lnRef>
+          <a:fillRef idx="1">
+            <a:schemeClr val="accent1"/>
+          </a:fillRef>
+          <a:effectRef idx="0">
+            <a:schemeClr val="accent1"/>
+          </a:effectRef>
+          <a:fontRef idx="minor">
+            <a:schemeClr val="lt1"/>
+          </a:fontRef>
+        </p:style>
+        <p:txBody>
+          <a:bodyPr rtlCol="0" anchor="ctr"/>
+          <a:lstStyle/>
+          <a:p>
+            <a:pPr algn="ctr"/>
+            <a:r>
+              <a:rPr lang="fr-FR" sz="3600" dirty="0"/>
+              <a:t>Sinon</a:t>
+            </a:r>
+          </a:p>
+        </p:txBody>
+      </p:sp>
+      <p:sp>
+        <p:nvSpPr>
+          <p:cNvPr id="8" name="Bulle narrative : rectangle 7">
+            <a:extLst>
+              <a:ext uri="{FF2B5EF4-FFF2-40B4-BE49-F238E27FC236}">
+                <a16:creationId xmlns:a16="http://schemas.microsoft.com/office/drawing/2014/main" id="{47B8FAE7-C9D5-4F83-B8B0-1B3944B55D2D}"/>
+              </a:ext>
+            </a:extLst>
+          </p:cNvPr>
+          <p:cNvSpPr/>
+          <p:nvPr/>
+        </p:nvSpPr>
+        <p:spPr>
+          <a:xfrm>
+            <a:off x="7767960" y="1386882"/>
+            <a:ext cx="2610035" cy="870012"/>
+          </a:xfrm>
+          <a:prstGeom prst="wedgeRectCallout">
+            <a:avLst>
+              <a:gd name="adj1" fmla="val -138860"/>
+              <a:gd name="adj2" fmla="val 93112"/>
+            </a:avLst>
+          </a:prstGeom>
+        </p:spPr>
+        <p:style>
+          <a:lnRef idx="2">
+            <a:schemeClr val="accent1">
+              <a:shade val="50000"/>
+            </a:schemeClr>
+          </a:lnRef>
+          <a:fillRef idx="1">
+            <a:schemeClr val="accent1"/>
+          </a:fillRef>
+          <a:effectRef idx="0">
+            <a:schemeClr val="accent1"/>
+          </a:effectRef>
+          <a:fontRef idx="minor">
+            <a:schemeClr val="lt1"/>
+          </a:fontRef>
+        </p:style>
+        <p:txBody>
+          <a:bodyPr rtlCol="0" anchor="ctr"/>
+          <a:lstStyle/>
+          <a:p>
+            <a:pPr algn="ctr"/>
+            <a:r>
+              <a:rPr lang="fr-FR" dirty="0" err="1"/>
+              <a:t>booleen</a:t>
+            </a:r>
+            <a:endParaRPr lang="fr-FR" dirty="0"/>
+          </a:p>
+        </p:txBody>
+      </p:sp>
+    </p:spTree>
+    <p:extLst>
+      <p:ext uri="{BB962C8B-B14F-4D97-AF65-F5344CB8AC3E}">
+        <p14:creationId xmlns:p14="http://schemas.microsoft.com/office/powerpoint/2010/main" val="3116870273"/>
+      </p:ext>
+    </p:extLst>
+  </p:cSld>
+  <p:clrMapOvr>
+    <a:masterClrMapping/>
+  </p:clrMapOvr>
+</p:sld>
+</file>
+
 <file path=ppt/slides/slide4.xml><?xml version="1.0" encoding="utf-8"?>
 <p:sld xmlns:a="http://schemas.openxmlformats.org/drawingml/2006/main" xmlns:r="http://schemas.openxmlformats.org/officeDocument/2006/relationships" xmlns:p="http://schemas.openxmlformats.org/presentationml/2006/main">
   <p:cSld>
@@ -9890,6 +10367,2054 @@
     <p:extLst>
       <p:ext uri="{BB962C8B-B14F-4D97-AF65-F5344CB8AC3E}">
         <p14:creationId xmlns:p14="http://schemas.microsoft.com/office/powerpoint/2010/main" val="1069114988"/>
+      </p:ext>
+    </p:extLst>
+  </p:cSld>
+  <p:clrMapOvr>
+    <a:masterClrMapping/>
+  </p:clrMapOvr>
+</p:sld>
+</file>
+
+<file path=ppt/slides/slide40.xml><?xml version="1.0" encoding="utf-8"?>
+<p:sld xmlns:a="http://schemas.openxmlformats.org/drawingml/2006/main" xmlns:r="http://schemas.openxmlformats.org/officeDocument/2006/relationships" xmlns:p="http://schemas.openxmlformats.org/presentationml/2006/main">
+  <p:cSld>
+    <p:spTree>
+      <p:nvGrpSpPr>
+        <p:cNvPr id="1" name=""/>
+        <p:cNvGrpSpPr/>
+        <p:nvPr/>
+      </p:nvGrpSpPr>
+      <p:grpSpPr>
+        <a:xfrm>
+          <a:off x="0" y="0"/>
+          <a:ext cx="0" cy="0"/>
+          <a:chOff x="0" y="0"/>
+          <a:chExt cx="0" cy="0"/>
+        </a:xfrm>
+      </p:grpSpPr>
+      <p:sp>
+        <p:nvSpPr>
+          <p:cNvPr id="2" name="Titre 1">
+            <a:extLst>
+              <a:ext uri="{FF2B5EF4-FFF2-40B4-BE49-F238E27FC236}">
+                <a16:creationId xmlns:a16="http://schemas.microsoft.com/office/drawing/2014/main" id="{695856A3-CD7C-4E6B-83E8-E487DC1336EA}"/>
+              </a:ext>
+            </a:extLst>
+          </p:cNvPr>
+          <p:cNvSpPr>
+            <a:spLocks noGrp="1"/>
+          </p:cNvSpPr>
+          <p:nvPr>
+            <p:ph type="title"/>
+          </p:nvPr>
+        </p:nvSpPr>
+        <p:spPr/>
+        <p:txBody>
+          <a:bodyPr/>
+          <a:lstStyle/>
+          <a:p>
+            <a:r>
+              <a:rPr lang="fr-FR" dirty="0"/>
+              <a:t>Les blocks</a:t>
+            </a:r>
+            <a:br>
+              <a:rPr lang="fr-FR" dirty="0"/>
+            </a:br>
+            <a:r>
+              <a:rPr lang="fr-FR" dirty="0"/>
+              <a:t>Conditionnelle</a:t>
+            </a:r>
+          </a:p>
+        </p:txBody>
+      </p:sp>
+      <p:pic>
+        <p:nvPicPr>
+          <p:cNvPr id="12" name="Espace réservé du contenu 11">
+            <a:extLst>
+              <a:ext uri="{FF2B5EF4-FFF2-40B4-BE49-F238E27FC236}">
+                <a16:creationId xmlns:a16="http://schemas.microsoft.com/office/drawing/2014/main" id="{ECE7A56E-0273-4ACD-8126-ADA24766C438}"/>
+              </a:ext>
+            </a:extLst>
+          </p:cNvPr>
+          <p:cNvPicPr>
+            <a:picLocks noGrp="1" noChangeAspect="1"/>
+          </p:cNvPicPr>
+          <p:nvPr>
+            <p:ph sz="half" idx="1"/>
+          </p:nvPr>
+        </p:nvPicPr>
+        <p:blipFill>
+          <a:blip r:embed="rId2"/>
+          <a:stretch>
+            <a:fillRect/>
+          </a:stretch>
+        </p:blipFill>
+        <p:spPr>
+          <a:xfrm>
+            <a:off x="1561839" y="2396107"/>
+            <a:ext cx="3734321" cy="3210373"/>
+          </a:xfrm>
+        </p:spPr>
+      </p:pic>
+      <p:pic>
+        <p:nvPicPr>
+          <p:cNvPr id="10" name="Espace réservé du contenu 9">
+            <a:extLst>
+              <a:ext uri="{FF2B5EF4-FFF2-40B4-BE49-F238E27FC236}">
+                <a16:creationId xmlns:a16="http://schemas.microsoft.com/office/drawing/2014/main" id="{4BA51E17-8F7E-4F1A-A349-5FDAA700098D}"/>
+              </a:ext>
+            </a:extLst>
+          </p:cNvPr>
+          <p:cNvPicPr>
+            <a:picLocks noGrp="1" noChangeAspect="1"/>
+          </p:cNvPicPr>
+          <p:nvPr>
+            <p:ph sz="half" idx="2"/>
+          </p:nvPr>
+        </p:nvPicPr>
+        <p:blipFill>
+          <a:blip r:embed="rId3"/>
+          <a:stretch>
+            <a:fillRect/>
+          </a:stretch>
+        </p:blipFill>
+        <p:spPr>
+          <a:xfrm>
+            <a:off x="6938708" y="2510423"/>
+            <a:ext cx="3648584" cy="2981741"/>
+          </a:xfrm>
+          <a:prstGeom prst="rect">
+            <a:avLst/>
+          </a:prstGeom>
+        </p:spPr>
+      </p:pic>
+    </p:spTree>
+    <p:extLst>
+      <p:ext uri="{BB962C8B-B14F-4D97-AF65-F5344CB8AC3E}">
+        <p14:creationId xmlns:p14="http://schemas.microsoft.com/office/powerpoint/2010/main" val="3517053474"/>
+      </p:ext>
+    </p:extLst>
+  </p:cSld>
+  <p:clrMapOvr>
+    <a:masterClrMapping/>
+  </p:clrMapOvr>
+</p:sld>
+</file>
+
+<file path=ppt/slides/slide41.xml><?xml version="1.0" encoding="utf-8"?>
+<p:sld xmlns:a="http://schemas.openxmlformats.org/drawingml/2006/main" xmlns:r="http://schemas.openxmlformats.org/officeDocument/2006/relationships" xmlns:p="http://schemas.openxmlformats.org/presentationml/2006/main">
+  <p:cSld>
+    <p:bg>
+      <p:bgPr>
+        <a:solidFill>
+          <a:schemeClr val="accent2">
+            <a:lumMod val="40000"/>
+            <a:lumOff val="60000"/>
+          </a:schemeClr>
+        </a:solidFill>
+        <a:effectLst/>
+      </p:bgPr>
+    </p:bg>
+    <p:spTree>
+      <p:nvGrpSpPr>
+        <p:cNvPr id="1" name=""/>
+        <p:cNvGrpSpPr/>
+        <p:nvPr/>
+      </p:nvGrpSpPr>
+      <p:grpSpPr>
+        <a:xfrm>
+          <a:off x="0" y="0"/>
+          <a:ext cx="0" cy="0"/>
+          <a:chOff x="0" y="0"/>
+          <a:chExt cx="0" cy="0"/>
+        </a:xfrm>
+      </p:grpSpPr>
+      <p:sp>
+        <p:nvSpPr>
+          <p:cNvPr id="2" name="Titre 1">
+            <a:extLst>
+              <a:ext uri="{FF2B5EF4-FFF2-40B4-BE49-F238E27FC236}">
+                <a16:creationId xmlns:a16="http://schemas.microsoft.com/office/drawing/2014/main" id="{695856A3-CD7C-4E6B-83E8-E487DC1336EA}"/>
+              </a:ext>
+            </a:extLst>
+          </p:cNvPr>
+          <p:cNvSpPr>
+            <a:spLocks noGrp="1"/>
+          </p:cNvSpPr>
+          <p:nvPr>
+            <p:ph type="title"/>
+          </p:nvPr>
+        </p:nvSpPr>
+        <p:spPr/>
+        <p:txBody>
+          <a:bodyPr/>
+          <a:lstStyle/>
+          <a:p>
+            <a:r>
+              <a:rPr lang="fr-FR" dirty="0"/>
+              <a:t>Les blocks</a:t>
+            </a:r>
+            <a:br>
+              <a:rPr lang="fr-FR" dirty="0"/>
+            </a:br>
+            <a:r>
+              <a:rPr lang="fr-FR" dirty="0"/>
+              <a:t>Portée des variables</a:t>
+            </a:r>
+          </a:p>
+        </p:txBody>
+      </p:sp>
+      <p:pic>
+        <p:nvPicPr>
+          <p:cNvPr id="9" name="Espace réservé du contenu 8">
+            <a:extLst>
+              <a:ext uri="{FF2B5EF4-FFF2-40B4-BE49-F238E27FC236}">
+                <a16:creationId xmlns:a16="http://schemas.microsoft.com/office/drawing/2014/main" id="{65B89146-7FC4-4363-B86D-E6B947D5A0DF}"/>
+              </a:ext>
+            </a:extLst>
+          </p:cNvPr>
+          <p:cNvPicPr>
+            <a:picLocks noGrp="1" noChangeAspect="1"/>
+          </p:cNvPicPr>
+          <p:nvPr>
+            <p:ph idx="1"/>
+          </p:nvPr>
+        </p:nvPicPr>
+        <p:blipFill>
+          <a:blip r:embed="rId2"/>
+          <a:stretch>
+            <a:fillRect/>
+          </a:stretch>
+        </p:blipFill>
+        <p:spPr>
+          <a:xfrm>
+            <a:off x="838200" y="3032752"/>
+            <a:ext cx="10515600" cy="1937084"/>
+          </a:xfrm>
+        </p:spPr>
+      </p:pic>
+    </p:spTree>
+    <p:extLst>
+      <p:ext uri="{BB962C8B-B14F-4D97-AF65-F5344CB8AC3E}">
+        <p14:creationId xmlns:p14="http://schemas.microsoft.com/office/powerpoint/2010/main" val="3499314798"/>
+      </p:ext>
+    </p:extLst>
+  </p:cSld>
+  <p:clrMapOvr>
+    <a:masterClrMapping/>
+  </p:clrMapOvr>
+</p:sld>
+</file>
+
+<file path=ppt/slides/slide42.xml><?xml version="1.0" encoding="utf-8"?>
+<p:sld xmlns:a="http://schemas.openxmlformats.org/drawingml/2006/main" xmlns:r="http://schemas.openxmlformats.org/officeDocument/2006/relationships" xmlns:p="http://schemas.openxmlformats.org/presentationml/2006/main">
+  <p:cSld>
+    <p:bg>
+      <p:bgPr>
+        <a:solidFill>
+          <a:schemeClr val="accent5">
+            <a:lumMod val="40000"/>
+            <a:lumOff val="60000"/>
+          </a:schemeClr>
+        </a:solidFill>
+        <a:effectLst/>
+      </p:bgPr>
+    </p:bg>
+    <p:spTree>
+      <p:nvGrpSpPr>
+        <p:cNvPr id="1" name=""/>
+        <p:cNvGrpSpPr/>
+        <p:nvPr/>
+      </p:nvGrpSpPr>
+      <p:grpSpPr>
+        <a:xfrm>
+          <a:off x="0" y="0"/>
+          <a:ext cx="0" cy="0"/>
+          <a:chOff x="0" y="0"/>
+          <a:chExt cx="0" cy="0"/>
+        </a:xfrm>
+      </p:grpSpPr>
+      <p:sp>
+        <p:nvSpPr>
+          <p:cNvPr id="2" name="Titre 1">
+            <a:extLst>
+              <a:ext uri="{FF2B5EF4-FFF2-40B4-BE49-F238E27FC236}">
+                <a16:creationId xmlns:a16="http://schemas.microsoft.com/office/drawing/2014/main" id="{E040263E-16F0-4671-8DC2-74E216C557E3}"/>
+              </a:ext>
+            </a:extLst>
+          </p:cNvPr>
+          <p:cNvSpPr>
+            <a:spLocks noGrp="1"/>
+          </p:cNvSpPr>
+          <p:nvPr>
+            <p:ph type="title"/>
+          </p:nvPr>
+        </p:nvSpPr>
+        <p:spPr/>
+        <p:txBody>
+          <a:bodyPr/>
+          <a:lstStyle/>
+          <a:p>
+            <a:r>
+              <a:rPr lang="fr-FR" dirty="0"/>
+              <a:t>Exercice</a:t>
+            </a:r>
+          </a:p>
+        </p:txBody>
+      </p:sp>
+      <p:sp>
+        <p:nvSpPr>
+          <p:cNvPr id="3" name="Espace réservé du contenu 2">
+            <a:extLst>
+              <a:ext uri="{FF2B5EF4-FFF2-40B4-BE49-F238E27FC236}">
+                <a16:creationId xmlns:a16="http://schemas.microsoft.com/office/drawing/2014/main" id="{69FCE10B-A074-4A4F-B2F3-3A1DD728566C}"/>
+              </a:ext>
+            </a:extLst>
+          </p:cNvPr>
+          <p:cNvSpPr>
+            <a:spLocks noGrp="1"/>
+          </p:cNvSpPr>
+          <p:nvPr>
+            <p:ph idx="1"/>
+          </p:nvPr>
+        </p:nvSpPr>
+        <p:spPr/>
+        <p:txBody>
+          <a:bodyPr>
+            <a:normAutofit/>
+          </a:bodyPr>
+          <a:lstStyle/>
+          <a:p>
+            <a:pPr>
+              <a:buFontTx/>
+              <a:buChar char="-"/>
+            </a:pPr>
+            <a:r>
+              <a:rPr lang="fr-FR" dirty="0">
+                <a:effectLst/>
+                <a:latin typeface="Times New Roman" panose="02020603050405020304" pitchFamily="18" charset="0"/>
+              </a:rPr>
+              <a:t>Ecrire un code capable de dire parmi 2 variables laquelle est la plus grande</a:t>
+            </a:r>
+          </a:p>
+          <a:p>
+            <a:pPr>
+              <a:buFontTx/>
+              <a:buChar char="-"/>
+            </a:pPr>
+            <a:r>
+              <a:rPr lang="fr-FR" dirty="0">
+                <a:latin typeface="Times New Roman" panose="02020603050405020304" pitchFamily="18" charset="0"/>
+              </a:rPr>
+              <a:t>Ecrire un code qui prends 2 matrices 3x3 et qui rends en sortie une matrice 3x1, où chaque ligne est la moyenne par </a:t>
+            </a:r>
+            <a:r>
+              <a:rPr lang="fr-FR">
+                <a:latin typeface="Times New Roman" panose="02020603050405020304" pitchFamily="18" charset="0"/>
+              </a:rPr>
+              <a:t>ligne maximale parmi </a:t>
+            </a:r>
+            <a:r>
+              <a:rPr lang="fr-FR" dirty="0">
+                <a:latin typeface="Times New Roman" panose="02020603050405020304" pitchFamily="18" charset="0"/>
+              </a:rPr>
+              <a:t>les 2 matrices.</a:t>
+            </a:r>
+            <a:endParaRPr lang="fr-FR" dirty="0"/>
+          </a:p>
+        </p:txBody>
+      </p:sp>
+    </p:spTree>
+    <p:extLst>
+      <p:ext uri="{BB962C8B-B14F-4D97-AF65-F5344CB8AC3E}">
+        <p14:creationId xmlns:p14="http://schemas.microsoft.com/office/powerpoint/2010/main" val="1296844543"/>
+      </p:ext>
+    </p:extLst>
+  </p:cSld>
+  <p:clrMapOvr>
+    <a:masterClrMapping/>
+  </p:clrMapOvr>
+</p:sld>
+</file>
+
+<file path=ppt/slides/slide43.xml><?xml version="1.0" encoding="utf-8"?>
+<p:sld xmlns:a="http://schemas.openxmlformats.org/drawingml/2006/main" xmlns:r="http://schemas.openxmlformats.org/officeDocument/2006/relationships" xmlns:p="http://schemas.openxmlformats.org/presentationml/2006/main">
+  <p:cSld>
+    <p:bg>
+      <p:bgPr>
+        <a:solidFill>
+          <a:schemeClr val="accent5">
+            <a:lumMod val="40000"/>
+            <a:lumOff val="60000"/>
+          </a:schemeClr>
+        </a:solidFill>
+        <a:effectLst/>
+      </p:bgPr>
+    </p:bg>
+    <p:spTree>
+      <p:nvGrpSpPr>
+        <p:cNvPr id="1" name=""/>
+        <p:cNvGrpSpPr/>
+        <p:nvPr/>
+      </p:nvGrpSpPr>
+      <p:grpSpPr>
+        <a:xfrm>
+          <a:off x="0" y="0"/>
+          <a:ext cx="0" cy="0"/>
+          <a:chOff x="0" y="0"/>
+          <a:chExt cx="0" cy="0"/>
+        </a:xfrm>
+      </p:grpSpPr>
+      <p:sp>
+        <p:nvSpPr>
+          <p:cNvPr id="2" name="Titre 1">
+            <a:extLst>
+              <a:ext uri="{FF2B5EF4-FFF2-40B4-BE49-F238E27FC236}">
+                <a16:creationId xmlns:a16="http://schemas.microsoft.com/office/drawing/2014/main" id="{E040263E-16F0-4671-8DC2-74E216C557E3}"/>
+              </a:ext>
+            </a:extLst>
+          </p:cNvPr>
+          <p:cNvSpPr>
+            <a:spLocks noGrp="1"/>
+          </p:cNvSpPr>
+          <p:nvPr>
+            <p:ph type="title"/>
+          </p:nvPr>
+        </p:nvSpPr>
+        <p:spPr/>
+        <p:txBody>
+          <a:bodyPr/>
+          <a:lstStyle/>
+          <a:p>
+            <a:r>
+              <a:rPr lang="fr-FR" dirty="0"/>
+              <a:t>Exercice</a:t>
+            </a:r>
+          </a:p>
+        </p:txBody>
+      </p:sp>
+      <p:sp>
+        <p:nvSpPr>
+          <p:cNvPr id="3" name="Espace réservé du contenu 2">
+            <a:extLst>
+              <a:ext uri="{FF2B5EF4-FFF2-40B4-BE49-F238E27FC236}">
+                <a16:creationId xmlns:a16="http://schemas.microsoft.com/office/drawing/2014/main" id="{69FCE10B-A074-4A4F-B2F3-3A1DD728566C}"/>
+              </a:ext>
+            </a:extLst>
+          </p:cNvPr>
+          <p:cNvSpPr>
+            <a:spLocks noGrp="1"/>
+          </p:cNvSpPr>
+          <p:nvPr>
+            <p:ph idx="1"/>
+          </p:nvPr>
+        </p:nvSpPr>
+        <p:spPr/>
+        <p:txBody>
+          <a:bodyPr>
+            <a:normAutofit fontScale="85000" lnSpcReduction="20000"/>
+          </a:bodyPr>
+          <a:lstStyle/>
+          <a:p>
+            <a:pPr marL="0" indent="0">
+              <a:buNone/>
+            </a:pPr>
+            <a:r>
+              <a:rPr lang="fr-FR" dirty="0">
+                <a:effectLst/>
+                <a:latin typeface="Times New Roman" panose="02020603050405020304" pitchFamily="18" charset="0"/>
+              </a:rPr>
+              <a:t>On se fixe une pression seuil et un volume seuil pour une enceinte :</a:t>
+            </a:r>
+          </a:p>
+          <a:p>
+            <a:pPr marL="0" indent="0">
+              <a:buNone/>
+            </a:pPr>
+            <a:r>
+              <a:rPr lang="fr-FR" dirty="0" err="1">
+                <a:effectLst/>
+                <a:latin typeface="Courier New" panose="02070309020205020404" pitchFamily="49" charset="0"/>
+              </a:rPr>
+              <a:t>pSeuil</a:t>
+            </a:r>
+            <a:r>
+              <a:rPr lang="fr-FR" dirty="0">
+                <a:effectLst/>
+                <a:latin typeface="Courier New" panose="02070309020205020404" pitchFamily="49" charset="0"/>
+              </a:rPr>
+              <a:t> = 2.3</a:t>
+            </a:r>
+            <a:r>
+              <a:rPr lang="fr-FR" dirty="0">
+                <a:effectLst/>
+                <a:latin typeface="Times New Roman" panose="02020603050405020304" pitchFamily="18" charset="0"/>
+              </a:rPr>
+              <a:t>,</a:t>
+            </a:r>
+          </a:p>
+          <a:p>
+            <a:pPr marL="0" indent="0">
+              <a:buNone/>
+            </a:pPr>
+            <a:r>
+              <a:rPr lang="fr-FR" dirty="0" err="1">
+                <a:effectLst/>
+                <a:latin typeface="Courier New" panose="02070309020205020404" pitchFamily="49" charset="0"/>
+              </a:rPr>
+              <a:t>vSeuil</a:t>
+            </a:r>
+            <a:r>
+              <a:rPr lang="fr-FR" dirty="0">
+                <a:effectLst/>
+                <a:latin typeface="Courier New" panose="02070309020205020404" pitchFamily="49" charset="0"/>
+              </a:rPr>
+              <a:t> = 7.41</a:t>
+            </a:r>
+            <a:endParaRPr lang="fr-FR" dirty="0">
+              <a:latin typeface="Times New Roman" panose="02020603050405020304" pitchFamily="18" charset="0"/>
+            </a:endParaRPr>
+          </a:p>
+          <a:p>
+            <a:pPr marL="0" indent="0">
+              <a:buNone/>
+            </a:pPr>
+            <a:r>
+              <a:rPr lang="fr-FR" dirty="0">
+                <a:effectLst/>
+                <a:latin typeface="Times New Roman" panose="02020603050405020304" pitchFamily="18" charset="0"/>
+              </a:rPr>
+              <a:t>Selon 2 variables pression et volume courant de l’enceinte, écrire un script qui simule le comportement suivant :</a:t>
+            </a:r>
+          </a:p>
+          <a:p>
+            <a:pPr marL="0" indent="0">
+              <a:buNone/>
+            </a:pPr>
+            <a:r>
+              <a:rPr lang="fr-FR" dirty="0">
+                <a:effectLst/>
+                <a:latin typeface="Times New Roman" panose="02020603050405020304" pitchFamily="18" charset="0"/>
+              </a:rPr>
+              <a:t>– si le volume et la pression sont supérieurs aux seuils : arrêt immédiat;</a:t>
+            </a:r>
+          </a:p>
+          <a:p>
+            <a:pPr marL="0" indent="0">
+              <a:buNone/>
+            </a:pPr>
+            <a:r>
+              <a:rPr lang="fr-FR" dirty="0">
+                <a:effectLst/>
+                <a:latin typeface="Times New Roman" panose="02020603050405020304" pitchFamily="18" charset="0"/>
+              </a:rPr>
+              <a:t>– si seule la pression est supérieure à la pression seuil : demander d’augmenter le volume de l’enceinte ;</a:t>
+            </a:r>
+          </a:p>
+          <a:p>
+            <a:pPr marL="0" indent="0">
+              <a:buNone/>
+            </a:pPr>
+            <a:r>
+              <a:rPr lang="fr-FR" dirty="0">
+                <a:effectLst/>
+                <a:latin typeface="Times New Roman" panose="02020603050405020304" pitchFamily="18" charset="0"/>
+              </a:rPr>
+              <a:t>–si seul le volume est supérieur au volume seuil : demander de diminuer le volume de l’enceinte;</a:t>
+            </a:r>
+          </a:p>
+          <a:p>
+            <a:pPr marL="0" indent="0">
+              <a:buNone/>
+            </a:pPr>
+            <a:r>
+              <a:rPr lang="fr-FR" dirty="0">
+                <a:effectLst/>
+                <a:latin typeface="Times New Roman" panose="02020603050405020304" pitchFamily="18" charset="0"/>
+              </a:rPr>
+              <a:t>–sinon déclarer que « tout va bien ».</a:t>
+            </a:r>
+          </a:p>
+          <a:p>
+            <a:pPr marL="0" indent="0">
+              <a:buNone/>
+            </a:pPr>
+            <a:r>
+              <a:rPr lang="fr-FR" dirty="0">
+                <a:effectLst/>
+                <a:latin typeface="Times New Roman" panose="02020603050405020304" pitchFamily="18" charset="0"/>
+              </a:rPr>
+              <a:t>Ce comportement sera implémenté par une alternative multiple</a:t>
+            </a:r>
+            <a:endParaRPr lang="fr-FR" dirty="0"/>
+          </a:p>
+        </p:txBody>
+      </p:sp>
+    </p:spTree>
+    <p:extLst>
+      <p:ext uri="{BB962C8B-B14F-4D97-AF65-F5344CB8AC3E}">
+        <p14:creationId xmlns:p14="http://schemas.microsoft.com/office/powerpoint/2010/main" val="4230999515"/>
+      </p:ext>
+    </p:extLst>
+  </p:cSld>
+  <p:clrMapOvr>
+    <a:masterClrMapping/>
+  </p:clrMapOvr>
+</p:sld>
+</file>
+
+<file path=ppt/slides/slide44.xml><?xml version="1.0" encoding="utf-8"?>
+<p:sld xmlns:a="http://schemas.openxmlformats.org/drawingml/2006/main" xmlns:r="http://schemas.openxmlformats.org/officeDocument/2006/relationships" xmlns:p="http://schemas.openxmlformats.org/presentationml/2006/main">
+  <p:cSld>
+    <p:bg>
+      <p:bgPr>
+        <a:solidFill>
+          <a:schemeClr val="accent2">
+            <a:lumMod val="40000"/>
+            <a:lumOff val="60000"/>
+          </a:schemeClr>
+        </a:solidFill>
+        <a:effectLst/>
+      </p:bgPr>
+    </p:bg>
+    <p:spTree>
+      <p:nvGrpSpPr>
+        <p:cNvPr id="1" name=""/>
+        <p:cNvGrpSpPr/>
+        <p:nvPr/>
+      </p:nvGrpSpPr>
+      <p:grpSpPr>
+        <a:xfrm>
+          <a:off x="0" y="0"/>
+          <a:ext cx="0" cy="0"/>
+          <a:chOff x="0" y="0"/>
+          <a:chExt cx="0" cy="0"/>
+        </a:xfrm>
+      </p:grpSpPr>
+      <p:sp>
+        <p:nvSpPr>
+          <p:cNvPr id="2" name="Titre 1">
+            <a:extLst>
+              <a:ext uri="{FF2B5EF4-FFF2-40B4-BE49-F238E27FC236}">
+                <a16:creationId xmlns:a16="http://schemas.microsoft.com/office/drawing/2014/main" id="{863FF70F-DD1A-43CA-B868-A4D538D85B83}"/>
+              </a:ext>
+            </a:extLst>
+          </p:cNvPr>
+          <p:cNvSpPr>
+            <a:spLocks noGrp="1"/>
+          </p:cNvSpPr>
+          <p:nvPr>
+            <p:ph type="title"/>
+          </p:nvPr>
+        </p:nvSpPr>
+        <p:spPr/>
+        <p:txBody>
+          <a:bodyPr/>
+          <a:lstStyle/>
+          <a:p>
+            <a:r>
+              <a:rPr lang="fr-FR" dirty="0"/>
+              <a:t>Les blocks</a:t>
+            </a:r>
+            <a:br>
+              <a:rPr lang="fr-FR" dirty="0"/>
+            </a:br>
+            <a:r>
+              <a:rPr lang="fr-FR" dirty="0"/>
+              <a:t>Les boucles</a:t>
+            </a:r>
+          </a:p>
+        </p:txBody>
+      </p:sp>
+      <p:sp>
+        <p:nvSpPr>
+          <p:cNvPr id="3" name="Espace réservé du contenu 2">
+            <a:extLst>
+              <a:ext uri="{FF2B5EF4-FFF2-40B4-BE49-F238E27FC236}">
+                <a16:creationId xmlns:a16="http://schemas.microsoft.com/office/drawing/2014/main" id="{FA373623-F3CD-48E5-926E-31654CDC4580}"/>
+              </a:ext>
+            </a:extLst>
+          </p:cNvPr>
+          <p:cNvSpPr>
+            <a:spLocks noGrp="1"/>
+          </p:cNvSpPr>
+          <p:nvPr>
+            <p:ph idx="1"/>
+          </p:nvPr>
+        </p:nvSpPr>
+        <p:spPr>
+          <a:xfrm>
+            <a:off x="1828522" y="1976083"/>
+            <a:ext cx="4248705" cy="4351338"/>
+          </a:xfrm>
+        </p:spPr>
+        <p:txBody>
+          <a:bodyPr>
+            <a:normAutofit/>
+          </a:bodyPr>
+          <a:lstStyle/>
+          <a:p>
+            <a:pPr marL="0" indent="0">
+              <a:buNone/>
+            </a:pPr>
+            <a:r>
+              <a:rPr lang="fr-FR" dirty="0"/>
+              <a:t>Structure générale</a:t>
+            </a:r>
+          </a:p>
+          <a:p>
+            <a:pPr marL="0" indent="0">
+              <a:buNone/>
+            </a:pPr>
+            <a:endParaRPr lang="fr-FR" dirty="0"/>
+          </a:p>
+          <a:p>
+            <a:pPr marL="0" indent="0">
+              <a:buNone/>
+            </a:pPr>
+            <a:r>
+              <a:rPr lang="fr-FR" b="1" dirty="0" err="1"/>
+              <a:t>while</a:t>
+            </a:r>
+            <a:r>
+              <a:rPr lang="fr-FR" dirty="0"/>
+              <a:t> (condition)</a:t>
+            </a:r>
+            <a:r>
+              <a:rPr lang="fr-FR" b="1" dirty="0"/>
+              <a:t>:</a:t>
+            </a:r>
+          </a:p>
+          <a:p>
+            <a:pPr marL="0" indent="0">
+              <a:buNone/>
+            </a:pPr>
+            <a:r>
+              <a:rPr lang="fr-FR" dirty="0"/>
+              <a:t>	instruction</a:t>
+            </a:r>
+          </a:p>
+          <a:p>
+            <a:pPr marL="0" indent="0">
+              <a:buNone/>
+            </a:pPr>
+            <a:r>
+              <a:rPr lang="fr-FR" dirty="0"/>
+              <a:t>	instruction</a:t>
+            </a:r>
+          </a:p>
+        </p:txBody>
+      </p:sp>
+      <p:sp>
+        <p:nvSpPr>
+          <p:cNvPr id="9" name="Espace réservé du contenu 2">
+            <a:extLst>
+              <a:ext uri="{FF2B5EF4-FFF2-40B4-BE49-F238E27FC236}">
+                <a16:creationId xmlns:a16="http://schemas.microsoft.com/office/drawing/2014/main" id="{8F387466-3C79-404E-82FA-CB661A75A4E1}"/>
+              </a:ext>
+            </a:extLst>
+          </p:cNvPr>
+          <p:cNvSpPr txBox="1">
+            <a:spLocks/>
+          </p:cNvSpPr>
+          <p:nvPr/>
+        </p:nvSpPr>
+        <p:spPr>
+          <a:xfrm>
+            <a:off x="7162522" y="1909408"/>
+            <a:ext cx="4248705" cy="4351338"/>
+          </a:xfrm>
+          <a:prstGeom prst="rect">
+            <a:avLst/>
+          </a:prstGeom>
+        </p:spPr>
+        <p:txBody>
+          <a:bodyPr vert="horz" lIns="91440" tIns="45720" rIns="91440" bIns="45720" rtlCol="0">
+            <a:normAutofit/>
+          </a:bodyPr>
+          <a:lstStyle>
+            <a:lvl1pPr marL="228600" indent="-228600" algn="l" defTabSz="914400" rtl="0" eaLnBrk="1" latinLnBrk="0" hangingPunct="1">
+              <a:lnSpc>
+                <a:spcPct val="90000"/>
+              </a:lnSpc>
+              <a:spcBef>
+                <a:spcPts val="1000"/>
+              </a:spcBef>
+              <a:buFont typeface="Arial" panose="020B0604020202020204" pitchFamily="34" charset="0"/>
+              <a:buChar char="•"/>
+              <a:defRPr sz="2800" kern="1200">
+                <a:solidFill>
+                  <a:schemeClr val="tx1"/>
+                </a:solidFill>
+                <a:latin typeface="+mn-lt"/>
+                <a:ea typeface="+mn-ea"/>
+                <a:cs typeface="+mn-cs"/>
+              </a:defRPr>
+            </a:lvl1pPr>
+            <a:lvl2pPr marL="685800" indent="-228600" algn="l" defTabSz="914400" rtl="0" eaLnBrk="1" latinLnBrk="0" hangingPunct="1">
+              <a:lnSpc>
+                <a:spcPct val="90000"/>
+              </a:lnSpc>
+              <a:spcBef>
+                <a:spcPts val="500"/>
+              </a:spcBef>
+              <a:buFont typeface="Arial" panose="020B0604020202020204" pitchFamily="34" charset="0"/>
+              <a:buChar char="•"/>
+              <a:defRPr sz="2400" kern="1200">
+                <a:solidFill>
+                  <a:schemeClr val="tx1"/>
+                </a:solidFill>
+                <a:latin typeface="+mn-lt"/>
+                <a:ea typeface="+mn-ea"/>
+                <a:cs typeface="+mn-cs"/>
+              </a:defRPr>
+            </a:lvl2pPr>
+            <a:lvl3pPr marL="1143000" indent="-228600" algn="l" defTabSz="914400" rtl="0" eaLnBrk="1" latinLnBrk="0" hangingPunct="1">
+              <a:lnSpc>
+                <a:spcPct val="90000"/>
+              </a:lnSpc>
+              <a:spcBef>
+                <a:spcPts val="500"/>
+              </a:spcBef>
+              <a:buFont typeface="Arial" panose="020B0604020202020204" pitchFamily="34" charset="0"/>
+              <a:buChar char="•"/>
+              <a:defRPr sz="2000" kern="1200">
+                <a:solidFill>
+                  <a:schemeClr val="tx1"/>
+                </a:solidFill>
+                <a:latin typeface="+mn-lt"/>
+                <a:ea typeface="+mn-ea"/>
+                <a:cs typeface="+mn-cs"/>
+              </a:defRPr>
+            </a:lvl3pPr>
+            <a:lvl4pPr marL="1600200" indent="-228600" algn="l" defTabSz="914400" rtl="0" eaLnBrk="1" latinLnBrk="0" hangingPunct="1">
+              <a:lnSpc>
+                <a:spcPct val="90000"/>
+              </a:lnSpc>
+              <a:spcBef>
+                <a:spcPts val="500"/>
+              </a:spcBef>
+              <a:buFont typeface="Arial" panose="020B0604020202020204" pitchFamily="34" charset="0"/>
+              <a:buChar char="•"/>
+              <a:defRPr sz="1800" kern="1200">
+                <a:solidFill>
+                  <a:schemeClr val="tx1"/>
+                </a:solidFill>
+                <a:latin typeface="+mn-lt"/>
+                <a:ea typeface="+mn-ea"/>
+                <a:cs typeface="+mn-cs"/>
+              </a:defRPr>
+            </a:lvl4pPr>
+            <a:lvl5pPr marL="2057400" indent="-228600" algn="l" defTabSz="914400" rtl="0" eaLnBrk="1" latinLnBrk="0" hangingPunct="1">
+              <a:lnSpc>
+                <a:spcPct val="90000"/>
+              </a:lnSpc>
+              <a:spcBef>
+                <a:spcPts val="500"/>
+              </a:spcBef>
+              <a:buFont typeface="Arial" panose="020B0604020202020204" pitchFamily="34" charset="0"/>
+              <a:buChar char="•"/>
+              <a:defRPr sz="1800" kern="1200">
+                <a:solidFill>
+                  <a:schemeClr val="tx1"/>
+                </a:solidFill>
+                <a:latin typeface="+mn-lt"/>
+                <a:ea typeface="+mn-ea"/>
+                <a:cs typeface="+mn-cs"/>
+              </a:defRPr>
+            </a:lvl5pPr>
+            <a:lvl6pPr marL="2514600" indent="-228600" algn="l" defTabSz="914400" rtl="0" eaLnBrk="1" latinLnBrk="0" hangingPunct="1">
+              <a:lnSpc>
+                <a:spcPct val="90000"/>
+              </a:lnSpc>
+              <a:spcBef>
+                <a:spcPts val="500"/>
+              </a:spcBef>
+              <a:buFont typeface="Arial" panose="020B0604020202020204" pitchFamily="34" charset="0"/>
+              <a:buChar char="•"/>
+              <a:defRPr sz="1800" kern="1200">
+                <a:solidFill>
+                  <a:schemeClr val="tx1"/>
+                </a:solidFill>
+                <a:latin typeface="+mn-lt"/>
+                <a:ea typeface="+mn-ea"/>
+                <a:cs typeface="+mn-cs"/>
+              </a:defRPr>
+            </a:lvl6pPr>
+            <a:lvl7pPr marL="2971800" indent="-228600" algn="l" defTabSz="914400" rtl="0" eaLnBrk="1" latinLnBrk="0" hangingPunct="1">
+              <a:lnSpc>
+                <a:spcPct val="90000"/>
+              </a:lnSpc>
+              <a:spcBef>
+                <a:spcPts val="500"/>
+              </a:spcBef>
+              <a:buFont typeface="Arial" panose="020B0604020202020204" pitchFamily="34" charset="0"/>
+              <a:buChar char="•"/>
+              <a:defRPr sz="1800" kern="1200">
+                <a:solidFill>
+                  <a:schemeClr val="tx1"/>
+                </a:solidFill>
+                <a:latin typeface="+mn-lt"/>
+                <a:ea typeface="+mn-ea"/>
+                <a:cs typeface="+mn-cs"/>
+              </a:defRPr>
+            </a:lvl7pPr>
+            <a:lvl8pPr marL="3429000" indent="-228600" algn="l" defTabSz="914400" rtl="0" eaLnBrk="1" latinLnBrk="0" hangingPunct="1">
+              <a:lnSpc>
+                <a:spcPct val="90000"/>
+              </a:lnSpc>
+              <a:spcBef>
+                <a:spcPts val="500"/>
+              </a:spcBef>
+              <a:buFont typeface="Arial" panose="020B0604020202020204" pitchFamily="34" charset="0"/>
+              <a:buChar char="•"/>
+              <a:defRPr sz="1800" kern="1200">
+                <a:solidFill>
+                  <a:schemeClr val="tx1"/>
+                </a:solidFill>
+                <a:latin typeface="+mn-lt"/>
+                <a:ea typeface="+mn-ea"/>
+                <a:cs typeface="+mn-cs"/>
+              </a:defRPr>
+            </a:lvl8pPr>
+            <a:lvl9pPr marL="3886200" indent="-228600" algn="l" defTabSz="914400" rtl="0" eaLnBrk="1" latinLnBrk="0" hangingPunct="1">
+              <a:lnSpc>
+                <a:spcPct val="90000"/>
+              </a:lnSpc>
+              <a:spcBef>
+                <a:spcPts val="500"/>
+              </a:spcBef>
+              <a:buFont typeface="Arial" panose="020B0604020202020204" pitchFamily="34" charset="0"/>
+              <a:buChar char="•"/>
+              <a:defRPr sz="1800" kern="1200">
+                <a:solidFill>
+                  <a:schemeClr val="tx1"/>
+                </a:solidFill>
+                <a:latin typeface="+mn-lt"/>
+                <a:ea typeface="+mn-ea"/>
+                <a:cs typeface="+mn-cs"/>
+              </a:defRPr>
+            </a:lvl9pPr>
+          </a:lstStyle>
+          <a:p>
+            <a:pPr marL="0" indent="0">
+              <a:buFont typeface="Arial" panose="020B0604020202020204" pitchFamily="34" charset="0"/>
+              <a:buNone/>
+            </a:pPr>
+            <a:endParaRPr lang="fr-FR" dirty="0"/>
+          </a:p>
+          <a:p>
+            <a:pPr marL="0" indent="0">
+              <a:buFont typeface="Arial" panose="020B0604020202020204" pitchFamily="34" charset="0"/>
+              <a:buNone/>
+            </a:pPr>
+            <a:endParaRPr lang="fr-FR" dirty="0"/>
+          </a:p>
+          <a:p>
+            <a:pPr marL="0" indent="0">
+              <a:buFont typeface="Arial" panose="020B0604020202020204" pitchFamily="34" charset="0"/>
+              <a:buNone/>
+            </a:pPr>
+            <a:r>
+              <a:rPr lang="fr-FR" b="1" dirty="0"/>
+              <a:t>for</a:t>
+            </a:r>
+            <a:r>
+              <a:rPr lang="fr-FR" dirty="0"/>
+              <a:t> v</a:t>
+            </a:r>
+            <a:r>
+              <a:rPr lang="fr-FR" b="1" dirty="0"/>
+              <a:t> in </a:t>
+            </a:r>
+            <a:r>
+              <a:rPr lang="fr-FR" i="1" dirty="0" err="1"/>
+              <a:t>iterable</a:t>
+            </a:r>
+            <a:r>
+              <a:rPr lang="fr-FR" b="1" dirty="0"/>
+              <a:t> :</a:t>
+            </a:r>
+          </a:p>
+          <a:p>
+            <a:pPr marL="0" indent="0">
+              <a:buFont typeface="Arial" panose="020B0604020202020204" pitchFamily="34" charset="0"/>
+              <a:buNone/>
+            </a:pPr>
+            <a:r>
+              <a:rPr lang="fr-FR" dirty="0"/>
+              <a:t>	instruction</a:t>
+            </a:r>
+          </a:p>
+          <a:p>
+            <a:pPr marL="0" indent="0">
+              <a:buFont typeface="Arial" panose="020B0604020202020204" pitchFamily="34" charset="0"/>
+              <a:buNone/>
+            </a:pPr>
+            <a:r>
+              <a:rPr lang="fr-FR" dirty="0"/>
+              <a:t>	instruction</a:t>
+            </a:r>
+          </a:p>
+        </p:txBody>
+      </p:sp>
+    </p:spTree>
+    <p:extLst>
+      <p:ext uri="{BB962C8B-B14F-4D97-AF65-F5344CB8AC3E}">
+        <p14:creationId xmlns:p14="http://schemas.microsoft.com/office/powerpoint/2010/main" val="3359772859"/>
+      </p:ext>
+    </p:extLst>
+  </p:cSld>
+  <p:clrMapOvr>
+    <a:masterClrMapping/>
+  </p:clrMapOvr>
+</p:sld>
+</file>
+
+<file path=ppt/slides/slide45.xml><?xml version="1.0" encoding="utf-8"?>
+<p:sld xmlns:a="http://schemas.openxmlformats.org/drawingml/2006/main" xmlns:r="http://schemas.openxmlformats.org/officeDocument/2006/relationships" xmlns:p="http://schemas.openxmlformats.org/presentationml/2006/main">
+  <p:cSld>
+    <p:spTree>
+      <p:nvGrpSpPr>
+        <p:cNvPr id="1" name=""/>
+        <p:cNvGrpSpPr/>
+        <p:nvPr/>
+      </p:nvGrpSpPr>
+      <p:grpSpPr>
+        <a:xfrm>
+          <a:off x="0" y="0"/>
+          <a:ext cx="0" cy="0"/>
+          <a:chOff x="0" y="0"/>
+          <a:chExt cx="0" cy="0"/>
+        </a:xfrm>
+      </p:grpSpPr>
+      <p:sp>
+        <p:nvSpPr>
+          <p:cNvPr id="2" name="Titre 1">
+            <a:extLst>
+              <a:ext uri="{FF2B5EF4-FFF2-40B4-BE49-F238E27FC236}">
+                <a16:creationId xmlns:a16="http://schemas.microsoft.com/office/drawing/2014/main" id="{AA5C39AF-F3BC-423F-9D53-59BC95AA9C45}"/>
+              </a:ext>
+            </a:extLst>
+          </p:cNvPr>
+          <p:cNvSpPr>
+            <a:spLocks noGrp="1"/>
+          </p:cNvSpPr>
+          <p:nvPr>
+            <p:ph type="title"/>
+          </p:nvPr>
+        </p:nvSpPr>
+        <p:spPr/>
+        <p:txBody>
+          <a:bodyPr/>
+          <a:lstStyle/>
+          <a:p>
+            <a:r>
+              <a:rPr lang="fr-FR" dirty="0"/>
+              <a:t>Les blocks</a:t>
+            </a:r>
+            <a:br>
+              <a:rPr lang="fr-FR" dirty="0"/>
+            </a:br>
+            <a:r>
+              <a:rPr lang="fr-FR" dirty="0"/>
+              <a:t>Les boucles</a:t>
+            </a:r>
+          </a:p>
+        </p:txBody>
+      </p:sp>
+      <p:pic>
+        <p:nvPicPr>
+          <p:cNvPr id="5" name="Espace réservé du contenu 4">
+            <a:extLst>
+              <a:ext uri="{FF2B5EF4-FFF2-40B4-BE49-F238E27FC236}">
+                <a16:creationId xmlns:a16="http://schemas.microsoft.com/office/drawing/2014/main" id="{D94037E8-5057-447C-8062-714664631CF4}"/>
+              </a:ext>
+            </a:extLst>
+          </p:cNvPr>
+          <p:cNvPicPr>
+            <a:picLocks noGrp="1" noChangeAspect="1"/>
+          </p:cNvPicPr>
+          <p:nvPr>
+            <p:ph idx="1"/>
+          </p:nvPr>
+        </p:nvPicPr>
+        <p:blipFill>
+          <a:blip r:embed="rId2"/>
+          <a:stretch>
+            <a:fillRect/>
+          </a:stretch>
+        </p:blipFill>
+        <p:spPr>
+          <a:xfrm>
+            <a:off x="4233602" y="2901003"/>
+            <a:ext cx="3724795" cy="2200582"/>
+          </a:xfrm>
+        </p:spPr>
+      </p:pic>
+    </p:spTree>
+    <p:extLst>
+      <p:ext uri="{BB962C8B-B14F-4D97-AF65-F5344CB8AC3E}">
+        <p14:creationId xmlns:p14="http://schemas.microsoft.com/office/powerpoint/2010/main" val="1707687524"/>
+      </p:ext>
+    </p:extLst>
+  </p:cSld>
+  <p:clrMapOvr>
+    <a:masterClrMapping/>
+  </p:clrMapOvr>
+</p:sld>
+</file>
+
+<file path=ppt/slides/slide46.xml><?xml version="1.0" encoding="utf-8"?>
+<p:sld xmlns:a="http://schemas.openxmlformats.org/drawingml/2006/main" xmlns:r="http://schemas.openxmlformats.org/officeDocument/2006/relationships" xmlns:p="http://schemas.openxmlformats.org/presentationml/2006/main">
+  <p:cSld>
+    <p:spTree>
+      <p:nvGrpSpPr>
+        <p:cNvPr id="1" name=""/>
+        <p:cNvGrpSpPr/>
+        <p:nvPr/>
+      </p:nvGrpSpPr>
+      <p:grpSpPr>
+        <a:xfrm>
+          <a:off x="0" y="0"/>
+          <a:ext cx="0" cy="0"/>
+          <a:chOff x="0" y="0"/>
+          <a:chExt cx="0" cy="0"/>
+        </a:xfrm>
+      </p:grpSpPr>
+      <p:sp>
+        <p:nvSpPr>
+          <p:cNvPr id="2" name="Titre 1">
+            <a:extLst>
+              <a:ext uri="{FF2B5EF4-FFF2-40B4-BE49-F238E27FC236}">
+                <a16:creationId xmlns:a16="http://schemas.microsoft.com/office/drawing/2014/main" id="{AA5C39AF-F3BC-423F-9D53-59BC95AA9C45}"/>
+              </a:ext>
+            </a:extLst>
+          </p:cNvPr>
+          <p:cNvSpPr>
+            <a:spLocks noGrp="1"/>
+          </p:cNvSpPr>
+          <p:nvPr>
+            <p:ph type="title"/>
+          </p:nvPr>
+        </p:nvSpPr>
+        <p:spPr/>
+        <p:txBody>
+          <a:bodyPr/>
+          <a:lstStyle/>
+          <a:p>
+            <a:r>
+              <a:rPr lang="fr-FR" dirty="0"/>
+              <a:t>Les blocks</a:t>
+            </a:r>
+            <a:br>
+              <a:rPr lang="fr-FR" dirty="0"/>
+            </a:br>
+            <a:r>
+              <a:rPr lang="fr-FR" dirty="0"/>
+              <a:t>Les boucles</a:t>
+            </a:r>
+          </a:p>
+        </p:txBody>
+      </p:sp>
+      <p:sp>
+        <p:nvSpPr>
+          <p:cNvPr id="4" name="Espace réservé du contenu 3">
+            <a:extLst>
+              <a:ext uri="{FF2B5EF4-FFF2-40B4-BE49-F238E27FC236}">
+                <a16:creationId xmlns:a16="http://schemas.microsoft.com/office/drawing/2014/main" id="{32CE2BCE-26FB-46A6-AB39-63528BBB54AE}"/>
+              </a:ext>
+            </a:extLst>
+          </p:cNvPr>
+          <p:cNvSpPr>
+            <a:spLocks noGrp="1"/>
+          </p:cNvSpPr>
+          <p:nvPr>
+            <p:ph sz="half" idx="1"/>
+          </p:nvPr>
+        </p:nvSpPr>
+        <p:spPr>
+          <a:xfrm>
+            <a:off x="714375" y="1825625"/>
+            <a:ext cx="5305425" cy="4351338"/>
+          </a:xfrm>
+        </p:spPr>
+        <p:txBody>
+          <a:bodyPr/>
+          <a:lstStyle/>
+          <a:p>
+            <a:pPr marL="0" indent="0">
+              <a:buNone/>
+            </a:pPr>
+            <a:r>
+              <a:rPr lang="fr-FR" dirty="0"/>
+              <a:t>Les </a:t>
+            </a:r>
+            <a:r>
+              <a:rPr lang="fr-FR" dirty="0" err="1"/>
+              <a:t>iterateurs</a:t>
+            </a:r>
+            <a:endParaRPr lang="fr-FR" dirty="0"/>
+          </a:p>
+          <a:p>
+            <a:pPr marL="0" indent="0">
+              <a:buNone/>
+            </a:pPr>
+            <a:r>
+              <a:rPr lang="fr-FR" dirty="0"/>
+              <a:t>	- Listes</a:t>
+            </a:r>
+          </a:p>
+          <a:p>
+            <a:pPr marL="0" indent="0">
+              <a:buNone/>
+            </a:pPr>
+            <a:r>
+              <a:rPr lang="fr-FR" dirty="0"/>
+              <a:t>	- </a:t>
+            </a:r>
+            <a:r>
+              <a:rPr lang="fr-FR" dirty="0" err="1"/>
+              <a:t>Arrays</a:t>
+            </a:r>
+            <a:endParaRPr lang="fr-FR" dirty="0"/>
+          </a:p>
+          <a:p>
+            <a:pPr marL="0" indent="0">
+              <a:buNone/>
+            </a:pPr>
+            <a:r>
+              <a:rPr lang="fr-FR" dirty="0"/>
+              <a:t>	- Objet </a:t>
+            </a:r>
+            <a:r>
+              <a:rPr lang="fr-FR" dirty="0" err="1"/>
+              <a:t>iterable</a:t>
+            </a:r>
+            <a:r>
+              <a:rPr lang="fr-FR" dirty="0"/>
+              <a:t> ( </a:t>
+            </a:r>
+            <a:r>
+              <a:rPr lang="fr-FR" dirty="0" err="1"/>
+              <a:t>dict.keys</a:t>
+            </a:r>
+            <a:r>
+              <a:rPr lang="fr-FR" dirty="0"/>
+              <a:t>() )</a:t>
+            </a:r>
+          </a:p>
+          <a:p>
+            <a:pPr marL="0" indent="0">
+              <a:buNone/>
+            </a:pPr>
+            <a:endParaRPr lang="fr-FR" dirty="0"/>
+          </a:p>
+          <a:p>
+            <a:pPr marL="0" indent="0">
+              <a:buNone/>
+            </a:pPr>
+            <a:r>
+              <a:rPr lang="en-US" dirty="0"/>
+              <a:t>range(start, stop[,step])</a:t>
+            </a:r>
+          </a:p>
+          <a:p>
+            <a:pPr marL="0" indent="0">
+              <a:buNone/>
+            </a:pPr>
+            <a:r>
+              <a:rPr lang="en-US" dirty="0" err="1"/>
+              <a:t>numpy.arange</a:t>
+            </a:r>
+            <a:r>
+              <a:rPr lang="en-US" dirty="0"/>
+              <a:t>(start, stop[,step])</a:t>
+            </a:r>
+            <a:endParaRPr lang="fr-FR" dirty="0"/>
+          </a:p>
+        </p:txBody>
+      </p:sp>
+      <p:pic>
+        <p:nvPicPr>
+          <p:cNvPr id="8" name="Espace réservé du contenu 7">
+            <a:extLst>
+              <a:ext uri="{FF2B5EF4-FFF2-40B4-BE49-F238E27FC236}">
+                <a16:creationId xmlns:a16="http://schemas.microsoft.com/office/drawing/2014/main" id="{6C947529-56D2-452B-BF0E-02987B61A87F}"/>
+              </a:ext>
+            </a:extLst>
+          </p:cNvPr>
+          <p:cNvPicPr>
+            <a:picLocks noGrp="1" noChangeAspect="1"/>
+          </p:cNvPicPr>
+          <p:nvPr>
+            <p:ph sz="half" idx="2"/>
+          </p:nvPr>
+        </p:nvPicPr>
+        <p:blipFill>
+          <a:blip r:embed="rId2"/>
+          <a:stretch>
+            <a:fillRect/>
+          </a:stretch>
+        </p:blipFill>
+        <p:spPr>
+          <a:xfrm>
+            <a:off x="6172200" y="2423439"/>
+            <a:ext cx="5181600" cy="3155710"/>
+          </a:xfrm>
+        </p:spPr>
+      </p:pic>
+    </p:spTree>
+    <p:extLst>
+      <p:ext uri="{BB962C8B-B14F-4D97-AF65-F5344CB8AC3E}">
+        <p14:creationId xmlns:p14="http://schemas.microsoft.com/office/powerpoint/2010/main" val="1055844190"/>
+      </p:ext>
+    </p:extLst>
+  </p:cSld>
+  <p:clrMapOvr>
+    <a:masterClrMapping/>
+  </p:clrMapOvr>
+</p:sld>
+</file>
+
+<file path=ppt/slides/slide47.xml><?xml version="1.0" encoding="utf-8"?>
+<p:sld xmlns:a="http://schemas.openxmlformats.org/drawingml/2006/main" xmlns:r="http://schemas.openxmlformats.org/officeDocument/2006/relationships" xmlns:p="http://schemas.openxmlformats.org/presentationml/2006/main">
+  <p:cSld>
+    <p:bg>
+      <p:bgPr>
+        <a:solidFill>
+          <a:schemeClr val="accent5">
+            <a:lumMod val="40000"/>
+            <a:lumOff val="60000"/>
+          </a:schemeClr>
+        </a:solidFill>
+        <a:effectLst/>
+      </p:bgPr>
+    </p:bg>
+    <p:spTree>
+      <p:nvGrpSpPr>
+        <p:cNvPr id="1" name=""/>
+        <p:cNvGrpSpPr/>
+        <p:nvPr/>
+      </p:nvGrpSpPr>
+      <p:grpSpPr>
+        <a:xfrm>
+          <a:off x="0" y="0"/>
+          <a:ext cx="0" cy="0"/>
+          <a:chOff x="0" y="0"/>
+          <a:chExt cx="0" cy="0"/>
+        </a:xfrm>
+      </p:grpSpPr>
+      <p:sp>
+        <p:nvSpPr>
+          <p:cNvPr id="5" name="Titre 4">
+            <a:extLst>
+              <a:ext uri="{FF2B5EF4-FFF2-40B4-BE49-F238E27FC236}">
+                <a16:creationId xmlns:a16="http://schemas.microsoft.com/office/drawing/2014/main" id="{5B7D3F60-6065-4409-88A1-3432E4AA2844}"/>
+              </a:ext>
+            </a:extLst>
+          </p:cNvPr>
+          <p:cNvSpPr>
+            <a:spLocks noGrp="1"/>
+          </p:cNvSpPr>
+          <p:nvPr>
+            <p:ph type="title"/>
+          </p:nvPr>
+        </p:nvSpPr>
+        <p:spPr/>
+        <p:txBody>
+          <a:bodyPr/>
+          <a:lstStyle/>
+          <a:p>
+            <a:r>
+              <a:rPr lang="fr-FR" dirty="0"/>
+              <a:t>Exercice</a:t>
+            </a:r>
+          </a:p>
+        </p:txBody>
+      </p:sp>
+      <p:sp>
+        <p:nvSpPr>
+          <p:cNvPr id="6" name="Espace réservé du contenu 5">
+            <a:extLst>
+              <a:ext uri="{FF2B5EF4-FFF2-40B4-BE49-F238E27FC236}">
+                <a16:creationId xmlns:a16="http://schemas.microsoft.com/office/drawing/2014/main" id="{D25E1B7A-329C-43BE-859B-3DBBA4B27FB7}"/>
+              </a:ext>
+            </a:extLst>
+          </p:cNvPr>
+          <p:cNvSpPr>
+            <a:spLocks noGrp="1"/>
+          </p:cNvSpPr>
+          <p:nvPr>
+            <p:ph idx="1"/>
+          </p:nvPr>
+        </p:nvSpPr>
+        <p:spPr/>
+        <p:txBody>
+          <a:bodyPr>
+            <a:normAutofit lnSpcReduction="10000"/>
+          </a:bodyPr>
+          <a:lstStyle/>
+          <a:p>
+            <a:pPr marL="0" indent="0">
+              <a:buNone/>
+            </a:pPr>
+            <a:r>
+              <a:rPr lang="fr-FR" dirty="0"/>
+              <a:t>1/ Ecrire un programme qui affiche la table de multiplication de 7</a:t>
+            </a:r>
+          </a:p>
+          <a:p>
+            <a:pPr marL="0" indent="0">
+              <a:buNone/>
+            </a:pPr>
+            <a:r>
+              <a:rPr lang="fr-FR" dirty="0"/>
+              <a:t>2/ Ecrire un programme qui affiche les tables de multiplication de 1 à 9</a:t>
+            </a:r>
+          </a:p>
+          <a:p>
+            <a:pPr marL="0" indent="0">
+              <a:buNone/>
+            </a:pPr>
+            <a:r>
+              <a:rPr lang="fr-FR" dirty="0"/>
+              <a:t>3/ Ecrire un programme qui crée un tableau 24x12</a:t>
+            </a:r>
+          </a:p>
+          <a:p>
+            <a:pPr marL="0" indent="0">
+              <a:buNone/>
+            </a:pPr>
+            <a:r>
+              <a:rPr lang="fr-FR" dirty="0"/>
+              <a:t>- la valeur de chaque case prend la valeur suivante:</a:t>
+            </a:r>
+          </a:p>
+          <a:p>
+            <a:pPr marL="0" indent="0">
+              <a:buNone/>
+            </a:pPr>
+            <a:r>
+              <a:rPr lang="fr-FR" dirty="0"/>
+              <a:t>	si l’indice de ligne est supérieur à l’indice de colonne : 5</a:t>
+            </a:r>
+          </a:p>
+          <a:p>
+            <a:pPr marL="0" indent="0">
+              <a:buNone/>
+            </a:pPr>
+            <a:r>
+              <a:rPr lang="fr-FR" dirty="0"/>
+              <a:t>	sinon 10</a:t>
+            </a:r>
+          </a:p>
+          <a:p>
+            <a:pPr>
+              <a:buFontTx/>
+              <a:buChar char="-"/>
+            </a:pPr>
+            <a:r>
+              <a:rPr lang="fr-FR" dirty="0"/>
+              <a:t>la valeur de chaque case prend maintenant la valeur suivante</a:t>
+            </a:r>
+          </a:p>
+          <a:p>
+            <a:pPr marL="457200" lvl="1" indent="0">
+              <a:buNone/>
+            </a:pPr>
+            <a:r>
+              <a:rPr lang="fr-FR" dirty="0"/>
+              <a:t>	si la valeur est supérieure à l’indice de ligne : somme des valeurs des cases de la ligne avec des indices de colonne inférieurs</a:t>
+            </a:r>
+          </a:p>
+          <a:p>
+            <a:pPr marL="457200" lvl="1" indent="0">
+              <a:buNone/>
+            </a:pPr>
+            <a:r>
+              <a:rPr lang="fr-FR" dirty="0"/>
+              <a:t>	le log (np.log) de la valeur précédente sinon.</a:t>
+            </a:r>
+          </a:p>
+          <a:p>
+            <a:pPr marL="0" indent="0">
+              <a:buNone/>
+            </a:pPr>
+            <a:endParaRPr lang="fr-FR" dirty="0"/>
+          </a:p>
+        </p:txBody>
+      </p:sp>
+    </p:spTree>
+    <p:extLst>
+      <p:ext uri="{BB962C8B-B14F-4D97-AF65-F5344CB8AC3E}">
+        <p14:creationId xmlns:p14="http://schemas.microsoft.com/office/powerpoint/2010/main" val="3932304960"/>
+      </p:ext>
+    </p:extLst>
+  </p:cSld>
+  <p:clrMapOvr>
+    <a:masterClrMapping/>
+  </p:clrMapOvr>
+</p:sld>
+</file>
+
+<file path=ppt/slides/slide48.xml><?xml version="1.0" encoding="utf-8"?>
+<p:sld xmlns:a="http://schemas.openxmlformats.org/drawingml/2006/main" xmlns:r="http://schemas.openxmlformats.org/officeDocument/2006/relationships" xmlns:p="http://schemas.openxmlformats.org/presentationml/2006/main">
+  <p:cSld>
+    <p:bg>
+      <p:bgPr>
+        <a:solidFill>
+          <a:schemeClr val="accent2">
+            <a:lumMod val="40000"/>
+            <a:lumOff val="60000"/>
+          </a:schemeClr>
+        </a:solidFill>
+        <a:effectLst/>
+      </p:bgPr>
+    </p:bg>
+    <p:spTree>
+      <p:nvGrpSpPr>
+        <p:cNvPr id="1" name=""/>
+        <p:cNvGrpSpPr/>
+        <p:nvPr/>
+      </p:nvGrpSpPr>
+      <p:grpSpPr>
+        <a:xfrm>
+          <a:off x="0" y="0"/>
+          <a:ext cx="0" cy="0"/>
+          <a:chOff x="0" y="0"/>
+          <a:chExt cx="0" cy="0"/>
+        </a:xfrm>
+      </p:grpSpPr>
+      <p:sp>
+        <p:nvSpPr>
+          <p:cNvPr id="2" name="Titre 1">
+            <a:extLst>
+              <a:ext uri="{FF2B5EF4-FFF2-40B4-BE49-F238E27FC236}">
+                <a16:creationId xmlns:a16="http://schemas.microsoft.com/office/drawing/2014/main" id="{79FF1D0C-8C4F-476B-A59A-479B2ED2A628}"/>
+              </a:ext>
+            </a:extLst>
+          </p:cNvPr>
+          <p:cNvSpPr>
+            <a:spLocks noGrp="1"/>
+          </p:cNvSpPr>
+          <p:nvPr>
+            <p:ph type="title"/>
+          </p:nvPr>
+        </p:nvSpPr>
+        <p:spPr/>
+        <p:txBody>
+          <a:bodyPr/>
+          <a:lstStyle/>
+          <a:p>
+            <a:r>
+              <a:rPr lang="fr-FR" dirty="0"/>
+              <a:t>Les blocks</a:t>
+            </a:r>
+            <a:br>
+              <a:rPr lang="fr-FR" dirty="0"/>
+            </a:br>
+            <a:r>
+              <a:rPr lang="fr-FR" dirty="0"/>
+              <a:t>les fonctions</a:t>
+            </a:r>
+          </a:p>
+        </p:txBody>
+      </p:sp>
+      <p:pic>
+        <p:nvPicPr>
+          <p:cNvPr id="9" name="Image 8">
+            <a:extLst>
+              <a:ext uri="{FF2B5EF4-FFF2-40B4-BE49-F238E27FC236}">
+                <a16:creationId xmlns:a16="http://schemas.microsoft.com/office/drawing/2014/main" id="{8C0C29E9-D4C6-4BAE-A5A1-2E7A420A5AD6}"/>
+              </a:ext>
+            </a:extLst>
+          </p:cNvPr>
+          <p:cNvPicPr>
+            <a:picLocks noChangeAspect="1"/>
+          </p:cNvPicPr>
+          <p:nvPr/>
+        </p:nvPicPr>
+        <p:blipFill>
+          <a:blip r:embed="rId2"/>
+          <a:stretch>
+            <a:fillRect/>
+          </a:stretch>
+        </p:blipFill>
+        <p:spPr>
+          <a:xfrm>
+            <a:off x="838199" y="2103437"/>
+            <a:ext cx="3806975" cy="3011488"/>
+          </a:xfrm>
+          <a:prstGeom prst="rect">
+            <a:avLst/>
+          </a:prstGeom>
+        </p:spPr>
+      </p:pic>
+      <p:pic>
+        <p:nvPicPr>
+          <p:cNvPr id="11" name="Image 10">
+            <a:extLst>
+              <a:ext uri="{FF2B5EF4-FFF2-40B4-BE49-F238E27FC236}">
+                <a16:creationId xmlns:a16="http://schemas.microsoft.com/office/drawing/2014/main" id="{5EABFF34-CC91-4DB1-89AF-4A3DF646A4FB}"/>
+              </a:ext>
+            </a:extLst>
+          </p:cNvPr>
+          <p:cNvPicPr>
+            <a:picLocks noChangeAspect="1"/>
+          </p:cNvPicPr>
+          <p:nvPr/>
+        </p:nvPicPr>
+        <p:blipFill>
+          <a:blip r:embed="rId3"/>
+          <a:stretch>
+            <a:fillRect/>
+          </a:stretch>
+        </p:blipFill>
+        <p:spPr>
+          <a:xfrm>
+            <a:off x="7472104" y="1690688"/>
+            <a:ext cx="3705742" cy="4001058"/>
+          </a:xfrm>
+          <a:prstGeom prst="rect">
+            <a:avLst/>
+          </a:prstGeom>
+        </p:spPr>
+      </p:pic>
+    </p:spTree>
+    <p:extLst>
+      <p:ext uri="{BB962C8B-B14F-4D97-AF65-F5344CB8AC3E}">
+        <p14:creationId xmlns:p14="http://schemas.microsoft.com/office/powerpoint/2010/main" val="2545535015"/>
+      </p:ext>
+    </p:extLst>
+  </p:cSld>
+  <p:clrMapOvr>
+    <a:masterClrMapping/>
+  </p:clrMapOvr>
+</p:sld>
+</file>
+
+<file path=ppt/slides/slide49.xml><?xml version="1.0" encoding="utf-8"?>
+<p:sld xmlns:a="http://schemas.openxmlformats.org/drawingml/2006/main" xmlns:r="http://schemas.openxmlformats.org/officeDocument/2006/relationships" xmlns:p="http://schemas.openxmlformats.org/presentationml/2006/main">
+  <p:cSld>
+    <p:bg>
+      <p:bgPr>
+        <a:solidFill>
+          <a:schemeClr val="accent5">
+            <a:lumMod val="40000"/>
+            <a:lumOff val="60000"/>
+          </a:schemeClr>
+        </a:solidFill>
+        <a:effectLst/>
+      </p:bgPr>
+    </p:bg>
+    <p:spTree>
+      <p:nvGrpSpPr>
+        <p:cNvPr id="1" name=""/>
+        <p:cNvGrpSpPr/>
+        <p:nvPr/>
+      </p:nvGrpSpPr>
+      <p:grpSpPr>
+        <a:xfrm>
+          <a:off x="0" y="0"/>
+          <a:ext cx="0" cy="0"/>
+          <a:chOff x="0" y="0"/>
+          <a:chExt cx="0" cy="0"/>
+        </a:xfrm>
+      </p:grpSpPr>
+      <p:sp>
+        <p:nvSpPr>
+          <p:cNvPr id="2" name="Titre 1">
+            <a:extLst>
+              <a:ext uri="{FF2B5EF4-FFF2-40B4-BE49-F238E27FC236}">
+                <a16:creationId xmlns:a16="http://schemas.microsoft.com/office/drawing/2014/main" id="{0BB3911C-7ED6-41A5-AA5F-7C10CF85F43E}"/>
+              </a:ext>
+            </a:extLst>
+          </p:cNvPr>
+          <p:cNvSpPr>
+            <a:spLocks noGrp="1"/>
+          </p:cNvSpPr>
+          <p:nvPr>
+            <p:ph type="title"/>
+          </p:nvPr>
+        </p:nvSpPr>
+        <p:spPr/>
+        <p:txBody>
+          <a:bodyPr/>
+          <a:lstStyle/>
+          <a:p>
+            <a:r>
+              <a:rPr lang="fr-FR" dirty="0"/>
+              <a:t>Exercices</a:t>
+            </a:r>
+          </a:p>
+        </p:txBody>
+      </p:sp>
+      <p:sp>
+        <p:nvSpPr>
+          <p:cNvPr id="3" name="Espace réservé du contenu 2">
+            <a:extLst>
+              <a:ext uri="{FF2B5EF4-FFF2-40B4-BE49-F238E27FC236}">
+                <a16:creationId xmlns:a16="http://schemas.microsoft.com/office/drawing/2014/main" id="{52E1B1AA-71DE-4E1F-B7DF-222F2032786B}"/>
+              </a:ext>
+            </a:extLst>
+          </p:cNvPr>
+          <p:cNvSpPr>
+            <a:spLocks noGrp="1"/>
+          </p:cNvSpPr>
+          <p:nvPr>
+            <p:ph idx="1"/>
+          </p:nvPr>
+        </p:nvSpPr>
+        <p:spPr>
+          <a:xfrm>
+            <a:off x="838200" y="1825625"/>
+            <a:ext cx="10515600" cy="1077373"/>
+          </a:xfrm>
+        </p:spPr>
+        <p:txBody>
+          <a:bodyPr>
+            <a:normAutofit fontScale="92500"/>
+          </a:bodyPr>
+          <a:lstStyle/>
+          <a:p>
+            <a:pPr marL="0" indent="0">
+              <a:spcBef>
+                <a:spcPts val="600"/>
+              </a:spcBef>
+              <a:buNone/>
+            </a:pPr>
+            <a:r>
+              <a:rPr lang="pt-BR" sz="1800" dirty="0"/>
+              <a:t>import pandas as pd</a:t>
+            </a:r>
+          </a:p>
+          <a:p>
+            <a:pPr marL="0" indent="0">
+              <a:spcBef>
+                <a:spcPts val="600"/>
+              </a:spcBef>
+              <a:buNone/>
+            </a:pPr>
+            <a:r>
+              <a:rPr lang="pt-BR" sz="1800" dirty="0"/>
+              <a:t>data = pd.read_csv("https://github.com/dbendet/coursera_machine_learning/raw/master/kc_house_data.csv")</a:t>
+            </a:r>
+          </a:p>
+          <a:p>
+            <a:pPr marL="0" indent="0">
+              <a:spcBef>
+                <a:spcPts val="600"/>
+              </a:spcBef>
+              <a:buNone/>
+            </a:pPr>
+            <a:r>
+              <a:rPr lang="fr-FR" sz="1800" dirty="0"/>
+              <a:t>data = </a:t>
+            </a:r>
+            <a:r>
+              <a:rPr lang="fr-FR" sz="1800" dirty="0" err="1"/>
+              <a:t>data.to_numpy</a:t>
+            </a:r>
+            <a:r>
+              <a:rPr lang="fr-FR" sz="1800" dirty="0"/>
+              <a:t>()</a:t>
+            </a:r>
+          </a:p>
+        </p:txBody>
+      </p:sp>
+      <p:pic>
+        <p:nvPicPr>
+          <p:cNvPr id="5" name="Image 4">
+            <a:extLst>
+              <a:ext uri="{FF2B5EF4-FFF2-40B4-BE49-F238E27FC236}">
+                <a16:creationId xmlns:a16="http://schemas.microsoft.com/office/drawing/2014/main" id="{C2A2CF76-C12C-473F-8626-47B6D73186FE}"/>
+              </a:ext>
+            </a:extLst>
+          </p:cNvPr>
+          <p:cNvPicPr>
+            <a:picLocks noChangeAspect="1"/>
+          </p:cNvPicPr>
+          <p:nvPr/>
+        </p:nvPicPr>
+        <p:blipFill rotWithShape="1">
+          <a:blip r:embed="rId2"/>
+          <a:srcRect b="50051"/>
+          <a:stretch/>
+        </p:blipFill>
+        <p:spPr>
+          <a:xfrm>
+            <a:off x="105013" y="2902998"/>
+            <a:ext cx="11822175" cy="1917577"/>
+          </a:xfrm>
+          <a:prstGeom prst="rect">
+            <a:avLst/>
+          </a:prstGeom>
+        </p:spPr>
+      </p:pic>
+      <p:sp>
+        <p:nvSpPr>
+          <p:cNvPr id="6" name="Espace réservé du contenu 2">
+            <a:extLst>
+              <a:ext uri="{FF2B5EF4-FFF2-40B4-BE49-F238E27FC236}">
+                <a16:creationId xmlns:a16="http://schemas.microsoft.com/office/drawing/2014/main" id="{72745651-642B-4BC9-A56A-875BA5AB1F62}"/>
+              </a:ext>
+            </a:extLst>
+          </p:cNvPr>
+          <p:cNvSpPr txBox="1">
+            <a:spLocks/>
+          </p:cNvSpPr>
+          <p:nvPr/>
+        </p:nvSpPr>
+        <p:spPr>
+          <a:xfrm>
+            <a:off x="821924" y="4952050"/>
+            <a:ext cx="10515600" cy="1644059"/>
+          </a:xfrm>
+          <a:prstGeom prst="rect">
+            <a:avLst/>
+          </a:prstGeom>
+        </p:spPr>
+        <p:txBody>
+          <a:bodyPr vert="horz" lIns="91440" tIns="45720" rIns="91440" bIns="45720" rtlCol="0">
+            <a:normAutofit/>
+          </a:bodyPr>
+          <a:lstStyle>
+            <a:lvl1pPr marL="228600" indent="-228600" algn="l" defTabSz="914400" rtl="0" eaLnBrk="1" latinLnBrk="0" hangingPunct="1">
+              <a:lnSpc>
+                <a:spcPct val="90000"/>
+              </a:lnSpc>
+              <a:spcBef>
+                <a:spcPts val="1000"/>
+              </a:spcBef>
+              <a:buFont typeface="Arial" panose="020B0604020202020204" pitchFamily="34" charset="0"/>
+              <a:buChar char="•"/>
+              <a:defRPr sz="2800" kern="1200">
+                <a:solidFill>
+                  <a:schemeClr val="tx1"/>
+                </a:solidFill>
+                <a:latin typeface="+mn-lt"/>
+                <a:ea typeface="+mn-ea"/>
+                <a:cs typeface="+mn-cs"/>
+              </a:defRPr>
+            </a:lvl1pPr>
+            <a:lvl2pPr marL="685800" indent="-228600" algn="l" defTabSz="914400" rtl="0" eaLnBrk="1" latinLnBrk="0" hangingPunct="1">
+              <a:lnSpc>
+                <a:spcPct val="90000"/>
+              </a:lnSpc>
+              <a:spcBef>
+                <a:spcPts val="500"/>
+              </a:spcBef>
+              <a:buFont typeface="Arial" panose="020B0604020202020204" pitchFamily="34" charset="0"/>
+              <a:buChar char="•"/>
+              <a:defRPr sz="2400" kern="1200">
+                <a:solidFill>
+                  <a:schemeClr val="tx1"/>
+                </a:solidFill>
+                <a:latin typeface="+mn-lt"/>
+                <a:ea typeface="+mn-ea"/>
+                <a:cs typeface="+mn-cs"/>
+              </a:defRPr>
+            </a:lvl2pPr>
+            <a:lvl3pPr marL="1143000" indent="-228600" algn="l" defTabSz="914400" rtl="0" eaLnBrk="1" latinLnBrk="0" hangingPunct="1">
+              <a:lnSpc>
+                <a:spcPct val="90000"/>
+              </a:lnSpc>
+              <a:spcBef>
+                <a:spcPts val="500"/>
+              </a:spcBef>
+              <a:buFont typeface="Arial" panose="020B0604020202020204" pitchFamily="34" charset="0"/>
+              <a:buChar char="•"/>
+              <a:defRPr sz="2000" kern="1200">
+                <a:solidFill>
+                  <a:schemeClr val="tx1"/>
+                </a:solidFill>
+                <a:latin typeface="+mn-lt"/>
+                <a:ea typeface="+mn-ea"/>
+                <a:cs typeface="+mn-cs"/>
+              </a:defRPr>
+            </a:lvl3pPr>
+            <a:lvl4pPr marL="1600200" indent="-228600" algn="l" defTabSz="914400" rtl="0" eaLnBrk="1" latinLnBrk="0" hangingPunct="1">
+              <a:lnSpc>
+                <a:spcPct val="90000"/>
+              </a:lnSpc>
+              <a:spcBef>
+                <a:spcPts val="500"/>
+              </a:spcBef>
+              <a:buFont typeface="Arial" panose="020B0604020202020204" pitchFamily="34" charset="0"/>
+              <a:buChar char="•"/>
+              <a:defRPr sz="1800" kern="1200">
+                <a:solidFill>
+                  <a:schemeClr val="tx1"/>
+                </a:solidFill>
+                <a:latin typeface="+mn-lt"/>
+                <a:ea typeface="+mn-ea"/>
+                <a:cs typeface="+mn-cs"/>
+              </a:defRPr>
+            </a:lvl4pPr>
+            <a:lvl5pPr marL="2057400" indent="-228600" algn="l" defTabSz="914400" rtl="0" eaLnBrk="1" latinLnBrk="0" hangingPunct="1">
+              <a:lnSpc>
+                <a:spcPct val="90000"/>
+              </a:lnSpc>
+              <a:spcBef>
+                <a:spcPts val="500"/>
+              </a:spcBef>
+              <a:buFont typeface="Arial" panose="020B0604020202020204" pitchFamily="34" charset="0"/>
+              <a:buChar char="•"/>
+              <a:defRPr sz="1800" kern="1200">
+                <a:solidFill>
+                  <a:schemeClr val="tx1"/>
+                </a:solidFill>
+                <a:latin typeface="+mn-lt"/>
+                <a:ea typeface="+mn-ea"/>
+                <a:cs typeface="+mn-cs"/>
+              </a:defRPr>
+            </a:lvl5pPr>
+            <a:lvl6pPr marL="2514600" indent="-228600" algn="l" defTabSz="914400" rtl="0" eaLnBrk="1" latinLnBrk="0" hangingPunct="1">
+              <a:lnSpc>
+                <a:spcPct val="90000"/>
+              </a:lnSpc>
+              <a:spcBef>
+                <a:spcPts val="500"/>
+              </a:spcBef>
+              <a:buFont typeface="Arial" panose="020B0604020202020204" pitchFamily="34" charset="0"/>
+              <a:buChar char="•"/>
+              <a:defRPr sz="1800" kern="1200">
+                <a:solidFill>
+                  <a:schemeClr val="tx1"/>
+                </a:solidFill>
+                <a:latin typeface="+mn-lt"/>
+                <a:ea typeface="+mn-ea"/>
+                <a:cs typeface="+mn-cs"/>
+              </a:defRPr>
+            </a:lvl6pPr>
+            <a:lvl7pPr marL="2971800" indent="-228600" algn="l" defTabSz="914400" rtl="0" eaLnBrk="1" latinLnBrk="0" hangingPunct="1">
+              <a:lnSpc>
+                <a:spcPct val="90000"/>
+              </a:lnSpc>
+              <a:spcBef>
+                <a:spcPts val="500"/>
+              </a:spcBef>
+              <a:buFont typeface="Arial" panose="020B0604020202020204" pitchFamily="34" charset="0"/>
+              <a:buChar char="•"/>
+              <a:defRPr sz="1800" kern="1200">
+                <a:solidFill>
+                  <a:schemeClr val="tx1"/>
+                </a:solidFill>
+                <a:latin typeface="+mn-lt"/>
+                <a:ea typeface="+mn-ea"/>
+                <a:cs typeface="+mn-cs"/>
+              </a:defRPr>
+            </a:lvl7pPr>
+            <a:lvl8pPr marL="3429000" indent="-228600" algn="l" defTabSz="914400" rtl="0" eaLnBrk="1" latinLnBrk="0" hangingPunct="1">
+              <a:lnSpc>
+                <a:spcPct val="90000"/>
+              </a:lnSpc>
+              <a:spcBef>
+                <a:spcPts val="500"/>
+              </a:spcBef>
+              <a:buFont typeface="Arial" panose="020B0604020202020204" pitchFamily="34" charset="0"/>
+              <a:buChar char="•"/>
+              <a:defRPr sz="1800" kern="1200">
+                <a:solidFill>
+                  <a:schemeClr val="tx1"/>
+                </a:solidFill>
+                <a:latin typeface="+mn-lt"/>
+                <a:ea typeface="+mn-ea"/>
+                <a:cs typeface="+mn-cs"/>
+              </a:defRPr>
+            </a:lvl8pPr>
+            <a:lvl9pPr marL="3886200" indent="-228600" algn="l" defTabSz="914400" rtl="0" eaLnBrk="1" latinLnBrk="0" hangingPunct="1">
+              <a:lnSpc>
+                <a:spcPct val="90000"/>
+              </a:lnSpc>
+              <a:spcBef>
+                <a:spcPts val="500"/>
+              </a:spcBef>
+              <a:buFont typeface="Arial" panose="020B0604020202020204" pitchFamily="34" charset="0"/>
+              <a:buChar char="•"/>
+              <a:defRPr sz="1800" kern="1200">
+                <a:solidFill>
+                  <a:schemeClr val="tx1"/>
+                </a:solidFill>
+                <a:latin typeface="+mn-lt"/>
+                <a:ea typeface="+mn-ea"/>
+                <a:cs typeface="+mn-cs"/>
+              </a:defRPr>
+            </a:lvl9pPr>
+          </a:lstStyle>
+          <a:p>
+            <a:pPr marL="0" indent="0">
+              <a:spcBef>
+                <a:spcPts val="600"/>
+              </a:spcBef>
+              <a:buFont typeface="Arial" panose="020B0604020202020204" pitchFamily="34" charset="0"/>
+              <a:buNone/>
+            </a:pPr>
+            <a:r>
+              <a:rPr lang="fr-FR" sz="1800" dirty="0"/>
+              <a:t>1/ Créer un dictionnaire contenant le score maximal en fonction du nombre de chambres + </a:t>
+            </a:r>
+            <a:r>
+              <a:rPr lang="fr-FR" sz="1800" dirty="0" err="1"/>
+              <a:t>SdB</a:t>
+            </a:r>
+            <a:r>
+              <a:rPr lang="fr-FR" sz="1800" dirty="0"/>
+              <a:t>.</a:t>
+            </a:r>
+          </a:p>
+          <a:p>
+            <a:pPr marL="0" indent="0">
+              <a:spcBef>
+                <a:spcPts val="600"/>
+              </a:spcBef>
+              <a:buFont typeface="Arial" panose="020B0604020202020204" pitchFamily="34" charset="0"/>
+              <a:buNone/>
+            </a:pPr>
+            <a:r>
+              <a:rPr lang="fr-FR" sz="1800" dirty="0"/>
+              <a:t>Le score sera donné par une fonction, et donné comme le prix par pieds² habitable.</a:t>
+            </a:r>
+          </a:p>
+          <a:p>
+            <a:pPr marL="0" indent="0">
+              <a:spcBef>
+                <a:spcPts val="600"/>
+              </a:spcBef>
+              <a:buFont typeface="Arial" panose="020B0604020202020204" pitchFamily="34" charset="0"/>
+              <a:buNone/>
+            </a:pPr>
+            <a:r>
+              <a:rPr lang="fr-FR" sz="1800" dirty="0"/>
+              <a:t>2/ Le dictionnaire doit contenir le score </a:t>
+            </a:r>
+            <a:r>
+              <a:rPr lang="fr-FR" sz="1800" dirty="0" err="1"/>
+              <a:t>median</a:t>
+            </a:r>
+            <a:r>
+              <a:rPr lang="fr-FR" sz="1800" dirty="0"/>
+              <a:t>.</a:t>
+            </a:r>
+          </a:p>
+          <a:p>
+            <a:pPr marL="0" indent="0">
+              <a:spcBef>
+                <a:spcPts val="600"/>
+              </a:spcBef>
+              <a:buFont typeface="Arial" panose="020B0604020202020204" pitchFamily="34" charset="0"/>
+              <a:buNone/>
+            </a:pPr>
+            <a:endParaRPr lang="pt-BR" sz="1800" dirty="0"/>
+          </a:p>
+        </p:txBody>
+      </p:sp>
+    </p:spTree>
+    <p:extLst>
+      <p:ext uri="{BB962C8B-B14F-4D97-AF65-F5344CB8AC3E}">
+        <p14:creationId xmlns:p14="http://schemas.microsoft.com/office/powerpoint/2010/main" val="2683609194"/>
       </p:ext>
     </p:extLst>
   </p:cSld>
@@ -10042,6 +12567,89 @@
     <p:extLst>
       <p:ext uri="{BB962C8B-B14F-4D97-AF65-F5344CB8AC3E}">
         <p14:creationId xmlns:p14="http://schemas.microsoft.com/office/powerpoint/2010/main" val="709756602"/>
+      </p:ext>
+    </p:extLst>
+  </p:cSld>
+  <p:clrMapOvr>
+    <a:masterClrMapping/>
+  </p:clrMapOvr>
+</p:sld>
+</file>
+
+<file path=ppt/slides/slide50.xml><?xml version="1.0" encoding="utf-8"?>
+<p:sld xmlns:a="http://schemas.openxmlformats.org/drawingml/2006/main" xmlns:r="http://schemas.openxmlformats.org/officeDocument/2006/relationships" xmlns:p="http://schemas.openxmlformats.org/presentationml/2006/main">
+  <p:cSld>
+    <p:spTree>
+      <p:nvGrpSpPr>
+        <p:cNvPr id="1" name=""/>
+        <p:cNvGrpSpPr/>
+        <p:nvPr/>
+      </p:nvGrpSpPr>
+      <p:grpSpPr>
+        <a:xfrm>
+          <a:off x="0" y="0"/>
+          <a:ext cx="0" cy="0"/>
+          <a:chOff x="0" y="0"/>
+          <a:chExt cx="0" cy="0"/>
+        </a:xfrm>
+      </p:grpSpPr>
+      <p:sp>
+        <p:nvSpPr>
+          <p:cNvPr id="2" name="Titre 1">
+            <a:extLst>
+              <a:ext uri="{FF2B5EF4-FFF2-40B4-BE49-F238E27FC236}">
+                <a16:creationId xmlns:a16="http://schemas.microsoft.com/office/drawing/2014/main" id="{C9FB2232-98A8-4994-85E6-FF7439ACA2CA}"/>
+              </a:ext>
+            </a:extLst>
+          </p:cNvPr>
+          <p:cNvSpPr>
+            <a:spLocks noGrp="1"/>
+          </p:cNvSpPr>
+          <p:nvPr>
+            <p:ph type="title"/>
+          </p:nvPr>
+        </p:nvSpPr>
+        <p:spPr/>
+        <p:txBody>
+          <a:bodyPr/>
+          <a:lstStyle/>
+          <a:p>
+            <a:r>
+              <a:rPr lang="fr-FR" dirty="0"/>
+              <a:t>Les entrées/sorties</a:t>
+            </a:r>
+          </a:p>
+        </p:txBody>
+      </p:sp>
+      <p:sp>
+        <p:nvSpPr>
+          <p:cNvPr id="3" name="Espace réservé du contenu 2">
+            <a:extLst>
+              <a:ext uri="{FF2B5EF4-FFF2-40B4-BE49-F238E27FC236}">
+                <a16:creationId xmlns:a16="http://schemas.microsoft.com/office/drawing/2014/main" id="{63A3AF83-AA18-4B1E-8FD3-ADD7E5FCF043}"/>
+              </a:ext>
+            </a:extLst>
+          </p:cNvPr>
+          <p:cNvSpPr>
+            <a:spLocks noGrp="1"/>
+          </p:cNvSpPr>
+          <p:nvPr>
+            <p:ph idx="1"/>
+          </p:nvPr>
+        </p:nvSpPr>
+        <p:spPr/>
+        <p:txBody>
+          <a:bodyPr/>
+          <a:lstStyle/>
+          <a:p>
+            <a:endParaRPr lang="fr-FR"/>
+          </a:p>
+        </p:txBody>
+      </p:sp>
+    </p:spTree>
+    <p:extLst>
+      <p:ext uri="{BB962C8B-B14F-4D97-AF65-F5344CB8AC3E}">
+        <p14:creationId xmlns:p14="http://schemas.microsoft.com/office/powerpoint/2010/main" val="628856032"/>
       </p:ext>
     </p:extLst>
   </p:cSld>

--- a/python_debutant/Formation Python débutant.pptx
+++ b/python_debutant/Formation Python débutant.pptx
@@ -63,6 +63,18 @@
     <p:sldId id="315" r:id="rId57"/>
     <p:sldId id="316" r:id="rId58"/>
     <p:sldId id="317" r:id="rId59"/>
+    <p:sldId id="318" r:id="rId60"/>
+    <p:sldId id="319" r:id="rId61"/>
+    <p:sldId id="320" r:id="rId62"/>
+    <p:sldId id="329" r:id="rId63"/>
+    <p:sldId id="321" r:id="rId64"/>
+    <p:sldId id="322" r:id="rId65"/>
+    <p:sldId id="323" r:id="rId66"/>
+    <p:sldId id="327" r:id="rId67"/>
+    <p:sldId id="324" r:id="rId68"/>
+    <p:sldId id="325" r:id="rId69"/>
+    <p:sldId id="326" r:id="rId70"/>
+    <p:sldId id="328" r:id="rId71"/>
   </p:sldIdLst>
   <p:sldSz cx="12192000" cy="6858000"/>
   <p:notesSz cx="6858000" cy="9144000"/>
@@ -316,7 +328,7 @@
           <a:p>
             <a:fld id="{21411C0B-397A-4926-8AFD-818269732011}" type="datetimeFigureOut">
               <a:rPr lang="fr-FR" smtClean="0"/>
-              <a:t>07/12/2020</a:t>
+              <a:t>08/12/2020</a:t>
             </a:fld>
             <a:endParaRPr lang="fr-FR"/>
           </a:p>
@@ -514,7 +526,7 @@
           <a:p>
             <a:fld id="{21411C0B-397A-4926-8AFD-818269732011}" type="datetimeFigureOut">
               <a:rPr lang="fr-FR" smtClean="0"/>
-              <a:t>07/12/2020</a:t>
+              <a:t>08/12/2020</a:t>
             </a:fld>
             <a:endParaRPr lang="fr-FR"/>
           </a:p>
@@ -722,7 +734,7 @@
           <a:p>
             <a:fld id="{21411C0B-397A-4926-8AFD-818269732011}" type="datetimeFigureOut">
               <a:rPr lang="fr-FR" smtClean="0"/>
-              <a:t>07/12/2020</a:t>
+              <a:t>08/12/2020</a:t>
             </a:fld>
             <a:endParaRPr lang="fr-FR"/>
           </a:p>
@@ -920,7 +932,7 @@
           <a:p>
             <a:fld id="{21411C0B-397A-4926-8AFD-818269732011}" type="datetimeFigureOut">
               <a:rPr lang="fr-FR" smtClean="0"/>
-              <a:t>07/12/2020</a:t>
+              <a:t>08/12/2020</a:t>
             </a:fld>
             <a:endParaRPr lang="fr-FR"/>
           </a:p>
@@ -1195,7 +1207,7 @@
           <a:p>
             <a:fld id="{21411C0B-397A-4926-8AFD-818269732011}" type="datetimeFigureOut">
               <a:rPr lang="fr-FR" smtClean="0"/>
-              <a:t>07/12/2020</a:t>
+              <a:t>08/12/2020</a:t>
             </a:fld>
             <a:endParaRPr lang="fr-FR"/>
           </a:p>
@@ -1460,7 +1472,7 @@
           <a:p>
             <a:fld id="{21411C0B-397A-4926-8AFD-818269732011}" type="datetimeFigureOut">
               <a:rPr lang="fr-FR" smtClean="0"/>
-              <a:t>07/12/2020</a:t>
+              <a:t>08/12/2020</a:t>
             </a:fld>
             <a:endParaRPr lang="fr-FR"/>
           </a:p>
@@ -1872,7 +1884,7 @@
           <a:p>
             <a:fld id="{21411C0B-397A-4926-8AFD-818269732011}" type="datetimeFigureOut">
               <a:rPr lang="fr-FR" smtClean="0"/>
-              <a:t>07/12/2020</a:t>
+              <a:t>08/12/2020</a:t>
             </a:fld>
             <a:endParaRPr lang="fr-FR"/>
           </a:p>
@@ -2013,7 +2025,7 @@
           <a:p>
             <a:fld id="{21411C0B-397A-4926-8AFD-818269732011}" type="datetimeFigureOut">
               <a:rPr lang="fr-FR" smtClean="0"/>
-              <a:t>07/12/2020</a:t>
+              <a:t>08/12/2020</a:t>
             </a:fld>
             <a:endParaRPr lang="fr-FR"/>
           </a:p>
@@ -2126,7 +2138,7 @@
           <a:p>
             <a:fld id="{21411C0B-397A-4926-8AFD-818269732011}" type="datetimeFigureOut">
               <a:rPr lang="fr-FR" smtClean="0"/>
-              <a:t>07/12/2020</a:t>
+              <a:t>08/12/2020</a:t>
             </a:fld>
             <a:endParaRPr lang="fr-FR"/>
           </a:p>
@@ -2437,7 +2449,7 @@
           <a:p>
             <a:fld id="{21411C0B-397A-4926-8AFD-818269732011}" type="datetimeFigureOut">
               <a:rPr lang="fr-FR" smtClean="0"/>
-              <a:t>07/12/2020</a:t>
+              <a:t>08/12/2020</a:t>
             </a:fld>
             <a:endParaRPr lang="fr-FR"/>
           </a:p>
@@ -2725,7 +2737,7 @@
           <a:p>
             <a:fld id="{21411C0B-397A-4926-8AFD-818269732011}" type="datetimeFigureOut">
               <a:rPr lang="fr-FR" smtClean="0"/>
-              <a:t>07/12/2020</a:t>
+              <a:t>08/12/2020</a:t>
             </a:fld>
             <a:endParaRPr lang="fr-FR"/>
           </a:p>
@@ -2966,7 +2978,7 @@
           <a:p>
             <a:fld id="{21411C0B-397A-4926-8AFD-818269732011}" type="datetimeFigureOut">
               <a:rPr lang="fr-FR" smtClean="0"/>
-              <a:t>07/12/2020</a:t>
+              <a:t>08/12/2020</a:t>
             </a:fld>
             <a:endParaRPr lang="fr-FR"/>
           </a:p>
@@ -3453,13 +3465,7 @@
               <a:rPr lang="fr-FR" dirty="0">
                 <a:hlinkClick r:id="rId2"/>
               </a:rPr>
-              <a:t>https://github.com/aubinthomas/Course/</a:t>
-            </a:r>
-            <a:r>
-              <a:rPr lang="fr-FR" dirty="0">
-                <a:hlinkClick r:id="rId2"/>
-              </a:rPr>
-              <a:t>tree/master/python_debutant</a:t>
+              <a:t>https://github.com/aubinthomas/Course</a:t>
             </a:r>
             <a:endParaRPr lang="fr-FR" dirty="0"/>
           </a:p>
@@ -13293,10 +13299,10 @@
       </p:pic>
       <p:pic>
         <p:nvPicPr>
-          <p:cNvPr id="12" name="Image 11">
-            <a:extLst>
-              <a:ext uri="{FF2B5EF4-FFF2-40B4-BE49-F238E27FC236}">
-                <a16:creationId xmlns:a16="http://schemas.microsoft.com/office/drawing/2014/main" id="{02971A37-E46E-414B-97E0-5C995AF33582}"/>
+          <p:cNvPr id="9" name="Image 8">
+            <a:extLst>
+              <a:ext uri="{FF2B5EF4-FFF2-40B4-BE49-F238E27FC236}">
+                <a16:creationId xmlns:a16="http://schemas.microsoft.com/office/drawing/2014/main" id="{E3A74C5C-A282-48EC-AA4F-B65604D352BE}"/>
               </a:ext>
             </a:extLst>
           </p:cNvPr>
@@ -13313,8 +13319,8 @@
         </p:blipFill>
         <p:spPr>
           <a:xfrm>
-            <a:off x="4983700" y="2643529"/>
-            <a:ext cx="7149372" cy="4202436"/>
+            <a:off x="4709958" y="2643529"/>
+            <a:ext cx="7423114" cy="4065663"/>
           </a:xfrm>
           <a:prstGeom prst="rect">
             <a:avLst/>
@@ -13665,10 +13671,10 @@
       </p:sp>
       <p:pic>
         <p:nvPicPr>
-          <p:cNvPr id="6" name="Espace réservé du contenu 5">
-            <a:extLst>
-              <a:ext uri="{FF2B5EF4-FFF2-40B4-BE49-F238E27FC236}">
-                <a16:creationId xmlns:a16="http://schemas.microsoft.com/office/drawing/2014/main" id="{27D3949D-CDC7-4D33-8078-971FD139AC0E}"/>
+          <p:cNvPr id="13" name="Espace réservé du contenu 12">
+            <a:extLst>
+              <a:ext uri="{FF2B5EF4-FFF2-40B4-BE49-F238E27FC236}">
+                <a16:creationId xmlns:a16="http://schemas.microsoft.com/office/drawing/2014/main" id="{5EF008AF-BBF7-4855-A02F-214B1CA37BCD}"/>
               </a:ext>
             </a:extLst>
           </p:cNvPr>
@@ -13687,8 +13693,8 @@
         </p:blipFill>
         <p:spPr>
           <a:xfrm>
-            <a:off x="2033020" y="2777160"/>
-            <a:ext cx="8125959" cy="2448267"/>
+            <a:off x="2037783" y="3253477"/>
+            <a:ext cx="8116433" cy="1495634"/>
           </a:xfrm>
         </p:spPr>
       </p:pic>
@@ -13759,10 +13765,10 @@
       </p:sp>
       <p:pic>
         <p:nvPicPr>
-          <p:cNvPr id="12" name="Espace réservé du contenu 11">
-            <a:extLst>
-              <a:ext uri="{FF2B5EF4-FFF2-40B4-BE49-F238E27FC236}">
-                <a16:creationId xmlns:a16="http://schemas.microsoft.com/office/drawing/2014/main" id="{6FA3E9DB-9A01-446E-9E62-8E878A611D02}"/>
+          <p:cNvPr id="5" name="Espace réservé du contenu 4">
+            <a:extLst>
+              <a:ext uri="{FF2B5EF4-FFF2-40B4-BE49-F238E27FC236}">
+                <a16:creationId xmlns:a16="http://schemas.microsoft.com/office/drawing/2014/main" id="{CF3BB56C-5710-4BFA-A42D-E5C78DF363B6}"/>
               </a:ext>
             </a:extLst>
           </p:cNvPr>
@@ -13773,15 +13779,47 @@
             <p:ph idx="1"/>
           </p:nvPr>
         </p:nvPicPr>
-        <p:blipFill rotWithShape="1">
+        <p:blipFill>
           <a:blip r:embed="rId2"/>
-          <a:stretch/>
+          <a:stretch>
+            <a:fillRect/>
+          </a:stretch>
         </p:blipFill>
         <p:spPr>
           <a:xfrm>
-            <a:off x="838200" y="1870014"/>
-            <a:ext cx="5755980" cy="4351338"/>
+            <a:off x="838200" y="2380298"/>
+            <a:ext cx="2476846" cy="3153215"/>
           </a:xfrm>
+        </p:spPr>
+      </p:pic>
+      <p:pic>
+        <p:nvPicPr>
+          <p:cNvPr id="7" name="Image 6">
+            <a:extLst>
+              <a:ext uri="{FF2B5EF4-FFF2-40B4-BE49-F238E27FC236}">
+                <a16:creationId xmlns:a16="http://schemas.microsoft.com/office/drawing/2014/main" id="{F6905AED-2569-46EC-93D8-ADD04BCA21C9}"/>
+              </a:ext>
+            </a:extLst>
+          </p:cNvPr>
+          <p:cNvPicPr>
+            <a:picLocks noChangeAspect="1"/>
+          </p:cNvPicPr>
+          <p:nvPr/>
+        </p:nvPicPr>
+        <p:blipFill>
+          <a:blip r:embed="rId3"/>
+          <a:stretch>
+            <a:fillRect/>
+          </a:stretch>
+        </p:blipFill>
+        <p:spPr>
+          <a:xfrm>
+            <a:off x="6096000" y="2380298"/>
+            <a:ext cx="4563112" cy="2896004"/>
+          </a:xfrm>
+          <a:prstGeom prst="rect">
+            <a:avLst/>
+          </a:prstGeom>
         </p:spPr>
       </p:pic>
     </p:spTree>
@@ -13844,43 +13882,170 @@
             </a:br>
             <a:r>
               <a:rPr lang="fr-FR" dirty="0"/>
-              <a:t>Accéder aux données</a:t>
-            </a:r>
-          </a:p>
-        </p:txBody>
-      </p:sp>
-      <p:sp>
-        <p:nvSpPr>
-          <p:cNvPr id="3" name="Espace réservé du contenu 2">
-            <a:extLst>
-              <a:ext uri="{FF2B5EF4-FFF2-40B4-BE49-F238E27FC236}">
-                <a16:creationId xmlns:a16="http://schemas.microsoft.com/office/drawing/2014/main" id="{C8EEAE3C-2B67-4579-964D-0D74E9E8E85A}"/>
-              </a:ext>
-            </a:extLst>
-          </p:cNvPr>
-          <p:cNvSpPr>
-            <a:spLocks noGrp="1"/>
-          </p:cNvSpPr>
+              <a:t>Accéder aux données, sélection de colonnes</a:t>
+            </a:r>
+          </a:p>
+        </p:txBody>
+      </p:sp>
+      <p:pic>
+        <p:nvPicPr>
+          <p:cNvPr id="6" name="Espace réservé du contenu 5">
+            <a:extLst>
+              <a:ext uri="{FF2B5EF4-FFF2-40B4-BE49-F238E27FC236}">
+                <a16:creationId xmlns:a16="http://schemas.microsoft.com/office/drawing/2014/main" id="{62949622-A460-41D0-94BB-6F981A540525}"/>
+              </a:ext>
+            </a:extLst>
+          </p:cNvPr>
+          <p:cNvPicPr>
+            <a:picLocks noGrp="1" noChangeAspect="1"/>
+          </p:cNvPicPr>
           <p:nvPr>
             <p:ph idx="1"/>
           </p:nvPr>
-        </p:nvSpPr>
-        <p:spPr/>
-        <p:txBody>
-          <a:bodyPr/>
-          <a:lstStyle/>
-          <a:p>
-            <a:r>
-              <a:rPr lang="fr-FR" dirty="0"/>
-              <a:t>Sélectionner une colonne</a:t>
-            </a:r>
-          </a:p>
-        </p:txBody>
-      </p:sp>
+        </p:nvPicPr>
+        <p:blipFill rotWithShape="1">
+          <a:blip r:embed="rId2"/>
+          <a:srcRect b="29051"/>
+          <a:stretch/>
+        </p:blipFill>
+        <p:spPr>
+          <a:xfrm>
+            <a:off x="6958564" y="2038240"/>
+            <a:ext cx="4324954" cy="3075298"/>
+          </a:xfrm>
+          <a:prstGeom prst="rect">
+            <a:avLst/>
+          </a:prstGeom>
+        </p:spPr>
+      </p:pic>
+      <p:pic>
+        <p:nvPicPr>
+          <p:cNvPr id="10" name="Image 9">
+            <a:extLst>
+              <a:ext uri="{FF2B5EF4-FFF2-40B4-BE49-F238E27FC236}">
+                <a16:creationId xmlns:a16="http://schemas.microsoft.com/office/drawing/2014/main" id="{779B4E91-31FE-400D-A9F6-1F514DA1A9A9}"/>
+              </a:ext>
+            </a:extLst>
+          </p:cNvPr>
+          <p:cNvPicPr>
+            <a:picLocks noChangeAspect="1"/>
+          </p:cNvPicPr>
+          <p:nvPr/>
+        </p:nvPicPr>
+        <p:blipFill>
+          <a:blip r:embed="rId3"/>
+          <a:stretch>
+            <a:fillRect/>
+          </a:stretch>
+        </p:blipFill>
+        <p:spPr>
+          <a:xfrm>
+            <a:off x="1020293" y="2038240"/>
+            <a:ext cx="3191320" cy="3219899"/>
+          </a:xfrm>
+          <a:prstGeom prst="rect">
+            <a:avLst/>
+          </a:prstGeom>
+        </p:spPr>
+      </p:pic>
     </p:spTree>
     <p:extLst>
       <p:ext uri="{BB962C8B-B14F-4D97-AF65-F5344CB8AC3E}">
         <p14:creationId xmlns:p14="http://schemas.microsoft.com/office/powerpoint/2010/main" val="918868869"/>
+      </p:ext>
+    </p:extLst>
+  </p:cSld>
+  <p:clrMapOvr>
+    <a:masterClrMapping/>
+  </p:clrMapOvr>
+</p:sld>
+</file>
+
+<file path=ppt/slides/slide59.xml><?xml version="1.0" encoding="utf-8"?>
+<p:sld xmlns:a="http://schemas.openxmlformats.org/drawingml/2006/main" xmlns:r="http://schemas.openxmlformats.org/officeDocument/2006/relationships" xmlns:p="http://schemas.openxmlformats.org/presentationml/2006/main">
+  <p:cSld>
+    <p:spTree>
+      <p:nvGrpSpPr>
+        <p:cNvPr id="1" name=""/>
+        <p:cNvGrpSpPr/>
+        <p:nvPr/>
+      </p:nvGrpSpPr>
+      <p:grpSpPr>
+        <a:xfrm>
+          <a:off x="0" y="0"/>
+          <a:ext cx="0" cy="0"/>
+          <a:chOff x="0" y="0"/>
+          <a:chExt cx="0" cy="0"/>
+        </a:xfrm>
+      </p:grpSpPr>
+      <p:sp>
+        <p:nvSpPr>
+          <p:cNvPr id="2" name="Titre 1">
+            <a:extLst>
+              <a:ext uri="{FF2B5EF4-FFF2-40B4-BE49-F238E27FC236}">
+                <a16:creationId xmlns:a16="http://schemas.microsoft.com/office/drawing/2014/main" id="{98639174-8CB2-41C2-A7BA-2024A08B3174}"/>
+              </a:ext>
+            </a:extLst>
+          </p:cNvPr>
+          <p:cNvSpPr>
+            <a:spLocks noGrp="1"/>
+          </p:cNvSpPr>
+          <p:nvPr>
+            <p:ph type="title"/>
+          </p:nvPr>
+        </p:nvSpPr>
+        <p:spPr/>
+        <p:txBody>
+          <a:bodyPr/>
+          <a:lstStyle/>
+          <a:p>
+            <a:r>
+              <a:rPr lang="fr-FR" dirty="0"/>
+              <a:t>Pandas</a:t>
+            </a:r>
+            <a:br>
+              <a:rPr lang="fr-FR" dirty="0"/>
+            </a:br>
+            <a:r>
+              <a:rPr lang="fr-FR" dirty="0"/>
+              <a:t>Accéder aux données, sélection de lignes</a:t>
+            </a:r>
+          </a:p>
+        </p:txBody>
+      </p:sp>
+      <p:pic>
+        <p:nvPicPr>
+          <p:cNvPr id="7" name="Espace réservé du contenu 6">
+            <a:extLst>
+              <a:ext uri="{FF2B5EF4-FFF2-40B4-BE49-F238E27FC236}">
+                <a16:creationId xmlns:a16="http://schemas.microsoft.com/office/drawing/2014/main" id="{F1C60622-02C7-4CB2-BA0A-E21854D002C1}"/>
+              </a:ext>
+            </a:extLst>
+          </p:cNvPr>
+          <p:cNvPicPr>
+            <a:picLocks noGrp="1" noChangeAspect="1"/>
+          </p:cNvPicPr>
+          <p:nvPr>
+            <p:ph idx="1"/>
+          </p:nvPr>
+        </p:nvPicPr>
+        <p:blipFill>
+          <a:blip r:embed="rId2"/>
+          <a:stretch>
+            <a:fillRect/>
+          </a:stretch>
+        </p:blipFill>
+        <p:spPr>
+          <a:xfrm>
+            <a:off x="3681075" y="3020082"/>
+            <a:ext cx="4829849" cy="1962424"/>
+          </a:xfrm>
+        </p:spPr>
+      </p:pic>
+    </p:spTree>
+    <p:extLst>
+      <p:ext uri="{BB962C8B-B14F-4D97-AF65-F5344CB8AC3E}">
+        <p14:creationId xmlns:p14="http://schemas.microsoft.com/office/powerpoint/2010/main" val="4083944134"/>
       </p:ext>
     </p:extLst>
   </p:cSld>
@@ -14029,6 +14194,1671 @@
 </p:sld>
 </file>
 
+<file path=ppt/slides/slide60.xml><?xml version="1.0" encoding="utf-8"?>
+<p:sld xmlns:a="http://schemas.openxmlformats.org/drawingml/2006/main" xmlns:r="http://schemas.openxmlformats.org/officeDocument/2006/relationships" xmlns:p="http://schemas.openxmlformats.org/presentationml/2006/main">
+  <p:cSld>
+    <p:spTree>
+      <p:nvGrpSpPr>
+        <p:cNvPr id="1" name=""/>
+        <p:cNvGrpSpPr/>
+        <p:nvPr/>
+      </p:nvGrpSpPr>
+      <p:grpSpPr>
+        <a:xfrm>
+          <a:off x="0" y="0"/>
+          <a:ext cx="0" cy="0"/>
+          <a:chOff x="0" y="0"/>
+          <a:chExt cx="0" cy="0"/>
+        </a:xfrm>
+      </p:grpSpPr>
+      <p:sp>
+        <p:nvSpPr>
+          <p:cNvPr id="2" name="Titre 1">
+            <a:extLst>
+              <a:ext uri="{FF2B5EF4-FFF2-40B4-BE49-F238E27FC236}">
+                <a16:creationId xmlns:a16="http://schemas.microsoft.com/office/drawing/2014/main" id="{072D0194-1FD9-4B1E-BC13-38E5890234BE}"/>
+              </a:ext>
+            </a:extLst>
+          </p:cNvPr>
+          <p:cNvSpPr>
+            <a:spLocks noGrp="1"/>
+          </p:cNvSpPr>
+          <p:nvPr>
+            <p:ph type="title"/>
+          </p:nvPr>
+        </p:nvSpPr>
+        <p:spPr/>
+        <p:txBody>
+          <a:bodyPr>
+            <a:normAutofit fontScale="90000"/>
+          </a:bodyPr>
+          <a:lstStyle/>
+          <a:p>
+            <a:r>
+              <a:rPr lang="fr-FR" dirty="0"/>
+              <a:t>Pandas</a:t>
+            </a:r>
+            <a:br>
+              <a:rPr lang="fr-FR" dirty="0"/>
+            </a:br>
+            <a:r>
+              <a:rPr lang="fr-FR" dirty="0"/>
+              <a:t>Accéder aux données, sélection conditionnelle simple</a:t>
+            </a:r>
+          </a:p>
+        </p:txBody>
+      </p:sp>
+      <p:pic>
+        <p:nvPicPr>
+          <p:cNvPr id="5" name="Espace réservé du contenu 4">
+            <a:extLst>
+              <a:ext uri="{FF2B5EF4-FFF2-40B4-BE49-F238E27FC236}">
+                <a16:creationId xmlns:a16="http://schemas.microsoft.com/office/drawing/2014/main" id="{584346FD-CBCC-4633-BF4D-59D296661BFA}"/>
+              </a:ext>
+            </a:extLst>
+          </p:cNvPr>
+          <p:cNvPicPr>
+            <a:picLocks noGrp="1" noChangeAspect="1"/>
+          </p:cNvPicPr>
+          <p:nvPr>
+            <p:ph idx="1"/>
+          </p:nvPr>
+        </p:nvPicPr>
+        <p:blipFill>
+          <a:blip r:embed="rId2"/>
+          <a:stretch>
+            <a:fillRect/>
+          </a:stretch>
+        </p:blipFill>
+        <p:spPr>
+          <a:xfrm>
+            <a:off x="3933523" y="2210344"/>
+            <a:ext cx="4324954" cy="3581900"/>
+          </a:xfrm>
+        </p:spPr>
+      </p:pic>
+    </p:spTree>
+    <p:extLst>
+      <p:ext uri="{BB962C8B-B14F-4D97-AF65-F5344CB8AC3E}">
+        <p14:creationId xmlns:p14="http://schemas.microsoft.com/office/powerpoint/2010/main" val="413872044"/>
+      </p:ext>
+    </p:extLst>
+  </p:cSld>
+  <p:clrMapOvr>
+    <a:masterClrMapping/>
+  </p:clrMapOvr>
+</p:sld>
+</file>
+
+<file path=ppt/slides/slide61.xml><?xml version="1.0" encoding="utf-8"?>
+<p:sld xmlns:a="http://schemas.openxmlformats.org/drawingml/2006/main" xmlns:r="http://schemas.openxmlformats.org/officeDocument/2006/relationships" xmlns:p="http://schemas.openxmlformats.org/presentationml/2006/main">
+  <p:cSld>
+    <p:spTree>
+      <p:nvGrpSpPr>
+        <p:cNvPr id="1" name=""/>
+        <p:cNvGrpSpPr/>
+        <p:nvPr/>
+      </p:nvGrpSpPr>
+      <p:grpSpPr>
+        <a:xfrm>
+          <a:off x="0" y="0"/>
+          <a:ext cx="0" cy="0"/>
+          <a:chOff x="0" y="0"/>
+          <a:chExt cx="0" cy="0"/>
+        </a:xfrm>
+      </p:grpSpPr>
+      <p:sp>
+        <p:nvSpPr>
+          <p:cNvPr id="2" name="Titre 1">
+            <a:extLst>
+              <a:ext uri="{FF2B5EF4-FFF2-40B4-BE49-F238E27FC236}">
+                <a16:creationId xmlns:a16="http://schemas.microsoft.com/office/drawing/2014/main" id="{576D1510-F8BF-4ACB-8841-B0A0BE117694}"/>
+              </a:ext>
+            </a:extLst>
+          </p:cNvPr>
+          <p:cNvSpPr>
+            <a:spLocks noGrp="1"/>
+          </p:cNvSpPr>
+          <p:nvPr>
+            <p:ph type="title"/>
+          </p:nvPr>
+        </p:nvSpPr>
+        <p:spPr/>
+        <p:txBody>
+          <a:bodyPr>
+            <a:normAutofit/>
+          </a:bodyPr>
+          <a:lstStyle/>
+          <a:p>
+            <a:r>
+              <a:rPr lang="fr-FR" dirty="0"/>
+              <a:t>Pandas</a:t>
+            </a:r>
+            <a:br>
+              <a:rPr lang="fr-FR" dirty="0"/>
+            </a:br>
+            <a:r>
+              <a:rPr lang="fr-FR" dirty="0"/>
+              <a:t>Accéder aux données, opérateur </a:t>
+            </a:r>
+            <a:r>
+              <a:rPr lang="fr-FR" dirty="0" err="1"/>
+              <a:t>isin</a:t>
+            </a:r>
+            <a:endParaRPr lang="fr-FR" dirty="0"/>
+          </a:p>
+        </p:txBody>
+      </p:sp>
+      <p:pic>
+        <p:nvPicPr>
+          <p:cNvPr id="5" name="Espace réservé du contenu 4">
+            <a:extLst>
+              <a:ext uri="{FF2B5EF4-FFF2-40B4-BE49-F238E27FC236}">
+                <a16:creationId xmlns:a16="http://schemas.microsoft.com/office/drawing/2014/main" id="{A1DF10C9-7AD8-42B2-8D9B-E5D26EE81274}"/>
+              </a:ext>
+            </a:extLst>
+          </p:cNvPr>
+          <p:cNvPicPr>
+            <a:picLocks noGrp="1" noChangeAspect="1"/>
+          </p:cNvPicPr>
+          <p:nvPr>
+            <p:ph idx="1"/>
+          </p:nvPr>
+        </p:nvPicPr>
+        <p:blipFill>
+          <a:blip r:embed="rId2"/>
+          <a:stretch>
+            <a:fillRect/>
+          </a:stretch>
+        </p:blipFill>
+        <p:spPr>
+          <a:xfrm>
+            <a:off x="3376233" y="2867661"/>
+            <a:ext cx="5439534" cy="2267266"/>
+          </a:xfrm>
+        </p:spPr>
+      </p:pic>
+    </p:spTree>
+    <p:extLst>
+      <p:ext uri="{BB962C8B-B14F-4D97-AF65-F5344CB8AC3E}">
+        <p14:creationId xmlns:p14="http://schemas.microsoft.com/office/powerpoint/2010/main" val="646106298"/>
+      </p:ext>
+    </p:extLst>
+  </p:cSld>
+  <p:clrMapOvr>
+    <a:masterClrMapping/>
+  </p:clrMapOvr>
+</p:sld>
+</file>
+
+<file path=ppt/slides/slide62.xml><?xml version="1.0" encoding="utf-8"?>
+<p:sld xmlns:a="http://schemas.openxmlformats.org/drawingml/2006/main" xmlns:r="http://schemas.openxmlformats.org/officeDocument/2006/relationships" xmlns:p="http://schemas.openxmlformats.org/presentationml/2006/main">
+  <p:cSld>
+    <p:spTree>
+      <p:nvGrpSpPr>
+        <p:cNvPr id="1" name=""/>
+        <p:cNvGrpSpPr/>
+        <p:nvPr/>
+      </p:nvGrpSpPr>
+      <p:grpSpPr>
+        <a:xfrm>
+          <a:off x="0" y="0"/>
+          <a:ext cx="0" cy="0"/>
+          <a:chOff x="0" y="0"/>
+          <a:chExt cx="0" cy="0"/>
+        </a:xfrm>
+      </p:grpSpPr>
+      <p:sp>
+        <p:nvSpPr>
+          <p:cNvPr id="2" name="Titre 1">
+            <a:extLst>
+              <a:ext uri="{FF2B5EF4-FFF2-40B4-BE49-F238E27FC236}">
+                <a16:creationId xmlns:a16="http://schemas.microsoft.com/office/drawing/2014/main" id="{35D518C6-B7F2-4958-9809-092B277F2C17}"/>
+              </a:ext>
+            </a:extLst>
+          </p:cNvPr>
+          <p:cNvSpPr>
+            <a:spLocks noGrp="1"/>
+          </p:cNvSpPr>
+          <p:nvPr>
+            <p:ph type="title"/>
+          </p:nvPr>
+        </p:nvSpPr>
+        <p:spPr/>
+        <p:txBody>
+          <a:bodyPr/>
+          <a:lstStyle/>
+          <a:p>
+            <a:r>
+              <a:rPr lang="fr-FR" dirty="0"/>
+              <a:t>Pandas</a:t>
+            </a:r>
+            <a:br>
+              <a:rPr lang="fr-FR" dirty="0"/>
+            </a:br>
+            <a:r>
+              <a:rPr lang="fr-FR" dirty="0"/>
+              <a:t>Ajout de colonne</a:t>
+            </a:r>
+          </a:p>
+        </p:txBody>
+      </p:sp>
+      <p:pic>
+        <p:nvPicPr>
+          <p:cNvPr id="5" name="Espace réservé du contenu 4">
+            <a:extLst>
+              <a:ext uri="{FF2B5EF4-FFF2-40B4-BE49-F238E27FC236}">
+                <a16:creationId xmlns:a16="http://schemas.microsoft.com/office/drawing/2014/main" id="{2A257B0A-5434-4D6D-8E09-B622AD2FEB8B}"/>
+              </a:ext>
+            </a:extLst>
+          </p:cNvPr>
+          <p:cNvPicPr>
+            <a:picLocks noGrp="1" noChangeAspect="1"/>
+          </p:cNvPicPr>
+          <p:nvPr>
+            <p:ph idx="1"/>
+          </p:nvPr>
+        </p:nvPicPr>
+        <p:blipFill>
+          <a:blip r:embed="rId2"/>
+          <a:stretch>
+            <a:fillRect/>
+          </a:stretch>
+        </p:blipFill>
+        <p:spPr>
+          <a:xfrm>
+            <a:off x="3252390" y="2381818"/>
+            <a:ext cx="5687219" cy="3238952"/>
+          </a:xfrm>
+        </p:spPr>
+      </p:pic>
+    </p:spTree>
+    <p:extLst>
+      <p:ext uri="{BB962C8B-B14F-4D97-AF65-F5344CB8AC3E}">
+        <p14:creationId xmlns:p14="http://schemas.microsoft.com/office/powerpoint/2010/main" val="2758437633"/>
+      </p:ext>
+    </p:extLst>
+  </p:cSld>
+  <p:clrMapOvr>
+    <a:masterClrMapping/>
+  </p:clrMapOvr>
+</p:sld>
+</file>
+
+<file path=ppt/slides/slide63.xml><?xml version="1.0" encoding="utf-8"?>
+<p:sld xmlns:a="http://schemas.openxmlformats.org/drawingml/2006/main" xmlns:r="http://schemas.openxmlformats.org/officeDocument/2006/relationships" xmlns:p="http://schemas.openxmlformats.org/presentationml/2006/main">
+  <p:cSld>
+    <p:spTree>
+      <p:nvGrpSpPr>
+        <p:cNvPr id="1" name=""/>
+        <p:cNvGrpSpPr/>
+        <p:nvPr/>
+      </p:nvGrpSpPr>
+      <p:grpSpPr>
+        <a:xfrm>
+          <a:off x="0" y="0"/>
+          <a:ext cx="0" cy="0"/>
+          <a:chOff x="0" y="0"/>
+          <a:chExt cx="0" cy="0"/>
+        </a:xfrm>
+      </p:grpSpPr>
+      <p:sp>
+        <p:nvSpPr>
+          <p:cNvPr id="2" name="Titre 1">
+            <a:extLst>
+              <a:ext uri="{FF2B5EF4-FFF2-40B4-BE49-F238E27FC236}">
+                <a16:creationId xmlns:a16="http://schemas.microsoft.com/office/drawing/2014/main" id="{0FB2255D-4B14-4A1F-9ED4-854209343D20}"/>
+              </a:ext>
+            </a:extLst>
+          </p:cNvPr>
+          <p:cNvSpPr>
+            <a:spLocks noGrp="1"/>
+          </p:cNvSpPr>
+          <p:nvPr>
+            <p:ph type="title"/>
+          </p:nvPr>
+        </p:nvSpPr>
+        <p:spPr/>
+        <p:txBody>
+          <a:bodyPr/>
+          <a:lstStyle/>
+          <a:p>
+            <a:r>
+              <a:rPr lang="fr-FR" dirty="0"/>
+              <a:t>Pandas</a:t>
+            </a:r>
+            <a:br>
+              <a:rPr lang="fr-FR" dirty="0"/>
+            </a:br>
+            <a:r>
+              <a:rPr lang="fr-FR" dirty="0"/>
+              <a:t>Opérateurs </a:t>
+            </a:r>
+            <a:r>
+              <a:rPr lang="fr-FR" dirty="0" err="1"/>
+              <a:t>loc</a:t>
+            </a:r>
+            <a:r>
+              <a:rPr lang="fr-FR" dirty="0"/>
+              <a:t> &amp; </a:t>
+            </a:r>
+            <a:r>
+              <a:rPr lang="fr-FR" dirty="0" err="1"/>
+              <a:t>iloc</a:t>
+            </a:r>
+            <a:endParaRPr lang="fr-FR" dirty="0"/>
+          </a:p>
+        </p:txBody>
+      </p:sp>
+      <p:sp>
+        <p:nvSpPr>
+          <p:cNvPr id="3" name="Espace réservé du contenu 2">
+            <a:extLst>
+              <a:ext uri="{FF2B5EF4-FFF2-40B4-BE49-F238E27FC236}">
+                <a16:creationId xmlns:a16="http://schemas.microsoft.com/office/drawing/2014/main" id="{5A3057F6-3FDD-4DC3-96BE-42E139C30456}"/>
+              </a:ext>
+            </a:extLst>
+          </p:cNvPr>
+          <p:cNvSpPr>
+            <a:spLocks noGrp="1"/>
+          </p:cNvSpPr>
+          <p:nvPr>
+            <p:ph idx="1"/>
+          </p:nvPr>
+        </p:nvSpPr>
+        <p:spPr/>
+        <p:txBody>
+          <a:bodyPr/>
+          <a:lstStyle/>
+          <a:p>
+            <a:r>
+              <a:rPr lang="fr-FR" b="1" dirty="0" err="1"/>
+              <a:t>loc</a:t>
+            </a:r>
+            <a:r>
+              <a:rPr lang="fr-FR" dirty="0"/>
+              <a:t> est basé sur les labels. </a:t>
+            </a:r>
+          </a:p>
+          <a:p>
+            <a:pPr lvl="1"/>
+            <a:r>
+              <a:rPr lang="fr-FR" dirty="0"/>
+              <a:t>Il sera utilisé dans le cas où on spécifie les noms de lignes et les noms de colonnes auxquelles nous </a:t>
+            </a:r>
+            <a:r>
+              <a:rPr lang="fr-FR" dirty="0" err="1"/>
+              <a:t>vons</a:t>
+            </a:r>
+            <a:r>
+              <a:rPr lang="fr-FR" dirty="0"/>
+              <a:t> accéder</a:t>
+            </a:r>
+          </a:p>
+          <a:p>
+            <a:r>
+              <a:rPr lang="fr-FR" b="1" dirty="0" err="1"/>
+              <a:t>iloc</a:t>
+            </a:r>
+            <a:r>
+              <a:rPr lang="fr-FR" dirty="0"/>
+              <a:t> est basé sur les index entiers</a:t>
+            </a:r>
+          </a:p>
+          <a:p>
+            <a:pPr lvl="1"/>
+            <a:r>
+              <a:rPr lang="fr-FR" dirty="0"/>
+              <a:t>Il sera utilisé si on spécifie le numéro de la ligne et/ou le numéro de la colonne</a:t>
+            </a:r>
+          </a:p>
+        </p:txBody>
+      </p:sp>
+    </p:spTree>
+    <p:extLst>
+      <p:ext uri="{BB962C8B-B14F-4D97-AF65-F5344CB8AC3E}">
+        <p14:creationId xmlns:p14="http://schemas.microsoft.com/office/powerpoint/2010/main" val="2005734285"/>
+      </p:ext>
+    </p:extLst>
+  </p:cSld>
+  <p:clrMapOvr>
+    <a:masterClrMapping/>
+  </p:clrMapOvr>
+</p:sld>
+</file>
+
+<file path=ppt/slides/slide64.xml><?xml version="1.0" encoding="utf-8"?>
+<p:sld xmlns:a="http://schemas.openxmlformats.org/drawingml/2006/main" xmlns:r="http://schemas.openxmlformats.org/officeDocument/2006/relationships" xmlns:p="http://schemas.openxmlformats.org/presentationml/2006/main">
+  <p:cSld>
+    <p:spTree>
+      <p:nvGrpSpPr>
+        <p:cNvPr id="1" name=""/>
+        <p:cNvGrpSpPr/>
+        <p:nvPr/>
+      </p:nvGrpSpPr>
+      <p:grpSpPr>
+        <a:xfrm>
+          <a:off x="0" y="0"/>
+          <a:ext cx="0" cy="0"/>
+          <a:chOff x="0" y="0"/>
+          <a:chExt cx="0" cy="0"/>
+        </a:xfrm>
+      </p:grpSpPr>
+      <p:sp>
+        <p:nvSpPr>
+          <p:cNvPr id="2" name="Titre 1">
+            <a:extLst>
+              <a:ext uri="{FF2B5EF4-FFF2-40B4-BE49-F238E27FC236}">
+                <a16:creationId xmlns:a16="http://schemas.microsoft.com/office/drawing/2014/main" id="{C70AB6D5-67A2-4A26-B29D-81BDBADBE389}"/>
+              </a:ext>
+            </a:extLst>
+          </p:cNvPr>
+          <p:cNvSpPr>
+            <a:spLocks noGrp="1"/>
+          </p:cNvSpPr>
+          <p:nvPr>
+            <p:ph type="title"/>
+          </p:nvPr>
+        </p:nvSpPr>
+        <p:spPr/>
+        <p:txBody>
+          <a:bodyPr/>
+          <a:lstStyle/>
+          <a:p>
+            <a:r>
+              <a:rPr lang="fr-FR" dirty="0"/>
+              <a:t>Pandas</a:t>
+            </a:r>
+            <a:br>
+              <a:rPr lang="fr-FR" dirty="0"/>
+            </a:br>
+            <a:r>
+              <a:rPr lang="fr-FR" dirty="0"/>
+              <a:t>Opérateurs </a:t>
+            </a:r>
+            <a:r>
+              <a:rPr lang="fr-FR" dirty="0" err="1"/>
+              <a:t>loc</a:t>
+            </a:r>
+            <a:endParaRPr lang="fr-FR" dirty="0"/>
+          </a:p>
+        </p:txBody>
+      </p:sp>
+      <p:sp>
+        <p:nvSpPr>
+          <p:cNvPr id="3" name="Espace réservé du contenu 2">
+            <a:extLst>
+              <a:ext uri="{FF2B5EF4-FFF2-40B4-BE49-F238E27FC236}">
+                <a16:creationId xmlns:a16="http://schemas.microsoft.com/office/drawing/2014/main" id="{33CBD93A-58CD-4460-B013-11B2883ADE85}"/>
+              </a:ext>
+            </a:extLst>
+          </p:cNvPr>
+          <p:cNvSpPr>
+            <a:spLocks noGrp="1"/>
+          </p:cNvSpPr>
+          <p:nvPr>
+            <p:ph idx="1"/>
+          </p:nvPr>
+        </p:nvSpPr>
+        <p:spPr/>
+        <p:txBody>
+          <a:bodyPr/>
+          <a:lstStyle/>
+          <a:p>
+            <a:pPr marL="0" indent="0">
+              <a:buNone/>
+            </a:pPr>
+            <a:r>
+              <a:rPr lang="fr-FR" b="1" dirty="0"/>
+              <a:t>Trouver toutes les lignes selon des conditions sur une colonne</a:t>
+            </a:r>
+          </a:p>
+          <a:p>
+            <a:pPr marL="0" indent="0">
+              <a:buNone/>
+            </a:pPr>
+            <a:endParaRPr lang="fr-FR" b="1" dirty="0"/>
+          </a:p>
+        </p:txBody>
+      </p:sp>
+      <p:pic>
+        <p:nvPicPr>
+          <p:cNvPr id="5" name="Image 4">
+            <a:extLst>
+              <a:ext uri="{FF2B5EF4-FFF2-40B4-BE49-F238E27FC236}">
+                <a16:creationId xmlns:a16="http://schemas.microsoft.com/office/drawing/2014/main" id="{045EDAE9-6860-4CDD-BB38-79A693DC1777}"/>
+              </a:ext>
+            </a:extLst>
+          </p:cNvPr>
+          <p:cNvPicPr>
+            <a:picLocks noChangeAspect="1"/>
+          </p:cNvPicPr>
+          <p:nvPr/>
+        </p:nvPicPr>
+        <p:blipFill>
+          <a:blip r:embed="rId2"/>
+          <a:stretch>
+            <a:fillRect/>
+          </a:stretch>
+        </p:blipFill>
+        <p:spPr>
+          <a:xfrm>
+            <a:off x="838200" y="2529922"/>
+            <a:ext cx="4544059" cy="3962953"/>
+          </a:xfrm>
+          <a:prstGeom prst="rect">
+            <a:avLst/>
+          </a:prstGeom>
+        </p:spPr>
+      </p:pic>
+    </p:spTree>
+    <p:extLst>
+      <p:ext uri="{BB962C8B-B14F-4D97-AF65-F5344CB8AC3E}">
+        <p14:creationId xmlns:p14="http://schemas.microsoft.com/office/powerpoint/2010/main" val="108518898"/>
+      </p:ext>
+    </p:extLst>
+  </p:cSld>
+  <p:clrMapOvr>
+    <a:masterClrMapping/>
+  </p:clrMapOvr>
+</p:sld>
+</file>
+
+<file path=ppt/slides/slide65.xml><?xml version="1.0" encoding="utf-8"?>
+<p:sld xmlns:a="http://schemas.openxmlformats.org/drawingml/2006/main" xmlns:r="http://schemas.openxmlformats.org/officeDocument/2006/relationships" xmlns:p="http://schemas.openxmlformats.org/presentationml/2006/main">
+  <p:cSld>
+    <p:spTree>
+      <p:nvGrpSpPr>
+        <p:cNvPr id="1" name=""/>
+        <p:cNvGrpSpPr/>
+        <p:nvPr/>
+      </p:nvGrpSpPr>
+      <p:grpSpPr>
+        <a:xfrm>
+          <a:off x="0" y="0"/>
+          <a:ext cx="0" cy="0"/>
+          <a:chOff x="0" y="0"/>
+          <a:chExt cx="0" cy="0"/>
+        </a:xfrm>
+      </p:grpSpPr>
+      <p:sp>
+        <p:nvSpPr>
+          <p:cNvPr id="2" name="Titre 1">
+            <a:extLst>
+              <a:ext uri="{FF2B5EF4-FFF2-40B4-BE49-F238E27FC236}">
+                <a16:creationId xmlns:a16="http://schemas.microsoft.com/office/drawing/2014/main" id="{C70AB6D5-67A2-4A26-B29D-81BDBADBE389}"/>
+              </a:ext>
+            </a:extLst>
+          </p:cNvPr>
+          <p:cNvSpPr>
+            <a:spLocks noGrp="1"/>
+          </p:cNvSpPr>
+          <p:nvPr>
+            <p:ph type="title"/>
+          </p:nvPr>
+        </p:nvSpPr>
+        <p:spPr/>
+        <p:txBody>
+          <a:bodyPr/>
+          <a:lstStyle/>
+          <a:p>
+            <a:r>
+              <a:rPr lang="fr-FR" dirty="0"/>
+              <a:t>Pandas</a:t>
+            </a:r>
+            <a:br>
+              <a:rPr lang="fr-FR" dirty="0"/>
+            </a:br>
+            <a:r>
+              <a:rPr lang="fr-FR" dirty="0"/>
+              <a:t>Opérateurs </a:t>
+            </a:r>
+            <a:r>
+              <a:rPr lang="fr-FR" dirty="0" err="1"/>
+              <a:t>loc</a:t>
+            </a:r>
+            <a:endParaRPr lang="fr-FR" dirty="0"/>
+          </a:p>
+        </p:txBody>
+      </p:sp>
+      <p:sp>
+        <p:nvSpPr>
+          <p:cNvPr id="3" name="Espace réservé du contenu 2">
+            <a:extLst>
+              <a:ext uri="{FF2B5EF4-FFF2-40B4-BE49-F238E27FC236}">
+                <a16:creationId xmlns:a16="http://schemas.microsoft.com/office/drawing/2014/main" id="{33CBD93A-58CD-4460-B013-11B2883ADE85}"/>
+              </a:ext>
+            </a:extLst>
+          </p:cNvPr>
+          <p:cNvSpPr>
+            <a:spLocks noGrp="1"/>
+          </p:cNvSpPr>
+          <p:nvPr>
+            <p:ph idx="1"/>
+          </p:nvPr>
+        </p:nvSpPr>
+        <p:spPr/>
+        <p:txBody>
+          <a:bodyPr/>
+          <a:lstStyle/>
+          <a:p>
+            <a:pPr marL="0" indent="0">
+              <a:buNone/>
+            </a:pPr>
+            <a:r>
+              <a:rPr lang="fr-FR" b="1" dirty="0"/>
+              <a:t>Trouver un ensemble de lignes</a:t>
+            </a:r>
+          </a:p>
+          <a:p>
+            <a:pPr marL="0" indent="0">
+              <a:buNone/>
+            </a:pPr>
+            <a:endParaRPr lang="fr-FR" b="1" dirty="0"/>
+          </a:p>
+        </p:txBody>
+      </p:sp>
+      <p:pic>
+        <p:nvPicPr>
+          <p:cNvPr id="6" name="Image 5">
+            <a:extLst>
+              <a:ext uri="{FF2B5EF4-FFF2-40B4-BE49-F238E27FC236}">
+                <a16:creationId xmlns:a16="http://schemas.microsoft.com/office/drawing/2014/main" id="{121830B4-374A-4FA4-A68A-46888546539E}"/>
+              </a:ext>
+            </a:extLst>
+          </p:cNvPr>
+          <p:cNvPicPr>
+            <a:picLocks noChangeAspect="1"/>
+          </p:cNvPicPr>
+          <p:nvPr/>
+        </p:nvPicPr>
+        <p:blipFill>
+          <a:blip r:embed="rId2"/>
+          <a:stretch>
+            <a:fillRect/>
+          </a:stretch>
+        </p:blipFill>
+        <p:spPr>
+          <a:xfrm>
+            <a:off x="838200" y="2504303"/>
+            <a:ext cx="4591691" cy="1857634"/>
+          </a:xfrm>
+          <a:prstGeom prst="rect">
+            <a:avLst/>
+          </a:prstGeom>
+        </p:spPr>
+      </p:pic>
+      <p:sp>
+        <p:nvSpPr>
+          <p:cNvPr id="7" name="ZoneTexte 6">
+            <a:extLst>
+              <a:ext uri="{FF2B5EF4-FFF2-40B4-BE49-F238E27FC236}">
+                <a16:creationId xmlns:a16="http://schemas.microsoft.com/office/drawing/2014/main" id="{B8536555-FDDD-406D-B19D-E13F8A7A9289}"/>
+              </a:ext>
+            </a:extLst>
+          </p:cNvPr>
+          <p:cNvSpPr txBox="1"/>
+          <p:nvPr/>
+        </p:nvSpPr>
+        <p:spPr>
+          <a:xfrm>
+            <a:off x="6096000" y="2512381"/>
+            <a:ext cx="5746812" cy="1754326"/>
+          </a:xfrm>
+          <a:prstGeom prst="rect">
+            <a:avLst/>
+          </a:prstGeom>
+          <a:solidFill>
+            <a:schemeClr val="tx1"/>
+          </a:solidFill>
+        </p:spPr>
+        <p:txBody>
+          <a:bodyPr wrap="square" rtlCol="0">
+            <a:spAutoFit/>
+          </a:bodyPr>
+          <a:lstStyle/>
+          <a:p>
+            <a:r>
+              <a:rPr lang="fr-FR" b="1" dirty="0">
+                <a:solidFill>
+                  <a:srgbClr val="FF0000"/>
+                </a:solidFill>
+              </a:rPr>
+              <a:t>ATTENTION!!!! Il ne s’agit pas des lignes 1 à 3</a:t>
+            </a:r>
+          </a:p>
+          <a:p>
+            <a:r>
+              <a:rPr lang="fr-FR" b="1" dirty="0">
+                <a:solidFill>
+                  <a:srgbClr val="FF0000"/>
+                </a:solidFill>
+              </a:rPr>
+              <a:t>Il s’agit des </a:t>
+            </a:r>
+            <a:r>
+              <a:rPr lang="fr-FR" b="1" dirty="0" err="1">
+                <a:solidFill>
+                  <a:srgbClr val="FF0000"/>
+                </a:solidFill>
+              </a:rPr>
+              <a:t>indexs</a:t>
+            </a:r>
+            <a:r>
+              <a:rPr lang="fr-FR" b="1" dirty="0">
+                <a:solidFill>
+                  <a:srgbClr val="FF0000"/>
+                </a:solidFill>
+              </a:rPr>
+              <a:t>!</a:t>
+            </a:r>
+          </a:p>
+          <a:p>
+            <a:r>
+              <a:rPr lang="fr-FR" b="1" dirty="0">
+                <a:solidFill>
+                  <a:srgbClr val="FF0000"/>
+                </a:solidFill>
+              </a:rPr>
+              <a:t>Si </a:t>
+            </a:r>
+            <a:r>
+              <a:rPr lang="fr-FR" b="1" dirty="0" err="1">
+                <a:solidFill>
+                  <a:srgbClr val="FF0000"/>
+                </a:solidFill>
+              </a:rPr>
+              <a:t>indexs</a:t>
+            </a:r>
+            <a:r>
+              <a:rPr lang="fr-FR" b="1" dirty="0">
+                <a:solidFill>
+                  <a:srgbClr val="FF0000"/>
+                </a:solidFill>
+              </a:rPr>
+              <a:t> non chiffrés, alors pas possible d’utiliser cette notation.</a:t>
+            </a:r>
+          </a:p>
+          <a:p>
+            <a:r>
+              <a:rPr lang="fr-FR" b="1" dirty="0">
+                <a:solidFill>
+                  <a:srgbClr val="FF0000"/>
+                </a:solidFill>
+              </a:rPr>
+              <a:t>Si les </a:t>
+            </a:r>
+            <a:r>
+              <a:rPr lang="fr-FR" b="1" dirty="0" err="1">
+                <a:solidFill>
+                  <a:srgbClr val="FF0000"/>
+                </a:solidFill>
+              </a:rPr>
+              <a:t>indexs</a:t>
+            </a:r>
+            <a:r>
+              <a:rPr lang="fr-FR" b="1" dirty="0">
+                <a:solidFill>
+                  <a:srgbClr val="FF0000"/>
+                </a:solidFill>
+              </a:rPr>
+              <a:t> sont dans le désordre (suite à un sort par exemple), 1:3 ne fonctionne plus.</a:t>
+            </a:r>
+          </a:p>
+        </p:txBody>
+      </p:sp>
+    </p:spTree>
+    <p:extLst>
+      <p:ext uri="{BB962C8B-B14F-4D97-AF65-F5344CB8AC3E}">
+        <p14:creationId xmlns:p14="http://schemas.microsoft.com/office/powerpoint/2010/main" val="1768801599"/>
+      </p:ext>
+    </p:extLst>
+  </p:cSld>
+  <p:clrMapOvr>
+    <a:masterClrMapping/>
+  </p:clrMapOvr>
+</p:sld>
+</file>
+
+<file path=ppt/slides/slide66.xml><?xml version="1.0" encoding="utf-8"?>
+<p:sld xmlns:a="http://schemas.openxmlformats.org/drawingml/2006/main" xmlns:r="http://schemas.openxmlformats.org/officeDocument/2006/relationships" xmlns:p="http://schemas.openxmlformats.org/presentationml/2006/main">
+  <p:cSld>
+    <p:spTree>
+      <p:nvGrpSpPr>
+        <p:cNvPr id="1" name=""/>
+        <p:cNvGrpSpPr/>
+        <p:nvPr/>
+      </p:nvGrpSpPr>
+      <p:grpSpPr>
+        <a:xfrm>
+          <a:off x="0" y="0"/>
+          <a:ext cx="0" cy="0"/>
+          <a:chOff x="0" y="0"/>
+          <a:chExt cx="0" cy="0"/>
+        </a:xfrm>
+      </p:grpSpPr>
+      <p:sp>
+        <p:nvSpPr>
+          <p:cNvPr id="2" name="Titre 1">
+            <a:extLst>
+              <a:ext uri="{FF2B5EF4-FFF2-40B4-BE49-F238E27FC236}">
+                <a16:creationId xmlns:a16="http://schemas.microsoft.com/office/drawing/2014/main" id="{3787B122-0A7C-4D47-A179-3DE0F259F706}"/>
+              </a:ext>
+            </a:extLst>
+          </p:cNvPr>
+          <p:cNvSpPr>
+            <a:spLocks noGrp="1"/>
+          </p:cNvSpPr>
+          <p:nvPr>
+            <p:ph type="title"/>
+          </p:nvPr>
+        </p:nvSpPr>
+        <p:spPr/>
+        <p:txBody>
+          <a:bodyPr/>
+          <a:lstStyle/>
+          <a:p>
+            <a:r>
+              <a:rPr lang="fr-FR" dirty="0"/>
+              <a:t>Pandas</a:t>
+            </a:r>
+            <a:br>
+              <a:rPr lang="fr-FR" dirty="0"/>
+            </a:br>
+            <a:r>
+              <a:rPr lang="fr-FR" dirty="0"/>
+              <a:t>Opérateurs </a:t>
+            </a:r>
+            <a:r>
+              <a:rPr lang="fr-FR" dirty="0" err="1"/>
+              <a:t>loc</a:t>
+            </a:r>
+            <a:endParaRPr lang="fr-FR" dirty="0"/>
+          </a:p>
+        </p:txBody>
+      </p:sp>
+      <p:pic>
+        <p:nvPicPr>
+          <p:cNvPr id="5" name="Espace réservé du contenu 4">
+            <a:extLst>
+              <a:ext uri="{FF2B5EF4-FFF2-40B4-BE49-F238E27FC236}">
+                <a16:creationId xmlns:a16="http://schemas.microsoft.com/office/drawing/2014/main" id="{9E96B14D-AFD9-4B86-96CC-7C857BF54730}"/>
+              </a:ext>
+            </a:extLst>
+          </p:cNvPr>
+          <p:cNvPicPr>
+            <a:picLocks noGrp="1" noChangeAspect="1"/>
+          </p:cNvPicPr>
+          <p:nvPr>
+            <p:ph idx="1"/>
+          </p:nvPr>
+        </p:nvPicPr>
+        <p:blipFill>
+          <a:blip r:embed="rId2"/>
+          <a:stretch>
+            <a:fillRect/>
+          </a:stretch>
+        </p:blipFill>
+        <p:spPr>
+          <a:xfrm>
+            <a:off x="838200" y="2313896"/>
+            <a:ext cx="4049274" cy="4351338"/>
+          </a:xfrm>
+        </p:spPr>
+      </p:pic>
+      <p:sp>
+        <p:nvSpPr>
+          <p:cNvPr id="6" name="ZoneTexte 5">
+            <a:extLst>
+              <a:ext uri="{FF2B5EF4-FFF2-40B4-BE49-F238E27FC236}">
+                <a16:creationId xmlns:a16="http://schemas.microsoft.com/office/drawing/2014/main" id="{FC599E57-670D-419C-B230-B87FF75D5F1C}"/>
+              </a:ext>
+            </a:extLst>
+          </p:cNvPr>
+          <p:cNvSpPr txBox="1"/>
+          <p:nvPr/>
+        </p:nvSpPr>
+        <p:spPr>
+          <a:xfrm>
+            <a:off x="6096000" y="2512381"/>
+            <a:ext cx="5746812" cy="1754326"/>
+          </a:xfrm>
+          <a:prstGeom prst="rect">
+            <a:avLst/>
+          </a:prstGeom>
+          <a:solidFill>
+            <a:schemeClr val="tx1"/>
+          </a:solidFill>
+        </p:spPr>
+        <p:txBody>
+          <a:bodyPr wrap="square" rtlCol="0">
+            <a:spAutoFit/>
+          </a:bodyPr>
+          <a:lstStyle/>
+          <a:p>
+            <a:r>
+              <a:rPr lang="fr-FR" b="1" dirty="0">
+                <a:solidFill>
+                  <a:srgbClr val="FF0000"/>
+                </a:solidFill>
+              </a:rPr>
+              <a:t>ATTENTION!!!! Il ne s’agit pas des lignes 1 à 3</a:t>
+            </a:r>
+          </a:p>
+          <a:p>
+            <a:r>
+              <a:rPr lang="fr-FR" b="1" dirty="0">
+                <a:solidFill>
+                  <a:srgbClr val="FF0000"/>
+                </a:solidFill>
+              </a:rPr>
+              <a:t>Il s’agit des </a:t>
+            </a:r>
+            <a:r>
+              <a:rPr lang="fr-FR" b="1" dirty="0" err="1">
+                <a:solidFill>
+                  <a:srgbClr val="FF0000"/>
+                </a:solidFill>
+              </a:rPr>
+              <a:t>indexs</a:t>
+            </a:r>
+            <a:r>
+              <a:rPr lang="fr-FR" b="1" dirty="0">
+                <a:solidFill>
+                  <a:srgbClr val="FF0000"/>
+                </a:solidFill>
+              </a:rPr>
+              <a:t>!</a:t>
+            </a:r>
+          </a:p>
+          <a:p>
+            <a:r>
+              <a:rPr lang="fr-FR" b="1" dirty="0">
+                <a:solidFill>
+                  <a:srgbClr val="FF0000"/>
+                </a:solidFill>
+              </a:rPr>
+              <a:t>Si </a:t>
+            </a:r>
+            <a:r>
+              <a:rPr lang="fr-FR" b="1" dirty="0" err="1">
+                <a:solidFill>
+                  <a:srgbClr val="FF0000"/>
+                </a:solidFill>
+              </a:rPr>
+              <a:t>indexs</a:t>
+            </a:r>
+            <a:r>
+              <a:rPr lang="fr-FR" b="1" dirty="0">
+                <a:solidFill>
+                  <a:srgbClr val="FF0000"/>
+                </a:solidFill>
+              </a:rPr>
+              <a:t> non chiffrés, alors pas possible d’utiliser cette notation.</a:t>
+            </a:r>
+          </a:p>
+          <a:p>
+            <a:r>
+              <a:rPr lang="fr-FR" b="1" dirty="0">
+                <a:solidFill>
+                  <a:srgbClr val="FF0000"/>
+                </a:solidFill>
+              </a:rPr>
+              <a:t>Si les </a:t>
+            </a:r>
+            <a:r>
+              <a:rPr lang="fr-FR" b="1" dirty="0" err="1">
+                <a:solidFill>
+                  <a:srgbClr val="FF0000"/>
+                </a:solidFill>
+              </a:rPr>
+              <a:t>indexs</a:t>
+            </a:r>
+            <a:r>
+              <a:rPr lang="fr-FR" b="1" dirty="0">
+                <a:solidFill>
+                  <a:srgbClr val="FF0000"/>
+                </a:solidFill>
+              </a:rPr>
+              <a:t> sont dans le désordre (suite à un sort par exemple), 1:3 ne fonctionne plus.</a:t>
+            </a:r>
+          </a:p>
+        </p:txBody>
+      </p:sp>
+      <p:sp>
+        <p:nvSpPr>
+          <p:cNvPr id="7" name="Espace réservé du contenu 2">
+            <a:extLst>
+              <a:ext uri="{FF2B5EF4-FFF2-40B4-BE49-F238E27FC236}">
+                <a16:creationId xmlns:a16="http://schemas.microsoft.com/office/drawing/2014/main" id="{F986FDEA-239D-446D-A12C-FC2AF58E527A}"/>
+              </a:ext>
+            </a:extLst>
+          </p:cNvPr>
+          <p:cNvSpPr txBox="1">
+            <a:spLocks/>
+          </p:cNvSpPr>
+          <p:nvPr/>
+        </p:nvSpPr>
+        <p:spPr>
+          <a:xfrm>
+            <a:off x="838200" y="1825625"/>
+            <a:ext cx="10515600" cy="4351338"/>
+          </a:xfrm>
+          <a:prstGeom prst="rect">
+            <a:avLst/>
+          </a:prstGeom>
+        </p:spPr>
+        <p:txBody>
+          <a:bodyPr vert="horz" lIns="91440" tIns="45720" rIns="91440" bIns="45720" rtlCol="0">
+            <a:normAutofit/>
+          </a:bodyPr>
+          <a:lstStyle>
+            <a:lvl1pPr marL="228600" indent="-228600" algn="l" defTabSz="914400" rtl="0" eaLnBrk="1" latinLnBrk="0" hangingPunct="1">
+              <a:lnSpc>
+                <a:spcPct val="90000"/>
+              </a:lnSpc>
+              <a:spcBef>
+                <a:spcPts val="1000"/>
+              </a:spcBef>
+              <a:buFont typeface="Arial" panose="020B0604020202020204" pitchFamily="34" charset="0"/>
+              <a:buChar char="•"/>
+              <a:defRPr sz="2800" kern="1200">
+                <a:solidFill>
+                  <a:schemeClr val="tx1"/>
+                </a:solidFill>
+                <a:latin typeface="+mn-lt"/>
+                <a:ea typeface="+mn-ea"/>
+                <a:cs typeface="+mn-cs"/>
+              </a:defRPr>
+            </a:lvl1pPr>
+            <a:lvl2pPr marL="685800" indent="-228600" algn="l" defTabSz="914400" rtl="0" eaLnBrk="1" latinLnBrk="0" hangingPunct="1">
+              <a:lnSpc>
+                <a:spcPct val="90000"/>
+              </a:lnSpc>
+              <a:spcBef>
+                <a:spcPts val="500"/>
+              </a:spcBef>
+              <a:buFont typeface="Arial" panose="020B0604020202020204" pitchFamily="34" charset="0"/>
+              <a:buChar char="•"/>
+              <a:defRPr sz="2400" kern="1200">
+                <a:solidFill>
+                  <a:schemeClr val="tx1"/>
+                </a:solidFill>
+                <a:latin typeface="+mn-lt"/>
+                <a:ea typeface="+mn-ea"/>
+                <a:cs typeface="+mn-cs"/>
+              </a:defRPr>
+            </a:lvl2pPr>
+            <a:lvl3pPr marL="1143000" indent="-228600" algn="l" defTabSz="914400" rtl="0" eaLnBrk="1" latinLnBrk="0" hangingPunct="1">
+              <a:lnSpc>
+                <a:spcPct val="90000"/>
+              </a:lnSpc>
+              <a:spcBef>
+                <a:spcPts val="500"/>
+              </a:spcBef>
+              <a:buFont typeface="Arial" panose="020B0604020202020204" pitchFamily="34" charset="0"/>
+              <a:buChar char="•"/>
+              <a:defRPr sz="2000" kern="1200">
+                <a:solidFill>
+                  <a:schemeClr val="tx1"/>
+                </a:solidFill>
+                <a:latin typeface="+mn-lt"/>
+                <a:ea typeface="+mn-ea"/>
+                <a:cs typeface="+mn-cs"/>
+              </a:defRPr>
+            </a:lvl3pPr>
+            <a:lvl4pPr marL="1600200" indent="-228600" algn="l" defTabSz="914400" rtl="0" eaLnBrk="1" latinLnBrk="0" hangingPunct="1">
+              <a:lnSpc>
+                <a:spcPct val="90000"/>
+              </a:lnSpc>
+              <a:spcBef>
+                <a:spcPts val="500"/>
+              </a:spcBef>
+              <a:buFont typeface="Arial" panose="020B0604020202020204" pitchFamily="34" charset="0"/>
+              <a:buChar char="•"/>
+              <a:defRPr sz="1800" kern="1200">
+                <a:solidFill>
+                  <a:schemeClr val="tx1"/>
+                </a:solidFill>
+                <a:latin typeface="+mn-lt"/>
+                <a:ea typeface="+mn-ea"/>
+                <a:cs typeface="+mn-cs"/>
+              </a:defRPr>
+            </a:lvl4pPr>
+            <a:lvl5pPr marL="2057400" indent="-228600" algn="l" defTabSz="914400" rtl="0" eaLnBrk="1" latinLnBrk="0" hangingPunct="1">
+              <a:lnSpc>
+                <a:spcPct val="90000"/>
+              </a:lnSpc>
+              <a:spcBef>
+                <a:spcPts val="500"/>
+              </a:spcBef>
+              <a:buFont typeface="Arial" panose="020B0604020202020204" pitchFamily="34" charset="0"/>
+              <a:buChar char="•"/>
+              <a:defRPr sz="1800" kern="1200">
+                <a:solidFill>
+                  <a:schemeClr val="tx1"/>
+                </a:solidFill>
+                <a:latin typeface="+mn-lt"/>
+                <a:ea typeface="+mn-ea"/>
+                <a:cs typeface="+mn-cs"/>
+              </a:defRPr>
+            </a:lvl5pPr>
+            <a:lvl6pPr marL="2514600" indent="-228600" algn="l" defTabSz="914400" rtl="0" eaLnBrk="1" latinLnBrk="0" hangingPunct="1">
+              <a:lnSpc>
+                <a:spcPct val="90000"/>
+              </a:lnSpc>
+              <a:spcBef>
+                <a:spcPts val="500"/>
+              </a:spcBef>
+              <a:buFont typeface="Arial" panose="020B0604020202020204" pitchFamily="34" charset="0"/>
+              <a:buChar char="•"/>
+              <a:defRPr sz="1800" kern="1200">
+                <a:solidFill>
+                  <a:schemeClr val="tx1"/>
+                </a:solidFill>
+                <a:latin typeface="+mn-lt"/>
+                <a:ea typeface="+mn-ea"/>
+                <a:cs typeface="+mn-cs"/>
+              </a:defRPr>
+            </a:lvl6pPr>
+            <a:lvl7pPr marL="2971800" indent="-228600" algn="l" defTabSz="914400" rtl="0" eaLnBrk="1" latinLnBrk="0" hangingPunct="1">
+              <a:lnSpc>
+                <a:spcPct val="90000"/>
+              </a:lnSpc>
+              <a:spcBef>
+                <a:spcPts val="500"/>
+              </a:spcBef>
+              <a:buFont typeface="Arial" panose="020B0604020202020204" pitchFamily="34" charset="0"/>
+              <a:buChar char="•"/>
+              <a:defRPr sz="1800" kern="1200">
+                <a:solidFill>
+                  <a:schemeClr val="tx1"/>
+                </a:solidFill>
+                <a:latin typeface="+mn-lt"/>
+                <a:ea typeface="+mn-ea"/>
+                <a:cs typeface="+mn-cs"/>
+              </a:defRPr>
+            </a:lvl7pPr>
+            <a:lvl8pPr marL="3429000" indent="-228600" algn="l" defTabSz="914400" rtl="0" eaLnBrk="1" latinLnBrk="0" hangingPunct="1">
+              <a:lnSpc>
+                <a:spcPct val="90000"/>
+              </a:lnSpc>
+              <a:spcBef>
+                <a:spcPts val="500"/>
+              </a:spcBef>
+              <a:buFont typeface="Arial" panose="020B0604020202020204" pitchFamily="34" charset="0"/>
+              <a:buChar char="•"/>
+              <a:defRPr sz="1800" kern="1200">
+                <a:solidFill>
+                  <a:schemeClr val="tx1"/>
+                </a:solidFill>
+                <a:latin typeface="+mn-lt"/>
+                <a:ea typeface="+mn-ea"/>
+                <a:cs typeface="+mn-cs"/>
+              </a:defRPr>
+            </a:lvl8pPr>
+            <a:lvl9pPr marL="3886200" indent="-228600" algn="l" defTabSz="914400" rtl="0" eaLnBrk="1" latinLnBrk="0" hangingPunct="1">
+              <a:lnSpc>
+                <a:spcPct val="90000"/>
+              </a:lnSpc>
+              <a:spcBef>
+                <a:spcPts val="500"/>
+              </a:spcBef>
+              <a:buFont typeface="Arial" panose="020B0604020202020204" pitchFamily="34" charset="0"/>
+              <a:buChar char="•"/>
+              <a:defRPr sz="1800" kern="1200">
+                <a:solidFill>
+                  <a:schemeClr val="tx1"/>
+                </a:solidFill>
+                <a:latin typeface="+mn-lt"/>
+                <a:ea typeface="+mn-ea"/>
+                <a:cs typeface="+mn-cs"/>
+              </a:defRPr>
+            </a:lvl9pPr>
+          </a:lstStyle>
+          <a:p>
+            <a:pPr marL="0" indent="0">
+              <a:buFont typeface="Arial" panose="020B0604020202020204" pitchFamily="34" charset="0"/>
+              <a:buNone/>
+            </a:pPr>
+            <a:r>
+              <a:rPr lang="fr-FR" b="1"/>
+              <a:t>Trouver un ensemble de lignes</a:t>
+            </a:r>
+          </a:p>
+          <a:p>
+            <a:pPr marL="0" indent="0">
+              <a:buFont typeface="Arial" panose="020B0604020202020204" pitchFamily="34" charset="0"/>
+              <a:buNone/>
+            </a:pPr>
+            <a:endParaRPr lang="fr-FR" b="1" dirty="0"/>
+          </a:p>
+        </p:txBody>
+      </p:sp>
+    </p:spTree>
+    <p:extLst>
+      <p:ext uri="{BB962C8B-B14F-4D97-AF65-F5344CB8AC3E}">
+        <p14:creationId xmlns:p14="http://schemas.microsoft.com/office/powerpoint/2010/main" val="2526527137"/>
+      </p:ext>
+    </p:extLst>
+  </p:cSld>
+  <p:clrMapOvr>
+    <a:masterClrMapping/>
+  </p:clrMapOvr>
+</p:sld>
+</file>
+
+<file path=ppt/slides/slide67.xml><?xml version="1.0" encoding="utf-8"?>
+<p:sld xmlns:a="http://schemas.openxmlformats.org/drawingml/2006/main" xmlns:r="http://schemas.openxmlformats.org/officeDocument/2006/relationships" xmlns:p="http://schemas.openxmlformats.org/presentationml/2006/main">
+  <p:cSld>
+    <p:spTree>
+      <p:nvGrpSpPr>
+        <p:cNvPr id="1" name=""/>
+        <p:cNvGrpSpPr/>
+        <p:nvPr/>
+      </p:nvGrpSpPr>
+      <p:grpSpPr>
+        <a:xfrm>
+          <a:off x="0" y="0"/>
+          <a:ext cx="0" cy="0"/>
+          <a:chOff x="0" y="0"/>
+          <a:chExt cx="0" cy="0"/>
+        </a:xfrm>
+      </p:grpSpPr>
+      <p:sp>
+        <p:nvSpPr>
+          <p:cNvPr id="2" name="Titre 1">
+            <a:extLst>
+              <a:ext uri="{FF2B5EF4-FFF2-40B4-BE49-F238E27FC236}">
+                <a16:creationId xmlns:a16="http://schemas.microsoft.com/office/drawing/2014/main" id="{C70AB6D5-67A2-4A26-B29D-81BDBADBE389}"/>
+              </a:ext>
+            </a:extLst>
+          </p:cNvPr>
+          <p:cNvSpPr>
+            <a:spLocks noGrp="1"/>
+          </p:cNvSpPr>
+          <p:nvPr>
+            <p:ph type="title"/>
+          </p:nvPr>
+        </p:nvSpPr>
+        <p:spPr/>
+        <p:txBody>
+          <a:bodyPr/>
+          <a:lstStyle/>
+          <a:p>
+            <a:r>
+              <a:rPr lang="fr-FR" dirty="0"/>
+              <a:t>Pandas</a:t>
+            </a:r>
+            <a:br>
+              <a:rPr lang="fr-FR" dirty="0"/>
+            </a:br>
+            <a:r>
+              <a:rPr lang="fr-FR" dirty="0"/>
+              <a:t>Opérateurs </a:t>
+            </a:r>
+            <a:r>
+              <a:rPr lang="fr-FR" dirty="0" err="1"/>
+              <a:t>loc</a:t>
+            </a:r>
+            <a:endParaRPr lang="fr-FR" dirty="0"/>
+          </a:p>
+        </p:txBody>
+      </p:sp>
+      <p:sp>
+        <p:nvSpPr>
+          <p:cNvPr id="3" name="Espace réservé du contenu 2">
+            <a:extLst>
+              <a:ext uri="{FF2B5EF4-FFF2-40B4-BE49-F238E27FC236}">
+                <a16:creationId xmlns:a16="http://schemas.microsoft.com/office/drawing/2014/main" id="{33CBD93A-58CD-4460-B013-11B2883ADE85}"/>
+              </a:ext>
+            </a:extLst>
+          </p:cNvPr>
+          <p:cNvSpPr>
+            <a:spLocks noGrp="1"/>
+          </p:cNvSpPr>
+          <p:nvPr>
+            <p:ph idx="1"/>
+          </p:nvPr>
+        </p:nvSpPr>
+        <p:spPr/>
+        <p:txBody>
+          <a:bodyPr/>
+          <a:lstStyle/>
+          <a:p>
+            <a:pPr marL="0" indent="0">
+              <a:buNone/>
+            </a:pPr>
+            <a:r>
+              <a:rPr lang="fr-FR" b="1" dirty="0"/>
+              <a:t>Sélectionner des colonnes</a:t>
+            </a:r>
+          </a:p>
+          <a:p>
+            <a:pPr marL="0" indent="0">
+              <a:buNone/>
+            </a:pPr>
+            <a:endParaRPr lang="fr-FR" b="1" dirty="0"/>
+          </a:p>
+        </p:txBody>
+      </p:sp>
+      <p:pic>
+        <p:nvPicPr>
+          <p:cNvPr id="5" name="Image 4">
+            <a:extLst>
+              <a:ext uri="{FF2B5EF4-FFF2-40B4-BE49-F238E27FC236}">
+                <a16:creationId xmlns:a16="http://schemas.microsoft.com/office/drawing/2014/main" id="{8B9D37B7-7DAD-4871-A869-C838614A1BD9}"/>
+              </a:ext>
+            </a:extLst>
+          </p:cNvPr>
+          <p:cNvPicPr>
+            <a:picLocks noChangeAspect="1"/>
+          </p:cNvPicPr>
+          <p:nvPr/>
+        </p:nvPicPr>
+        <p:blipFill>
+          <a:blip r:embed="rId2"/>
+          <a:stretch>
+            <a:fillRect/>
+          </a:stretch>
+        </p:blipFill>
+        <p:spPr>
+          <a:xfrm>
+            <a:off x="838200" y="2939108"/>
+            <a:ext cx="3753374" cy="2124371"/>
+          </a:xfrm>
+          <a:prstGeom prst="rect">
+            <a:avLst/>
+          </a:prstGeom>
+        </p:spPr>
+      </p:pic>
+    </p:spTree>
+    <p:extLst>
+      <p:ext uri="{BB962C8B-B14F-4D97-AF65-F5344CB8AC3E}">
+        <p14:creationId xmlns:p14="http://schemas.microsoft.com/office/powerpoint/2010/main" val="529042578"/>
+      </p:ext>
+    </p:extLst>
+  </p:cSld>
+  <p:clrMapOvr>
+    <a:masterClrMapping/>
+  </p:clrMapOvr>
+</p:sld>
+</file>
+
+<file path=ppt/slides/slide68.xml><?xml version="1.0" encoding="utf-8"?>
+<p:sld xmlns:a="http://schemas.openxmlformats.org/drawingml/2006/main" xmlns:r="http://schemas.openxmlformats.org/officeDocument/2006/relationships" xmlns:p="http://schemas.openxmlformats.org/presentationml/2006/main">
+  <p:cSld>
+    <p:spTree>
+      <p:nvGrpSpPr>
+        <p:cNvPr id="1" name=""/>
+        <p:cNvGrpSpPr/>
+        <p:nvPr/>
+      </p:nvGrpSpPr>
+      <p:grpSpPr>
+        <a:xfrm>
+          <a:off x="0" y="0"/>
+          <a:ext cx="0" cy="0"/>
+          <a:chOff x="0" y="0"/>
+          <a:chExt cx="0" cy="0"/>
+        </a:xfrm>
+      </p:grpSpPr>
+      <p:sp>
+        <p:nvSpPr>
+          <p:cNvPr id="2" name="Titre 1">
+            <a:extLst>
+              <a:ext uri="{FF2B5EF4-FFF2-40B4-BE49-F238E27FC236}">
+                <a16:creationId xmlns:a16="http://schemas.microsoft.com/office/drawing/2014/main" id="{C70AB6D5-67A2-4A26-B29D-81BDBADBE389}"/>
+              </a:ext>
+            </a:extLst>
+          </p:cNvPr>
+          <p:cNvSpPr>
+            <a:spLocks noGrp="1"/>
+          </p:cNvSpPr>
+          <p:nvPr>
+            <p:ph type="title"/>
+          </p:nvPr>
+        </p:nvSpPr>
+        <p:spPr/>
+        <p:txBody>
+          <a:bodyPr/>
+          <a:lstStyle/>
+          <a:p>
+            <a:r>
+              <a:rPr lang="fr-FR" dirty="0"/>
+              <a:t>Pandas</a:t>
+            </a:r>
+            <a:br>
+              <a:rPr lang="fr-FR" dirty="0"/>
+            </a:br>
+            <a:r>
+              <a:rPr lang="fr-FR" dirty="0"/>
+              <a:t>Opérateurs </a:t>
+            </a:r>
+            <a:r>
+              <a:rPr lang="fr-FR" dirty="0" err="1"/>
+              <a:t>loc</a:t>
+            </a:r>
+            <a:endParaRPr lang="fr-FR" dirty="0"/>
+          </a:p>
+        </p:txBody>
+      </p:sp>
+      <p:sp>
+        <p:nvSpPr>
+          <p:cNvPr id="3" name="Espace réservé du contenu 2">
+            <a:extLst>
+              <a:ext uri="{FF2B5EF4-FFF2-40B4-BE49-F238E27FC236}">
+                <a16:creationId xmlns:a16="http://schemas.microsoft.com/office/drawing/2014/main" id="{33CBD93A-58CD-4460-B013-11B2883ADE85}"/>
+              </a:ext>
+            </a:extLst>
+          </p:cNvPr>
+          <p:cNvSpPr>
+            <a:spLocks noGrp="1"/>
+          </p:cNvSpPr>
+          <p:nvPr>
+            <p:ph idx="1"/>
+          </p:nvPr>
+        </p:nvSpPr>
+        <p:spPr/>
+        <p:txBody>
+          <a:bodyPr/>
+          <a:lstStyle/>
+          <a:p>
+            <a:pPr marL="0" indent="0">
+              <a:buNone/>
+            </a:pPr>
+            <a:r>
+              <a:rPr lang="fr-FR" b="1" dirty="0"/>
+              <a:t>Update des valeurs</a:t>
+            </a:r>
+          </a:p>
+          <a:p>
+            <a:pPr marL="0" indent="0">
+              <a:buNone/>
+            </a:pPr>
+            <a:endParaRPr lang="fr-FR" b="1" dirty="0"/>
+          </a:p>
+        </p:txBody>
+      </p:sp>
+      <p:pic>
+        <p:nvPicPr>
+          <p:cNvPr id="6" name="Image 5">
+            <a:extLst>
+              <a:ext uri="{FF2B5EF4-FFF2-40B4-BE49-F238E27FC236}">
+                <a16:creationId xmlns:a16="http://schemas.microsoft.com/office/drawing/2014/main" id="{0ACEAE24-8F92-42C8-98D9-CC1362F0613F}"/>
+              </a:ext>
+            </a:extLst>
+          </p:cNvPr>
+          <p:cNvPicPr>
+            <a:picLocks noChangeAspect="1"/>
+          </p:cNvPicPr>
+          <p:nvPr/>
+        </p:nvPicPr>
+        <p:blipFill>
+          <a:blip r:embed="rId2"/>
+          <a:stretch>
+            <a:fillRect/>
+          </a:stretch>
+        </p:blipFill>
+        <p:spPr>
+          <a:xfrm>
+            <a:off x="838200" y="2621649"/>
+            <a:ext cx="5496692" cy="3315163"/>
+          </a:xfrm>
+          <a:prstGeom prst="rect">
+            <a:avLst/>
+          </a:prstGeom>
+        </p:spPr>
+      </p:pic>
+    </p:spTree>
+    <p:extLst>
+      <p:ext uri="{BB962C8B-B14F-4D97-AF65-F5344CB8AC3E}">
+        <p14:creationId xmlns:p14="http://schemas.microsoft.com/office/powerpoint/2010/main" val="298299159"/>
+      </p:ext>
+    </p:extLst>
+  </p:cSld>
+  <p:clrMapOvr>
+    <a:masterClrMapping/>
+  </p:clrMapOvr>
+</p:sld>
+</file>
+
+<file path=ppt/slides/slide69.xml><?xml version="1.0" encoding="utf-8"?>
+<p:sld xmlns:a="http://schemas.openxmlformats.org/drawingml/2006/main" xmlns:r="http://schemas.openxmlformats.org/officeDocument/2006/relationships" xmlns:p="http://schemas.openxmlformats.org/presentationml/2006/main">
+  <p:cSld>
+    <p:spTree>
+      <p:nvGrpSpPr>
+        <p:cNvPr id="1" name=""/>
+        <p:cNvGrpSpPr/>
+        <p:nvPr/>
+      </p:nvGrpSpPr>
+      <p:grpSpPr>
+        <a:xfrm>
+          <a:off x="0" y="0"/>
+          <a:ext cx="0" cy="0"/>
+          <a:chOff x="0" y="0"/>
+          <a:chExt cx="0" cy="0"/>
+        </a:xfrm>
+      </p:grpSpPr>
+      <p:sp>
+        <p:nvSpPr>
+          <p:cNvPr id="2" name="Titre 1">
+            <a:extLst>
+              <a:ext uri="{FF2B5EF4-FFF2-40B4-BE49-F238E27FC236}">
+                <a16:creationId xmlns:a16="http://schemas.microsoft.com/office/drawing/2014/main" id="{C70AB6D5-67A2-4A26-B29D-81BDBADBE389}"/>
+              </a:ext>
+            </a:extLst>
+          </p:cNvPr>
+          <p:cNvSpPr>
+            <a:spLocks noGrp="1"/>
+          </p:cNvSpPr>
+          <p:nvPr>
+            <p:ph type="title"/>
+          </p:nvPr>
+        </p:nvSpPr>
+        <p:spPr/>
+        <p:txBody>
+          <a:bodyPr/>
+          <a:lstStyle/>
+          <a:p>
+            <a:r>
+              <a:rPr lang="fr-FR" dirty="0"/>
+              <a:t>Pandas</a:t>
+            </a:r>
+            <a:br>
+              <a:rPr lang="fr-FR" dirty="0"/>
+            </a:br>
+            <a:r>
+              <a:rPr lang="fr-FR" dirty="0"/>
+              <a:t>Opérateurs </a:t>
+            </a:r>
+            <a:r>
+              <a:rPr lang="fr-FR" dirty="0" err="1"/>
+              <a:t>loc</a:t>
+            </a:r>
+            <a:endParaRPr lang="fr-FR" dirty="0"/>
+          </a:p>
+        </p:txBody>
+      </p:sp>
+      <p:sp>
+        <p:nvSpPr>
+          <p:cNvPr id="3" name="Espace réservé du contenu 2">
+            <a:extLst>
+              <a:ext uri="{FF2B5EF4-FFF2-40B4-BE49-F238E27FC236}">
+                <a16:creationId xmlns:a16="http://schemas.microsoft.com/office/drawing/2014/main" id="{33CBD93A-58CD-4460-B013-11B2883ADE85}"/>
+              </a:ext>
+            </a:extLst>
+          </p:cNvPr>
+          <p:cNvSpPr>
+            <a:spLocks noGrp="1"/>
+          </p:cNvSpPr>
+          <p:nvPr>
+            <p:ph idx="1"/>
+          </p:nvPr>
+        </p:nvSpPr>
+        <p:spPr/>
+        <p:txBody>
+          <a:bodyPr/>
+          <a:lstStyle/>
+          <a:p>
+            <a:pPr marL="0" indent="0">
+              <a:buNone/>
+            </a:pPr>
+            <a:r>
+              <a:rPr lang="fr-FR" b="1" dirty="0"/>
+              <a:t>Update des valeurs</a:t>
+            </a:r>
+          </a:p>
+          <a:p>
+            <a:pPr marL="0" indent="0">
+              <a:buNone/>
+            </a:pPr>
+            <a:endParaRPr lang="fr-FR" b="1" dirty="0"/>
+          </a:p>
+        </p:txBody>
+      </p:sp>
+      <p:pic>
+        <p:nvPicPr>
+          <p:cNvPr id="8" name="Image 7">
+            <a:extLst>
+              <a:ext uri="{FF2B5EF4-FFF2-40B4-BE49-F238E27FC236}">
+                <a16:creationId xmlns:a16="http://schemas.microsoft.com/office/drawing/2014/main" id="{BD43F16F-54A0-41FD-A4A3-4A2AC8B961C6}"/>
+              </a:ext>
+            </a:extLst>
+          </p:cNvPr>
+          <p:cNvPicPr>
+            <a:picLocks noChangeAspect="1"/>
+          </p:cNvPicPr>
+          <p:nvPr/>
+        </p:nvPicPr>
+        <p:blipFill>
+          <a:blip r:embed="rId2"/>
+          <a:stretch>
+            <a:fillRect/>
+          </a:stretch>
+        </p:blipFill>
+        <p:spPr>
+          <a:xfrm>
+            <a:off x="838200" y="2852274"/>
+            <a:ext cx="7059010" cy="3324689"/>
+          </a:xfrm>
+          <a:prstGeom prst="rect">
+            <a:avLst/>
+          </a:prstGeom>
+        </p:spPr>
+      </p:pic>
+    </p:spTree>
+    <p:extLst>
+      <p:ext uri="{BB962C8B-B14F-4D97-AF65-F5344CB8AC3E}">
+        <p14:creationId xmlns:p14="http://schemas.microsoft.com/office/powerpoint/2010/main" val="3813729347"/>
+      </p:ext>
+    </p:extLst>
+  </p:cSld>
+  <p:clrMapOvr>
+    <a:masterClrMapping/>
+  </p:clrMapOvr>
+</p:sld>
+</file>
+
 <file path=ppt/slides/slide7.xml><?xml version="1.0" encoding="utf-8"?>
 <p:sld xmlns:a="http://schemas.openxmlformats.org/drawingml/2006/main" xmlns:r="http://schemas.openxmlformats.org/officeDocument/2006/relationships" xmlns:p="http://schemas.openxmlformats.org/presentationml/2006/main">
   <p:cSld>
@@ -14178,6 +16008,215 @@
     <p:extLst>
       <p:ext uri="{BB962C8B-B14F-4D97-AF65-F5344CB8AC3E}">
         <p14:creationId xmlns:p14="http://schemas.microsoft.com/office/powerpoint/2010/main" val="1639796806"/>
+      </p:ext>
+    </p:extLst>
+  </p:cSld>
+  <p:clrMapOvr>
+    <a:masterClrMapping/>
+  </p:clrMapOvr>
+</p:sld>
+</file>
+
+<file path=ppt/slides/slide70.xml><?xml version="1.0" encoding="utf-8"?>
+<p:sld xmlns:a="http://schemas.openxmlformats.org/drawingml/2006/main" xmlns:r="http://schemas.openxmlformats.org/officeDocument/2006/relationships" xmlns:p="http://schemas.openxmlformats.org/presentationml/2006/main">
+  <p:cSld>
+    <p:bg>
+      <p:bgPr>
+        <a:solidFill>
+          <a:schemeClr val="accent5">
+            <a:lumMod val="40000"/>
+            <a:lumOff val="60000"/>
+          </a:schemeClr>
+        </a:solidFill>
+        <a:effectLst/>
+      </p:bgPr>
+    </p:bg>
+    <p:spTree>
+      <p:nvGrpSpPr>
+        <p:cNvPr id="1" name=""/>
+        <p:cNvGrpSpPr/>
+        <p:nvPr/>
+      </p:nvGrpSpPr>
+      <p:grpSpPr>
+        <a:xfrm>
+          <a:off x="0" y="0"/>
+          <a:ext cx="0" cy="0"/>
+          <a:chOff x="0" y="0"/>
+          <a:chExt cx="0" cy="0"/>
+        </a:xfrm>
+      </p:grpSpPr>
+      <p:sp>
+        <p:nvSpPr>
+          <p:cNvPr id="2" name="Titre 1">
+            <a:extLst>
+              <a:ext uri="{FF2B5EF4-FFF2-40B4-BE49-F238E27FC236}">
+                <a16:creationId xmlns:a16="http://schemas.microsoft.com/office/drawing/2014/main" id="{B40C3DA8-6902-4F4B-AD02-A73F6986E5A1}"/>
+              </a:ext>
+            </a:extLst>
+          </p:cNvPr>
+          <p:cNvSpPr>
+            <a:spLocks noGrp="1"/>
+          </p:cNvSpPr>
+          <p:nvPr>
+            <p:ph type="title"/>
+          </p:nvPr>
+        </p:nvSpPr>
+        <p:spPr/>
+        <p:txBody>
+          <a:bodyPr/>
+          <a:lstStyle/>
+          <a:p>
+            <a:r>
+              <a:rPr lang="fr-FR" dirty="0"/>
+              <a:t>Exercice 10</a:t>
+            </a:r>
+          </a:p>
+        </p:txBody>
+      </p:sp>
+      <p:sp>
+        <p:nvSpPr>
+          <p:cNvPr id="3" name="Espace réservé du contenu 2">
+            <a:extLst>
+              <a:ext uri="{FF2B5EF4-FFF2-40B4-BE49-F238E27FC236}">
+                <a16:creationId xmlns:a16="http://schemas.microsoft.com/office/drawing/2014/main" id="{D0DB3383-E27A-40E3-A0BA-D1FCCB33DA8E}"/>
+              </a:ext>
+            </a:extLst>
+          </p:cNvPr>
+          <p:cNvSpPr>
+            <a:spLocks noGrp="1"/>
+          </p:cNvSpPr>
+          <p:nvPr>
+            <p:ph idx="1"/>
+          </p:nvPr>
+        </p:nvSpPr>
+        <p:spPr/>
+        <p:txBody>
+          <a:bodyPr/>
+          <a:lstStyle/>
+          <a:p>
+            <a:r>
+              <a:rPr lang="fr-FR" dirty="0"/>
+              <a:t>A partir du code de l’exercice 5, sans transformer le </a:t>
+            </a:r>
+            <a:r>
+              <a:rPr lang="fr-FR" dirty="0" err="1"/>
+              <a:t>dataframe</a:t>
+            </a:r>
+            <a:r>
+              <a:rPr lang="fr-FR" dirty="0"/>
+              <a:t> en matrice </a:t>
+            </a:r>
+            <a:r>
+              <a:rPr lang="fr-FR" dirty="0" err="1"/>
+              <a:t>numpy</a:t>
+            </a:r>
+            <a:endParaRPr lang="fr-FR" dirty="0"/>
+          </a:p>
+          <a:p>
+            <a:pPr lvl="1"/>
+            <a:r>
+              <a:rPr lang="fr-FR" dirty="0"/>
+              <a:t>Ajouter une colonne price2, égale à 80% du prix.</a:t>
+            </a:r>
+          </a:p>
+          <a:p>
+            <a:pPr lvl="1"/>
+            <a:r>
+              <a:rPr lang="fr-FR" dirty="0"/>
+              <a:t>Ajouter à price2 </a:t>
+            </a:r>
+          </a:p>
+          <a:p>
+            <a:pPr lvl="2"/>
+            <a:r>
+              <a:rPr lang="fr-FR" dirty="0"/>
+              <a:t>300$ si il y a plus de 2 chambres</a:t>
+            </a:r>
+          </a:p>
+          <a:p>
+            <a:pPr lvl="2"/>
+            <a:r>
+              <a:rPr lang="fr-FR" dirty="0"/>
+              <a:t>500$ si il y a plus de 2 chambres et 2 salles de bain</a:t>
+            </a:r>
+          </a:p>
+          <a:p>
+            <a:r>
+              <a:rPr lang="fr-FR" dirty="0"/>
+              <a:t>Il y a un respect de la notations de </a:t>
+            </a:r>
+            <a:r>
+              <a:rPr lang="fr-FR" dirty="0" err="1"/>
+              <a:t>numpy</a:t>
+            </a:r>
+            <a:endParaRPr lang="fr-FR" dirty="0"/>
+          </a:p>
+          <a:p>
+            <a:pPr lvl="1"/>
+            <a:r>
+              <a:rPr lang="fr-FR" dirty="0"/>
+              <a:t>Essayer la méthode </a:t>
+            </a:r>
+            <a:r>
+              <a:rPr lang="fr-FR" dirty="0" err="1"/>
+              <a:t>mean</a:t>
+            </a:r>
+            <a:r>
+              <a:rPr lang="fr-FR" dirty="0"/>
+              <a:t>(), </a:t>
+            </a:r>
+            <a:r>
+              <a:rPr lang="fr-FR" dirty="0" err="1"/>
+              <a:t>median</a:t>
+            </a:r>
+            <a:r>
+              <a:rPr lang="fr-FR" dirty="0"/>
+              <a:t>(), </a:t>
+            </a:r>
+            <a:r>
+              <a:rPr lang="fr-FR" dirty="0" err="1"/>
+              <a:t>sum</a:t>
+            </a:r>
+            <a:r>
+              <a:rPr lang="fr-FR" dirty="0"/>
+              <a:t>() sur le </a:t>
+            </a:r>
+            <a:r>
+              <a:rPr lang="fr-FR" dirty="0" err="1"/>
+              <a:t>dataframe</a:t>
+            </a:r>
+            <a:endParaRPr lang="fr-FR" dirty="0"/>
+          </a:p>
+          <a:p>
+            <a:pPr lvl="1"/>
+            <a:r>
+              <a:rPr lang="fr-FR" dirty="0"/>
+              <a:t>Calculer le Z-score de </a:t>
+            </a:r>
+            <a:r>
+              <a:rPr lang="fr-FR" dirty="0" err="1"/>
+              <a:t>price</a:t>
+            </a:r>
+            <a:endParaRPr lang="fr-FR" dirty="0"/>
+          </a:p>
+          <a:p>
+            <a:pPr lvl="1"/>
+            <a:endParaRPr lang="fr-FR" dirty="0"/>
+          </a:p>
+          <a:p>
+            <a:pPr lvl="1"/>
+            <a:endParaRPr lang="fr-FR" dirty="0"/>
+          </a:p>
+          <a:p>
+            <a:pPr lvl="1"/>
+            <a:endParaRPr lang="fr-FR" dirty="0"/>
+          </a:p>
+        </p:txBody>
+      </p:sp>
+    </p:spTree>
+    <p:extLst>
+      <p:ext uri="{BB962C8B-B14F-4D97-AF65-F5344CB8AC3E}">
+        <p14:creationId xmlns:p14="http://schemas.microsoft.com/office/powerpoint/2010/main" val="153084007"/>
       </p:ext>
     </p:extLst>
   </p:cSld>

--- a/python_debutant/Formation Python débutant.pptx
+++ b/python_debutant/Formation Python débutant.pptx
@@ -328,7 +328,7 @@
           <a:p>
             <a:fld id="{21411C0B-397A-4926-8AFD-818269732011}" type="datetimeFigureOut">
               <a:rPr lang="fr-FR" smtClean="0"/>
-              <a:t>08/12/2020</a:t>
+              <a:t>09/12/2020</a:t>
             </a:fld>
             <a:endParaRPr lang="fr-FR"/>
           </a:p>
@@ -526,7 +526,7 @@
           <a:p>
             <a:fld id="{21411C0B-397A-4926-8AFD-818269732011}" type="datetimeFigureOut">
               <a:rPr lang="fr-FR" smtClean="0"/>
-              <a:t>08/12/2020</a:t>
+              <a:t>09/12/2020</a:t>
             </a:fld>
             <a:endParaRPr lang="fr-FR"/>
           </a:p>
@@ -734,7 +734,7 @@
           <a:p>
             <a:fld id="{21411C0B-397A-4926-8AFD-818269732011}" type="datetimeFigureOut">
               <a:rPr lang="fr-FR" smtClean="0"/>
-              <a:t>08/12/2020</a:t>
+              <a:t>09/12/2020</a:t>
             </a:fld>
             <a:endParaRPr lang="fr-FR"/>
           </a:p>
@@ -932,7 +932,7 @@
           <a:p>
             <a:fld id="{21411C0B-397A-4926-8AFD-818269732011}" type="datetimeFigureOut">
               <a:rPr lang="fr-FR" smtClean="0"/>
-              <a:t>08/12/2020</a:t>
+              <a:t>09/12/2020</a:t>
             </a:fld>
             <a:endParaRPr lang="fr-FR"/>
           </a:p>
@@ -1207,7 +1207,7 @@
           <a:p>
             <a:fld id="{21411C0B-397A-4926-8AFD-818269732011}" type="datetimeFigureOut">
               <a:rPr lang="fr-FR" smtClean="0"/>
-              <a:t>08/12/2020</a:t>
+              <a:t>09/12/2020</a:t>
             </a:fld>
             <a:endParaRPr lang="fr-FR"/>
           </a:p>
@@ -1472,7 +1472,7 @@
           <a:p>
             <a:fld id="{21411C0B-397A-4926-8AFD-818269732011}" type="datetimeFigureOut">
               <a:rPr lang="fr-FR" smtClean="0"/>
-              <a:t>08/12/2020</a:t>
+              <a:t>09/12/2020</a:t>
             </a:fld>
             <a:endParaRPr lang="fr-FR"/>
           </a:p>
@@ -1884,7 +1884,7 @@
           <a:p>
             <a:fld id="{21411C0B-397A-4926-8AFD-818269732011}" type="datetimeFigureOut">
               <a:rPr lang="fr-FR" smtClean="0"/>
-              <a:t>08/12/2020</a:t>
+              <a:t>09/12/2020</a:t>
             </a:fld>
             <a:endParaRPr lang="fr-FR"/>
           </a:p>
@@ -2025,7 +2025,7 @@
           <a:p>
             <a:fld id="{21411C0B-397A-4926-8AFD-818269732011}" type="datetimeFigureOut">
               <a:rPr lang="fr-FR" smtClean="0"/>
-              <a:t>08/12/2020</a:t>
+              <a:t>09/12/2020</a:t>
             </a:fld>
             <a:endParaRPr lang="fr-FR"/>
           </a:p>
@@ -2138,7 +2138,7 @@
           <a:p>
             <a:fld id="{21411C0B-397A-4926-8AFD-818269732011}" type="datetimeFigureOut">
               <a:rPr lang="fr-FR" smtClean="0"/>
-              <a:t>08/12/2020</a:t>
+              <a:t>09/12/2020</a:t>
             </a:fld>
             <a:endParaRPr lang="fr-FR"/>
           </a:p>
@@ -2449,7 +2449,7 @@
           <a:p>
             <a:fld id="{21411C0B-397A-4926-8AFD-818269732011}" type="datetimeFigureOut">
               <a:rPr lang="fr-FR" smtClean="0"/>
-              <a:t>08/12/2020</a:t>
+              <a:t>09/12/2020</a:t>
             </a:fld>
             <a:endParaRPr lang="fr-FR"/>
           </a:p>
@@ -2737,7 +2737,7 @@
           <a:p>
             <a:fld id="{21411C0B-397A-4926-8AFD-818269732011}" type="datetimeFigureOut">
               <a:rPr lang="fr-FR" smtClean="0"/>
-              <a:t>08/12/2020</a:t>
+              <a:t>09/12/2020</a:t>
             </a:fld>
             <a:endParaRPr lang="fr-FR"/>
           </a:p>
@@ -2978,7 +2978,7 @@
           <a:p>
             <a:fld id="{21411C0B-397A-4926-8AFD-818269732011}" type="datetimeFigureOut">
               <a:rPr lang="fr-FR" smtClean="0"/>
-              <a:t>08/12/2020</a:t>
+              <a:t>09/12/2020</a:t>
             </a:fld>
             <a:endParaRPr lang="fr-FR"/>
           </a:p>
@@ -3439,10 +3439,15 @@
             <p:ph type="subTitle" idx="1"/>
           </p:nvPr>
         </p:nvSpPr>
-        <p:spPr/>
+        <p:spPr>
+          <a:xfrm>
+            <a:off x="1524000" y="3602038"/>
+            <a:ext cx="9144000" cy="2914172"/>
+          </a:xfrm>
+        </p:spPr>
         <p:txBody>
           <a:bodyPr>
-            <a:normAutofit lnSpcReduction="10000"/>
+            <a:normAutofit/>
           </a:bodyPr>
           <a:lstStyle/>
           <a:p>
@@ -3467,6 +3472,21 @@
               </a:rPr>
               <a:t>https://github.com/aubinthomas/Course</a:t>
             </a:r>
+            <a:endParaRPr lang="fr-FR" dirty="0"/>
+          </a:p>
+          <a:p>
+            <a:endParaRPr lang="fr-FR" dirty="0"/>
+          </a:p>
+          <a:p>
+            <a:r>
+              <a:rPr lang="fr-FR" dirty="0">
+                <a:hlinkClick r:id="rId3"/>
+              </a:rPr>
+              <a:t>https://gitlab.igh.cnrs.fr/aubin.thomas/course</a:t>
+            </a:r>
+            <a:endParaRPr lang="fr-FR" dirty="0"/>
+          </a:p>
+          <a:p>
             <a:endParaRPr lang="fr-FR" dirty="0"/>
           </a:p>
           <a:p>
@@ -3489,7 +3509,7 @@
           <p:nvPr/>
         </p:nvPicPr>
         <p:blipFill rotWithShape="1">
-          <a:blip r:embed="rId3">
+          <a:blip r:embed="rId4">
             <a:extLst>
               <a:ext uri="{28A0092B-C50C-407E-A947-70E740481C1C}">
                 <a14:useLocalDpi xmlns:a14="http://schemas.microsoft.com/office/drawing/2010/main" val="0"/>
@@ -16143,7 +16163,7 @@
           <a:p>
             <a:r>
               <a:rPr lang="fr-FR" dirty="0"/>
-              <a:t>Il y a un respect de la notations de </a:t>
+              <a:t>Il y a un respect des notations de </a:t>
             </a:r>
             <a:r>
               <a:rPr lang="fr-FR" dirty="0" err="1"/>

--- a/python_debutant/Formation Python débutant.pptx
+++ b/python_debutant/Formation Python débutant.pptx
@@ -10,71 +10,74 @@
     <p:sldId id="260" r:id="rId4"/>
     <p:sldId id="258" r:id="rId5"/>
     <p:sldId id="259" r:id="rId6"/>
-    <p:sldId id="261" r:id="rId7"/>
-    <p:sldId id="262" r:id="rId8"/>
-    <p:sldId id="263" r:id="rId9"/>
-    <p:sldId id="264" r:id="rId10"/>
-    <p:sldId id="265" r:id="rId11"/>
-    <p:sldId id="266" r:id="rId12"/>
-    <p:sldId id="294" r:id="rId13"/>
-    <p:sldId id="295" r:id="rId14"/>
-    <p:sldId id="267" r:id="rId15"/>
-    <p:sldId id="268" r:id="rId16"/>
-    <p:sldId id="269" r:id="rId17"/>
-    <p:sldId id="270" r:id="rId18"/>
-    <p:sldId id="271" r:id="rId19"/>
-    <p:sldId id="272" r:id="rId20"/>
-    <p:sldId id="273" r:id="rId21"/>
-    <p:sldId id="274" r:id="rId22"/>
-    <p:sldId id="277" r:id="rId23"/>
-    <p:sldId id="278" r:id="rId24"/>
-    <p:sldId id="279" r:id="rId25"/>
-    <p:sldId id="280" r:id="rId26"/>
-    <p:sldId id="296" r:id="rId27"/>
-    <p:sldId id="282" r:id="rId28"/>
-    <p:sldId id="283" r:id="rId29"/>
-    <p:sldId id="284" r:id="rId30"/>
-    <p:sldId id="285" r:id="rId31"/>
-    <p:sldId id="286" r:id="rId32"/>
-    <p:sldId id="287" r:id="rId33"/>
-    <p:sldId id="288" r:id="rId34"/>
-    <p:sldId id="289" r:id="rId35"/>
-    <p:sldId id="290" r:id="rId36"/>
-    <p:sldId id="291" r:id="rId37"/>
-    <p:sldId id="292" r:id="rId38"/>
-    <p:sldId id="293" r:id="rId39"/>
-    <p:sldId id="310" r:id="rId40"/>
-    <p:sldId id="297" r:id="rId41"/>
-    <p:sldId id="298" r:id="rId42"/>
-    <p:sldId id="299" r:id="rId43"/>
-    <p:sldId id="300" r:id="rId44"/>
-    <p:sldId id="301" r:id="rId45"/>
-    <p:sldId id="303" r:id="rId46"/>
-    <p:sldId id="302" r:id="rId47"/>
-    <p:sldId id="304" r:id="rId48"/>
-    <p:sldId id="305" r:id="rId49"/>
-    <p:sldId id="306" r:id="rId50"/>
-    <p:sldId id="309" r:id="rId51"/>
-    <p:sldId id="307" r:id="rId52"/>
-    <p:sldId id="311" r:id="rId53"/>
-    <p:sldId id="312" r:id="rId54"/>
-    <p:sldId id="313" r:id="rId55"/>
-    <p:sldId id="314" r:id="rId56"/>
-    <p:sldId id="315" r:id="rId57"/>
-    <p:sldId id="316" r:id="rId58"/>
-    <p:sldId id="317" r:id="rId59"/>
-    <p:sldId id="318" r:id="rId60"/>
-    <p:sldId id="319" r:id="rId61"/>
-    <p:sldId id="320" r:id="rId62"/>
-    <p:sldId id="329" r:id="rId63"/>
-    <p:sldId id="321" r:id="rId64"/>
-    <p:sldId id="322" r:id="rId65"/>
-    <p:sldId id="323" r:id="rId66"/>
-    <p:sldId id="327" r:id="rId67"/>
-    <p:sldId id="324" r:id="rId68"/>
-    <p:sldId id="325" r:id="rId69"/>
-    <p:sldId id="326" r:id="rId70"/>
-    <p:sldId id="328" r:id="rId71"/>
+    <p:sldId id="330" r:id="rId7"/>
+    <p:sldId id="331" r:id="rId8"/>
+    <p:sldId id="261" r:id="rId9"/>
+    <p:sldId id="262" r:id="rId10"/>
+    <p:sldId id="263" r:id="rId11"/>
+    <p:sldId id="264" r:id="rId12"/>
+    <p:sldId id="265" r:id="rId13"/>
+    <p:sldId id="266" r:id="rId14"/>
+    <p:sldId id="332" r:id="rId15"/>
+    <p:sldId id="294" r:id="rId16"/>
+    <p:sldId id="295" r:id="rId17"/>
+    <p:sldId id="267" r:id="rId18"/>
+    <p:sldId id="268" r:id="rId19"/>
+    <p:sldId id="269" r:id="rId20"/>
+    <p:sldId id="270" r:id="rId21"/>
+    <p:sldId id="271" r:id="rId22"/>
+    <p:sldId id="272" r:id="rId23"/>
+    <p:sldId id="273" r:id="rId24"/>
+    <p:sldId id="274" r:id="rId25"/>
+    <p:sldId id="277" r:id="rId26"/>
+    <p:sldId id="278" r:id="rId27"/>
+    <p:sldId id="279" r:id="rId28"/>
+    <p:sldId id="280" r:id="rId29"/>
+    <p:sldId id="296" r:id="rId30"/>
+    <p:sldId id="282" r:id="rId31"/>
+    <p:sldId id="283" r:id="rId32"/>
+    <p:sldId id="284" r:id="rId33"/>
+    <p:sldId id="285" r:id="rId34"/>
+    <p:sldId id="286" r:id="rId35"/>
+    <p:sldId id="287" r:id="rId36"/>
+    <p:sldId id="288" r:id="rId37"/>
+    <p:sldId id="289" r:id="rId38"/>
+    <p:sldId id="290" r:id="rId39"/>
+    <p:sldId id="291" r:id="rId40"/>
+    <p:sldId id="292" r:id="rId41"/>
+    <p:sldId id="293" r:id="rId42"/>
+    <p:sldId id="310" r:id="rId43"/>
+    <p:sldId id="297" r:id="rId44"/>
+    <p:sldId id="298" r:id="rId45"/>
+    <p:sldId id="299" r:id="rId46"/>
+    <p:sldId id="300" r:id="rId47"/>
+    <p:sldId id="301" r:id="rId48"/>
+    <p:sldId id="303" r:id="rId49"/>
+    <p:sldId id="302" r:id="rId50"/>
+    <p:sldId id="304" r:id="rId51"/>
+    <p:sldId id="305" r:id="rId52"/>
+    <p:sldId id="306" r:id="rId53"/>
+    <p:sldId id="309" r:id="rId54"/>
+    <p:sldId id="307" r:id="rId55"/>
+    <p:sldId id="311" r:id="rId56"/>
+    <p:sldId id="312" r:id="rId57"/>
+    <p:sldId id="313" r:id="rId58"/>
+    <p:sldId id="314" r:id="rId59"/>
+    <p:sldId id="315" r:id="rId60"/>
+    <p:sldId id="316" r:id="rId61"/>
+    <p:sldId id="317" r:id="rId62"/>
+    <p:sldId id="318" r:id="rId63"/>
+    <p:sldId id="319" r:id="rId64"/>
+    <p:sldId id="320" r:id="rId65"/>
+    <p:sldId id="329" r:id="rId66"/>
+    <p:sldId id="321" r:id="rId67"/>
+    <p:sldId id="322" r:id="rId68"/>
+    <p:sldId id="323" r:id="rId69"/>
+    <p:sldId id="327" r:id="rId70"/>
+    <p:sldId id="324" r:id="rId71"/>
+    <p:sldId id="325" r:id="rId72"/>
+    <p:sldId id="326" r:id="rId73"/>
+    <p:sldId id="328" r:id="rId74"/>
   </p:sldIdLst>
   <p:sldSz cx="12192000" cy="6858000"/>
   <p:notesSz cx="6858000" cy="9144000"/>
@@ -328,7 +331,7 @@
           <a:p>
             <a:fld id="{21411C0B-397A-4926-8AFD-818269732011}" type="datetimeFigureOut">
               <a:rPr lang="fr-FR" smtClean="0"/>
-              <a:t>09/12/2020</a:t>
+              <a:t>15/12/2020</a:t>
             </a:fld>
             <a:endParaRPr lang="fr-FR"/>
           </a:p>
@@ -526,7 +529,7 @@
           <a:p>
             <a:fld id="{21411C0B-397A-4926-8AFD-818269732011}" type="datetimeFigureOut">
               <a:rPr lang="fr-FR" smtClean="0"/>
-              <a:t>09/12/2020</a:t>
+              <a:t>15/12/2020</a:t>
             </a:fld>
             <a:endParaRPr lang="fr-FR"/>
           </a:p>
@@ -734,7 +737,7 @@
           <a:p>
             <a:fld id="{21411C0B-397A-4926-8AFD-818269732011}" type="datetimeFigureOut">
               <a:rPr lang="fr-FR" smtClean="0"/>
-              <a:t>09/12/2020</a:t>
+              <a:t>15/12/2020</a:t>
             </a:fld>
             <a:endParaRPr lang="fr-FR"/>
           </a:p>
@@ -932,7 +935,7 @@
           <a:p>
             <a:fld id="{21411C0B-397A-4926-8AFD-818269732011}" type="datetimeFigureOut">
               <a:rPr lang="fr-FR" smtClean="0"/>
-              <a:t>09/12/2020</a:t>
+              <a:t>15/12/2020</a:t>
             </a:fld>
             <a:endParaRPr lang="fr-FR"/>
           </a:p>
@@ -1207,7 +1210,7 @@
           <a:p>
             <a:fld id="{21411C0B-397A-4926-8AFD-818269732011}" type="datetimeFigureOut">
               <a:rPr lang="fr-FR" smtClean="0"/>
-              <a:t>09/12/2020</a:t>
+              <a:t>15/12/2020</a:t>
             </a:fld>
             <a:endParaRPr lang="fr-FR"/>
           </a:p>
@@ -1472,7 +1475,7 @@
           <a:p>
             <a:fld id="{21411C0B-397A-4926-8AFD-818269732011}" type="datetimeFigureOut">
               <a:rPr lang="fr-FR" smtClean="0"/>
-              <a:t>09/12/2020</a:t>
+              <a:t>15/12/2020</a:t>
             </a:fld>
             <a:endParaRPr lang="fr-FR"/>
           </a:p>
@@ -1884,7 +1887,7 @@
           <a:p>
             <a:fld id="{21411C0B-397A-4926-8AFD-818269732011}" type="datetimeFigureOut">
               <a:rPr lang="fr-FR" smtClean="0"/>
-              <a:t>09/12/2020</a:t>
+              <a:t>15/12/2020</a:t>
             </a:fld>
             <a:endParaRPr lang="fr-FR"/>
           </a:p>
@@ -2025,7 +2028,7 @@
           <a:p>
             <a:fld id="{21411C0B-397A-4926-8AFD-818269732011}" type="datetimeFigureOut">
               <a:rPr lang="fr-FR" smtClean="0"/>
-              <a:t>09/12/2020</a:t>
+              <a:t>15/12/2020</a:t>
             </a:fld>
             <a:endParaRPr lang="fr-FR"/>
           </a:p>
@@ -2138,7 +2141,7 @@
           <a:p>
             <a:fld id="{21411C0B-397A-4926-8AFD-818269732011}" type="datetimeFigureOut">
               <a:rPr lang="fr-FR" smtClean="0"/>
-              <a:t>09/12/2020</a:t>
+              <a:t>15/12/2020</a:t>
             </a:fld>
             <a:endParaRPr lang="fr-FR"/>
           </a:p>
@@ -2449,7 +2452,7 @@
           <a:p>
             <a:fld id="{21411C0B-397A-4926-8AFD-818269732011}" type="datetimeFigureOut">
               <a:rPr lang="fr-FR" smtClean="0"/>
-              <a:t>09/12/2020</a:t>
+              <a:t>15/12/2020</a:t>
             </a:fld>
             <a:endParaRPr lang="fr-FR"/>
           </a:p>
@@ -2737,7 +2740,7 @@
           <a:p>
             <a:fld id="{21411C0B-397A-4926-8AFD-818269732011}" type="datetimeFigureOut">
               <a:rPr lang="fr-FR" smtClean="0"/>
-              <a:t>09/12/2020</a:t>
+              <a:t>15/12/2020</a:t>
             </a:fld>
             <a:endParaRPr lang="fr-FR"/>
           </a:p>
@@ -2978,7 +2981,7 @@
           <a:p>
             <a:fld id="{21411C0B-397A-4926-8AFD-818269732011}" type="datetimeFigureOut">
               <a:rPr lang="fr-FR" smtClean="0"/>
-              <a:t>09/12/2020</a:t>
+              <a:t>15/12/2020</a:t>
             </a:fld>
             <a:endParaRPr lang="fr-FR"/>
           </a:p>
@@ -3631,6 +3634,296 @@
       </p:sp>
       <p:pic>
         <p:nvPicPr>
+          <p:cNvPr id="5" name="Image 4">
+            <a:extLst>
+              <a:ext uri="{FF2B5EF4-FFF2-40B4-BE49-F238E27FC236}">
+                <a16:creationId xmlns:a16="http://schemas.microsoft.com/office/drawing/2014/main" id="{4944D731-92C0-4C7E-A688-1CD86A189665}"/>
+              </a:ext>
+            </a:extLst>
+          </p:cNvPr>
+          <p:cNvPicPr>
+            <a:picLocks noChangeAspect="1"/>
+          </p:cNvPicPr>
+          <p:nvPr/>
+        </p:nvPicPr>
+        <p:blipFill>
+          <a:blip r:embed="rId2"/>
+          <a:stretch>
+            <a:fillRect/>
+          </a:stretch>
+        </p:blipFill>
+        <p:spPr>
+          <a:xfrm>
+            <a:off x="115410" y="2614863"/>
+            <a:ext cx="5772804" cy="4108437"/>
+          </a:xfrm>
+          <a:prstGeom prst="rect">
+            <a:avLst/>
+          </a:prstGeom>
+        </p:spPr>
+      </p:pic>
+    </p:spTree>
+    <p:extLst>
+      <p:ext uri="{BB962C8B-B14F-4D97-AF65-F5344CB8AC3E}">
+        <p14:creationId xmlns:p14="http://schemas.microsoft.com/office/powerpoint/2010/main" val="2671580143"/>
+      </p:ext>
+    </p:extLst>
+  </p:cSld>
+  <p:clrMapOvr>
+    <a:masterClrMapping/>
+  </p:clrMapOvr>
+</p:sld>
+</file>
+
+<file path=ppt/slides/slide11.xml><?xml version="1.0" encoding="utf-8"?>
+<p:sld xmlns:a="http://schemas.openxmlformats.org/drawingml/2006/main" xmlns:r="http://schemas.openxmlformats.org/officeDocument/2006/relationships" xmlns:p="http://schemas.openxmlformats.org/presentationml/2006/main">
+  <p:cSld>
+    <p:spTree>
+      <p:nvGrpSpPr>
+        <p:cNvPr id="1" name=""/>
+        <p:cNvGrpSpPr/>
+        <p:nvPr/>
+      </p:nvGrpSpPr>
+      <p:grpSpPr>
+        <a:xfrm>
+          <a:off x="0" y="0"/>
+          <a:ext cx="0" cy="0"/>
+          <a:chOff x="0" y="0"/>
+          <a:chExt cx="0" cy="0"/>
+        </a:xfrm>
+      </p:grpSpPr>
+      <p:sp>
+        <p:nvSpPr>
+          <p:cNvPr id="2" name="Titre 1">
+            <a:extLst>
+              <a:ext uri="{FF2B5EF4-FFF2-40B4-BE49-F238E27FC236}">
+                <a16:creationId xmlns:a16="http://schemas.microsoft.com/office/drawing/2014/main" id="{82905DFC-5CD0-4CD9-A731-0120DC8FDFA1}"/>
+              </a:ext>
+            </a:extLst>
+          </p:cNvPr>
+          <p:cNvSpPr>
+            <a:spLocks noGrp="1"/>
+          </p:cNvSpPr>
+          <p:nvPr>
+            <p:ph type="title"/>
+          </p:nvPr>
+        </p:nvSpPr>
+        <p:spPr/>
+        <p:txBody>
+          <a:bodyPr/>
+          <a:lstStyle/>
+          <a:p>
+            <a:r>
+              <a:rPr lang="fr-FR" dirty="0"/>
+              <a:t>Types de données</a:t>
+            </a:r>
+            <a:br>
+              <a:rPr lang="fr-FR" dirty="0"/>
+            </a:br>
+            <a:r>
+              <a:rPr lang="fr-FR" dirty="0"/>
+              <a:t>variables</a:t>
+            </a:r>
+          </a:p>
+        </p:txBody>
+      </p:sp>
+      <p:sp>
+        <p:nvSpPr>
+          <p:cNvPr id="3" name="Espace réservé du contenu 2">
+            <a:extLst>
+              <a:ext uri="{FF2B5EF4-FFF2-40B4-BE49-F238E27FC236}">
+                <a16:creationId xmlns:a16="http://schemas.microsoft.com/office/drawing/2014/main" id="{D9F91083-9AF5-4A8E-82C5-A442B1EDC386}"/>
+              </a:ext>
+            </a:extLst>
+          </p:cNvPr>
+          <p:cNvSpPr>
+            <a:spLocks noGrp="1"/>
+          </p:cNvSpPr>
+          <p:nvPr>
+            <p:ph idx="1"/>
+          </p:nvPr>
+        </p:nvSpPr>
+        <p:spPr>
+          <a:xfrm>
+            <a:off x="838200" y="1825625"/>
+            <a:ext cx="10515600" cy="789238"/>
+          </a:xfrm>
+        </p:spPr>
+        <p:txBody>
+          <a:bodyPr>
+            <a:normAutofit lnSpcReduction="10000"/>
+          </a:bodyPr>
+          <a:lstStyle/>
+          <a:p>
+            <a:r>
+              <a:rPr lang="fr-FR" dirty="0"/>
+              <a:t>Python est un langage objet : chaque objet dispose de ses attributs et de ses fonctions internes, ou méthodes.</a:t>
+            </a:r>
+          </a:p>
+        </p:txBody>
+      </p:sp>
+      <p:pic>
+        <p:nvPicPr>
+          <p:cNvPr id="5" name="Image 4">
+            <a:extLst>
+              <a:ext uri="{FF2B5EF4-FFF2-40B4-BE49-F238E27FC236}">
+                <a16:creationId xmlns:a16="http://schemas.microsoft.com/office/drawing/2014/main" id="{4944D731-92C0-4C7E-A688-1CD86A189665}"/>
+              </a:ext>
+            </a:extLst>
+          </p:cNvPr>
+          <p:cNvPicPr>
+            <a:picLocks noChangeAspect="1"/>
+          </p:cNvPicPr>
+          <p:nvPr/>
+        </p:nvPicPr>
+        <p:blipFill>
+          <a:blip r:embed="rId2"/>
+          <a:stretch>
+            <a:fillRect/>
+          </a:stretch>
+        </p:blipFill>
+        <p:spPr>
+          <a:xfrm>
+            <a:off x="115410" y="2614863"/>
+            <a:ext cx="5772804" cy="4108437"/>
+          </a:xfrm>
+          <a:prstGeom prst="rect">
+            <a:avLst/>
+          </a:prstGeom>
+        </p:spPr>
+      </p:pic>
+      <p:pic>
+        <p:nvPicPr>
+          <p:cNvPr id="9" name="Image 8">
+            <a:extLst>
+              <a:ext uri="{FF2B5EF4-FFF2-40B4-BE49-F238E27FC236}">
+                <a16:creationId xmlns:a16="http://schemas.microsoft.com/office/drawing/2014/main" id="{7D07B2AE-0FAF-4AAF-AAF6-46DBEBB170AF}"/>
+              </a:ext>
+            </a:extLst>
+          </p:cNvPr>
+          <p:cNvPicPr>
+            <a:picLocks noChangeAspect="1"/>
+          </p:cNvPicPr>
+          <p:nvPr/>
+        </p:nvPicPr>
+        <p:blipFill>
+          <a:blip r:embed="rId3"/>
+          <a:stretch>
+            <a:fillRect/>
+          </a:stretch>
+        </p:blipFill>
+        <p:spPr>
+          <a:xfrm>
+            <a:off x="7360231" y="2614862"/>
+            <a:ext cx="3284095" cy="4204741"/>
+          </a:xfrm>
+          <a:prstGeom prst="rect">
+            <a:avLst/>
+          </a:prstGeom>
+        </p:spPr>
+      </p:pic>
+    </p:spTree>
+    <p:extLst>
+      <p:ext uri="{BB962C8B-B14F-4D97-AF65-F5344CB8AC3E}">
+        <p14:creationId xmlns:p14="http://schemas.microsoft.com/office/powerpoint/2010/main" val="109326922"/>
+      </p:ext>
+    </p:extLst>
+  </p:cSld>
+  <p:clrMapOvr>
+    <a:masterClrMapping/>
+  </p:clrMapOvr>
+</p:sld>
+</file>
+
+<file path=ppt/slides/slide12.xml><?xml version="1.0" encoding="utf-8"?>
+<p:sld xmlns:a="http://schemas.openxmlformats.org/drawingml/2006/main" xmlns:r="http://schemas.openxmlformats.org/officeDocument/2006/relationships" xmlns:p="http://schemas.openxmlformats.org/presentationml/2006/main">
+  <p:cSld>
+    <p:spTree>
+      <p:nvGrpSpPr>
+        <p:cNvPr id="1" name=""/>
+        <p:cNvGrpSpPr/>
+        <p:nvPr/>
+      </p:nvGrpSpPr>
+      <p:grpSpPr>
+        <a:xfrm>
+          <a:off x="0" y="0"/>
+          <a:ext cx="0" cy="0"/>
+          <a:chOff x="0" y="0"/>
+          <a:chExt cx="0" cy="0"/>
+        </a:xfrm>
+      </p:grpSpPr>
+      <p:sp>
+        <p:nvSpPr>
+          <p:cNvPr id="2" name="Titre 1">
+            <a:extLst>
+              <a:ext uri="{FF2B5EF4-FFF2-40B4-BE49-F238E27FC236}">
+                <a16:creationId xmlns:a16="http://schemas.microsoft.com/office/drawing/2014/main" id="{82905DFC-5CD0-4CD9-A731-0120DC8FDFA1}"/>
+              </a:ext>
+            </a:extLst>
+          </p:cNvPr>
+          <p:cNvSpPr>
+            <a:spLocks noGrp="1"/>
+          </p:cNvSpPr>
+          <p:nvPr>
+            <p:ph type="title"/>
+          </p:nvPr>
+        </p:nvSpPr>
+        <p:spPr/>
+        <p:txBody>
+          <a:bodyPr/>
+          <a:lstStyle/>
+          <a:p>
+            <a:r>
+              <a:rPr lang="fr-FR" dirty="0"/>
+              <a:t>Types de données</a:t>
+            </a:r>
+            <a:br>
+              <a:rPr lang="fr-FR" dirty="0"/>
+            </a:br>
+            <a:r>
+              <a:rPr lang="fr-FR" dirty="0"/>
+              <a:t>variables</a:t>
+            </a:r>
+          </a:p>
+        </p:txBody>
+      </p:sp>
+      <p:sp>
+        <p:nvSpPr>
+          <p:cNvPr id="3" name="Espace réservé du contenu 2">
+            <a:extLst>
+              <a:ext uri="{FF2B5EF4-FFF2-40B4-BE49-F238E27FC236}">
+                <a16:creationId xmlns:a16="http://schemas.microsoft.com/office/drawing/2014/main" id="{D9F91083-9AF5-4A8E-82C5-A442B1EDC386}"/>
+              </a:ext>
+            </a:extLst>
+          </p:cNvPr>
+          <p:cNvSpPr>
+            <a:spLocks noGrp="1"/>
+          </p:cNvSpPr>
+          <p:nvPr>
+            <p:ph idx="1"/>
+          </p:nvPr>
+        </p:nvSpPr>
+        <p:spPr>
+          <a:xfrm>
+            <a:off x="838200" y="1825625"/>
+            <a:ext cx="10515600" cy="789238"/>
+          </a:xfrm>
+        </p:spPr>
+        <p:txBody>
+          <a:bodyPr>
+            <a:normAutofit lnSpcReduction="10000"/>
+          </a:bodyPr>
+          <a:lstStyle/>
+          <a:p>
+            <a:r>
+              <a:rPr lang="fr-FR" dirty="0"/>
+              <a:t>Python est un langage objet : chaque objet dispose de ses attributs et de ses fonctions internes, ou méthodes.</a:t>
+            </a:r>
+          </a:p>
+        </p:txBody>
+      </p:sp>
+      <p:pic>
+        <p:nvPicPr>
           <p:cNvPr id="6" name="Image 5">
             <a:extLst>
               <a:ext uri="{FF2B5EF4-FFF2-40B4-BE49-F238E27FC236}">
@@ -3701,7 +3994,7 @@
 </p:sld>
 </file>
 
-<file path=ppt/slides/slide11.xml><?xml version="1.0" encoding="utf-8"?>
+<file path=ppt/slides/slide13.xml><?xml version="1.0" encoding="utf-8"?>
 <p:sld xmlns:a="http://schemas.openxmlformats.org/drawingml/2006/main" xmlns:r="http://schemas.openxmlformats.org/officeDocument/2006/relationships" xmlns:p="http://schemas.openxmlformats.org/presentationml/2006/main">
   <p:cSld>
     <p:bg>
@@ -3786,133 +4079,8 @@
         </p:blipFill>
         <p:spPr>
           <a:xfrm>
-            <a:off x="3385258" y="1699566"/>
+            <a:off x="152534" y="1690688"/>
             <a:ext cx="4001058" cy="4677428"/>
-          </a:xfrm>
-          <a:prstGeom prst="rect">
-            <a:avLst/>
-          </a:prstGeom>
-        </p:spPr>
-      </p:pic>
-      <p:pic>
-        <p:nvPicPr>
-          <p:cNvPr id="9" name="Image 8">
-            <a:extLst>
-              <a:ext uri="{FF2B5EF4-FFF2-40B4-BE49-F238E27FC236}">
-                <a16:creationId xmlns:a16="http://schemas.microsoft.com/office/drawing/2014/main" id="{E7B2435F-28B6-4D92-9DD6-35791EF3C7FC}"/>
-              </a:ext>
-            </a:extLst>
-          </p:cNvPr>
-          <p:cNvPicPr>
-            <a:picLocks noChangeAspect="1"/>
-          </p:cNvPicPr>
-          <p:nvPr/>
-        </p:nvPicPr>
-        <p:blipFill>
-          <a:blip r:embed="rId3"/>
-          <a:stretch>
-            <a:fillRect/>
-          </a:stretch>
-        </p:blipFill>
-        <p:spPr>
-          <a:xfrm>
-            <a:off x="241569" y="1690688"/>
-            <a:ext cx="3143689" cy="3496163"/>
-          </a:xfrm>
-          <a:prstGeom prst="rect">
-            <a:avLst/>
-          </a:prstGeom>
-        </p:spPr>
-      </p:pic>
-      <p:pic>
-        <p:nvPicPr>
-          <p:cNvPr id="11" name="Image 10">
-            <a:extLst>
-              <a:ext uri="{FF2B5EF4-FFF2-40B4-BE49-F238E27FC236}">
-                <a16:creationId xmlns:a16="http://schemas.microsoft.com/office/drawing/2014/main" id="{18ED269A-BFCF-4451-A7A4-C0DE05845AE8}"/>
-              </a:ext>
-            </a:extLst>
-          </p:cNvPr>
-          <p:cNvPicPr>
-            <a:picLocks noChangeAspect="1"/>
-          </p:cNvPicPr>
-          <p:nvPr/>
-        </p:nvPicPr>
-        <p:blipFill>
-          <a:blip r:embed="rId4"/>
-          <a:stretch>
-            <a:fillRect/>
-          </a:stretch>
-        </p:blipFill>
-        <p:spPr>
-          <a:xfrm>
-            <a:off x="8189725" y="4312343"/>
-            <a:ext cx="2257740" cy="2476846"/>
-          </a:xfrm>
-          <a:prstGeom prst="rect">
-            <a:avLst/>
-          </a:prstGeom>
-        </p:spPr>
-      </p:pic>
-      <p:sp>
-        <p:nvSpPr>
-          <p:cNvPr id="12" name="ZoneTexte 11">
-            <a:extLst>
-              <a:ext uri="{FF2B5EF4-FFF2-40B4-BE49-F238E27FC236}">
-                <a16:creationId xmlns:a16="http://schemas.microsoft.com/office/drawing/2014/main" id="{A1B6D689-6191-4497-87FF-47E77816EE96}"/>
-              </a:ext>
-            </a:extLst>
-          </p:cNvPr>
-          <p:cNvSpPr txBox="1"/>
-          <p:nvPr/>
-        </p:nvSpPr>
-        <p:spPr>
-          <a:xfrm>
-            <a:off x="8045066" y="3764132"/>
-            <a:ext cx="2547058" cy="646331"/>
-          </a:xfrm>
-          <a:prstGeom prst="rect">
-            <a:avLst/>
-          </a:prstGeom>
-          <a:noFill/>
-        </p:spPr>
-        <p:txBody>
-          <a:bodyPr wrap="square" rtlCol="0">
-            <a:spAutoFit/>
-          </a:bodyPr>
-          <a:lstStyle/>
-          <a:p>
-            <a:r>
-              <a:rPr lang="fr-FR" b="1" dirty="0"/>
-              <a:t>Mêmes opérateurs pour les chaines de caractères</a:t>
-            </a:r>
-          </a:p>
-        </p:txBody>
-      </p:sp>
-      <p:pic>
-        <p:nvPicPr>
-          <p:cNvPr id="4" name="Image 3">
-            <a:extLst>
-              <a:ext uri="{FF2B5EF4-FFF2-40B4-BE49-F238E27FC236}">
-                <a16:creationId xmlns:a16="http://schemas.microsoft.com/office/drawing/2014/main" id="{C86D7843-50D6-46B9-8287-DFF63D04CAFF}"/>
-              </a:ext>
-            </a:extLst>
-          </p:cNvPr>
-          <p:cNvPicPr>
-            <a:picLocks noChangeAspect="1"/>
-          </p:cNvPicPr>
-          <p:nvPr/>
-        </p:nvPicPr>
-        <p:blipFill>
-          <a:blip r:embed="rId5"/>
-          <a:stretch>
-            <a:fillRect/>
-          </a:stretch>
-        </p:blipFill>
-        <p:spPr>
-          <a:xfrm>
-            <a:off x="7982947" y="1143371"/>
-            <a:ext cx="2953162" cy="2191056"/>
           </a:xfrm>
           <a:prstGeom prst="rect">
             <a:avLst/>
@@ -3923,385 +4091,6 @@
     <p:extLst>
       <p:ext uri="{BB962C8B-B14F-4D97-AF65-F5344CB8AC3E}">
         <p14:creationId xmlns:p14="http://schemas.microsoft.com/office/powerpoint/2010/main" val="3617097630"/>
-      </p:ext>
-    </p:extLst>
-  </p:cSld>
-  <p:clrMapOvr>
-    <a:masterClrMapping/>
-  </p:clrMapOvr>
-</p:sld>
-</file>
-
-<file path=ppt/slides/slide12.xml><?xml version="1.0" encoding="utf-8"?>
-<p:sld xmlns:a="http://schemas.openxmlformats.org/drawingml/2006/main" xmlns:r="http://schemas.openxmlformats.org/officeDocument/2006/relationships" xmlns:p="http://schemas.openxmlformats.org/presentationml/2006/main">
-  <p:cSld>
-    <p:bg>
-      <p:bgPr>
-        <a:solidFill>
-          <a:schemeClr val="accent5">
-            <a:lumMod val="60000"/>
-            <a:lumOff val="40000"/>
-          </a:schemeClr>
-        </a:solidFill>
-        <a:effectLst/>
-      </p:bgPr>
-    </p:bg>
-    <p:spTree>
-      <p:nvGrpSpPr>
-        <p:cNvPr id="1" name=""/>
-        <p:cNvGrpSpPr/>
-        <p:nvPr/>
-      </p:nvGrpSpPr>
-      <p:grpSpPr>
-        <a:xfrm>
-          <a:off x="0" y="0"/>
-          <a:ext cx="0" cy="0"/>
-          <a:chOff x="0" y="0"/>
-          <a:chExt cx="0" cy="0"/>
-        </a:xfrm>
-      </p:grpSpPr>
-      <p:sp>
-        <p:nvSpPr>
-          <p:cNvPr id="2" name="Titre 1">
-            <a:extLst>
-              <a:ext uri="{FF2B5EF4-FFF2-40B4-BE49-F238E27FC236}">
-                <a16:creationId xmlns:a16="http://schemas.microsoft.com/office/drawing/2014/main" id="{8E02C1CE-D966-4D11-B87D-FB48F6E1DC1E}"/>
-              </a:ext>
-            </a:extLst>
-          </p:cNvPr>
-          <p:cNvSpPr>
-            <a:spLocks noGrp="1"/>
-          </p:cNvSpPr>
-          <p:nvPr>
-            <p:ph type="title"/>
-          </p:nvPr>
-        </p:nvSpPr>
-        <p:spPr/>
-        <p:txBody>
-          <a:bodyPr/>
-          <a:lstStyle/>
-          <a:p>
-            <a:r>
-              <a:rPr lang="fr-FR" dirty="0"/>
-              <a:t>Exercice 1</a:t>
-            </a:r>
-          </a:p>
-        </p:txBody>
-      </p:sp>
-      <p:sp>
-        <p:nvSpPr>
-          <p:cNvPr id="3" name="Espace réservé du contenu 2">
-            <a:extLst>
-              <a:ext uri="{FF2B5EF4-FFF2-40B4-BE49-F238E27FC236}">
-                <a16:creationId xmlns:a16="http://schemas.microsoft.com/office/drawing/2014/main" id="{B714387B-F649-48D3-A3D6-CAE6CCA54038}"/>
-              </a:ext>
-            </a:extLst>
-          </p:cNvPr>
-          <p:cNvSpPr>
-            <a:spLocks noGrp="1"/>
-          </p:cNvSpPr>
-          <p:nvPr>
-            <p:ph idx="1"/>
-          </p:nvPr>
-        </p:nvSpPr>
-        <p:spPr>
-          <a:xfrm>
-            <a:off x="838200" y="1825625"/>
-            <a:ext cx="10515600" cy="4746625"/>
-          </a:xfrm>
-        </p:spPr>
-        <p:txBody>
-          <a:bodyPr>
-            <a:normAutofit/>
-          </a:bodyPr>
-          <a:lstStyle/>
-          <a:p>
-            <a:pPr marL="0" indent="0">
-              <a:buNone/>
-            </a:pPr>
-            <a:r>
-              <a:rPr lang="fr-FR" dirty="0"/>
-              <a:t>1/ Ecrire un programme qui </a:t>
-            </a:r>
-          </a:p>
-          <a:p>
-            <a:pPr marL="0" indent="0">
-              <a:buNone/>
-            </a:pPr>
-            <a:r>
-              <a:rPr lang="fr-FR" dirty="0"/>
-              <a:t>	- définit 2 variables : un rayon et une hauteur</a:t>
-            </a:r>
-          </a:p>
-          <a:p>
-            <a:pPr marL="0" indent="0">
-              <a:buNone/>
-            </a:pPr>
-            <a:r>
-              <a:rPr lang="fr-FR" dirty="0"/>
-              <a:t>	- calcule le volume d’un cône V = 1/3 * pi * r² * h</a:t>
-            </a:r>
-          </a:p>
-          <a:p>
-            <a:pPr marL="0" indent="0">
-              <a:buNone/>
-            </a:pPr>
-            <a:r>
-              <a:rPr lang="fr-FR" dirty="0"/>
-              <a:t>		- en définissant pi = 3.14</a:t>
-            </a:r>
-          </a:p>
-          <a:p>
-            <a:pPr marL="0" indent="0">
-              <a:buNone/>
-            </a:pPr>
-            <a:r>
-              <a:rPr lang="fr-FR" dirty="0"/>
-              <a:t>		- en important au début du script la librairie math</a:t>
-            </a:r>
-          </a:p>
-          <a:p>
-            <a:pPr marL="0" indent="0">
-              <a:buNone/>
-            </a:pPr>
-            <a:r>
-              <a:rPr lang="fr-FR" dirty="0"/>
-              <a:t>	- donne la différence entre les 2 volumes obtenus</a:t>
-            </a:r>
-          </a:p>
-          <a:p>
-            <a:pPr marL="0" indent="0">
-              <a:buNone/>
-            </a:pPr>
-            <a:endParaRPr lang="fr-FR" dirty="0"/>
-          </a:p>
-          <a:p>
-            <a:pPr marL="0" indent="0">
-              <a:buNone/>
-            </a:pPr>
-            <a:r>
-              <a:rPr lang="fr-FR" dirty="0"/>
-              <a:t>	</a:t>
-            </a:r>
-          </a:p>
-          <a:p>
-            <a:pPr marL="0" indent="0">
-              <a:buNone/>
-            </a:pPr>
-            <a:r>
-              <a:rPr lang="fr-FR" dirty="0"/>
-              <a:t>	</a:t>
-            </a:r>
-          </a:p>
-        </p:txBody>
-      </p:sp>
-      <p:pic>
-        <p:nvPicPr>
-          <p:cNvPr id="6" name="Image 5">
-            <a:extLst>
-              <a:ext uri="{FF2B5EF4-FFF2-40B4-BE49-F238E27FC236}">
-                <a16:creationId xmlns:a16="http://schemas.microsoft.com/office/drawing/2014/main" id="{F857E9A3-ED0B-449F-AB0C-98B38D176953}"/>
-              </a:ext>
-            </a:extLst>
-          </p:cNvPr>
-          <p:cNvPicPr>
-            <a:picLocks noChangeAspect="1"/>
-          </p:cNvPicPr>
-          <p:nvPr/>
-        </p:nvPicPr>
-        <p:blipFill>
-          <a:blip r:embed="rId2"/>
-          <a:stretch>
-            <a:fillRect/>
-          </a:stretch>
-        </p:blipFill>
-        <p:spPr>
-          <a:xfrm>
-            <a:off x="4876450" y="5099050"/>
-            <a:ext cx="3615863" cy="1393825"/>
-          </a:xfrm>
-          <a:prstGeom prst="rect">
-            <a:avLst/>
-          </a:prstGeom>
-        </p:spPr>
-      </p:pic>
-    </p:spTree>
-    <p:extLst>
-      <p:ext uri="{BB962C8B-B14F-4D97-AF65-F5344CB8AC3E}">
-        <p14:creationId xmlns:p14="http://schemas.microsoft.com/office/powerpoint/2010/main" val="1218598675"/>
-      </p:ext>
-    </p:extLst>
-  </p:cSld>
-  <p:clrMapOvr>
-    <a:masterClrMapping/>
-  </p:clrMapOvr>
-</p:sld>
-</file>
-
-<file path=ppt/slides/slide13.xml><?xml version="1.0" encoding="utf-8"?>
-<p:sld xmlns:a="http://schemas.openxmlformats.org/drawingml/2006/main" xmlns:r="http://schemas.openxmlformats.org/officeDocument/2006/relationships" xmlns:p="http://schemas.openxmlformats.org/presentationml/2006/main">
-  <p:cSld>
-    <p:bg>
-      <p:bgPr>
-        <a:solidFill>
-          <a:schemeClr val="accent5">
-            <a:lumMod val="60000"/>
-            <a:lumOff val="40000"/>
-          </a:schemeClr>
-        </a:solidFill>
-        <a:effectLst/>
-      </p:bgPr>
-    </p:bg>
-    <p:spTree>
-      <p:nvGrpSpPr>
-        <p:cNvPr id="1" name=""/>
-        <p:cNvGrpSpPr/>
-        <p:nvPr/>
-      </p:nvGrpSpPr>
-      <p:grpSpPr>
-        <a:xfrm>
-          <a:off x="0" y="0"/>
-          <a:ext cx="0" cy="0"/>
-          <a:chOff x="0" y="0"/>
-          <a:chExt cx="0" cy="0"/>
-        </a:xfrm>
-      </p:grpSpPr>
-      <p:sp>
-        <p:nvSpPr>
-          <p:cNvPr id="2" name="Titre 1">
-            <a:extLst>
-              <a:ext uri="{FF2B5EF4-FFF2-40B4-BE49-F238E27FC236}">
-                <a16:creationId xmlns:a16="http://schemas.microsoft.com/office/drawing/2014/main" id="{8E02C1CE-D966-4D11-B87D-FB48F6E1DC1E}"/>
-              </a:ext>
-            </a:extLst>
-          </p:cNvPr>
-          <p:cNvSpPr>
-            <a:spLocks noGrp="1"/>
-          </p:cNvSpPr>
-          <p:nvPr>
-            <p:ph type="title"/>
-          </p:nvPr>
-        </p:nvSpPr>
-        <p:spPr/>
-        <p:txBody>
-          <a:bodyPr/>
-          <a:lstStyle/>
-          <a:p>
-            <a:r>
-              <a:rPr lang="fr-FR" dirty="0"/>
-              <a:t>Exercice 2</a:t>
-            </a:r>
-          </a:p>
-        </p:txBody>
-      </p:sp>
-      <p:sp>
-        <p:nvSpPr>
-          <p:cNvPr id="3" name="Espace réservé du contenu 2">
-            <a:extLst>
-              <a:ext uri="{FF2B5EF4-FFF2-40B4-BE49-F238E27FC236}">
-                <a16:creationId xmlns:a16="http://schemas.microsoft.com/office/drawing/2014/main" id="{B714387B-F649-48D3-A3D6-CAE6CCA54038}"/>
-              </a:ext>
-            </a:extLst>
-          </p:cNvPr>
-          <p:cNvSpPr>
-            <a:spLocks noGrp="1"/>
-          </p:cNvSpPr>
-          <p:nvPr>
-            <p:ph idx="1"/>
-          </p:nvPr>
-        </p:nvSpPr>
-        <p:spPr>
-          <a:xfrm>
-            <a:off x="838200" y="1825625"/>
-            <a:ext cx="10515600" cy="4746625"/>
-          </a:xfrm>
-        </p:spPr>
-        <p:txBody>
-          <a:bodyPr>
-            <a:normAutofit/>
-          </a:bodyPr>
-          <a:lstStyle/>
-          <a:p>
-            <a:pPr marL="0" indent="0">
-              <a:buNone/>
-            </a:pPr>
-            <a:r>
-              <a:rPr lang="fr-FR" dirty="0"/>
-              <a:t>2/ initialiser 2 variables numérique A et B. Afficher le résultat des tests suivants:</a:t>
-            </a:r>
-          </a:p>
-          <a:p>
-            <a:pPr marL="0" indent="0">
-              <a:buNone/>
-            </a:pPr>
-            <a:r>
-              <a:rPr lang="fr-FR" dirty="0"/>
-              <a:t>	- A est supérieur à B</a:t>
-            </a:r>
-          </a:p>
-          <a:p>
-            <a:pPr marL="0" indent="0">
-              <a:buNone/>
-            </a:pPr>
-            <a:r>
-              <a:rPr lang="fr-FR" dirty="0"/>
-              <a:t>	- A est égal à B</a:t>
-            </a:r>
-          </a:p>
-          <a:p>
-            <a:pPr marL="0" indent="0">
-              <a:buNone/>
-            </a:pPr>
-            <a:r>
-              <a:rPr lang="fr-FR" dirty="0"/>
-              <a:t>	- la partie entière de A est supérieure à la partie décimale de B</a:t>
-            </a:r>
-          </a:p>
-          <a:p>
-            <a:pPr marL="0" indent="0">
-              <a:buNone/>
-            </a:pPr>
-            <a:r>
-              <a:rPr lang="fr-FR" dirty="0"/>
-              <a:t>	</a:t>
-            </a:r>
-          </a:p>
-        </p:txBody>
-      </p:sp>
-      <p:pic>
-        <p:nvPicPr>
-          <p:cNvPr id="5" name="Image 4">
-            <a:extLst>
-              <a:ext uri="{FF2B5EF4-FFF2-40B4-BE49-F238E27FC236}">
-                <a16:creationId xmlns:a16="http://schemas.microsoft.com/office/drawing/2014/main" id="{A389B25F-2D9B-4CC6-B913-9549CF06E71D}"/>
-              </a:ext>
-            </a:extLst>
-          </p:cNvPr>
-          <p:cNvPicPr>
-            <a:picLocks noChangeAspect="1"/>
-          </p:cNvPicPr>
-          <p:nvPr/>
-        </p:nvPicPr>
-        <p:blipFill>
-          <a:blip r:embed="rId2"/>
-          <a:stretch>
-            <a:fillRect/>
-          </a:stretch>
-        </p:blipFill>
-        <p:spPr>
-          <a:xfrm>
-            <a:off x="5524419" y="4372190"/>
-            <a:ext cx="1838406" cy="2200060"/>
-          </a:xfrm>
-          <a:prstGeom prst="rect">
-            <a:avLst/>
-          </a:prstGeom>
-        </p:spPr>
-      </p:pic>
-    </p:spTree>
-    <p:extLst>
-      <p:ext uri="{BB962C8B-B14F-4D97-AF65-F5344CB8AC3E}">
-        <p14:creationId xmlns:p14="http://schemas.microsoft.com/office/powerpoint/2010/main" val="4248297634"/>
       </p:ext>
     </p:extLst>
   </p:cSld>
@@ -4344,6 +4133,616 @@
           <p:cNvPr id="2" name="Titre 1">
             <a:extLst>
               <a:ext uri="{FF2B5EF4-FFF2-40B4-BE49-F238E27FC236}">
+                <a16:creationId xmlns:a16="http://schemas.microsoft.com/office/drawing/2014/main" id="{D1BFB694-ED4E-40DA-814A-764E1F87CBA5}"/>
+              </a:ext>
+            </a:extLst>
+          </p:cNvPr>
+          <p:cNvSpPr>
+            <a:spLocks noGrp="1"/>
+          </p:cNvSpPr>
+          <p:nvPr>
+            <p:ph type="title"/>
+          </p:nvPr>
+        </p:nvSpPr>
+        <p:spPr/>
+        <p:txBody>
+          <a:bodyPr/>
+          <a:lstStyle/>
+          <a:p>
+            <a:r>
+              <a:rPr lang="fr-FR" dirty="0"/>
+              <a:t>Types de données</a:t>
+            </a:r>
+            <a:br>
+              <a:rPr lang="fr-FR" dirty="0"/>
+            </a:br>
+            <a:r>
+              <a:rPr lang="fr-FR" dirty="0"/>
+              <a:t>opérateurs de variables</a:t>
+            </a:r>
+          </a:p>
+        </p:txBody>
+      </p:sp>
+      <p:pic>
+        <p:nvPicPr>
+          <p:cNvPr id="7" name="Image 6">
+            <a:extLst>
+              <a:ext uri="{FF2B5EF4-FFF2-40B4-BE49-F238E27FC236}">
+                <a16:creationId xmlns:a16="http://schemas.microsoft.com/office/drawing/2014/main" id="{49F1C8C3-B4C7-49B7-8B1B-FCAEB6058A4A}"/>
+              </a:ext>
+            </a:extLst>
+          </p:cNvPr>
+          <p:cNvPicPr>
+            <a:picLocks noChangeAspect="1"/>
+          </p:cNvPicPr>
+          <p:nvPr/>
+        </p:nvPicPr>
+        <p:blipFill>
+          <a:blip r:embed="rId2"/>
+          <a:stretch>
+            <a:fillRect/>
+          </a:stretch>
+        </p:blipFill>
+        <p:spPr>
+          <a:xfrm>
+            <a:off x="145877" y="1690688"/>
+            <a:ext cx="4001058" cy="4677428"/>
+          </a:xfrm>
+          <a:prstGeom prst="rect">
+            <a:avLst/>
+          </a:prstGeom>
+        </p:spPr>
+      </p:pic>
+      <p:pic>
+        <p:nvPicPr>
+          <p:cNvPr id="9" name="Image 8">
+            <a:extLst>
+              <a:ext uri="{FF2B5EF4-FFF2-40B4-BE49-F238E27FC236}">
+                <a16:creationId xmlns:a16="http://schemas.microsoft.com/office/drawing/2014/main" id="{E7B2435F-28B6-4D92-9DD6-35791EF3C7FC}"/>
+              </a:ext>
+            </a:extLst>
+          </p:cNvPr>
+          <p:cNvPicPr>
+            <a:picLocks noChangeAspect="1"/>
+          </p:cNvPicPr>
+          <p:nvPr/>
+        </p:nvPicPr>
+        <p:blipFill>
+          <a:blip r:embed="rId3"/>
+          <a:stretch>
+            <a:fillRect/>
+          </a:stretch>
+        </p:blipFill>
+        <p:spPr>
+          <a:xfrm>
+            <a:off x="4596485" y="1690688"/>
+            <a:ext cx="3143689" cy="3496163"/>
+          </a:xfrm>
+          <a:prstGeom prst="rect">
+            <a:avLst/>
+          </a:prstGeom>
+        </p:spPr>
+      </p:pic>
+      <p:pic>
+        <p:nvPicPr>
+          <p:cNvPr id="11" name="Image 10">
+            <a:extLst>
+              <a:ext uri="{FF2B5EF4-FFF2-40B4-BE49-F238E27FC236}">
+                <a16:creationId xmlns:a16="http://schemas.microsoft.com/office/drawing/2014/main" id="{18ED269A-BFCF-4451-A7A4-C0DE05845AE8}"/>
+              </a:ext>
+            </a:extLst>
+          </p:cNvPr>
+          <p:cNvPicPr>
+            <a:picLocks noChangeAspect="1"/>
+          </p:cNvPicPr>
+          <p:nvPr/>
+        </p:nvPicPr>
+        <p:blipFill>
+          <a:blip r:embed="rId4"/>
+          <a:stretch>
+            <a:fillRect/>
+          </a:stretch>
+        </p:blipFill>
+        <p:spPr>
+          <a:xfrm>
+            <a:off x="8189725" y="4312343"/>
+            <a:ext cx="2257740" cy="2476846"/>
+          </a:xfrm>
+          <a:prstGeom prst="rect">
+            <a:avLst/>
+          </a:prstGeom>
+        </p:spPr>
+      </p:pic>
+      <p:sp>
+        <p:nvSpPr>
+          <p:cNvPr id="12" name="ZoneTexte 11">
+            <a:extLst>
+              <a:ext uri="{FF2B5EF4-FFF2-40B4-BE49-F238E27FC236}">
+                <a16:creationId xmlns:a16="http://schemas.microsoft.com/office/drawing/2014/main" id="{A1B6D689-6191-4497-87FF-47E77816EE96}"/>
+              </a:ext>
+            </a:extLst>
+          </p:cNvPr>
+          <p:cNvSpPr txBox="1"/>
+          <p:nvPr/>
+        </p:nvSpPr>
+        <p:spPr>
+          <a:xfrm>
+            <a:off x="8045066" y="3764132"/>
+            <a:ext cx="2547058" cy="646331"/>
+          </a:xfrm>
+          <a:prstGeom prst="rect">
+            <a:avLst/>
+          </a:prstGeom>
+          <a:noFill/>
+        </p:spPr>
+        <p:txBody>
+          <a:bodyPr wrap="square" rtlCol="0">
+            <a:spAutoFit/>
+          </a:bodyPr>
+          <a:lstStyle/>
+          <a:p>
+            <a:r>
+              <a:rPr lang="fr-FR" b="1" dirty="0"/>
+              <a:t>Mêmes opérateurs pour les chaines de caractères</a:t>
+            </a:r>
+          </a:p>
+        </p:txBody>
+      </p:sp>
+      <p:pic>
+        <p:nvPicPr>
+          <p:cNvPr id="4" name="Image 3">
+            <a:extLst>
+              <a:ext uri="{FF2B5EF4-FFF2-40B4-BE49-F238E27FC236}">
+                <a16:creationId xmlns:a16="http://schemas.microsoft.com/office/drawing/2014/main" id="{C86D7843-50D6-46B9-8287-DFF63D04CAFF}"/>
+              </a:ext>
+            </a:extLst>
+          </p:cNvPr>
+          <p:cNvPicPr>
+            <a:picLocks noChangeAspect="1"/>
+          </p:cNvPicPr>
+          <p:nvPr/>
+        </p:nvPicPr>
+        <p:blipFill>
+          <a:blip r:embed="rId5"/>
+          <a:stretch>
+            <a:fillRect/>
+          </a:stretch>
+        </p:blipFill>
+        <p:spPr>
+          <a:xfrm>
+            <a:off x="7982947" y="1143371"/>
+            <a:ext cx="2953162" cy="2191056"/>
+          </a:xfrm>
+          <a:prstGeom prst="rect">
+            <a:avLst/>
+          </a:prstGeom>
+        </p:spPr>
+      </p:pic>
+    </p:spTree>
+    <p:extLst>
+      <p:ext uri="{BB962C8B-B14F-4D97-AF65-F5344CB8AC3E}">
+        <p14:creationId xmlns:p14="http://schemas.microsoft.com/office/powerpoint/2010/main" val="3240609904"/>
+      </p:ext>
+    </p:extLst>
+  </p:cSld>
+  <p:clrMapOvr>
+    <a:masterClrMapping/>
+  </p:clrMapOvr>
+</p:sld>
+</file>
+
+<file path=ppt/slides/slide15.xml><?xml version="1.0" encoding="utf-8"?>
+<p:sld xmlns:a="http://schemas.openxmlformats.org/drawingml/2006/main" xmlns:r="http://schemas.openxmlformats.org/officeDocument/2006/relationships" xmlns:p="http://schemas.openxmlformats.org/presentationml/2006/main">
+  <p:cSld>
+    <p:bg>
+      <p:bgPr>
+        <a:solidFill>
+          <a:schemeClr val="accent5">
+            <a:lumMod val="60000"/>
+            <a:lumOff val="40000"/>
+          </a:schemeClr>
+        </a:solidFill>
+        <a:effectLst/>
+      </p:bgPr>
+    </p:bg>
+    <p:spTree>
+      <p:nvGrpSpPr>
+        <p:cNvPr id="1" name=""/>
+        <p:cNvGrpSpPr/>
+        <p:nvPr/>
+      </p:nvGrpSpPr>
+      <p:grpSpPr>
+        <a:xfrm>
+          <a:off x="0" y="0"/>
+          <a:ext cx="0" cy="0"/>
+          <a:chOff x="0" y="0"/>
+          <a:chExt cx="0" cy="0"/>
+        </a:xfrm>
+      </p:grpSpPr>
+      <p:sp>
+        <p:nvSpPr>
+          <p:cNvPr id="2" name="Titre 1">
+            <a:extLst>
+              <a:ext uri="{FF2B5EF4-FFF2-40B4-BE49-F238E27FC236}">
+                <a16:creationId xmlns:a16="http://schemas.microsoft.com/office/drawing/2014/main" id="{8E02C1CE-D966-4D11-B87D-FB48F6E1DC1E}"/>
+              </a:ext>
+            </a:extLst>
+          </p:cNvPr>
+          <p:cNvSpPr>
+            <a:spLocks noGrp="1"/>
+          </p:cNvSpPr>
+          <p:nvPr>
+            <p:ph type="title"/>
+          </p:nvPr>
+        </p:nvSpPr>
+        <p:spPr/>
+        <p:txBody>
+          <a:bodyPr/>
+          <a:lstStyle/>
+          <a:p>
+            <a:r>
+              <a:rPr lang="fr-FR" dirty="0"/>
+              <a:t>Exercice 1</a:t>
+            </a:r>
+          </a:p>
+        </p:txBody>
+      </p:sp>
+      <p:sp>
+        <p:nvSpPr>
+          <p:cNvPr id="3" name="Espace réservé du contenu 2">
+            <a:extLst>
+              <a:ext uri="{FF2B5EF4-FFF2-40B4-BE49-F238E27FC236}">
+                <a16:creationId xmlns:a16="http://schemas.microsoft.com/office/drawing/2014/main" id="{B714387B-F649-48D3-A3D6-CAE6CCA54038}"/>
+              </a:ext>
+            </a:extLst>
+          </p:cNvPr>
+          <p:cNvSpPr>
+            <a:spLocks noGrp="1"/>
+          </p:cNvSpPr>
+          <p:nvPr>
+            <p:ph idx="1"/>
+          </p:nvPr>
+        </p:nvSpPr>
+        <p:spPr>
+          <a:xfrm>
+            <a:off x="838200" y="1825625"/>
+            <a:ext cx="10515600" cy="4746625"/>
+          </a:xfrm>
+        </p:spPr>
+        <p:txBody>
+          <a:bodyPr>
+            <a:normAutofit/>
+          </a:bodyPr>
+          <a:lstStyle/>
+          <a:p>
+            <a:pPr marL="0" indent="0">
+              <a:buNone/>
+            </a:pPr>
+            <a:r>
+              <a:rPr lang="fr-FR" dirty="0"/>
+              <a:t>1/ Ecrire un programme qui </a:t>
+            </a:r>
+          </a:p>
+          <a:p>
+            <a:pPr marL="0" indent="0">
+              <a:buNone/>
+            </a:pPr>
+            <a:r>
+              <a:rPr lang="fr-FR" dirty="0"/>
+              <a:t>	- définit 2 variables : un rayon et une hauteur</a:t>
+            </a:r>
+          </a:p>
+          <a:p>
+            <a:pPr marL="0" indent="0">
+              <a:buNone/>
+            </a:pPr>
+            <a:r>
+              <a:rPr lang="fr-FR" dirty="0"/>
+              <a:t>	- calcule le volume d’un cône V = 1/3 * pi * r² * h</a:t>
+            </a:r>
+          </a:p>
+          <a:p>
+            <a:pPr marL="0" indent="0">
+              <a:buNone/>
+            </a:pPr>
+            <a:r>
+              <a:rPr lang="fr-FR" dirty="0"/>
+              <a:t>		- en définissant pi = 3.14</a:t>
+            </a:r>
+          </a:p>
+          <a:p>
+            <a:pPr marL="0" indent="0">
+              <a:buNone/>
+            </a:pPr>
+            <a:r>
+              <a:rPr lang="fr-FR" dirty="0"/>
+              <a:t>		- en important au début du script la librairie math</a:t>
+            </a:r>
+          </a:p>
+          <a:p>
+            <a:pPr marL="0" indent="0">
+              <a:buNone/>
+            </a:pPr>
+            <a:r>
+              <a:rPr lang="fr-FR" dirty="0"/>
+              <a:t>	- donne la différence entre les 2 volumes obtenus</a:t>
+            </a:r>
+          </a:p>
+          <a:p>
+            <a:pPr marL="0" indent="0">
+              <a:buNone/>
+            </a:pPr>
+            <a:endParaRPr lang="fr-FR" dirty="0"/>
+          </a:p>
+          <a:p>
+            <a:pPr marL="0" indent="0">
+              <a:buNone/>
+            </a:pPr>
+            <a:r>
+              <a:rPr lang="fr-FR" dirty="0"/>
+              <a:t>	</a:t>
+            </a:r>
+          </a:p>
+          <a:p>
+            <a:pPr marL="0" indent="0">
+              <a:buNone/>
+            </a:pPr>
+            <a:r>
+              <a:rPr lang="fr-FR" dirty="0"/>
+              <a:t>	</a:t>
+            </a:r>
+          </a:p>
+        </p:txBody>
+      </p:sp>
+      <p:pic>
+        <p:nvPicPr>
+          <p:cNvPr id="6" name="Image 5">
+            <a:extLst>
+              <a:ext uri="{FF2B5EF4-FFF2-40B4-BE49-F238E27FC236}">
+                <a16:creationId xmlns:a16="http://schemas.microsoft.com/office/drawing/2014/main" id="{F857E9A3-ED0B-449F-AB0C-98B38D176953}"/>
+              </a:ext>
+            </a:extLst>
+          </p:cNvPr>
+          <p:cNvPicPr>
+            <a:picLocks noChangeAspect="1"/>
+          </p:cNvPicPr>
+          <p:nvPr/>
+        </p:nvPicPr>
+        <p:blipFill>
+          <a:blip r:embed="rId2"/>
+          <a:stretch>
+            <a:fillRect/>
+          </a:stretch>
+        </p:blipFill>
+        <p:spPr>
+          <a:xfrm>
+            <a:off x="4876450" y="5099050"/>
+            <a:ext cx="3615863" cy="1393825"/>
+          </a:xfrm>
+          <a:prstGeom prst="rect">
+            <a:avLst/>
+          </a:prstGeom>
+        </p:spPr>
+      </p:pic>
+    </p:spTree>
+    <p:extLst>
+      <p:ext uri="{BB962C8B-B14F-4D97-AF65-F5344CB8AC3E}">
+        <p14:creationId xmlns:p14="http://schemas.microsoft.com/office/powerpoint/2010/main" val="1218598675"/>
+      </p:ext>
+    </p:extLst>
+  </p:cSld>
+  <p:clrMapOvr>
+    <a:masterClrMapping/>
+  </p:clrMapOvr>
+</p:sld>
+</file>
+
+<file path=ppt/slides/slide16.xml><?xml version="1.0" encoding="utf-8"?>
+<p:sld xmlns:a="http://schemas.openxmlformats.org/drawingml/2006/main" xmlns:r="http://schemas.openxmlformats.org/officeDocument/2006/relationships" xmlns:p="http://schemas.openxmlformats.org/presentationml/2006/main">
+  <p:cSld>
+    <p:bg>
+      <p:bgPr>
+        <a:solidFill>
+          <a:schemeClr val="accent5">
+            <a:lumMod val="60000"/>
+            <a:lumOff val="40000"/>
+          </a:schemeClr>
+        </a:solidFill>
+        <a:effectLst/>
+      </p:bgPr>
+    </p:bg>
+    <p:spTree>
+      <p:nvGrpSpPr>
+        <p:cNvPr id="1" name=""/>
+        <p:cNvGrpSpPr/>
+        <p:nvPr/>
+      </p:nvGrpSpPr>
+      <p:grpSpPr>
+        <a:xfrm>
+          <a:off x="0" y="0"/>
+          <a:ext cx="0" cy="0"/>
+          <a:chOff x="0" y="0"/>
+          <a:chExt cx="0" cy="0"/>
+        </a:xfrm>
+      </p:grpSpPr>
+      <p:sp>
+        <p:nvSpPr>
+          <p:cNvPr id="2" name="Titre 1">
+            <a:extLst>
+              <a:ext uri="{FF2B5EF4-FFF2-40B4-BE49-F238E27FC236}">
+                <a16:creationId xmlns:a16="http://schemas.microsoft.com/office/drawing/2014/main" id="{8E02C1CE-D966-4D11-B87D-FB48F6E1DC1E}"/>
+              </a:ext>
+            </a:extLst>
+          </p:cNvPr>
+          <p:cNvSpPr>
+            <a:spLocks noGrp="1"/>
+          </p:cNvSpPr>
+          <p:nvPr>
+            <p:ph type="title"/>
+          </p:nvPr>
+        </p:nvSpPr>
+        <p:spPr/>
+        <p:txBody>
+          <a:bodyPr/>
+          <a:lstStyle/>
+          <a:p>
+            <a:r>
+              <a:rPr lang="fr-FR" dirty="0"/>
+              <a:t>Exercice 2</a:t>
+            </a:r>
+          </a:p>
+        </p:txBody>
+      </p:sp>
+      <p:sp>
+        <p:nvSpPr>
+          <p:cNvPr id="3" name="Espace réservé du contenu 2">
+            <a:extLst>
+              <a:ext uri="{FF2B5EF4-FFF2-40B4-BE49-F238E27FC236}">
+                <a16:creationId xmlns:a16="http://schemas.microsoft.com/office/drawing/2014/main" id="{B714387B-F649-48D3-A3D6-CAE6CCA54038}"/>
+              </a:ext>
+            </a:extLst>
+          </p:cNvPr>
+          <p:cNvSpPr>
+            <a:spLocks noGrp="1"/>
+          </p:cNvSpPr>
+          <p:nvPr>
+            <p:ph idx="1"/>
+          </p:nvPr>
+        </p:nvSpPr>
+        <p:spPr>
+          <a:xfrm>
+            <a:off x="838200" y="1825625"/>
+            <a:ext cx="10515600" cy="4746625"/>
+          </a:xfrm>
+        </p:spPr>
+        <p:txBody>
+          <a:bodyPr>
+            <a:normAutofit/>
+          </a:bodyPr>
+          <a:lstStyle/>
+          <a:p>
+            <a:pPr marL="0" indent="0">
+              <a:buNone/>
+            </a:pPr>
+            <a:r>
+              <a:rPr lang="fr-FR" dirty="0"/>
+              <a:t>2/ initialiser 2 variables numérique A et B. Afficher le résultat des tests suivants:</a:t>
+            </a:r>
+          </a:p>
+          <a:p>
+            <a:pPr marL="0" indent="0">
+              <a:buNone/>
+            </a:pPr>
+            <a:r>
+              <a:rPr lang="fr-FR" dirty="0"/>
+              <a:t>	- A est supérieur à B</a:t>
+            </a:r>
+          </a:p>
+          <a:p>
+            <a:pPr marL="0" indent="0">
+              <a:buNone/>
+            </a:pPr>
+            <a:r>
+              <a:rPr lang="fr-FR" dirty="0"/>
+              <a:t>	- A est égal à B</a:t>
+            </a:r>
+          </a:p>
+          <a:p>
+            <a:pPr marL="0" indent="0">
+              <a:buNone/>
+            </a:pPr>
+            <a:r>
+              <a:rPr lang="fr-FR" dirty="0"/>
+              <a:t>	- la partie entière de A est supérieure à la partie décimale de B</a:t>
+            </a:r>
+          </a:p>
+          <a:p>
+            <a:pPr marL="0" indent="0">
+              <a:buNone/>
+            </a:pPr>
+            <a:r>
+              <a:rPr lang="fr-FR" dirty="0"/>
+              <a:t>	</a:t>
+            </a:r>
+          </a:p>
+        </p:txBody>
+      </p:sp>
+      <p:pic>
+        <p:nvPicPr>
+          <p:cNvPr id="5" name="Image 4">
+            <a:extLst>
+              <a:ext uri="{FF2B5EF4-FFF2-40B4-BE49-F238E27FC236}">
+                <a16:creationId xmlns:a16="http://schemas.microsoft.com/office/drawing/2014/main" id="{A389B25F-2D9B-4CC6-B913-9549CF06E71D}"/>
+              </a:ext>
+            </a:extLst>
+          </p:cNvPr>
+          <p:cNvPicPr>
+            <a:picLocks noChangeAspect="1"/>
+          </p:cNvPicPr>
+          <p:nvPr/>
+        </p:nvPicPr>
+        <p:blipFill>
+          <a:blip r:embed="rId2"/>
+          <a:stretch>
+            <a:fillRect/>
+          </a:stretch>
+        </p:blipFill>
+        <p:spPr>
+          <a:xfrm>
+            <a:off x="5524419" y="4372190"/>
+            <a:ext cx="1838406" cy="2200060"/>
+          </a:xfrm>
+          <a:prstGeom prst="rect">
+            <a:avLst/>
+          </a:prstGeom>
+        </p:spPr>
+      </p:pic>
+    </p:spTree>
+    <p:extLst>
+      <p:ext uri="{BB962C8B-B14F-4D97-AF65-F5344CB8AC3E}">
+        <p14:creationId xmlns:p14="http://schemas.microsoft.com/office/powerpoint/2010/main" val="4248297634"/>
+      </p:ext>
+    </p:extLst>
+  </p:cSld>
+  <p:clrMapOvr>
+    <a:masterClrMapping/>
+  </p:clrMapOvr>
+</p:sld>
+</file>
+
+<file path=ppt/slides/slide17.xml><?xml version="1.0" encoding="utf-8"?>
+<p:sld xmlns:a="http://schemas.openxmlformats.org/drawingml/2006/main" xmlns:r="http://schemas.openxmlformats.org/officeDocument/2006/relationships" xmlns:p="http://schemas.openxmlformats.org/presentationml/2006/main">
+  <p:cSld>
+    <p:bg>
+      <p:bgPr>
+        <a:solidFill>
+          <a:schemeClr val="accent2">
+            <a:lumMod val="40000"/>
+            <a:lumOff val="60000"/>
+          </a:schemeClr>
+        </a:solidFill>
+        <a:effectLst/>
+      </p:bgPr>
+    </p:bg>
+    <p:spTree>
+      <p:nvGrpSpPr>
+        <p:cNvPr id="1" name=""/>
+        <p:cNvGrpSpPr/>
+        <p:nvPr/>
+      </p:nvGrpSpPr>
+      <p:grpSpPr>
+        <a:xfrm>
+          <a:off x="0" y="0"/>
+          <a:ext cx="0" cy="0"/>
+          <a:chOff x="0" y="0"/>
+          <a:chExt cx="0" cy="0"/>
+        </a:xfrm>
+      </p:grpSpPr>
+      <p:sp>
+        <p:nvSpPr>
+          <p:cNvPr id="2" name="Titre 1">
+            <a:extLst>
+              <a:ext uri="{FF2B5EF4-FFF2-40B4-BE49-F238E27FC236}">
                 <a16:creationId xmlns:a16="http://schemas.microsoft.com/office/drawing/2014/main" id="{0BE1AC30-9008-45CA-8FA5-3517A2A5CA6E}"/>
               </a:ext>
             </a:extLst>
@@ -4459,7 +4858,7 @@
 </p:sld>
 </file>
 
-<file path=ppt/slides/slide15.xml><?xml version="1.0" encoding="utf-8"?>
+<file path=ppt/slides/slide18.xml><?xml version="1.0" encoding="utf-8"?>
 <p:sld xmlns:a="http://schemas.openxmlformats.org/drawingml/2006/main" xmlns:r="http://schemas.openxmlformats.org/officeDocument/2006/relationships" xmlns:p="http://schemas.openxmlformats.org/presentationml/2006/main">
   <p:cSld>
     <p:spTree>
@@ -4577,483 +4976,76 @@
           </a:prstGeom>
         </p:spPr>
       </p:pic>
-    </p:spTree>
-    <p:extLst>
-      <p:ext uri="{BB962C8B-B14F-4D97-AF65-F5344CB8AC3E}">
-        <p14:creationId xmlns:p14="http://schemas.microsoft.com/office/powerpoint/2010/main" val="1564871656"/>
-      </p:ext>
-    </p:extLst>
-  </p:cSld>
-  <p:clrMapOvr>
-    <a:masterClrMapping/>
-  </p:clrMapOvr>
-</p:sld>
-</file>
-
-<file path=ppt/slides/slide16.xml><?xml version="1.0" encoding="utf-8"?>
-<p:sld xmlns:a="http://schemas.openxmlformats.org/drawingml/2006/main" xmlns:r="http://schemas.openxmlformats.org/officeDocument/2006/relationships" xmlns:p="http://schemas.openxmlformats.org/presentationml/2006/main">
-  <p:cSld>
-    <p:spTree>
-      <p:nvGrpSpPr>
-        <p:cNvPr id="1" name=""/>
-        <p:cNvGrpSpPr/>
-        <p:nvPr/>
-      </p:nvGrpSpPr>
-      <p:grpSpPr>
-        <a:xfrm>
-          <a:off x="0" y="0"/>
-          <a:ext cx="0" cy="0"/>
-          <a:chOff x="0" y="0"/>
-          <a:chExt cx="0" cy="0"/>
-        </a:xfrm>
-      </p:grpSpPr>
-      <p:sp>
-        <p:nvSpPr>
-          <p:cNvPr id="2" name="Titre 1">
-            <a:extLst>
-              <a:ext uri="{FF2B5EF4-FFF2-40B4-BE49-F238E27FC236}">
-                <a16:creationId xmlns:a16="http://schemas.microsoft.com/office/drawing/2014/main" id="{0BE1AC30-9008-45CA-8FA5-3517A2A5CA6E}"/>
-              </a:ext>
-            </a:extLst>
-          </p:cNvPr>
-          <p:cNvSpPr>
-            <a:spLocks noGrp="1"/>
-          </p:cNvSpPr>
-          <p:nvPr>
-            <p:ph type="title"/>
-          </p:nvPr>
-        </p:nvSpPr>
-        <p:spPr/>
-        <p:txBody>
-          <a:bodyPr/>
-          <a:lstStyle/>
-          <a:p>
-            <a:r>
-              <a:rPr lang="fr-FR" dirty="0"/>
-              <a:t>Types de données</a:t>
-            </a:r>
-            <a:br>
-              <a:rPr lang="fr-FR" dirty="0"/>
-            </a:br>
-            <a:r>
-              <a:rPr lang="fr-FR" dirty="0"/>
-              <a:t>Listes</a:t>
-            </a:r>
-          </a:p>
-        </p:txBody>
-      </p:sp>
-      <p:sp>
-        <p:nvSpPr>
-          <p:cNvPr id="3" name="Espace réservé du contenu 2">
-            <a:extLst>
-              <a:ext uri="{FF2B5EF4-FFF2-40B4-BE49-F238E27FC236}">
-                <a16:creationId xmlns:a16="http://schemas.microsoft.com/office/drawing/2014/main" id="{002A5C6B-1B6B-473F-B17B-C8C50576264C}"/>
-              </a:ext>
-            </a:extLst>
-          </p:cNvPr>
-          <p:cNvSpPr>
-            <a:spLocks noGrp="1"/>
-          </p:cNvSpPr>
-          <p:nvPr>
-            <p:ph idx="1"/>
-          </p:nvPr>
+      <p:sp>
+        <p:nvSpPr>
+          <p:cNvPr id="5" name="ZoneTexte 4">
+            <a:extLst>
+              <a:ext uri="{FF2B5EF4-FFF2-40B4-BE49-F238E27FC236}">
+                <a16:creationId xmlns:a16="http://schemas.microsoft.com/office/drawing/2014/main" id="{7B8E6BE7-92B4-4583-B13D-A08586BBEB7C}"/>
+              </a:ext>
+            </a:extLst>
+          </p:cNvPr>
+          <p:cNvSpPr txBox="1"/>
+          <p:nvPr/>
         </p:nvSpPr>
         <p:spPr>
           <a:xfrm>
-            <a:off x="838200" y="1825625"/>
-            <a:ext cx="10515600" cy="677878"/>
-          </a:xfrm>
-        </p:spPr>
-        <p:txBody>
-          <a:bodyPr/>
-          <a:lstStyle/>
-          <a:p>
-            <a:pPr marL="0" indent="0">
-              <a:buNone/>
-            </a:pPr>
-            <a:r>
-              <a:rPr lang="fr-FR" b="1" dirty="0"/>
-              <a:t>Création, assignation de valeur</a:t>
-            </a:r>
-          </a:p>
-        </p:txBody>
-      </p:sp>
-      <p:pic>
-        <p:nvPicPr>
-          <p:cNvPr id="6" name="Image 5">
-            <a:extLst>
-              <a:ext uri="{FF2B5EF4-FFF2-40B4-BE49-F238E27FC236}">
-                <a16:creationId xmlns:a16="http://schemas.microsoft.com/office/drawing/2014/main" id="{07A13AA3-F51E-4376-BBAB-B75600971804}"/>
-              </a:ext>
-            </a:extLst>
-          </p:cNvPr>
-          <p:cNvPicPr>
-            <a:picLocks noChangeAspect="1"/>
-          </p:cNvPicPr>
-          <p:nvPr/>
-        </p:nvPicPr>
-        <p:blipFill>
-          <a:blip r:embed="rId2"/>
-          <a:stretch>
-            <a:fillRect/>
-          </a:stretch>
-        </p:blipFill>
-        <p:spPr>
-          <a:xfrm>
-            <a:off x="838200" y="2503503"/>
-            <a:ext cx="6811326" cy="1600423"/>
+            <a:off x="6951215" y="4634144"/>
+            <a:ext cx="4678532" cy="369332"/>
           </a:xfrm>
           <a:prstGeom prst="rect">
             <a:avLst/>
           </a:prstGeom>
         </p:spPr>
-      </p:pic>
-      <p:pic>
-        <p:nvPicPr>
-          <p:cNvPr id="5" name="Image 4">
-            <a:extLst>
-              <a:ext uri="{FF2B5EF4-FFF2-40B4-BE49-F238E27FC236}">
-                <a16:creationId xmlns:a16="http://schemas.microsoft.com/office/drawing/2014/main" id="{881B545A-2CAC-4A13-AB00-9E68CF7EC8F8}"/>
-              </a:ext>
-            </a:extLst>
-          </p:cNvPr>
-          <p:cNvPicPr>
-            <a:picLocks noChangeAspect="1"/>
-          </p:cNvPicPr>
-          <p:nvPr/>
-        </p:nvPicPr>
-        <p:blipFill>
-          <a:blip r:embed="rId3"/>
-          <a:stretch>
-            <a:fillRect/>
-          </a:stretch>
-        </p:blipFill>
-        <p:spPr>
-          <a:xfrm>
-            <a:off x="935855" y="4282222"/>
-            <a:ext cx="5258534" cy="2057687"/>
-          </a:xfrm>
-          <a:prstGeom prst="rect">
-            <a:avLst/>
-          </a:prstGeom>
-        </p:spPr>
-      </p:pic>
+        <p:style>
+          <a:lnRef idx="2">
+            <a:schemeClr val="dk1">
+              <a:shade val="50000"/>
+            </a:schemeClr>
+          </a:lnRef>
+          <a:fillRef idx="1">
+            <a:schemeClr val="dk1"/>
+          </a:fillRef>
+          <a:effectRef idx="0">
+            <a:schemeClr val="dk1"/>
+          </a:effectRef>
+          <a:fontRef idx="minor">
+            <a:schemeClr val="lt1"/>
+          </a:fontRef>
+        </p:style>
+        <p:txBody>
+          <a:bodyPr wrap="square" rtlCol="0">
+            <a:spAutoFit/>
+          </a:bodyPr>
+          <a:lstStyle/>
+          <a:p>
+            <a:r>
+              <a:rPr lang="fr-FR" dirty="0"/>
+              <a:t>Taille d’une liste: </a:t>
+            </a:r>
+            <a:r>
+              <a:rPr lang="fr-FR" dirty="0" err="1"/>
+              <a:t>len</a:t>
+            </a:r>
+            <a:r>
+              <a:rPr lang="fr-FR" dirty="0"/>
+              <a:t>(</a:t>
+            </a:r>
+            <a:r>
+              <a:rPr lang="fr-FR" i="1" dirty="0" err="1"/>
+              <a:t>list</a:t>
+            </a:r>
+            <a:r>
+              <a:rPr lang="fr-FR" dirty="0"/>
+              <a:t>)</a:t>
+            </a:r>
+          </a:p>
+        </p:txBody>
+      </p:sp>
     </p:spTree>
     <p:extLst>
       <p:ext uri="{BB962C8B-B14F-4D97-AF65-F5344CB8AC3E}">
-        <p14:creationId xmlns:p14="http://schemas.microsoft.com/office/powerpoint/2010/main" val="4018284272"/>
-      </p:ext>
-    </p:extLst>
-  </p:cSld>
-  <p:clrMapOvr>
-    <a:masterClrMapping/>
-  </p:clrMapOvr>
-</p:sld>
-</file>
-
-<file path=ppt/slides/slide17.xml><?xml version="1.0" encoding="utf-8"?>
-<p:sld xmlns:a="http://schemas.openxmlformats.org/drawingml/2006/main" xmlns:r="http://schemas.openxmlformats.org/officeDocument/2006/relationships" xmlns:p="http://schemas.openxmlformats.org/presentationml/2006/main">
-  <p:cSld>
-    <p:spTree>
-      <p:nvGrpSpPr>
-        <p:cNvPr id="1" name=""/>
-        <p:cNvGrpSpPr/>
-        <p:nvPr/>
-      </p:nvGrpSpPr>
-      <p:grpSpPr>
-        <a:xfrm>
-          <a:off x="0" y="0"/>
-          <a:ext cx="0" cy="0"/>
-          <a:chOff x="0" y="0"/>
-          <a:chExt cx="0" cy="0"/>
-        </a:xfrm>
-      </p:grpSpPr>
-      <p:sp>
-        <p:nvSpPr>
-          <p:cNvPr id="2" name="Titre 1">
-            <a:extLst>
-              <a:ext uri="{FF2B5EF4-FFF2-40B4-BE49-F238E27FC236}">
-                <a16:creationId xmlns:a16="http://schemas.microsoft.com/office/drawing/2014/main" id="{0BE1AC30-9008-45CA-8FA5-3517A2A5CA6E}"/>
-              </a:ext>
-            </a:extLst>
-          </p:cNvPr>
-          <p:cNvSpPr>
-            <a:spLocks noGrp="1"/>
-          </p:cNvSpPr>
-          <p:nvPr>
-            <p:ph type="title"/>
-          </p:nvPr>
-        </p:nvSpPr>
-        <p:spPr/>
-        <p:txBody>
-          <a:bodyPr/>
-          <a:lstStyle/>
-          <a:p>
-            <a:r>
-              <a:rPr lang="fr-FR" dirty="0"/>
-              <a:t>Types de données</a:t>
-            </a:r>
-            <a:br>
-              <a:rPr lang="fr-FR" dirty="0"/>
-            </a:br>
-            <a:r>
-              <a:rPr lang="fr-FR" dirty="0"/>
-              <a:t>Listes</a:t>
-            </a:r>
-          </a:p>
-        </p:txBody>
-      </p:sp>
-      <p:sp>
-        <p:nvSpPr>
-          <p:cNvPr id="3" name="Espace réservé du contenu 2">
-            <a:extLst>
-              <a:ext uri="{FF2B5EF4-FFF2-40B4-BE49-F238E27FC236}">
-                <a16:creationId xmlns:a16="http://schemas.microsoft.com/office/drawing/2014/main" id="{002A5C6B-1B6B-473F-B17B-C8C50576264C}"/>
-              </a:ext>
-            </a:extLst>
-          </p:cNvPr>
-          <p:cNvSpPr>
-            <a:spLocks noGrp="1"/>
-          </p:cNvSpPr>
-          <p:nvPr>
-            <p:ph idx="1"/>
-          </p:nvPr>
-        </p:nvSpPr>
-        <p:spPr>
-          <a:xfrm>
-            <a:off x="838200" y="1825625"/>
-            <a:ext cx="10515600" cy="677878"/>
-          </a:xfrm>
-        </p:spPr>
-        <p:txBody>
-          <a:bodyPr/>
-          <a:lstStyle/>
-          <a:p>
-            <a:pPr marL="0" indent="0">
-              <a:buNone/>
-            </a:pPr>
-            <a:r>
-              <a:rPr lang="fr-FR" b="1" dirty="0"/>
-              <a:t>Ajout, suppression de valeurs</a:t>
-            </a:r>
-          </a:p>
-        </p:txBody>
-      </p:sp>
-      <p:pic>
-        <p:nvPicPr>
-          <p:cNvPr id="5" name="Image 4">
-            <a:extLst>
-              <a:ext uri="{FF2B5EF4-FFF2-40B4-BE49-F238E27FC236}">
-                <a16:creationId xmlns:a16="http://schemas.microsoft.com/office/drawing/2014/main" id="{E6AC1B32-CCE2-4B1A-B3A7-8BB245275C8F}"/>
-              </a:ext>
-            </a:extLst>
-          </p:cNvPr>
-          <p:cNvPicPr>
-            <a:picLocks noChangeAspect="1"/>
-          </p:cNvPicPr>
-          <p:nvPr/>
-        </p:nvPicPr>
-        <p:blipFill>
-          <a:blip r:embed="rId2"/>
-          <a:stretch>
-            <a:fillRect/>
-          </a:stretch>
-        </p:blipFill>
-        <p:spPr>
-          <a:xfrm>
-            <a:off x="838200" y="2638440"/>
-            <a:ext cx="5639587" cy="2829320"/>
-          </a:xfrm>
-          <a:prstGeom prst="rect">
-            <a:avLst/>
-          </a:prstGeom>
-        </p:spPr>
-      </p:pic>
-    </p:spTree>
-    <p:extLst>
-      <p:ext uri="{BB962C8B-B14F-4D97-AF65-F5344CB8AC3E}">
-        <p14:creationId xmlns:p14="http://schemas.microsoft.com/office/powerpoint/2010/main" val="1726396567"/>
-      </p:ext>
-    </p:extLst>
-  </p:cSld>
-  <p:clrMapOvr>
-    <a:masterClrMapping/>
-  </p:clrMapOvr>
-</p:sld>
-</file>
-
-<file path=ppt/slides/slide18.xml><?xml version="1.0" encoding="utf-8"?>
-<p:sld xmlns:a="http://schemas.openxmlformats.org/drawingml/2006/main" xmlns:r="http://schemas.openxmlformats.org/officeDocument/2006/relationships" xmlns:p="http://schemas.openxmlformats.org/presentationml/2006/main">
-  <p:cSld>
-    <p:spTree>
-      <p:nvGrpSpPr>
-        <p:cNvPr id="1" name=""/>
-        <p:cNvGrpSpPr/>
-        <p:nvPr/>
-      </p:nvGrpSpPr>
-      <p:grpSpPr>
-        <a:xfrm>
-          <a:off x="0" y="0"/>
-          <a:ext cx="0" cy="0"/>
-          <a:chOff x="0" y="0"/>
-          <a:chExt cx="0" cy="0"/>
-        </a:xfrm>
-      </p:grpSpPr>
-      <p:sp>
-        <p:nvSpPr>
-          <p:cNvPr id="2" name="Titre 1">
-            <a:extLst>
-              <a:ext uri="{FF2B5EF4-FFF2-40B4-BE49-F238E27FC236}">
-                <a16:creationId xmlns:a16="http://schemas.microsoft.com/office/drawing/2014/main" id="{0BE1AC30-9008-45CA-8FA5-3517A2A5CA6E}"/>
-              </a:ext>
-            </a:extLst>
-          </p:cNvPr>
-          <p:cNvSpPr>
-            <a:spLocks noGrp="1"/>
-          </p:cNvSpPr>
-          <p:nvPr>
-            <p:ph type="title"/>
-          </p:nvPr>
-        </p:nvSpPr>
-        <p:spPr/>
-        <p:txBody>
-          <a:bodyPr/>
-          <a:lstStyle/>
-          <a:p>
-            <a:r>
-              <a:rPr lang="fr-FR" dirty="0"/>
-              <a:t>Types de données</a:t>
-            </a:r>
-            <a:br>
-              <a:rPr lang="fr-FR" dirty="0"/>
-            </a:br>
-            <a:r>
-              <a:rPr lang="fr-FR" dirty="0"/>
-              <a:t>Listes</a:t>
-            </a:r>
-          </a:p>
-        </p:txBody>
-      </p:sp>
-      <p:sp>
-        <p:nvSpPr>
-          <p:cNvPr id="3" name="Espace réservé du contenu 2">
-            <a:extLst>
-              <a:ext uri="{FF2B5EF4-FFF2-40B4-BE49-F238E27FC236}">
-                <a16:creationId xmlns:a16="http://schemas.microsoft.com/office/drawing/2014/main" id="{002A5C6B-1B6B-473F-B17B-C8C50576264C}"/>
-              </a:ext>
-            </a:extLst>
-          </p:cNvPr>
-          <p:cNvSpPr>
-            <a:spLocks noGrp="1"/>
-          </p:cNvSpPr>
-          <p:nvPr>
-            <p:ph idx="1"/>
-          </p:nvPr>
-        </p:nvSpPr>
-        <p:spPr>
-          <a:xfrm>
-            <a:off x="838200" y="1825625"/>
-            <a:ext cx="10515600" cy="677878"/>
-          </a:xfrm>
-        </p:spPr>
-        <p:txBody>
-          <a:bodyPr/>
-          <a:lstStyle/>
-          <a:p>
-            <a:pPr marL="0" indent="0">
-              <a:buNone/>
-            </a:pPr>
-            <a:r>
-              <a:rPr lang="fr-FR" b="1" dirty="0"/>
-              <a:t>Copie</a:t>
-            </a:r>
-          </a:p>
-          <a:p>
-            <a:pPr marL="0" indent="0">
-              <a:buNone/>
-            </a:pPr>
-            <a:endParaRPr lang="fr-FR" dirty="0"/>
-          </a:p>
-        </p:txBody>
-      </p:sp>
-      <p:sp>
-        <p:nvSpPr>
-          <p:cNvPr id="10" name="ZoneTexte 9">
-            <a:extLst>
-              <a:ext uri="{FF2B5EF4-FFF2-40B4-BE49-F238E27FC236}">
-                <a16:creationId xmlns:a16="http://schemas.microsoft.com/office/drawing/2014/main" id="{19AC538B-3415-4796-BABD-BE3CDE31BCEA}"/>
-              </a:ext>
-            </a:extLst>
-          </p:cNvPr>
-          <p:cNvSpPr txBox="1"/>
-          <p:nvPr/>
-        </p:nvSpPr>
-        <p:spPr>
-          <a:xfrm>
-            <a:off x="838201" y="2503503"/>
-            <a:ext cx="9548674" cy="1200329"/>
-          </a:xfrm>
-          <a:prstGeom prst="rect">
-            <a:avLst/>
-          </a:prstGeom>
-          <a:noFill/>
-        </p:spPr>
-        <p:txBody>
-          <a:bodyPr wrap="square" rtlCol="0">
-            <a:spAutoFit/>
-          </a:bodyPr>
-          <a:lstStyle/>
-          <a:p>
-            <a:r>
-              <a:rPr lang="fr-FR" dirty="0"/>
-              <a:t>Attention! En dehors des simples variables unitaires, les opérations sur les listes, tableaux et objets renvoient une simple référence mémoire à l'objet. Sauf les chaines de caractères!</a:t>
-            </a:r>
-          </a:p>
-          <a:p>
-            <a:endParaRPr lang="fr-FR" dirty="0"/>
-          </a:p>
-          <a:p>
-            <a:r>
-              <a:rPr lang="fr-FR" dirty="0"/>
-              <a:t>Pour effectuer une vraie copie, utiliser l’opérateur copy</a:t>
-            </a:r>
-          </a:p>
-        </p:txBody>
-      </p:sp>
-      <p:pic>
-        <p:nvPicPr>
-          <p:cNvPr id="11" name="Image 10">
-            <a:extLst>
-              <a:ext uri="{FF2B5EF4-FFF2-40B4-BE49-F238E27FC236}">
-                <a16:creationId xmlns:a16="http://schemas.microsoft.com/office/drawing/2014/main" id="{B76B905C-DEA8-44D7-9DF8-6838892F8701}"/>
-              </a:ext>
-            </a:extLst>
-          </p:cNvPr>
-          <p:cNvPicPr>
-            <a:picLocks noChangeAspect="1"/>
-          </p:cNvPicPr>
-          <p:nvPr/>
-        </p:nvPicPr>
-        <p:blipFill>
-          <a:blip r:embed="rId2"/>
-          <a:stretch>
-            <a:fillRect/>
-          </a:stretch>
-        </p:blipFill>
-        <p:spPr>
-          <a:xfrm>
-            <a:off x="838200" y="3730766"/>
-            <a:ext cx="4448796" cy="3000794"/>
-          </a:xfrm>
-          <a:prstGeom prst="rect">
-            <a:avLst/>
-          </a:prstGeom>
-        </p:spPr>
-      </p:pic>
-    </p:spTree>
-    <p:extLst>
-      <p:ext uri="{BB962C8B-B14F-4D97-AF65-F5344CB8AC3E}">
-        <p14:creationId xmlns:p14="http://schemas.microsoft.com/office/powerpoint/2010/main" val="2953058996"/>
+        <p14:creationId xmlns:p14="http://schemas.microsoft.com/office/powerpoint/2010/main" val="1564871656"/>
       </p:ext>
     </p:extLst>
   </p:cSld>
@@ -5146,64 +5138,17 @@
             </a:pPr>
             <a:r>
               <a:rPr lang="fr-FR" b="1" dirty="0"/>
-              <a:t>Copie</a:t>
-            </a:r>
-          </a:p>
-          <a:p>
-            <a:pPr marL="0" indent="0">
-              <a:buNone/>
-            </a:pPr>
-            <a:endParaRPr lang="fr-FR" dirty="0"/>
-          </a:p>
-        </p:txBody>
-      </p:sp>
-      <p:sp>
-        <p:nvSpPr>
-          <p:cNvPr id="6" name="ZoneTexte 5">
-            <a:extLst>
-              <a:ext uri="{FF2B5EF4-FFF2-40B4-BE49-F238E27FC236}">
-                <a16:creationId xmlns:a16="http://schemas.microsoft.com/office/drawing/2014/main" id="{9142BE4E-99E1-43AC-8A0E-BF099694135F}"/>
-              </a:ext>
-            </a:extLst>
-          </p:cNvPr>
-          <p:cNvSpPr txBox="1"/>
-          <p:nvPr/>
-        </p:nvSpPr>
-        <p:spPr>
-          <a:xfrm>
-            <a:off x="838200" y="2503503"/>
-            <a:ext cx="8463737" cy="923330"/>
-          </a:xfrm>
-          <a:prstGeom prst="rect">
-            <a:avLst/>
-          </a:prstGeom>
-          <a:noFill/>
-        </p:spPr>
-        <p:txBody>
-          <a:bodyPr wrap="square" rtlCol="0">
-            <a:spAutoFit/>
-          </a:bodyPr>
-          <a:lstStyle/>
-          <a:p>
-            <a:r>
-              <a:rPr lang="fr-FR" dirty="0"/>
-              <a:t>Attention! En dehors des simples variables unitaires, les opérations sur les listes, tableaux et objets renvoient une simple référence mémoire à l'objet.</a:t>
-            </a:r>
-          </a:p>
-          <a:p>
-            <a:r>
-              <a:rPr lang="fr-FR" dirty="0"/>
-              <a:t>Pour effectuer une vraie copie, utiliser l’opérateur copy</a:t>
+              <a:t>Création, assignation de valeur</a:t>
             </a:r>
           </a:p>
         </p:txBody>
       </p:sp>
       <p:pic>
         <p:nvPicPr>
-          <p:cNvPr id="8" name="Image 7">
-            <a:extLst>
-              <a:ext uri="{FF2B5EF4-FFF2-40B4-BE49-F238E27FC236}">
-                <a16:creationId xmlns:a16="http://schemas.microsoft.com/office/drawing/2014/main" id="{41DCBA6F-E34D-4FA4-ACFD-AD47CE79A740}"/>
+          <p:cNvPr id="6" name="Image 5">
+            <a:extLst>
+              <a:ext uri="{FF2B5EF4-FFF2-40B4-BE49-F238E27FC236}">
+                <a16:creationId xmlns:a16="http://schemas.microsoft.com/office/drawing/2014/main" id="{07A13AA3-F51E-4376-BBAB-B75600971804}"/>
               </a:ext>
             </a:extLst>
           </p:cNvPr>
@@ -5220,8 +5165,8 @@
         </p:blipFill>
         <p:spPr>
           <a:xfrm>
-            <a:off x="838200" y="3730766"/>
-            <a:ext cx="4448796" cy="3000794"/>
+            <a:off x="838200" y="2503503"/>
+            <a:ext cx="6811326" cy="1600423"/>
           </a:xfrm>
           <a:prstGeom prst="rect">
             <a:avLst/>
@@ -5233,7 +5178,7 @@
           <p:cNvPr id="5" name="Image 4">
             <a:extLst>
               <a:ext uri="{FF2B5EF4-FFF2-40B4-BE49-F238E27FC236}">
-                <a16:creationId xmlns:a16="http://schemas.microsoft.com/office/drawing/2014/main" id="{FB2E456B-3C00-42AE-B3CA-EE39FB42B32D}"/>
+                <a16:creationId xmlns:a16="http://schemas.microsoft.com/office/drawing/2014/main" id="{881B545A-2CAC-4A13-AB00-9E68CF7EC8F8}"/>
               </a:ext>
             </a:extLst>
           </p:cNvPr>
@@ -5250,8 +5195,8 @@
         </p:blipFill>
         <p:spPr>
           <a:xfrm>
-            <a:off x="5733967" y="3620347"/>
-            <a:ext cx="4505954" cy="2838846"/>
+            <a:off x="935855" y="4282222"/>
+            <a:ext cx="5258534" cy="2057687"/>
           </a:xfrm>
           <a:prstGeom prst="rect">
             <a:avLst/>
@@ -5261,7 +5206,7 @@
     </p:spTree>
     <p:extLst>
       <p:ext uri="{BB962C8B-B14F-4D97-AF65-F5344CB8AC3E}">
-        <p14:creationId xmlns:p14="http://schemas.microsoft.com/office/powerpoint/2010/main" val="1252398926"/>
+        <p14:creationId xmlns:p14="http://schemas.microsoft.com/office/powerpoint/2010/main" val="4018284272"/>
       </p:ext>
     </p:extLst>
   </p:cSld>
@@ -5679,6 +5624,526 @@
             </a:pPr>
             <a:r>
               <a:rPr lang="fr-FR" b="1" dirty="0"/>
+              <a:t>Ajout, suppression de valeurs</a:t>
+            </a:r>
+          </a:p>
+        </p:txBody>
+      </p:sp>
+      <p:pic>
+        <p:nvPicPr>
+          <p:cNvPr id="5" name="Image 4">
+            <a:extLst>
+              <a:ext uri="{FF2B5EF4-FFF2-40B4-BE49-F238E27FC236}">
+                <a16:creationId xmlns:a16="http://schemas.microsoft.com/office/drawing/2014/main" id="{E6AC1B32-CCE2-4B1A-B3A7-8BB245275C8F}"/>
+              </a:ext>
+            </a:extLst>
+          </p:cNvPr>
+          <p:cNvPicPr>
+            <a:picLocks noChangeAspect="1"/>
+          </p:cNvPicPr>
+          <p:nvPr/>
+        </p:nvPicPr>
+        <p:blipFill>
+          <a:blip r:embed="rId2"/>
+          <a:stretch>
+            <a:fillRect/>
+          </a:stretch>
+        </p:blipFill>
+        <p:spPr>
+          <a:xfrm>
+            <a:off x="838200" y="2638440"/>
+            <a:ext cx="5639587" cy="2829320"/>
+          </a:xfrm>
+          <a:prstGeom prst="rect">
+            <a:avLst/>
+          </a:prstGeom>
+        </p:spPr>
+      </p:pic>
+    </p:spTree>
+    <p:extLst>
+      <p:ext uri="{BB962C8B-B14F-4D97-AF65-F5344CB8AC3E}">
+        <p14:creationId xmlns:p14="http://schemas.microsoft.com/office/powerpoint/2010/main" val="1726396567"/>
+      </p:ext>
+    </p:extLst>
+  </p:cSld>
+  <p:clrMapOvr>
+    <a:masterClrMapping/>
+  </p:clrMapOvr>
+</p:sld>
+</file>
+
+<file path=ppt/slides/slide21.xml><?xml version="1.0" encoding="utf-8"?>
+<p:sld xmlns:a="http://schemas.openxmlformats.org/drawingml/2006/main" xmlns:r="http://schemas.openxmlformats.org/officeDocument/2006/relationships" xmlns:p="http://schemas.openxmlformats.org/presentationml/2006/main">
+  <p:cSld>
+    <p:spTree>
+      <p:nvGrpSpPr>
+        <p:cNvPr id="1" name=""/>
+        <p:cNvGrpSpPr/>
+        <p:nvPr/>
+      </p:nvGrpSpPr>
+      <p:grpSpPr>
+        <a:xfrm>
+          <a:off x="0" y="0"/>
+          <a:ext cx="0" cy="0"/>
+          <a:chOff x="0" y="0"/>
+          <a:chExt cx="0" cy="0"/>
+        </a:xfrm>
+      </p:grpSpPr>
+      <p:sp>
+        <p:nvSpPr>
+          <p:cNvPr id="2" name="Titre 1">
+            <a:extLst>
+              <a:ext uri="{FF2B5EF4-FFF2-40B4-BE49-F238E27FC236}">
+                <a16:creationId xmlns:a16="http://schemas.microsoft.com/office/drawing/2014/main" id="{0BE1AC30-9008-45CA-8FA5-3517A2A5CA6E}"/>
+              </a:ext>
+            </a:extLst>
+          </p:cNvPr>
+          <p:cNvSpPr>
+            <a:spLocks noGrp="1"/>
+          </p:cNvSpPr>
+          <p:nvPr>
+            <p:ph type="title"/>
+          </p:nvPr>
+        </p:nvSpPr>
+        <p:spPr/>
+        <p:txBody>
+          <a:bodyPr/>
+          <a:lstStyle/>
+          <a:p>
+            <a:r>
+              <a:rPr lang="fr-FR" dirty="0"/>
+              <a:t>Types de données</a:t>
+            </a:r>
+            <a:br>
+              <a:rPr lang="fr-FR" dirty="0"/>
+            </a:br>
+            <a:r>
+              <a:rPr lang="fr-FR" dirty="0"/>
+              <a:t>Listes</a:t>
+            </a:r>
+          </a:p>
+        </p:txBody>
+      </p:sp>
+      <p:sp>
+        <p:nvSpPr>
+          <p:cNvPr id="3" name="Espace réservé du contenu 2">
+            <a:extLst>
+              <a:ext uri="{FF2B5EF4-FFF2-40B4-BE49-F238E27FC236}">
+                <a16:creationId xmlns:a16="http://schemas.microsoft.com/office/drawing/2014/main" id="{002A5C6B-1B6B-473F-B17B-C8C50576264C}"/>
+              </a:ext>
+            </a:extLst>
+          </p:cNvPr>
+          <p:cNvSpPr>
+            <a:spLocks noGrp="1"/>
+          </p:cNvSpPr>
+          <p:nvPr>
+            <p:ph idx="1"/>
+          </p:nvPr>
+        </p:nvSpPr>
+        <p:spPr>
+          <a:xfrm>
+            <a:off x="838200" y="1825625"/>
+            <a:ext cx="10515600" cy="677878"/>
+          </a:xfrm>
+        </p:spPr>
+        <p:txBody>
+          <a:bodyPr/>
+          <a:lstStyle/>
+          <a:p>
+            <a:pPr marL="0" indent="0">
+              <a:buNone/>
+            </a:pPr>
+            <a:r>
+              <a:rPr lang="fr-FR" b="1" dirty="0"/>
+              <a:t>Copie</a:t>
+            </a:r>
+          </a:p>
+          <a:p>
+            <a:pPr marL="0" indent="0">
+              <a:buNone/>
+            </a:pPr>
+            <a:endParaRPr lang="fr-FR" dirty="0"/>
+          </a:p>
+        </p:txBody>
+      </p:sp>
+      <p:sp>
+        <p:nvSpPr>
+          <p:cNvPr id="10" name="ZoneTexte 9">
+            <a:extLst>
+              <a:ext uri="{FF2B5EF4-FFF2-40B4-BE49-F238E27FC236}">
+                <a16:creationId xmlns:a16="http://schemas.microsoft.com/office/drawing/2014/main" id="{19AC538B-3415-4796-BABD-BE3CDE31BCEA}"/>
+              </a:ext>
+            </a:extLst>
+          </p:cNvPr>
+          <p:cNvSpPr txBox="1"/>
+          <p:nvPr/>
+        </p:nvSpPr>
+        <p:spPr>
+          <a:xfrm>
+            <a:off x="838201" y="2503503"/>
+            <a:ext cx="9548674" cy="1200329"/>
+          </a:xfrm>
+          <a:prstGeom prst="rect">
+            <a:avLst/>
+          </a:prstGeom>
+          <a:noFill/>
+        </p:spPr>
+        <p:txBody>
+          <a:bodyPr wrap="square" rtlCol="0">
+            <a:spAutoFit/>
+          </a:bodyPr>
+          <a:lstStyle/>
+          <a:p>
+            <a:r>
+              <a:rPr lang="fr-FR" dirty="0"/>
+              <a:t>Attention! En dehors des simples variables unitaires, les opérations sur les listes, tableaux et objets renvoient une simple référence mémoire à l'objet. Sauf les chaines de caractères!</a:t>
+            </a:r>
+          </a:p>
+          <a:p>
+            <a:endParaRPr lang="fr-FR" dirty="0"/>
+          </a:p>
+          <a:p>
+            <a:r>
+              <a:rPr lang="fr-FR" dirty="0"/>
+              <a:t>Pour effectuer une vraie copie, utiliser l’opérateur copy</a:t>
+            </a:r>
+          </a:p>
+        </p:txBody>
+      </p:sp>
+      <p:pic>
+        <p:nvPicPr>
+          <p:cNvPr id="11" name="Image 10">
+            <a:extLst>
+              <a:ext uri="{FF2B5EF4-FFF2-40B4-BE49-F238E27FC236}">
+                <a16:creationId xmlns:a16="http://schemas.microsoft.com/office/drawing/2014/main" id="{B76B905C-DEA8-44D7-9DF8-6838892F8701}"/>
+              </a:ext>
+            </a:extLst>
+          </p:cNvPr>
+          <p:cNvPicPr>
+            <a:picLocks noChangeAspect="1"/>
+          </p:cNvPicPr>
+          <p:nvPr/>
+        </p:nvPicPr>
+        <p:blipFill>
+          <a:blip r:embed="rId2"/>
+          <a:stretch>
+            <a:fillRect/>
+          </a:stretch>
+        </p:blipFill>
+        <p:spPr>
+          <a:xfrm>
+            <a:off x="838200" y="3730766"/>
+            <a:ext cx="4448796" cy="3000794"/>
+          </a:xfrm>
+          <a:prstGeom prst="rect">
+            <a:avLst/>
+          </a:prstGeom>
+        </p:spPr>
+      </p:pic>
+    </p:spTree>
+    <p:extLst>
+      <p:ext uri="{BB962C8B-B14F-4D97-AF65-F5344CB8AC3E}">
+        <p14:creationId xmlns:p14="http://schemas.microsoft.com/office/powerpoint/2010/main" val="2953058996"/>
+      </p:ext>
+    </p:extLst>
+  </p:cSld>
+  <p:clrMapOvr>
+    <a:masterClrMapping/>
+  </p:clrMapOvr>
+</p:sld>
+</file>
+
+<file path=ppt/slides/slide22.xml><?xml version="1.0" encoding="utf-8"?>
+<p:sld xmlns:a="http://schemas.openxmlformats.org/drawingml/2006/main" xmlns:r="http://schemas.openxmlformats.org/officeDocument/2006/relationships" xmlns:p="http://schemas.openxmlformats.org/presentationml/2006/main">
+  <p:cSld>
+    <p:spTree>
+      <p:nvGrpSpPr>
+        <p:cNvPr id="1" name=""/>
+        <p:cNvGrpSpPr/>
+        <p:nvPr/>
+      </p:nvGrpSpPr>
+      <p:grpSpPr>
+        <a:xfrm>
+          <a:off x="0" y="0"/>
+          <a:ext cx="0" cy="0"/>
+          <a:chOff x="0" y="0"/>
+          <a:chExt cx="0" cy="0"/>
+        </a:xfrm>
+      </p:grpSpPr>
+      <p:sp>
+        <p:nvSpPr>
+          <p:cNvPr id="2" name="Titre 1">
+            <a:extLst>
+              <a:ext uri="{FF2B5EF4-FFF2-40B4-BE49-F238E27FC236}">
+                <a16:creationId xmlns:a16="http://schemas.microsoft.com/office/drawing/2014/main" id="{0BE1AC30-9008-45CA-8FA5-3517A2A5CA6E}"/>
+              </a:ext>
+            </a:extLst>
+          </p:cNvPr>
+          <p:cNvSpPr>
+            <a:spLocks noGrp="1"/>
+          </p:cNvSpPr>
+          <p:nvPr>
+            <p:ph type="title"/>
+          </p:nvPr>
+        </p:nvSpPr>
+        <p:spPr/>
+        <p:txBody>
+          <a:bodyPr/>
+          <a:lstStyle/>
+          <a:p>
+            <a:r>
+              <a:rPr lang="fr-FR" dirty="0"/>
+              <a:t>Types de données</a:t>
+            </a:r>
+            <a:br>
+              <a:rPr lang="fr-FR" dirty="0"/>
+            </a:br>
+            <a:r>
+              <a:rPr lang="fr-FR" dirty="0"/>
+              <a:t>Listes</a:t>
+            </a:r>
+          </a:p>
+        </p:txBody>
+      </p:sp>
+      <p:sp>
+        <p:nvSpPr>
+          <p:cNvPr id="3" name="Espace réservé du contenu 2">
+            <a:extLst>
+              <a:ext uri="{FF2B5EF4-FFF2-40B4-BE49-F238E27FC236}">
+                <a16:creationId xmlns:a16="http://schemas.microsoft.com/office/drawing/2014/main" id="{002A5C6B-1B6B-473F-B17B-C8C50576264C}"/>
+              </a:ext>
+            </a:extLst>
+          </p:cNvPr>
+          <p:cNvSpPr>
+            <a:spLocks noGrp="1"/>
+          </p:cNvSpPr>
+          <p:nvPr>
+            <p:ph idx="1"/>
+          </p:nvPr>
+        </p:nvSpPr>
+        <p:spPr>
+          <a:xfrm>
+            <a:off x="838200" y="1825625"/>
+            <a:ext cx="10515600" cy="677878"/>
+          </a:xfrm>
+        </p:spPr>
+        <p:txBody>
+          <a:bodyPr/>
+          <a:lstStyle/>
+          <a:p>
+            <a:pPr marL="0" indent="0">
+              <a:buNone/>
+            </a:pPr>
+            <a:r>
+              <a:rPr lang="fr-FR" b="1" dirty="0"/>
+              <a:t>Copie</a:t>
+            </a:r>
+          </a:p>
+          <a:p>
+            <a:pPr marL="0" indent="0">
+              <a:buNone/>
+            </a:pPr>
+            <a:endParaRPr lang="fr-FR" dirty="0"/>
+          </a:p>
+        </p:txBody>
+      </p:sp>
+      <p:sp>
+        <p:nvSpPr>
+          <p:cNvPr id="6" name="ZoneTexte 5">
+            <a:extLst>
+              <a:ext uri="{FF2B5EF4-FFF2-40B4-BE49-F238E27FC236}">
+                <a16:creationId xmlns:a16="http://schemas.microsoft.com/office/drawing/2014/main" id="{9142BE4E-99E1-43AC-8A0E-BF099694135F}"/>
+              </a:ext>
+            </a:extLst>
+          </p:cNvPr>
+          <p:cNvSpPr txBox="1"/>
+          <p:nvPr/>
+        </p:nvSpPr>
+        <p:spPr>
+          <a:xfrm>
+            <a:off x="838200" y="2503503"/>
+            <a:ext cx="8463737" cy="923330"/>
+          </a:xfrm>
+          <a:prstGeom prst="rect">
+            <a:avLst/>
+          </a:prstGeom>
+          <a:noFill/>
+        </p:spPr>
+        <p:txBody>
+          <a:bodyPr wrap="square" rtlCol="0">
+            <a:spAutoFit/>
+          </a:bodyPr>
+          <a:lstStyle/>
+          <a:p>
+            <a:r>
+              <a:rPr lang="fr-FR" dirty="0"/>
+              <a:t>Attention! En dehors des simples variables unitaires, les opérations sur les listes, tableaux et objets renvoient une simple référence mémoire à l'objet.</a:t>
+            </a:r>
+          </a:p>
+          <a:p>
+            <a:r>
+              <a:rPr lang="fr-FR" dirty="0"/>
+              <a:t>Pour effectuer une vraie copie, utiliser l’opérateur copy</a:t>
+            </a:r>
+          </a:p>
+        </p:txBody>
+      </p:sp>
+      <p:pic>
+        <p:nvPicPr>
+          <p:cNvPr id="8" name="Image 7">
+            <a:extLst>
+              <a:ext uri="{FF2B5EF4-FFF2-40B4-BE49-F238E27FC236}">
+                <a16:creationId xmlns:a16="http://schemas.microsoft.com/office/drawing/2014/main" id="{41DCBA6F-E34D-4FA4-ACFD-AD47CE79A740}"/>
+              </a:ext>
+            </a:extLst>
+          </p:cNvPr>
+          <p:cNvPicPr>
+            <a:picLocks noChangeAspect="1"/>
+          </p:cNvPicPr>
+          <p:nvPr/>
+        </p:nvPicPr>
+        <p:blipFill>
+          <a:blip r:embed="rId2"/>
+          <a:stretch>
+            <a:fillRect/>
+          </a:stretch>
+        </p:blipFill>
+        <p:spPr>
+          <a:xfrm>
+            <a:off x="838200" y="3730766"/>
+            <a:ext cx="4448796" cy="3000794"/>
+          </a:xfrm>
+          <a:prstGeom prst="rect">
+            <a:avLst/>
+          </a:prstGeom>
+        </p:spPr>
+      </p:pic>
+      <p:pic>
+        <p:nvPicPr>
+          <p:cNvPr id="5" name="Image 4">
+            <a:extLst>
+              <a:ext uri="{FF2B5EF4-FFF2-40B4-BE49-F238E27FC236}">
+                <a16:creationId xmlns:a16="http://schemas.microsoft.com/office/drawing/2014/main" id="{FB2E456B-3C00-42AE-B3CA-EE39FB42B32D}"/>
+              </a:ext>
+            </a:extLst>
+          </p:cNvPr>
+          <p:cNvPicPr>
+            <a:picLocks noChangeAspect="1"/>
+          </p:cNvPicPr>
+          <p:nvPr/>
+        </p:nvPicPr>
+        <p:blipFill>
+          <a:blip r:embed="rId3"/>
+          <a:stretch>
+            <a:fillRect/>
+          </a:stretch>
+        </p:blipFill>
+        <p:spPr>
+          <a:xfrm>
+            <a:off x="5733967" y="3620347"/>
+            <a:ext cx="4505954" cy="2838846"/>
+          </a:xfrm>
+          <a:prstGeom prst="rect">
+            <a:avLst/>
+          </a:prstGeom>
+        </p:spPr>
+      </p:pic>
+    </p:spTree>
+    <p:extLst>
+      <p:ext uri="{BB962C8B-B14F-4D97-AF65-F5344CB8AC3E}">
+        <p14:creationId xmlns:p14="http://schemas.microsoft.com/office/powerpoint/2010/main" val="1252398926"/>
+      </p:ext>
+    </p:extLst>
+  </p:cSld>
+  <p:clrMapOvr>
+    <a:masterClrMapping/>
+  </p:clrMapOvr>
+</p:sld>
+</file>
+
+<file path=ppt/slides/slide23.xml><?xml version="1.0" encoding="utf-8"?>
+<p:sld xmlns:a="http://schemas.openxmlformats.org/drawingml/2006/main" xmlns:r="http://schemas.openxmlformats.org/officeDocument/2006/relationships" xmlns:p="http://schemas.openxmlformats.org/presentationml/2006/main">
+  <p:cSld>
+    <p:spTree>
+      <p:nvGrpSpPr>
+        <p:cNvPr id="1" name=""/>
+        <p:cNvGrpSpPr/>
+        <p:nvPr/>
+      </p:nvGrpSpPr>
+      <p:grpSpPr>
+        <a:xfrm>
+          <a:off x="0" y="0"/>
+          <a:ext cx="0" cy="0"/>
+          <a:chOff x="0" y="0"/>
+          <a:chExt cx="0" cy="0"/>
+        </a:xfrm>
+      </p:grpSpPr>
+      <p:sp>
+        <p:nvSpPr>
+          <p:cNvPr id="2" name="Titre 1">
+            <a:extLst>
+              <a:ext uri="{FF2B5EF4-FFF2-40B4-BE49-F238E27FC236}">
+                <a16:creationId xmlns:a16="http://schemas.microsoft.com/office/drawing/2014/main" id="{0BE1AC30-9008-45CA-8FA5-3517A2A5CA6E}"/>
+              </a:ext>
+            </a:extLst>
+          </p:cNvPr>
+          <p:cNvSpPr>
+            <a:spLocks noGrp="1"/>
+          </p:cNvSpPr>
+          <p:nvPr>
+            <p:ph type="title"/>
+          </p:nvPr>
+        </p:nvSpPr>
+        <p:spPr/>
+        <p:txBody>
+          <a:bodyPr/>
+          <a:lstStyle/>
+          <a:p>
+            <a:r>
+              <a:rPr lang="fr-FR" dirty="0"/>
+              <a:t>Types de données</a:t>
+            </a:r>
+            <a:br>
+              <a:rPr lang="fr-FR" dirty="0"/>
+            </a:br>
+            <a:r>
+              <a:rPr lang="fr-FR" dirty="0"/>
+              <a:t>Listes</a:t>
+            </a:r>
+          </a:p>
+        </p:txBody>
+      </p:sp>
+      <p:sp>
+        <p:nvSpPr>
+          <p:cNvPr id="3" name="Espace réservé du contenu 2">
+            <a:extLst>
+              <a:ext uri="{FF2B5EF4-FFF2-40B4-BE49-F238E27FC236}">
+                <a16:creationId xmlns:a16="http://schemas.microsoft.com/office/drawing/2014/main" id="{002A5C6B-1B6B-473F-B17B-C8C50576264C}"/>
+              </a:ext>
+            </a:extLst>
+          </p:cNvPr>
+          <p:cNvSpPr>
+            <a:spLocks noGrp="1"/>
+          </p:cNvSpPr>
+          <p:nvPr>
+            <p:ph idx="1"/>
+          </p:nvPr>
+        </p:nvSpPr>
+        <p:spPr>
+          <a:xfrm>
+            <a:off x="838200" y="1825625"/>
+            <a:ext cx="10515600" cy="677878"/>
+          </a:xfrm>
+        </p:spPr>
+        <p:txBody>
+          <a:bodyPr/>
+          <a:lstStyle/>
+          <a:p>
+            <a:pPr marL="0" indent="0">
+              <a:buNone/>
+            </a:pPr>
+            <a:r>
+              <a:rPr lang="fr-FR" b="1" dirty="0"/>
               <a:t>Opérateurs</a:t>
             </a:r>
           </a:p>
@@ -5776,7 +6241,7 @@
 </p:sld>
 </file>
 
-<file path=ppt/slides/slide21.xml><?xml version="1.0" encoding="utf-8"?>
+<file path=ppt/slides/slide24.xml><?xml version="1.0" encoding="utf-8"?>
 <p:sld xmlns:a="http://schemas.openxmlformats.org/drawingml/2006/main" xmlns:r="http://schemas.openxmlformats.org/officeDocument/2006/relationships" xmlns:p="http://schemas.openxmlformats.org/presentationml/2006/main">
   <p:cSld>
     <p:bg>
@@ -5898,23 +6363,23 @@
             </a:r>
           </a:p>
           <a:p>
-            <a:pPr marL="742950" lvl="1" indent="-285750">
+            <a:pPr marL="285750" indent="-285750">
               <a:buFontTx/>
               <a:buChar char="-"/>
             </a:pPr>
             <a:r>
               <a:rPr lang="fr-FR" dirty="0"/>
-              <a:t>Effectuer un tri sur la liste</a:t>
-            </a:r>
-          </a:p>
-          <a:p>
-            <a:pPr marL="742950" lvl="1" indent="-285750">
+              <a:t>Effectuer un tri sur la liste avec la méthode sort</a:t>
+            </a:r>
+          </a:p>
+          <a:p>
+            <a:pPr marL="285750" indent="-285750">
               <a:buFontTx/>
               <a:buChar char="-"/>
             </a:pPr>
             <a:r>
               <a:rPr lang="fr-FR" dirty="0"/>
-              <a:t>Compter combien de 4 sont présents dans la liste</a:t>
+              <a:t>Compter combien de 4 sont présents dans la liste avec la méthode count</a:t>
             </a:r>
           </a:p>
           <a:p>
@@ -5939,7 +6404,7 @@
 </p:sld>
 </file>
 
-<file path=ppt/slides/slide22.xml><?xml version="1.0" encoding="utf-8"?>
+<file path=ppt/slides/slide25.xml><?xml version="1.0" encoding="utf-8"?>
 <p:sld xmlns:a="http://schemas.openxmlformats.org/drawingml/2006/main" xmlns:r="http://schemas.openxmlformats.org/officeDocument/2006/relationships" xmlns:p="http://schemas.openxmlformats.org/presentationml/2006/main">
   <p:cSld>
     <p:bg>
@@ -6762,7 +7227,7 @@
 </p:sld>
 </file>
 
-<file path=ppt/slides/slide23.xml><?xml version="1.0" encoding="utf-8"?>
+<file path=ppt/slides/slide26.xml><?xml version="1.0" encoding="utf-8"?>
 <p:sld xmlns:a="http://schemas.openxmlformats.org/drawingml/2006/main" xmlns:r="http://schemas.openxmlformats.org/officeDocument/2006/relationships" xmlns:p="http://schemas.openxmlformats.org/presentationml/2006/main">
   <p:cSld>
     <p:spTree>
@@ -6893,7 +7358,7 @@
 </p:sld>
 </file>
 
-<file path=ppt/slides/slide24.xml><?xml version="1.0" encoding="utf-8"?>
+<file path=ppt/slides/slide27.xml><?xml version="1.0" encoding="utf-8"?>
 <p:sld xmlns:a="http://schemas.openxmlformats.org/drawingml/2006/main" xmlns:r="http://schemas.openxmlformats.org/officeDocument/2006/relationships" xmlns:p="http://schemas.openxmlformats.org/presentationml/2006/main">
   <p:cSld>
     <p:spTree>
@@ -7024,7 +7489,7 @@
 </p:sld>
 </file>
 
-<file path=ppt/slides/slide25.xml><?xml version="1.0" encoding="utf-8"?>
+<file path=ppt/slides/slide28.xml><?xml version="1.0" encoding="utf-8"?>
 <p:sld xmlns:a="http://schemas.openxmlformats.org/drawingml/2006/main" xmlns:r="http://schemas.openxmlformats.org/officeDocument/2006/relationships" xmlns:p="http://schemas.openxmlformats.org/presentationml/2006/main">
   <p:cSld>
     <p:spTree>
@@ -7155,7 +7620,7 @@
 </p:sld>
 </file>
 
-<file path=ppt/slides/slide26.xml><?xml version="1.0" encoding="utf-8"?>
+<file path=ppt/slides/slide29.xml><?xml version="1.0" encoding="utf-8"?>
 <p:sld xmlns:a="http://schemas.openxmlformats.org/drawingml/2006/main" xmlns:r="http://schemas.openxmlformats.org/officeDocument/2006/relationships" xmlns:p="http://schemas.openxmlformats.org/presentationml/2006/main">
   <p:cSld>
     <p:spTree>
@@ -7286,7 +7751,252 @@
 </p:sld>
 </file>
 
-<file path=ppt/slides/slide27.xml><?xml version="1.0" encoding="utf-8"?>
+<file path=ppt/slides/slide3.xml><?xml version="1.0" encoding="utf-8"?>
+<p:sld xmlns:a="http://schemas.openxmlformats.org/drawingml/2006/main" xmlns:r="http://schemas.openxmlformats.org/officeDocument/2006/relationships" xmlns:p="http://schemas.openxmlformats.org/presentationml/2006/main">
+  <p:cSld>
+    <p:spTree>
+      <p:nvGrpSpPr>
+        <p:cNvPr id="1" name=""/>
+        <p:cNvGrpSpPr/>
+        <p:nvPr/>
+      </p:nvGrpSpPr>
+      <p:grpSpPr>
+        <a:xfrm>
+          <a:off x="0" y="0"/>
+          <a:ext cx="0" cy="0"/>
+          <a:chOff x="0" y="0"/>
+          <a:chExt cx="0" cy="0"/>
+        </a:xfrm>
+      </p:grpSpPr>
+      <p:sp>
+        <p:nvSpPr>
+          <p:cNvPr id="2" name="Titre 1">
+            <a:extLst>
+              <a:ext uri="{FF2B5EF4-FFF2-40B4-BE49-F238E27FC236}">
+                <a16:creationId xmlns:a16="http://schemas.microsoft.com/office/drawing/2014/main" id="{EC4BF9B7-AE61-4C0B-AB92-10F333E26493}"/>
+              </a:ext>
+            </a:extLst>
+          </p:cNvPr>
+          <p:cNvSpPr>
+            <a:spLocks noGrp="1"/>
+          </p:cNvSpPr>
+          <p:nvPr>
+            <p:ph type="title"/>
+          </p:nvPr>
+        </p:nvSpPr>
+        <p:spPr/>
+        <p:txBody>
+          <a:bodyPr/>
+          <a:lstStyle/>
+          <a:p>
+            <a:r>
+              <a:rPr lang="fr-FR" dirty="0"/>
+              <a:t>Plan</a:t>
+            </a:r>
+          </a:p>
+        </p:txBody>
+      </p:sp>
+      <p:sp>
+        <p:nvSpPr>
+          <p:cNvPr id="3" name="Espace réservé du contenu 2">
+            <a:extLst>
+              <a:ext uri="{FF2B5EF4-FFF2-40B4-BE49-F238E27FC236}">
+                <a16:creationId xmlns:a16="http://schemas.microsoft.com/office/drawing/2014/main" id="{05CD3DC6-6D50-4EDC-BCAC-857520697864}"/>
+              </a:ext>
+            </a:extLst>
+          </p:cNvPr>
+          <p:cNvSpPr>
+            <a:spLocks noGrp="1"/>
+          </p:cNvSpPr>
+          <p:nvPr>
+            <p:ph sz="half" idx="1"/>
+          </p:nvPr>
+        </p:nvSpPr>
+        <p:spPr/>
+        <p:txBody>
+          <a:bodyPr>
+            <a:normAutofit/>
+          </a:bodyPr>
+          <a:lstStyle/>
+          <a:p>
+            <a:r>
+              <a:rPr lang="fr-FR" dirty="0"/>
+              <a:t>Présentation de Python</a:t>
+            </a:r>
+          </a:p>
+          <a:p>
+            <a:r>
+              <a:rPr lang="fr-FR" dirty="0"/>
+              <a:t>Types de données</a:t>
+            </a:r>
+          </a:p>
+          <a:p>
+            <a:pPr lvl="1"/>
+            <a:r>
+              <a:rPr lang="fr-FR" dirty="0"/>
+              <a:t>Variables</a:t>
+            </a:r>
+          </a:p>
+          <a:p>
+            <a:pPr lvl="1"/>
+            <a:r>
+              <a:rPr lang="fr-FR" dirty="0"/>
+              <a:t>Listes </a:t>
+            </a:r>
+          </a:p>
+          <a:p>
+            <a:pPr lvl="1"/>
+            <a:r>
+              <a:rPr lang="fr-FR" dirty="0"/>
+              <a:t>Dictionnaires</a:t>
+            </a:r>
+          </a:p>
+          <a:p>
+            <a:pPr lvl="1"/>
+            <a:r>
+              <a:rPr lang="fr-FR" dirty="0"/>
+              <a:t>Tableaux &amp; matrices</a:t>
+            </a:r>
+          </a:p>
+          <a:p>
+            <a:r>
+              <a:rPr lang="fr-FR" dirty="0"/>
+              <a:t>Structures de contrôle</a:t>
+            </a:r>
+          </a:p>
+          <a:p>
+            <a:r>
+              <a:rPr lang="fr-FR" dirty="0"/>
+              <a:t>Structures de données avancées</a:t>
+            </a:r>
+          </a:p>
+          <a:p>
+            <a:pPr lvl="1"/>
+            <a:r>
+              <a:rPr lang="fr-FR" dirty="0" err="1"/>
+              <a:t>Dataframes</a:t>
+            </a:r>
+            <a:r>
+              <a:rPr lang="fr-FR" dirty="0"/>
+              <a:t> avec Pandas</a:t>
+            </a:r>
+          </a:p>
+          <a:p>
+            <a:pPr marL="0" indent="0">
+              <a:buNone/>
+            </a:pPr>
+            <a:endParaRPr lang="fr-FR" dirty="0"/>
+          </a:p>
+          <a:p>
+            <a:pPr lvl="1"/>
+            <a:endParaRPr lang="fr-FR" dirty="0"/>
+          </a:p>
+        </p:txBody>
+      </p:sp>
+      <p:sp>
+        <p:nvSpPr>
+          <p:cNvPr id="4" name="Espace réservé du contenu 3">
+            <a:extLst>
+              <a:ext uri="{FF2B5EF4-FFF2-40B4-BE49-F238E27FC236}">
+                <a16:creationId xmlns:a16="http://schemas.microsoft.com/office/drawing/2014/main" id="{07EFE5E7-EFC0-4169-9AF3-957825327B62}"/>
+              </a:ext>
+            </a:extLst>
+          </p:cNvPr>
+          <p:cNvSpPr>
+            <a:spLocks noGrp="1"/>
+          </p:cNvSpPr>
+          <p:nvPr>
+            <p:ph sz="half" idx="2"/>
+          </p:nvPr>
+        </p:nvSpPr>
+        <p:spPr>
+          <a:xfrm>
+            <a:off x="6172202" y="1825625"/>
+            <a:ext cx="5874798" cy="4351338"/>
+          </a:xfrm>
+        </p:spPr>
+        <p:txBody>
+          <a:bodyPr>
+            <a:normAutofit/>
+          </a:bodyPr>
+          <a:lstStyle/>
+          <a:p>
+            <a:r>
+              <a:rPr lang="fr-FR" dirty="0"/>
+              <a:t>Pas d’usage de librairies graphiques</a:t>
+            </a:r>
+          </a:p>
+          <a:p>
+            <a:pPr lvl="1"/>
+            <a:r>
+              <a:rPr lang="fr-FR" dirty="0" err="1"/>
+              <a:t>Seaborn</a:t>
+            </a:r>
+            <a:r>
+              <a:rPr lang="fr-FR" dirty="0"/>
+              <a:t> </a:t>
+            </a:r>
+            <a:r>
+              <a:rPr lang="fr-FR" dirty="0">
+                <a:hlinkClick r:id="rId2"/>
+              </a:rPr>
+              <a:t>https://seaborn.pydata.org/</a:t>
+            </a:r>
+            <a:endParaRPr lang="fr-FR" dirty="0"/>
+          </a:p>
+          <a:p>
+            <a:r>
+              <a:rPr lang="fr-FR" dirty="0"/>
+              <a:t>Pas d’analyse de données </a:t>
+            </a:r>
+          </a:p>
+          <a:p>
+            <a:pPr lvl="1"/>
+            <a:r>
+              <a:rPr lang="fr-FR" dirty="0" err="1"/>
+              <a:t>Scikit-learn</a:t>
+            </a:r>
+            <a:r>
+              <a:rPr lang="fr-FR" dirty="0"/>
+              <a:t> </a:t>
+            </a:r>
+            <a:r>
+              <a:rPr lang="fr-FR" dirty="0">
+                <a:hlinkClick r:id="rId3"/>
+              </a:rPr>
+              <a:t>https://scikit-learn.org</a:t>
+            </a:r>
+            <a:endParaRPr lang="fr-FR" dirty="0"/>
+          </a:p>
+          <a:p>
+            <a:r>
+              <a:rPr lang="fr-FR" dirty="0"/>
+              <a:t>Pas de programmation objet </a:t>
+            </a:r>
+          </a:p>
+          <a:p>
+            <a:pPr lvl="1"/>
+            <a:r>
+              <a:rPr lang="fr-FR" dirty="0"/>
+              <a:t>Python avancé</a:t>
+            </a:r>
+          </a:p>
+        </p:txBody>
+      </p:sp>
+    </p:spTree>
+    <p:extLst>
+      <p:ext uri="{BB962C8B-B14F-4D97-AF65-F5344CB8AC3E}">
+        <p14:creationId xmlns:p14="http://schemas.microsoft.com/office/powerpoint/2010/main" val="3230044957"/>
+      </p:ext>
+    </p:extLst>
+  </p:cSld>
+  <p:clrMapOvr>
+    <a:masterClrMapping/>
+  </p:clrMapOvr>
+</p:sld>
+</file>
+
+<file path=ppt/slides/slide30.xml><?xml version="1.0" encoding="utf-8"?>
 <p:sld xmlns:a="http://schemas.openxmlformats.org/drawingml/2006/main" xmlns:r="http://schemas.openxmlformats.org/officeDocument/2006/relationships" xmlns:p="http://schemas.openxmlformats.org/presentationml/2006/main">
   <p:cSld>
     <p:bg>
@@ -7498,7 +8208,7 @@
 </p:sld>
 </file>
 
-<file path=ppt/slides/slide28.xml><?xml version="1.0" encoding="utf-8"?>
+<file path=ppt/slides/slide31.xml><?xml version="1.0" encoding="utf-8"?>
 <p:sld xmlns:a="http://schemas.openxmlformats.org/drawingml/2006/main" xmlns:r="http://schemas.openxmlformats.org/officeDocument/2006/relationships" xmlns:p="http://schemas.openxmlformats.org/presentationml/2006/main">
   <p:cSld>
     <p:spTree>
@@ -7638,7 +8348,7 @@
 </p:sld>
 </file>
 
-<file path=ppt/slides/slide29.xml><?xml version="1.0" encoding="utf-8"?>
+<file path=ppt/slides/slide32.xml><?xml version="1.0" encoding="utf-8"?>
 <p:sld xmlns:a="http://schemas.openxmlformats.org/drawingml/2006/main" xmlns:r="http://schemas.openxmlformats.org/officeDocument/2006/relationships" xmlns:p="http://schemas.openxmlformats.org/presentationml/2006/main">
   <p:cSld>
     <p:spTree>
@@ -7778,239 +8488,7 @@
 </p:sld>
 </file>
 
-<file path=ppt/slides/slide3.xml><?xml version="1.0" encoding="utf-8"?>
-<p:sld xmlns:a="http://schemas.openxmlformats.org/drawingml/2006/main" xmlns:r="http://schemas.openxmlformats.org/officeDocument/2006/relationships" xmlns:p="http://schemas.openxmlformats.org/presentationml/2006/main">
-  <p:cSld>
-    <p:spTree>
-      <p:nvGrpSpPr>
-        <p:cNvPr id="1" name=""/>
-        <p:cNvGrpSpPr/>
-        <p:nvPr/>
-      </p:nvGrpSpPr>
-      <p:grpSpPr>
-        <a:xfrm>
-          <a:off x="0" y="0"/>
-          <a:ext cx="0" cy="0"/>
-          <a:chOff x="0" y="0"/>
-          <a:chExt cx="0" cy="0"/>
-        </a:xfrm>
-      </p:grpSpPr>
-      <p:sp>
-        <p:nvSpPr>
-          <p:cNvPr id="2" name="Titre 1">
-            <a:extLst>
-              <a:ext uri="{FF2B5EF4-FFF2-40B4-BE49-F238E27FC236}">
-                <a16:creationId xmlns:a16="http://schemas.microsoft.com/office/drawing/2014/main" id="{EC4BF9B7-AE61-4C0B-AB92-10F333E26493}"/>
-              </a:ext>
-            </a:extLst>
-          </p:cNvPr>
-          <p:cNvSpPr>
-            <a:spLocks noGrp="1"/>
-          </p:cNvSpPr>
-          <p:nvPr>
-            <p:ph type="title"/>
-          </p:nvPr>
-        </p:nvSpPr>
-        <p:spPr/>
-        <p:txBody>
-          <a:bodyPr/>
-          <a:lstStyle/>
-          <a:p>
-            <a:r>
-              <a:rPr lang="fr-FR" dirty="0"/>
-              <a:t>Plan</a:t>
-            </a:r>
-          </a:p>
-        </p:txBody>
-      </p:sp>
-      <p:sp>
-        <p:nvSpPr>
-          <p:cNvPr id="3" name="Espace réservé du contenu 2">
-            <a:extLst>
-              <a:ext uri="{FF2B5EF4-FFF2-40B4-BE49-F238E27FC236}">
-                <a16:creationId xmlns:a16="http://schemas.microsoft.com/office/drawing/2014/main" id="{05CD3DC6-6D50-4EDC-BCAC-857520697864}"/>
-              </a:ext>
-            </a:extLst>
-          </p:cNvPr>
-          <p:cNvSpPr>
-            <a:spLocks noGrp="1"/>
-          </p:cNvSpPr>
-          <p:nvPr>
-            <p:ph sz="half" idx="1"/>
-          </p:nvPr>
-        </p:nvSpPr>
-        <p:spPr/>
-        <p:txBody>
-          <a:bodyPr>
-            <a:normAutofit/>
-          </a:bodyPr>
-          <a:lstStyle/>
-          <a:p>
-            <a:r>
-              <a:rPr lang="fr-FR" dirty="0"/>
-              <a:t>Présentation de Python</a:t>
-            </a:r>
-          </a:p>
-          <a:p>
-            <a:r>
-              <a:rPr lang="fr-FR" dirty="0"/>
-              <a:t>Types de données</a:t>
-            </a:r>
-          </a:p>
-          <a:p>
-            <a:pPr lvl="1"/>
-            <a:r>
-              <a:rPr lang="fr-FR" dirty="0"/>
-              <a:t>Variables</a:t>
-            </a:r>
-          </a:p>
-          <a:p>
-            <a:pPr lvl="1"/>
-            <a:r>
-              <a:rPr lang="fr-FR" dirty="0"/>
-              <a:t>Listes </a:t>
-            </a:r>
-          </a:p>
-          <a:p>
-            <a:pPr lvl="1"/>
-            <a:r>
-              <a:rPr lang="fr-FR" dirty="0"/>
-              <a:t>Dictionnaires</a:t>
-            </a:r>
-          </a:p>
-          <a:p>
-            <a:pPr lvl="1"/>
-            <a:r>
-              <a:rPr lang="fr-FR" dirty="0"/>
-              <a:t>Tableaux &amp; matrices</a:t>
-            </a:r>
-          </a:p>
-          <a:p>
-            <a:r>
-              <a:rPr lang="fr-FR" dirty="0"/>
-              <a:t>Structures de contrôle</a:t>
-            </a:r>
-          </a:p>
-          <a:p>
-            <a:r>
-              <a:rPr lang="fr-FR" dirty="0"/>
-              <a:t>Structures de données avancées</a:t>
-            </a:r>
-          </a:p>
-          <a:p>
-            <a:pPr lvl="1"/>
-            <a:r>
-              <a:rPr lang="fr-FR" dirty="0" err="1"/>
-              <a:t>Dataframes</a:t>
-            </a:r>
-            <a:r>
-              <a:rPr lang="fr-FR" dirty="0"/>
-              <a:t> avec Pandas</a:t>
-            </a:r>
-          </a:p>
-          <a:p>
-            <a:pPr marL="0" indent="0">
-              <a:buNone/>
-            </a:pPr>
-            <a:endParaRPr lang="fr-FR" dirty="0"/>
-          </a:p>
-          <a:p>
-            <a:pPr lvl="1"/>
-            <a:endParaRPr lang="fr-FR" dirty="0"/>
-          </a:p>
-        </p:txBody>
-      </p:sp>
-      <p:sp>
-        <p:nvSpPr>
-          <p:cNvPr id="4" name="Espace réservé du contenu 3">
-            <a:extLst>
-              <a:ext uri="{FF2B5EF4-FFF2-40B4-BE49-F238E27FC236}">
-                <a16:creationId xmlns:a16="http://schemas.microsoft.com/office/drawing/2014/main" id="{07EFE5E7-EFC0-4169-9AF3-957825327B62}"/>
-              </a:ext>
-            </a:extLst>
-          </p:cNvPr>
-          <p:cNvSpPr>
-            <a:spLocks noGrp="1"/>
-          </p:cNvSpPr>
-          <p:nvPr>
-            <p:ph sz="half" idx="2"/>
-          </p:nvPr>
-        </p:nvSpPr>
-        <p:spPr>
-          <a:xfrm>
-            <a:off x="6172200" y="1825625"/>
-            <a:ext cx="5874798" cy="4351338"/>
-          </a:xfrm>
-        </p:spPr>
-        <p:txBody>
-          <a:bodyPr>
-            <a:normAutofit/>
-          </a:bodyPr>
-          <a:lstStyle/>
-          <a:p>
-            <a:r>
-              <a:rPr lang="fr-FR" dirty="0"/>
-              <a:t>Pas d’usage de librairies graphiques</a:t>
-            </a:r>
-          </a:p>
-          <a:p>
-            <a:pPr lvl="1"/>
-            <a:r>
-              <a:rPr lang="fr-FR" dirty="0" err="1"/>
-              <a:t>Seaborn</a:t>
-            </a:r>
-            <a:r>
-              <a:rPr lang="fr-FR" dirty="0"/>
-              <a:t> </a:t>
-            </a:r>
-          </a:p>
-          <a:p>
-            <a:r>
-              <a:rPr lang="fr-FR" dirty="0"/>
-              <a:t>Pas de programmation objet </a:t>
-            </a:r>
-          </a:p>
-          <a:p>
-            <a:pPr lvl="1"/>
-            <a:r>
-              <a:rPr lang="fr-FR" dirty="0"/>
-              <a:t>Python avancé</a:t>
-            </a:r>
-          </a:p>
-          <a:p>
-            <a:r>
-              <a:rPr lang="fr-FR" dirty="0"/>
-              <a:t>Pas d’analyse de données </a:t>
-            </a:r>
-          </a:p>
-          <a:p>
-            <a:pPr lvl="1"/>
-            <a:r>
-              <a:rPr lang="fr-FR" dirty="0" err="1"/>
-              <a:t>Scikit-learn</a:t>
-            </a:r>
-            <a:endParaRPr lang="fr-FR" dirty="0"/>
-          </a:p>
-          <a:p>
-            <a:pPr lvl="1"/>
-            <a:endParaRPr lang="fr-FR" dirty="0"/>
-          </a:p>
-        </p:txBody>
-      </p:sp>
-    </p:spTree>
-    <p:extLst>
-      <p:ext uri="{BB962C8B-B14F-4D97-AF65-F5344CB8AC3E}">
-        <p14:creationId xmlns:p14="http://schemas.microsoft.com/office/powerpoint/2010/main" val="3230044957"/>
-      </p:ext>
-    </p:extLst>
-  </p:cSld>
-  <p:clrMapOvr>
-    <a:masterClrMapping/>
-  </p:clrMapOvr>
-</p:sld>
-</file>
-
-<file path=ppt/slides/slide30.xml><?xml version="1.0" encoding="utf-8"?>
+<file path=ppt/slides/slide33.xml><?xml version="1.0" encoding="utf-8"?>
 <p:sld xmlns:a="http://schemas.openxmlformats.org/drawingml/2006/main" xmlns:r="http://schemas.openxmlformats.org/officeDocument/2006/relationships" xmlns:p="http://schemas.openxmlformats.org/presentationml/2006/main">
   <p:cSld>
     <p:spTree>
@@ -8180,7 +8658,7 @@
 </p:sld>
 </file>
 
-<file path=ppt/slides/slide31.xml><?xml version="1.0" encoding="utf-8"?>
+<file path=ppt/slides/slide34.xml><?xml version="1.0" encoding="utf-8"?>
 <p:sld xmlns:a="http://schemas.openxmlformats.org/drawingml/2006/main" xmlns:r="http://schemas.openxmlformats.org/officeDocument/2006/relationships" xmlns:p="http://schemas.openxmlformats.org/presentationml/2006/main">
   <p:cSld>
     <p:spTree>
@@ -8320,7 +8798,7 @@
 </p:sld>
 </file>
 
-<file path=ppt/slides/slide32.xml><?xml version="1.0" encoding="utf-8"?>
+<file path=ppt/slides/slide35.xml><?xml version="1.0" encoding="utf-8"?>
 <p:sld xmlns:a="http://schemas.openxmlformats.org/drawingml/2006/main" xmlns:r="http://schemas.openxmlformats.org/officeDocument/2006/relationships" xmlns:p="http://schemas.openxmlformats.org/presentationml/2006/main">
   <p:cSld>
     <p:spTree>
@@ -8489,7 +8967,7 @@
 </p:sld>
 </file>
 
-<file path=ppt/slides/slide33.xml><?xml version="1.0" encoding="utf-8"?>
+<file path=ppt/slides/slide36.xml><?xml version="1.0" encoding="utf-8"?>
 <p:sld xmlns:a="http://schemas.openxmlformats.org/drawingml/2006/main" xmlns:r="http://schemas.openxmlformats.org/officeDocument/2006/relationships" xmlns:p="http://schemas.openxmlformats.org/presentationml/2006/main">
   <p:cSld>
     <p:spTree>
@@ -8658,7 +9136,7 @@
 </p:sld>
 </file>
 
-<file path=ppt/slides/slide34.xml><?xml version="1.0" encoding="utf-8"?>
+<file path=ppt/slides/slide37.xml><?xml version="1.0" encoding="utf-8"?>
 <p:sld xmlns:a="http://schemas.openxmlformats.org/drawingml/2006/main" xmlns:r="http://schemas.openxmlformats.org/officeDocument/2006/relationships" xmlns:p="http://schemas.openxmlformats.org/presentationml/2006/main">
   <p:cSld>
     <p:spTree>
@@ -8828,7 +9306,7 @@
 </p:sld>
 </file>
 
-<file path=ppt/slides/slide35.xml><?xml version="1.0" encoding="utf-8"?>
+<file path=ppt/slides/slide38.xml><?xml version="1.0" encoding="utf-8"?>
 <p:sld xmlns:a="http://schemas.openxmlformats.org/drawingml/2006/main" xmlns:r="http://schemas.openxmlformats.org/officeDocument/2006/relationships" xmlns:p="http://schemas.openxmlformats.org/presentationml/2006/main">
   <p:cSld>
     <p:spTree>
@@ -9035,7 +9513,7 @@
 </p:sld>
 </file>
 
-<file path=ppt/slides/slide36.xml><?xml version="1.0" encoding="utf-8"?>
+<file path=ppt/slides/slide39.xml><?xml version="1.0" encoding="utf-8"?>
 <p:sld xmlns:a="http://schemas.openxmlformats.org/drawingml/2006/main" xmlns:r="http://schemas.openxmlformats.org/officeDocument/2006/relationships" xmlns:p="http://schemas.openxmlformats.org/presentationml/2006/main">
   <p:cSld>
     <p:spTree>
@@ -9242,7 +9720,125 @@
 </p:sld>
 </file>
 
-<file path=ppt/slides/slide37.xml><?xml version="1.0" encoding="utf-8"?>
+<file path=ppt/slides/slide4.xml><?xml version="1.0" encoding="utf-8"?>
+<p:sld xmlns:a="http://schemas.openxmlformats.org/drawingml/2006/main" xmlns:r="http://schemas.openxmlformats.org/officeDocument/2006/relationships" xmlns:p="http://schemas.openxmlformats.org/presentationml/2006/main">
+  <p:cSld>
+    <p:spTree>
+      <p:nvGrpSpPr>
+        <p:cNvPr id="1" name=""/>
+        <p:cNvGrpSpPr/>
+        <p:nvPr/>
+      </p:nvGrpSpPr>
+      <p:grpSpPr>
+        <a:xfrm>
+          <a:off x="0" y="0"/>
+          <a:ext cx="0" cy="0"/>
+          <a:chOff x="0" y="0"/>
+          <a:chExt cx="0" cy="0"/>
+        </a:xfrm>
+      </p:grpSpPr>
+      <p:sp>
+        <p:nvSpPr>
+          <p:cNvPr id="2" name="Titre 1">
+            <a:extLst>
+              <a:ext uri="{FF2B5EF4-FFF2-40B4-BE49-F238E27FC236}">
+                <a16:creationId xmlns:a16="http://schemas.microsoft.com/office/drawing/2014/main" id="{3BA363F5-AE09-4A8F-9C3B-35B622669D5B}"/>
+              </a:ext>
+            </a:extLst>
+          </p:cNvPr>
+          <p:cNvSpPr>
+            <a:spLocks noGrp="1"/>
+          </p:cNvSpPr>
+          <p:nvPr>
+            <p:ph type="title"/>
+          </p:nvPr>
+        </p:nvSpPr>
+        <p:spPr/>
+        <p:txBody>
+          <a:bodyPr/>
+          <a:lstStyle/>
+          <a:p>
+            <a:r>
+              <a:rPr lang="fr-FR" dirty="0"/>
+              <a:t>Présentation de Python</a:t>
+            </a:r>
+          </a:p>
+        </p:txBody>
+      </p:sp>
+      <p:sp>
+        <p:nvSpPr>
+          <p:cNvPr id="3" name="Espace réservé du contenu 2">
+            <a:extLst>
+              <a:ext uri="{FF2B5EF4-FFF2-40B4-BE49-F238E27FC236}">
+                <a16:creationId xmlns:a16="http://schemas.microsoft.com/office/drawing/2014/main" id="{BF2BDB3F-A3E9-43DD-B1D5-74E92999E54C}"/>
+              </a:ext>
+            </a:extLst>
+          </p:cNvPr>
+          <p:cNvSpPr>
+            <a:spLocks noGrp="1"/>
+          </p:cNvSpPr>
+          <p:nvPr>
+            <p:ph idx="1"/>
+          </p:nvPr>
+        </p:nvSpPr>
+        <p:spPr/>
+        <p:txBody>
+          <a:bodyPr/>
+          <a:lstStyle/>
+          <a:p>
+            <a:r>
+              <a:rPr lang="fr-FR" dirty="0"/>
+              <a:t>Langage interprété</a:t>
+            </a:r>
+          </a:p>
+          <a:p>
+            <a:pPr lvl="1"/>
+            <a:r>
+              <a:rPr lang="fr-FR" dirty="0"/>
+              <a:t>les instructions sont traduites à l'exécution par l'interpréteur. Cela impacte les performances mais permet une portabilité de code sur l'ensemble des machines pouvant faire tourner Python</a:t>
+            </a:r>
+          </a:p>
+          <a:p>
+            <a:r>
+              <a:rPr lang="fr-FR" dirty="0"/>
+              <a:t>Haut niveau</a:t>
+            </a:r>
+          </a:p>
+          <a:p>
+            <a:pPr lvl="1"/>
+            <a:r>
+              <a:rPr lang="fr-FR" dirty="0"/>
+              <a:t>Toutes les structures de code modernes</a:t>
+            </a:r>
+          </a:p>
+          <a:p>
+            <a:r>
+              <a:rPr lang="fr-FR" dirty="0"/>
+              <a:t>Orienté objet</a:t>
+            </a:r>
+          </a:p>
+          <a:p>
+            <a:pPr marL="0" indent="0">
+              <a:buNone/>
+            </a:pPr>
+            <a:endParaRPr lang="fr-FR" dirty="0"/>
+          </a:p>
+        </p:txBody>
+      </p:sp>
+    </p:spTree>
+    <p:extLst>
+      <p:ext uri="{BB962C8B-B14F-4D97-AF65-F5344CB8AC3E}">
+        <p14:creationId xmlns:p14="http://schemas.microsoft.com/office/powerpoint/2010/main" val="1069114988"/>
+      </p:ext>
+    </p:extLst>
+  </p:cSld>
+  <p:clrMapOvr>
+    <a:masterClrMapping/>
+  </p:clrMapOvr>
+</p:sld>
+</file>
+
+<file path=ppt/slides/slide40.xml><?xml version="1.0" encoding="utf-8"?>
 <p:sld xmlns:a="http://schemas.openxmlformats.org/drawingml/2006/main" xmlns:r="http://schemas.openxmlformats.org/officeDocument/2006/relationships" xmlns:p="http://schemas.openxmlformats.org/presentationml/2006/main">
   <p:cSld>
     <p:spTree>
@@ -9450,7 +10046,7 @@
 </p:sld>
 </file>
 
-<file path=ppt/slides/slide38.xml><?xml version="1.0" encoding="utf-8"?>
+<file path=ppt/slides/slide41.xml><?xml version="1.0" encoding="utf-8"?>
 <p:sld xmlns:a="http://schemas.openxmlformats.org/drawingml/2006/main" xmlns:r="http://schemas.openxmlformats.org/officeDocument/2006/relationships" xmlns:p="http://schemas.openxmlformats.org/presentationml/2006/main">
   <p:cSld>
     <p:bg>
@@ -9687,7 +10283,7 @@
 </p:sld>
 </file>
 
-<file path=ppt/slides/slide39.xml><?xml version="1.0" encoding="utf-8"?>
+<file path=ppt/slides/slide42.xml><?xml version="1.0" encoding="utf-8"?>
 <p:sld xmlns:a="http://schemas.openxmlformats.org/drawingml/2006/main" xmlns:r="http://schemas.openxmlformats.org/officeDocument/2006/relationships" xmlns:p="http://schemas.openxmlformats.org/presentationml/2006/main">
   <p:cSld>
     <p:bg>
@@ -10104,125 +10700,7 @@
 </p:sld>
 </file>
 
-<file path=ppt/slides/slide4.xml><?xml version="1.0" encoding="utf-8"?>
-<p:sld xmlns:a="http://schemas.openxmlformats.org/drawingml/2006/main" xmlns:r="http://schemas.openxmlformats.org/officeDocument/2006/relationships" xmlns:p="http://schemas.openxmlformats.org/presentationml/2006/main">
-  <p:cSld>
-    <p:spTree>
-      <p:nvGrpSpPr>
-        <p:cNvPr id="1" name=""/>
-        <p:cNvGrpSpPr/>
-        <p:nvPr/>
-      </p:nvGrpSpPr>
-      <p:grpSpPr>
-        <a:xfrm>
-          <a:off x="0" y="0"/>
-          <a:ext cx="0" cy="0"/>
-          <a:chOff x="0" y="0"/>
-          <a:chExt cx="0" cy="0"/>
-        </a:xfrm>
-      </p:grpSpPr>
-      <p:sp>
-        <p:nvSpPr>
-          <p:cNvPr id="2" name="Titre 1">
-            <a:extLst>
-              <a:ext uri="{FF2B5EF4-FFF2-40B4-BE49-F238E27FC236}">
-                <a16:creationId xmlns:a16="http://schemas.microsoft.com/office/drawing/2014/main" id="{3BA363F5-AE09-4A8F-9C3B-35B622669D5B}"/>
-              </a:ext>
-            </a:extLst>
-          </p:cNvPr>
-          <p:cNvSpPr>
-            <a:spLocks noGrp="1"/>
-          </p:cNvSpPr>
-          <p:nvPr>
-            <p:ph type="title"/>
-          </p:nvPr>
-        </p:nvSpPr>
-        <p:spPr/>
-        <p:txBody>
-          <a:bodyPr/>
-          <a:lstStyle/>
-          <a:p>
-            <a:r>
-              <a:rPr lang="fr-FR" dirty="0"/>
-              <a:t>Présentation de Python</a:t>
-            </a:r>
-          </a:p>
-        </p:txBody>
-      </p:sp>
-      <p:sp>
-        <p:nvSpPr>
-          <p:cNvPr id="3" name="Espace réservé du contenu 2">
-            <a:extLst>
-              <a:ext uri="{FF2B5EF4-FFF2-40B4-BE49-F238E27FC236}">
-                <a16:creationId xmlns:a16="http://schemas.microsoft.com/office/drawing/2014/main" id="{BF2BDB3F-A3E9-43DD-B1D5-74E92999E54C}"/>
-              </a:ext>
-            </a:extLst>
-          </p:cNvPr>
-          <p:cNvSpPr>
-            <a:spLocks noGrp="1"/>
-          </p:cNvSpPr>
-          <p:nvPr>
-            <p:ph idx="1"/>
-          </p:nvPr>
-        </p:nvSpPr>
-        <p:spPr/>
-        <p:txBody>
-          <a:bodyPr/>
-          <a:lstStyle/>
-          <a:p>
-            <a:r>
-              <a:rPr lang="fr-FR" dirty="0"/>
-              <a:t>Langage interprété</a:t>
-            </a:r>
-          </a:p>
-          <a:p>
-            <a:pPr lvl="1"/>
-            <a:r>
-              <a:rPr lang="fr-FR" dirty="0"/>
-              <a:t>les instructions sont traduites à l'exécution par l'interpréteur. Cela impacte les performances mais permet une portabilité de code sur l'ensemble des machines pouvant faire tourner Python</a:t>
-            </a:r>
-          </a:p>
-          <a:p>
-            <a:r>
-              <a:rPr lang="fr-FR" dirty="0"/>
-              <a:t>Haut niveau</a:t>
-            </a:r>
-          </a:p>
-          <a:p>
-            <a:pPr lvl="1"/>
-            <a:r>
-              <a:rPr lang="fr-FR" dirty="0"/>
-              <a:t>Toutes les structures de code modernes</a:t>
-            </a:r>
-          </a:p>
-          <a:p>
-            <a:r>
-              <a:rPr lang="fr-FR" dirty="0"/>
-              <a:t>Orienté objet</a:t>
-            </a:r>
-          </a:p>
-          <a:p>
-            <a:pPr marL="0" indent="0">
-              <a:buNone/>
-            </a:pPr>
-            <a:endParaRPr lang="fr-FR" dirty="0"/>
-          </a:p>
-        </p:txBody>
-      </p:sp>
-    </p:spTree>
-    <p:extLst>
-      <p:ext uri="{BB962C8B-B14F-4D97-AF65-F5344CB8AC3E}">
-        <p14:creationId xmlns:p14="http://schemas.microsoft.com/office/powerpoint/2010/main" val="1069114988"/>
-      </p:ext>
-    </p:extLst>
-  </p:cSld>
-  <p:clrMapOvr>
-    <a:masterClrMapping/>
-  </p:clrMapOvr>
-</p:sld>
-</file>
-
-<file path=ppt/slides/slide40.xml><?xml version="1.0" encoding="utf-8"?>
+<file path=ppt/slides/slide43.xml><?xml version="1.0" encoding="utf-8"?>
 <p:sld xmlns:a="http://schemas.openxmlformats.org/drawingml/2006/main" xmlns:r="http://schemas.openxmlformats.org/officeDocument/2006/relationships" xmlns:p="http://schemas.openxmlformats.org/presentationml/2006/main">
   <p:cSld>
     <p:bg>
@@ -10359,7 +10837,7 @@
             </a:pPr>
             <a:r>
               <a:rPr lang="fr-FR" dirty="0"/>
-              <a:t>	 instruction1</a:t>
+              <a:t>	instruction1</a:t>
             </a:r>
           </a:p>
           <a:p>
@@ -10390,7 +10868,7 @@
             </a:pPr>
             <a:r>
               <a:rPr lang="fr-FR" dirty="0"/>
-              <a:t>	 instruction 2</a:t>
+              <a:t>	instruction 2</a:t>
             </a:r>
           </a:p>
           <a:p>
@@ -10648,7 +11126,7 @@
 </p:sld>
 </file>
 
-<file path=ppt/slides/slide41.xml><?xml version="1.0" encoding="utf-8"?>
+<file path=ppt/slides/slide44.xml><?xml version="1.0" encoding="utf-8"?>
 <p:sld xmlns:a="http://schemas.openxmlformats.org/drawingml/2006/main" xmlns:r="http://schemas.openxmlformats.org/officeDocument/2006/relationships" xmlns:p="http://schemas.openxmlformats.org/presentationml/2006/main">
   <p:cSld>
     <p:spTree>
@@ -10774,7 +11252,7 @@
 </p:sld>
 </file>
 
-<file path=ppt/slides/slide42.xml><?xml version="1.0" encoding="utf-8"?>
+<file path=ppt/slides/slide45.xml><?xml version="1.0" encoding="utf-8"?>
 <p:sld xmlns:a="http://schemas.openxmlformats.org/drawingml/2006/main" xmlns:r="http://schemas.openxmlformats.org/officeDocument/2006/relationships" xmlns:p="http://schemas.openxmlformats.org/presentationml/2006/main">
   <p:cSld>
     <p:bg>
@@ -10879,7 +11357,7 @@
 </p:sld>
 </file>
 
-<file path=ppt/slides/slide43.xml><?xml version="1.0" encoding="utf-8"?>
+<file path=ppt/slides/slide46.xml><?xml version="1.0" encoding="utf-8"?>
 <p:sld xmlns:a="http://schemas.openxmlformats.org/drawingml/2006/main" xmlns:r="http://schemas.openxmlformats.org/officeDocument/2006/relationships" xmlns:p="http://schemas.openxmlformats.org/presentationml/2006/main">
   <p:cSld>
     <p:bg>
@@ -10998,7 +11476,7 @@
 </p:sld>
 </file>
 
-<file path=ppt/slides/slide44.xml><?xml version="1.0" encoding="utf-8"?>
+<file path=ppt/slides/slide47.xml><?xml version="1.0" encoding="utf-8"?>
 <p:sld xmlns:a="http://schemas.openxmlformats.org/drawingml/2006/main" xmlns:r="http://schemas.openxmlformats.org/officeDocument/2006/relationships" xmlns:p="http://schemas.openxmlformats.org/presentationml/2006/main">
   <p:cSld>
     <p:bg>
@@ -11224,7 +11702,7 @@
 </p:sld>
 </file>
 
-<file path=ppt/slides/slide45.xml><?xml version="1.0" encoding="utf-8"?>
+<file path=ppt/slides/slide48.xml><?xml version="1.0" encoding="utf-8"?>
 <p:sld xmlns:a="http://schemas.openxmlformats.org/drawingml/2006/main" xmlns:r="http://schemas.openxmlformats.org/officeDocument/2006/relationships" xmlns:p="http://schemas.openxmlformats.org/presentationml/2006/main">
   <p:cSld>
     <p:bg>
@@ -11632,7 +12110,7 @@
 </p:sld>
 </file>
 
-<file path=ppt/slides/slide46.xml><?xml version="1.0" encoding="utf-8"?>
+<file path=ppt/slides/slide49.xml><?xml version="1.0" encoding="utf-8"?>
 <p:sld xmlns:a="http://schemas.openxmlformats.org/drawingml/2006/main" xmlns:r="http://schemas.openxmlformats.org/officeDocument/2006/relationships" xmlns:p="http://schemas.openxmlformats.org/presentationml/2006/main">
   <p:cSld>
     <p:spTree>
@@ -11726,7 +12204,159 @@
 </p:sld>
 </file>
 
-<file path=ppt/slides/slide47.xml><?xml version="1.0" encoding="utf-8"?>
+<file path=ppt/slides/slide5.xml><?xml version="1.0" encoding="utf-8"?>
+<p:sld xmlns:a="http://schemas.openxmlformats.org/drawingml/2006/main" xmlns:r="http://schemas.openxmlformats.org/officeDocument/2006/relationships" xmlns:p="http://schemas.openxmlformats.org/presentationml/2006/main">
+  <p:cSld>
+    <p:spTree>
+      <p:nvGrpSpPr>
+        <p:cNvPr id="1" name=""/>
+        <p:cNvGrpSpPr/>
+        <p:nvPr/>
+      </p:nvGrpSpPr>
+      <p:grpSpPr>
+        <a:xfrm>
+          <a:off x="0" y="0"/>
+          <a:ext cx="0" cy="0"/>
+          <a:chOff x="0" y="0"/>
+          <a:chExt cx="0" cy="0"/>
+        </a:xfrm>
+      </p:grpSpPr>
+      <p:sp>
+        <p:nvSpPr>
+          <p:cNvPr id="2" name="Titre 1">
+            <a:extLst>
+              <a:ext uri="{FF2B5EF4-FFF2-40B4-BE49-F238E27FC236}">
+                <a16:creationId xmlns:a16="http://schemas.microsoft.com/office/drawing/2014/main" id="{3BA363F5-AE09-4A8F-9C3B-35B622669D5B}"/>
+              </a:ext>
+            </a:extLst>
+          </p:cNvPr>
+          <p:cNvSpPr>
+            <a:spLocks noGrp="1"/>
+          </p:cNvSpPr>
+          <p:nvPr>
+            <p:ph type="title"/>
+          </p:nvPr>
+        </p:nvSpPr>
+        <p:spPr/>
+        <p:txBody>
+          <a:bodyPr/>
+          <a:lstStyle/>
+          <a:p>
+            <a:r>
+              <a:rPr lang="fr-FR" dirty="0"/>
+              <a:t>Présentation de Python</a:t>
+            </a:r>
+          </a:p>
+        </p:txBody>
+      </p:sp>
+      <p:sp>
+        <p:nvSpPr>
+          <p:cNvPr id="3" name="Espace réservé du contenu 2">
+            <a:extLst>
+              <a:ext uri="{FF2B5EF4-FFF2-40B4-BE49-F238E27FC236}">
+                <a16:creationId xmlns:a16="http://schemas.microsoft.com/office/drawing/2014/main" id="{BF2BDB3F-A3E9-43DD-B1D5-74E92999E54C}"/>
+              </a:ext>
+            </a:extLst>
+          </p:cNvPr>
+          <p:cNvSpPr>
+            <a:spLocks noGrp="1"/>
+          </p:cNvSpPr>
+          <p:nvPr>
+            <p:ph idx="1"/>
+          </p:nvPr>
+        </p:nvSpPr>
+        <p:spPr/>
+        <p:txBody>
+          <a:bodyPr>
+            <a:normAutofit lnSpcReduction="10000"/>
+          </a:bodyPr>
+          <a:lstStyle/>
+          <a:p>
+            <a:pPr marL="0" indent="0">
+              <a:buNone/>
+            </a:pPr>
+            <a:r>
+              <a:rPr lang="fr-FR" dirty="0"/>
+              <a:t>Pourquoi utiliser Python?</a:t>
+            </a:r>
+          </a:p>
+          <a:p>
+            <a:pPr lvl="1"/>
+            <a:r>
+              <a:rPr lang="fr-FR" dirty="0"/>
+              <a:t>Portabilité du code</a:t>
+            </a:r>
+          </a:p>
+          <a:p>
+            <a:pPr lvl="1"/>
+            <a:r>
+              <a:rPr lang="fr-FR" dirty="0"/>
+              <a:t>Structures de données modernes</a:t>
+            </a:r>
+          </a:p>
+          <a:p>
+            <a:pPr lvl="1"/>
+            <a:r>
+              <a:rPr lang="fr-FR" dirty="0"/>
+              <a:t>Courbe de progression rapide</a:t>
+            </a:r>
+          </a:p>
+          <a:p>
+            <a:pPr lvl="1"/>
+            <a:r>
+              <a:rPr lang="fr-FR" dirty="0"/>
+              <a:t>Un ensemble de librairies importantes (Math, Machine Learning, Graphiques,  base de données, cartographie, Web)</a:t>
+            </a:r>
+          </a:p>
+          <a:p>
+            <a:pPr lvl="1"/>
+            <a:endParaRPr lang="fr-FR" dirty="0"/>
+          </a:p>
+          <a:p>
+            <a:pPr marL="0" indent="0">
+              <a:buNone/>
+            </a:pPr>
+            <a:r>
+              <a:rPr lang="fr-FR" dirty="0"/>
+              <a:t>Faiblesses</a:t>
+            </a:r>
+          </a:p>
+          <a:p>
+            <a:pPr lvl="1"/>
+            <a:r>
+              <a:rPr lang="fr-FR" dirty="0"/>
+              <a:t>Performances faibles sans l’usage de librairies spécialisées (CPU, gestion mémoire)</a:t>
+            </a:r>
+          </a:p>
+          <a:p>
+            <a:pPr lvl="1"/>
+            <a:r>
+              <a:rPr lang="fr-FR" dirty="0"/>
+              <a:t>Pas de multi threading </a:t>
+            </a:r>
+          </a:p>
+          <a:p>
+            <a:pPr marL="0" indent="0">
+              <a:buNone/>
+            </a:pPr>
+            <a:endParaRPr lang="fr-FR" dirty="0"/>
+          </a:p>
+        </p:txBody>
+      </p:sp>
+    </p:spTree>
+    <p:extLst>
+      <p:ext uri="{BB962C8B-B14F-4D97-AF65-F5344CB8AC3E}">
+        <p14:creationId xmlns:p14="http://schemas.microsoft.com/office/powerpoint/2010/main" val="709756602"/>
+      </p:ext>
+    </p:extLst>
+  </p:cSld>
+  <p:clrMapOvr>
+    <a:masterClrMapping/>
+  </p:clrMapOvr>
+</p:sld>
+</file>
+
+<file path=ppt/slides/slide50.xml><?xml version="1.0" encoding="utf-8"?>
 <p:sld xmlns:a="http://schemas.openxmlformats.org/drawingml/2006/main" xmlns:r="http://schemas.openxmlformats.org/officeDocument/2006/relationships" xmlns:p="http://schemas.openxmlformats.org/presentationml/2006/main">
   <p:cSld>
     <p:spTree>
@@ -11938,7 +12568,7 @@
 </p:sld>
 </file>
 
-<file path=ppt/slides/slide48.xml><?xml version="1.0" encoding="utf-8"?>
+<file path=ppt/slides/slide51.xml><?xml version="1.0" encoding="utf-8"?>
 <p:sld xmlns:a="http://schemas.openxmlformats.org/drawingml/2006/main" xmlns:r="http://schemas.openxmlformats.org/officeDocument/2006/relationships" xmlns:p="http://schemas.openxmlformats.org/presentationml/2006/main">
   <p:cSld>
     <p:bg>
@@ -12119,7 +12749,7 @@
 </p:sld>
 </file>
 
-<file path=ppt/slides/slide49.xml><?xml version="1.0" encoding="utf-8"?>
+<file path=ppt/slides/slide52.xml><?xml version="1.0" encoding="utf-8"?>
 <p:sld xmlns:a="http://schemas.openxmlformats.org/drawingml/2006/main" xmlns:r="http://schemas.openxmlformats.org/officeDocument/2006/relationships" xmlns:p="http://schemas.openxmlformats.org/presentationml/2006/main">
   <p:cSld>
     <p:bg>
@@ -12255,159 +12885,7 @@
 </p:sld>
 </file>
 
-<file path=ppt/slides/slide5.xml><?xml version="1.0" encoding="utf-8"?>
-<p:sld xmlns:a="http://schemas.openxmlformats.org/drawingml/2006/main" xmlns:r="http://schemas.openxmlformats.org/officeDocument/2006/relationships" xmlns:p="http://schemas.openxmlformats.org/presentationml/2006/main">
-  <p:cSld>
-    <p:spTree>
-      <p:nvGrpSpPr>
-        <p:cNvPr id="1" name=""/>
-        <p:cNvGrpSpPr/>
-        <p:nvPr/>
-      </p:nvGrpSpPr>
-      <p:grpSpPr>
-        <a:xfrm>
-          <a:off x="0" y="0"/>
-          <a:ext cx="0" cy="0"/>
-          <a:chOff x="0" y="0"/>
-          <a:chExt cx="0" cy="0"/>
-        </a:xfrm>
-      </p:grpSpPr>
-      <p:sp>
-        <p:nvSpPr>
-          <p:cNvPr id="2" name="Titre 1">
-            <a:extLst>
-              <a:ext uri="{FF2B5EF4-FFF2-40B4-BE49-F238E27FC236}">
-                <a16:creationId xmlns:a16="http://schemas.microsoft.com/office/drawing/2014/main" id="{3BA363F5-AE09-4A8F-9C3B-35B622669D5B}"/>
-              </a:ext>
-            </a:extLst>
-          </p:cNvPr>
-          <p:cNvSpPr>
-            <a:spLocks noGrp="1"/>
-          </p:cNvSpPr>
-          <p:nvPr>
-            <p:ph type="title"/>
-          </p:nvPr>
-        </p:nvSpPr>
-        <p:spPr/>
-        <p:txBody>
-          <a:bodyPr/>
-          <a:lstStyle/>
-          <a:p>
-            <a:r>
-              <a:rPr lang="fr-FR" dirty="0"/>
-              <a:t>Présentation de Python</a:t>
-            </a:r>
-          </a:p>
-        </p:txBody>
-      </p:sp>
-      <p:sp>
-        <p:nvSpPr>
-          <p:cNvPr id="3" name="Espace réservé du contenu 2">
-            <a:extLst>
-              <a:ext uri="{FF2B5EF4-FFF2-40B4-BE49-F238E27FC236}">
-                <a16:creationId xmlns:a16="http://schemas.microsoft.com/office/drawing/2014/main" id="{BF2BDB3F-A3E9-43DD-B1D5-74E92999E54C}"/>
-              </a:ext>
-            </a:extLst>
-          </p:cNvPr>
-          <p:cNvSpPr>
-            <a:spLocks noGrp="1"/>
-          </p:cNvSpPr>
-          <p:nvPr>
-            <p:ph idx="1"/>
-          </p:nvPr>
-        </p:nvSpPr>
-        <p:spPr/>
-        <p:txBody>
-          <a:bodyPr>
-            <a:normAutofit lnSpcReduction="10000"/>
-          </a:bodyPr>
-          <a:lstStyle/>
-          <a:p>
-            <a:pPr marL="0" indent="0">
-              <a:buNone/>
-            </a:pPr>
-            <a:r>
-              <a:rPr lang="fr-FR" dirty="0"/>
-              <a:t>Pourquoi utiliser Python?</a:t>
-            </a:r>
-          </a:p>
-          <a:p>
-            <a:pPr lvl="1"/>
-            <a:r>
-              <a:rPr lang="fr-FR" dirty="0"/>
-              <a:t>Portabilité du code</a:t>
-            </a:r>
-          </a:p>
-          <a:p>
-            <a:pPr lvl="1"/>
-            <a:r>
-              <a:rPr lang="fr-FR" dirty="0"/>
-              <a:t>Structures de données modernes</a:t>
-            </a:r>
-          </a:p>
-          <a:p>
-            <a:pPr lvl="1"/>
-            <a:r>
-              <a:rPr lang="fr-FR" dirty="0"/>
-              <a:t>Courbe de progression rapide</a:t>
-            </a:r>
-          </a:p>
-          <a:p>
-            <a:pPr lvl="1"/>
-            <a:r>
-              <a:rPr lang="fr-FR" dirty="0"/>
-              <a:t>Un ensemble de librairies importantes (Math, Machine Learning, Graphiques,  base de données, cartographie, Web)</a:t>
-            </a:r>
-          </a:p>
-          <a:p>
-            <a:pPr lvl="1"/>
-            <a:endParaRPr lang="fr-FR" dirty="0"/>
-          </a:p>
-          <a:p>
-            <a:pPr marL="0" indent="0">
-              <a:buNone/>
-            </a:pPr>
-            <a:r>
-              <a:rPr lang="fr-FR" dirty="0"/>
-              <a:t>Faiblesses</a:t>
-            </a:r>
-          </a:p>
-          <a:p>
-            <a:pPr lvl="1"/>
-            <a:r>
-              <a:rPr lang="fr-FR" dirty="0"/>
-              <a:t>Performances faibles sans l’usage de librairies spécialisées (CPU, gestion mémoire)</a:t>
-            </a:r>
-          </a:p>
-          <a:p>
-            <a:pPr lvl="1"/>
-            <a:r>
-              <a:rPr lang="fr-FR" dirty="0"/>
-              <a:t>Pas de multi threading </a:t>
-            </a:r>
-          </a:p>
-          <a:p>
-            <a:pPr marL="0" indent="0">
-              <a:buNone/>
-            </a:pPr>
-            <a:endParaRPr lang="fr-FR" dirty="0"/>
-          </a:p>
-        </p:txBody>
-      </p:sp>
-    </p:spTree>
-    <p:extLst>
-      <p:ext uri="{BB962C8B-B14F-4D97-AF65-F5344CB8AC3E}">
-        <p14:creationId xmlns:p14="http://schemas.microsoft.com/office/powerpoint/2010/main" val="709756602"/>
-      </p:ext>
-    </p:extLst>
-  </p:cSld>
-  <p:clrMapOvr>
-    <a:masterClrMapping/>
-  </p:clrMapOvr>
-</p:sld>
-</file>
-
-<file path=ppt/slides/slide50.xml><?xml version="1.0" encoding="utf-8"?>
+<file path=ppt/slides/slide53.xml><?xml version="1.0" encoding="utf-8"?>
 <p:sld xmlns:a="http://schemas.openxmlformats.org/drawingml/2006/main" xmlns:r="http://schemas.openxmlformats.org/officeDocument/2006/relationships" xmlns:p="http://schemas.openxmlformats.org/presentationml/2006/main">
   <p:cSld>
     <p:bg>
@@ -12487,7 +12965,7 @@
         </p:spPr>
         <p:txBody>
           <a:bodyPr>
-            <a:normAutofit fontScale="92500"/>
+            <a:normAutofit fontScale="92500" lnSpcReduction="20000"/>
           </a:bodyPr>
           <a:lstStyle/>
           <a:p>
@@ -12500,6 +12978,18 @@
             <a:r>
               <a:rPr lang="pt-BR" sz="1800" dirty="0"/>
               <a:t>import pandas as pd</a:t>
+            </a:r>
+          </a:p>
+          <a:p>
+            <a:pPr marL="0" indent="0">
+              <a:spcBef>
+                <a:spcPts val="600"/>
+              </a:spcBef>
+              <a:buNone/>
+            </a:pPr>
+            <a:r>
+              <a:rPr lang="pt-BR" sz="1800" dirty="0"/>
+              <a:t>import numpy as np</a:t>
             </a:r>
           </a:p>
           <a:p>
@@ -12815,7 +13305,7 @@
 </p:sld>
 </file>
 
-<file path=ppt/slides/slide51.xml><?xml version="1.0" encoding="utf-8"?>
+<file path=ppt/slides/slide54.xml><?xml version="1.0" encoding="utf-8"?>
 <p:sld xmlns:a="http://schemas.openxmlformats.org/drawingml/2006/main" xmlns:r="http://schemas.openxmlformats.org/officeDocument/2006/relationships" xmlns:p="http://schemas.openxmlformats.org/presentationml/2006/main">
   <p:cSld>
     <p:bg>
@@ -13045,7 +13535,7 @@
 </p:sld>
 </file>
 
-<file path=ppt/slides/slide52.xml><?xml version="1.0" encoding="utf-8"?>
+<file path=ppt/slides/slide55.xml><?xml version="1.0" encoding="utf-8"?>
 <p:sld xmlns:a="http://schemas.openxmlformats.org/drawingml/2006/main" xmlns:r="http://schemas.openxmlformats.org/officeDocument/2006/relationships" xmlns:p="http://schemas.openxmlformats.org/presentationml/2006/main">
   <p:cSld>
     <p:spTree>
@@ -13177,7 +13667,7 @@
 </p:sld>
 </file>
 
-<file path=ppt/slides/slide53.xml><?xml version="1.0" encoding="utf-8"?>
+<file path=ppt/slides/slide56.xml><?xml version="1.0" encoding="utf-8"?>
 <p:sld xmlns:a="http://schemas.openxmlformats.org/drawingml/2006/main" xmlns:r="http://schemas.openxmlformats.org/officeDocument/2006/relationships" xmlns:p="http://schemas.openxmlformats.org/presentationml/2006/main">
   <p:cSld>
     <p:spTree>
@@ -13360,7 +13850,7 @@
 </p:sld>
 </file>
 
-<file path=ppt/slides/slide54.xml><?xml version="1.0" encoding="utf-8"?>
+<file path=ppt/slides/slide57.xml><?xml version="1.0" encoding="utf-8"?>
 <p:sld xmlns:a="http://schemas.openxmlformats.org/drawingml/2006/main" xmlns:r="http://schemas.openxmlformats.org/officeDocument/2006/relationships" xmlns:p="http://schemas.openxmlformats.org/presentationml/2006/main">
   <p:cSld>
     <p:spTree>
@@ -13543,7 +14033,7 @@
 </p:sld>
 </file>
 
-<file path=ppt/slides/slide55.xml><?xml version="1.0" encoding="utf-8"?>
+<file path=ppt/slides/slide58.xml><?xml version="1.0" encoding="utf-8"?>
 <p:sld xmlns:a="http://schemas.openxmlformats.org/drawingml/2006/main" xmlns:r="http://schemas.openxmlformats.org/officeDocument/2006/relationships" xmlns:p="http://schemas.openxmlformats.org/presentationml/2006/main">
   <p:cSld>
     <p:spTree>
@@ -13637,7 +14127,7 @@
 </p:sld>
 </file>
 
-<file path=ppt/slides/slide56.xml><?xml version="1.0" encoding="utf-8"?>
+<file path=ppt/slides/slide59.xml><?xml version="1.0" encoding="utf-8"?>
 <p:sld xmlns:a="http://schemas.openxmlformats.org/drawingml/2006/main" xmlns:r="http://schemas.openxmlformats.org/officeDocument/2006/relationships" xmlns:p="http://schemas.openxmlformats.org/presentationml/2006/main">
   <p:cSld>
     <p:spTree>
@@ -13731,7 +14221,125 @@
 </p:sld>
 </file>
 
-<file path=ppt/slides/slide57.xml><?xml version="1.0" encoding="utf-8"?>
+<file path=ppt/slides/slide6.xml><?xml version="1.0" encoding="utf-8"?>
+<p:sld xmlns:a="http://schemas.openxmlformats.org/drawingml/2006/main" xmlns:r="http://schemas.openxmlformats.org/officeDocument/2006/relationships" xmlns:p="http://schemas.openxmlformats.org/presentationml/2006/main">
+  <p:cSld>
+    <p:spTree>
+      <p:nvGrpSpPr>
+        <p:cNvPr id="1" name=""/>
+        <p:cNvGrpSpPr/>
+        <p:nvPr/>
+      </p:nvGrpSpPr>
+      <p:grpSpPr>
+        <a:xfrm>
+          <a:off x="0" y="0"/>
+          <a:ext cx="0" cy="0"/>
+          <a:chOff x="0" y="0"/>
+          <a:chExt cx="0" cy="0"/>
+        </a:xfrm>
+      </p:grpSpPr>
+      <p:sp>
+        <p:nvSpPr>
+          <p:cNvPr id="2" name="Titre 1">
+            <a:extLst>
+              <a:ext uri="{FF2B5EF4-FFF2-40B4-BE49-F238E27FC236}">
+                <a16:creationId xmlns:a16="http://schemas.microsoft.com/office/drawing/2014/main" id="{24543995-4B48-49A8-BCBF-8EAA4569CF62}"/>
+              </a:ext>
+            </a:extLst>
+          </p:cNvPr>
+          <p:cNvSpPr>
+            <a:spLocks noGrp="1"/>
+          </p:cNvSpPr>
+          <p:nvPr>
+            <p:ph type="title"/>
+          </p:nvPr>
+        </p:nvSpPr>
+        <p:spPr/>
+        <p:txBody>
+          <a:bodyPr/>
+          <a:lstStyle/>
+          <a:p>
+            <a:r>
+              <a:rPr lang="fr-FR" dirty="0"/>
+              <a:t>Installation de Python</a:t>
+            </a:r>
+          </a:p>
+        </p:txBody>
+      </p:sp>
+      <p:sp>
+        <p:nvSpPr>
+          <p:cNvPr id="3" name="Espace réservé du contenu 2">
+            <a:extLst>
+              <a:ext uri="{FF2B5EF4-FFF2-40B4-BE49-F238E27FC236}">
+                <a16:creationId xmlns:a16="http://schemas.microsoft.com/office/drawing/2014/main" id="{5379ACC7-0FD0-481B-82C7-13917AA7F23E}"/>
+              </a:ext>
+            </a:extLst>
+          </p:cNvPr>
+          <p:cNvSpPr>
+            <a:spLocks noGrp="1"/>
+          </p:cNvSpPr>
+          <p:nvPr>
+            <p:ph idx="1"/>
+          </p:nvPr>
+        </p:nvSpPr>
+        <p:spPr/>
+        <p:txBody>
+          <a:bodyPr/>
+          <a:lstStyle/>
+          <a:p>
+            <a:r>
+              <a:rPr lang="fr-FR" dirty="0"/>
+              <a:t>Python système</a:t>
+            </a:r>
+          </a:p>
+          <a:p>
+            <a:pPr lvl="1"/>
+            <a:r>
+              <a:rPr lang="fr-FR" dirty="0"/>
+              <a:t>Gestion de librairies système (Linux)</a:t>
+            </a:r>
+          </a:p>
+          <a:p>
+            <a:pPr lvl="1"/>
+            <a:r>
+              <a:rPr lang="fr-FR" dirty="0"/>
+              <a:t>Gestion de librairies via PIP</a:t>
+            </a:r>
+          </a:p>
+          <a:p>
+            <a:r>
+              <a:rPr lang="fr-FR" dirty="0"/>
+              <a:t>Anaconda</a:t>
+            </a:r>
+          </a:p>
+          <a:p>
+            <a:pPr lvl="1"/>
+            <a:r>
+              <a:rPr lang="fr-FR" dirty="0"/>
+              <a:t>Gestion de paquets via PIP / </a:t>
+            </a:r>
+            <a:r>
+              <a:rPr lang="fr-FR" dirty="0" err="1"/>
+              <a:t>Conda</a:t>
+            </a:r>
+            <a:endParaRPr lang="fr-FR" dirty="0"/>
+          </a:p>
+        </p:txBody>
+      </p:sp>
+    </p:spTree>
+    <p:extLst>
+      <p:ext uri="{BB962C8B-B14F-4D97-AF65-F5344CB8AC3E}">
+        <p14:creationId xmlns:p14="http://schemas.microsoft.com/office/powerpoint/2010/main" val="147088749"/>
+      </p:ext>
+    </p:extLst>
+  </p:cSld>
+  <p:clrMapOvr>
+    <a:masterClrMapping/>
+  </p:clrMapOvr>
+</p:sld>
+</file>
+
+<file path=ppt/slides/slide60.xml><?xml version="1.0" encoding="utf-8"?>
 <p:sld xmlns:a="http://schemas.openxmlformats.org/drawingml/2006/main" xmlns:r="http://schemas.openxmlformats.org/officeDocument/2006/relationships" xmlns:p="http://schemas.openxmlformats.org/presentationml/2006/main">
   <p:cSld>
     <p:spTree>
@@ -13855,7 +14463,7 @@
 </p:sld>
 </file>
 
-<file path=ppt/slides/slide58.xml><?xml version="1.0" encoding="utf-8"?>
+<file path=ppt/slides/slide61.xml><?xml version="1.0" encoding="utf-8"?>
 <p:sld xmlns:a="http://schemas.openxmlformats.org/drawingml/2006/main" xmlns:r="http://schemas.openxmlformats.org/officeDocument/2006/relationships" xmlns:p="http://schemas.openxmlformats.org/presentationml/2006/main">
   <p:cSld>
     <p:spTree>
@@ -13981,7 +14589,7 @@
 </p:sld>
 </file>
 
-<file path=ppt/slides/slide59.xml><?xml version="1.0" encoding="utf-8"?>
+<file path=ppt/slides/slide62.xml><?xml version="1.0" encoding="utf-8"?>
 <p:sld xmlns:a="http://schemas.openxmlformats.org/drawingml/2006/main" xmlns:r="http://schemas.openxmlformats.org/officeDocument/2006/relationships" xmlns:p="http://schemas.openxmlformats.org/presentationml/2006/main">
   <p:cSld>
     <p:spTree>
@@ -14075,146 +14683,7 @@
 </p:sld>
 </file>
 
-<file path=ppt/slides/slide6.xml><?xml version="1.0" encoding="utf-8"?>
-<p:sld xmlns:a="http://schemas.openxmlformats.org/drawingml/2006/main" xmlns:r="http://schemas.openxmlformats.org/officeDocument/2006/relationships" xmlns:p="http://schemas.openxmlformats.org/presentationml/2006/main">
-  <p:cSld>
-    <p:bg>
-      <p:bgPr>
-        <a:solidFill>
-          <a:schemeClr val="accent2">
-            <a:lumMod val="40000"/>
-            <a:lumOff val="60000"/>
-          </a:schemeClr>
-        </a:solidFill>
-        <a:effectLst/>
-      </p:bgPr>
-    </p:bg>
-    <p:spTree>
-      <p:nvGrpSpPr>
-        <p:cNvPr id="1" name=""/>
-        <p:cNvGrpSpPr/>
-        <p:nvPr/>
-      </p:nvGrpSpPr>
-      <p:grpSpPr>
-        <a:xfrm>
-          <a:off x="0" y="0"/>
-          <a:ext cx="0" cy="0"/>
-          <a:chOff x="0" y="0"/>
-          <a:chExt cx="0" cy="0"/>
-        </a:xfrm>
-      </p:grpSpPr>
-      <p:sp>
-        <p:nvSpPr>
-          <p:cNvPr id="2" name="Titre 1">
-            <a:extLst>
-              <a:ext uri="{FF2B5EF4-FFF2-40B4-BE49-F238E27FC236}">
-                <a16:creationId xmlns:a16="http://schemas.microsoft.com/office/drawing/2014/main" id="{82905DFC-5CD0-4CD9-A731-0120DC8FDFA1}"/>
-              </a:ext>
-            </a:extLst>
-          </p:cNvPr>
-          <p:cNvSpPr>
-            <a:spLocks noGrp="1"/>
-          </p:cNvSpPr>
-          <p:nvPr>
-            <p:ph type="title"/>
-          </p:nvPr>
-        </p:nvSpPr>
-        <p:spPr/>
-        <p:txBody>
-          <a:bodyPr/>
-          <a:lstStyle/>
-          <a:p>
-            <a:r>
-              <a:rPr lang="fr-FR" dirty="0"/>
-              <a:t>Types de données</a:t>
-            </a:r>
-            <a:br>
-              <a:rPr lang="fr-FR" dirty="0"/>
-            </a:br>
-            <a:r>
-              <a:rPr lang="fr-FR" dirty="0"/>
-              <a:t>variables</a:t>
-            </a:r>
-          </a:p>
-        </p:txBody>
-      </p:sp>
-      <p:sp>
-        <p:nvSpPr>
-          <p:cNvPr id="3" name="Espace réservé du contenu 2">
-            <a:extLst>
-              <a:ext uri="{FF2B5EF4-FFF2-40B4-BE49-F238E27FC236}">
-                <a16:creationId xmlns:a16="http://schemas.microsoft.com/office/drawing/2014/main" id="{D9F91083-9AF5-4A8E-82C5-A442B1EDC386}"/>
-              </a:ext>
-            </a:extLst>
-          </p:cNvPr>
-          <p:cNvSpPr>
-            <a:spLocks noGrp="1"/>
-          </p:cNvSpPr>
-          <p:nvPr>
-            <p:ph idx="1"/>
-          </p:nvPr>
-        </p:nvSpPr>
-        <p:spPr>
-          <a:xfrm>
-            <a:off x="838200" y="1825625"/>
-            <a:ext cx="10515600" cy="789238"/>
-          </a:xfrm>
-        </p:spPr>
-        <p:txBody>
-          <a:bodyPr/>
-          <a:lstStyle/>
-          <a:p>
-            <a:r>
-              <a:rPr lang="fr-FR" dirty="0"/>
-              <a:t>Python adopte l’affectation dynamique des variables</a:t>
-            </a:r>
-          </a:p>
-        </p:txBody>
-      </p:sp>
-      <p:pic>
-        <p:nvPicPr>
-          <p:cNvPr id="5" name="Image 4">
-            <a:extLst>
-              <a:ext uri="{FF2B5EF4-FFF2-40B4-BE49-F238E27FC236}">
-                <a16:creationId xmlns:a16="http://schemas.microsoft.com/office/drawing/2014/main" id="{713A482B-D929-41CF-8196-6350E2FC90EA}"/>
-              </a:ext>
-            </a:extLst>
-          </p:cNvPr>
-          <p:cNvPicPr>
-            <a:picLocks noChangeAspect="1"/>
-          </p:cNvPicPr>
-          <p:nvPr/>
-        </p:nvPicPr>
-        <p:blipFill>
-          <a:blip r:embed="rId2"/>
-          <a:stretch>
-            <a:fillRect/>
-          </a:stretch>
-        </p:blipFill>
-        <p:spPr>
-          <a:xfrm>
-            <a:off x="0" y="2749800"/>
-            <a:ext cx="6353020" cy="3314619"/>
-          </a:xfrm>
-          <a:prstGeom prst="rect">
-            <a:avLst/>
-          </a:prstGeom>
-        </p:spPr>
-      </p:pic>
-    </p:spTree>
-    <p:extLst>
-      <p:ext uri="{BB962C8B-B14F-4D97-AF65-F5344CB8AC3E}">
-        <p14:creationId xmlns:p14="http://schemas.microsoft.com/office/powerpoint/2010/main" val="952132060"/>
-      </p:ext>
-    </p:extLst>
-  </p:cSld>
-  <p:clrMapOvr>
-    <a:masterClrMapping/>
-  </p:clrMapOvr>
-</p:sld>
-</file>
-
-<file path=ppt/slides/slide60.xml><?xml version="1.0" encoding="utf-8"?>
+<file path=ppt/slides/slide63.xml><?xml version="1.0" encoding="utf-8"?>
 <p:sld xmlns:a="http://schemas.openxmlformats.org/drawingml/2006/main" xmlns:r="http://schemas.openxmlformats.org/officeDocument/2006/relationships" xmlns:p="http://schemas.openxmlformats.org/presentationml/2006/main">
   <p:cSld>
     <p:spTree>
@@ -14310,7 +14779,7 @@
 </p:sld>
 </file>
 
-<file path=ppt/slides/slide61.xml><?xml version="1.0" encoding="utf-8"?>
+<file path=ppt/slides/slide64.xml><?xml version="1.0" encoding="utf-8"?>
 <p:sld xmlns:a="http://schemas.openxmlformats.org/drawingml/2006/main" xmlns:r="http://schemas.openxmlformats.org/officeDocument/2006/relationships" xmlns:p="http://schemas.openxmlformats.org/presentationml/2006/main">
   <p:cSld>
     <p:spTree>
@@ -14411,7 +14880,7 @@
 </p:sld>
 </file>
 
-<file path=ppt/slides/slide62.xml><?xml version="1.0" encoding="utf-8"?>
+<file path=ppt/slides/slide65.xml><?xml version="1.0" encoding="utf-8"?>
 <p:sld xmlns:a="http://schemas.openxmlformats.org/drawingml/2006/main" xmlns:r="http://schemas.openxmlformats.org/officeDocument/2006/relationships" xmlns:p="http://schemas.openxmlformats.org/presentationml/2006/main">
   <p:cSld>
     <p:spTree>
@@ -14505,7 +14974,7 @@
 </p:sld>
 </file>
 
-<file path=ppt/slides/slide63.xml><?xml version="1.0" encoding="utf-8"?>
+<file path=ppt/slides/slide66.xml><?xml version="1.0" encoding="utf-8"?>
 <p:sld xmlns:a="http://schemas.openxmlformats.org/drawingml/2006/main" xmlns:r="http://schemas.openxmlformats.org/officeDocument/2006/relationships" xmlns:p="http://schemas.openxmlformats.org/presentationml/2006/main">
   <p:cSld>
     <p:spTree>
@@ -14647,7 +15116,7 @@
 </p:sld>
 </file>
 
-<file path=ppt/slides/slide64.xml><?xml version="1.0" encoding="utf-8"?>
+<file path=ppt/slides/slide67.xml><?xml version="1.0" encoding="utf-8"?>
 <p:sld xmlns:a="http://schemas.openxmlformats.org/drawingml/2006/main" xmlns:r="http://schemas.openxmlformats.org/officeDocument/2006/relationships" xmlns:p="http://schemas.openxmlformats.org/presentationml/2006/main">
   <p:cSld>
     <p:spTree>
@@ -14784,7 +15253,7 @@
 </p:sld>
 </file>
 
-<file path=ppt/slides/slide65.xml><?xml version="1.0" encoding="utf-8"?>
+<file path=ppt/slides/slide68.xml><?xml version="1.0" encoding="utf-8"?>
 <p:sld xmlns:a="http://schemas.openxmlformats.org/drawingml/2006/main" xmlns:r="http://schemas.openxmlformats.org/officeDocument/2006/relationships" xmlns:p="http://schemas.openxmlformats.org/presentationml/2006/main">
   <p:cSld>
     <p:spTree>
@@ -15040,7 +15509,7 @@
 </p:sld>
 </file>
 
-<file path=ppt/slides/slide66.xml><?xml version="1.0" encoding="utf-8"?>
+<file path=ppt/slides/slide69.xml><?xml version="1.0" encoding="utf-8"?>
 <p:sld xmlns:a="http://schemas.openxmlformats.org/drawingml/2006/main" xmlns:r="http://schemas.openxmlformats.org/officeDocument/2006/relationships" xmlns:p="http://schemas.openxmlformats.org/presentationml/2006/main">
   <p:cSld>
     <p:spTree>
@@ -15468,7 +15937,131 @@
 </p:sld>
 </file>
 
-<file path=ppt/slides/slide67.xml><?xml version="1.0" encoding="utf-8"?>
+<file path=ppt/slides/slide7.xml><?xml version="1.0" encoding="utf-8"?>
+<p:sld xmlns:a="http://schemas.openxmlformats.org/drawingml/2006/main" xmlns:r="http://schemas.openxmlformats.org/officeDocument/2006/relationships" xmlns:p="http://schemas.openxmlformats.org/presentationml/2006/main">
+  <p:cSld>
+    <p:spTree>
+      <p:nvGrpSpPr>
+        <p:cNvPr id="1" name=""/>
+        <p:cNvGrpSpPr/>
+        <p:nvPr/>
+      </p:nvGrpSpPr>
+      <p:grpSpPr>
+        <a:xfrm>
+          <a:off x="0" y="0"/>
+          <a:ext cx="0" cy="0"/>
+          <a:chOff x="0" y="0"/>
+          <a:chExt cx="0" cy="0"/>
+        </a:xfrm>
+      </p:grpSpPr>
+      <p:sp>
+        <p:nvSpPr>
+          <p:cNvPr id="2" name="Titre 1">
+            <a:extLst>
+              <a:ext uri="{FF2B5EF4-FFF2-40B4-BE49-F238E27FC236}">
+                <a16:creationId xmlns:a16="http://schemas.microsoft.com/office/drawing/2014/main" id="{822617EF-925B-4889-A14C-DDBED91963C6}"/>
+              </a:ext>
+            </a:extLst>
+          </p:cNvPr>
+          <p:cNvSpPr>
+            <a:spLocks noGrp="1"/>
+          </p:cNvSpPr>
+          <p:nvPr>
+            <p:ph type="title"/>
+          </p:nvPr>
+        </p:nvSpPr>
+        <p:spPr/>
+        <p:txBody>
+          <a:bodyPr/>
+          <a:lstStyle/>
+          <a:p>
+            <a:r>
+              <a:rPr lang="fr-FR" dirty="0"/>
+              <a:t>Utiliser Python</a:t>
+            </a:r>
+          </a:p>
+        </p:txBody>
+      </p:sp>
+      <p:sp>
+        <p:nvSpPr>
+          <p:cNvPr id="3" name="Espace réservé du contenu 2">
+            <a:extLst>
+              <a:ext uri="{FF2B5EF4-FFF2-40B4-BE49-F238E27FC236}">
+                <a16:creationId xmlns:a16="http://schemas.microsoft.com/office/drawing/2014/main" id="{47158084-DAD3-46B9-AA81-23DAF5DFB36F}"/>
+              </a:ext>
+            </a:extLst>
+          </p:cNvPr>
+          <p:cNvSpPr>
+            <a:spLocks noGrp="1"/>
+          </p:cNvSpPr>
+          <p:nvPr>
+            <p:ph idx="1"/>
+          </p:nvPr>
+        </p:nvSpPr>
+        <p:spPr/>
+        <p:txBody>
+          <a:bodyPr/>
+          <a:lstStyle/>
+          <a:p>
+            <a:r>
+              <a:rPr lang="fr-FR" dirty="0"/>
+              <a:t>Python</a:t>
+            </a:r>
+          </a:p>
+          <a:p>
+            <a:pPr lvl="1"/>
+            <a:r>
+              <a:rPr lang="fr-FR" dirty="0"/>
+              <a:t>Commande</a:t>
+            </a:r>
+          </a:p>
+          <a:p>
+            <a:pPr lvl="1"/>
+            <a:r>
+              <a:rPr lang="fr-FR" dirty="0"/>
+              <a:t>Script</a:t>
+            </a:r>
+          </a:p>
+          <a:p>
+            <a:r>
+              <a:rPr lang="fr-FR" dirty="0" err="1"/>
+              <a:t>IPython</a:t>
+            </a:r>
+            <a:endParaRPr lang="fr-FR" dirty="0"/>
+          </a:p>
+          <a:p>
+            <a:pPr lvl="1"/>
+            <a:r>
+              <a:rPr lang="fr-FR" dirty="0"/>
+              <a:t>Commande</a:t>
+            </a:r>
+          </a:p>
+          <a:p>
+            <a:r>
+              <a:rPr lang="fr-FR" dirty="0" err="1"/>
+              <a:t>Jupyter</a:t>
+            </a:r>
+            <a:r>
+              <a:rPr lang="fr-FR" dirty="0"/>
+              <a:t> notebook</a:t>
+            </a:r>
+          </a:p>
+        </p:txBody>
+      </p:sp>
+    </p:spTree>
+    <p:extLst>
+      <p:ext uri="{BB962C8B-B14F-4D97-AF65-F5344CB8AC3E}">
+        <p14:creationId xmlns:p14="http://schemas.microsoft.com/office/powerpoint/2010/main" val="3324360648"/>
+      </p:ext>
+    </p:extLst>
+  </p:cSld>
+  <p:clrMapOvr>
+    <a:masterClrMapping/>
+  </p:clrMapOvr>
+</p:sld>
+</file>
+
+<file path=ppt/slides/slide70.xml><?xml version="1.0" encoding="utf-8"?>
 <p:sld xmlns:a="http://schemas.openxmlformats.org/drawingml/2006/main" xmlns:r="http://schemas.openxmlformats.org/officeDocument/2006/relationships" xmlns:p="http://schemas.openxmlformats.org/presentationml/2006/main">
   <p:cSld>
     <p:spTree>
@@ -15605,7 +16198,7 @@
 </p:sld>
 </file>
 
-<file path=ppt/slides/slide68.xml><?xml version="1.0" encoding="utf-8"?>
+<file path=ppt/slides/slide71.xml><?xml version="1.0" encoding="utf-8"?>
 <p:sld xmlns:a="http://schemas.openxmlformats.org/drawingml/2006/main" xmlns:r="http://schemas.openxmlformats.org/officeDocument/2006/relationships" xmlns:p="http://schemas.openxmlformats.org/presentationml/2006/main">
   <p:cSld>
     <p:spTree>
@@ -15742,7 +16335,7 @@
 </p:sld>
 </file>
 
-<file path=ppt/slides/slide69.xml><?xml version="1.0" encoding="utf-8"?>
+<file path=ppt/slides/slide72.xml><?xml version="1.0" encoding="utf-8"?>
 <p:sld xmlns:a="http://schemas.openxmlformats.org/drawingml/2006/main" xmlns:r="http://schemas.openxmlformats.org/officeDocument/2006/relationships" xmlns:p="http://schemas.openxmlformats.org/presentationml/2006/main">
   <p:cSld>
     <p:spTree>
@@ -15879,165 +16472,7 @@
 </p:sld>
 </file>
 
-<file path=ppt/slides/slide7.xml><?xml version="1.0" encoding="utf-8"?>
-<p:sld xmlns:a="http://schemas.openxmlformats.org/drawingml/2006/main" xmlns:r="http://schemas.openxmlformats.org/officeDocument/2006/relationships" xmlns:p="http://schemas.openxmlformats.org/presentationml/2006/main">
-  <p:cSld>
-    <p:spTree>
-      <p:nvGrpSpPr>
-        <p:cNvPr id="1" name=""/>
-        <p:cNvGrpSpPr/>
-        <p:nvPr/>
-      </p:nvGrpSpPr>
-      <p:grpSpPr>
-        <a:xfrm>
-          <a:off x="0" y="0"/>
-          <a:ext cx="0" cy="0"/>
-          <a:chOff x="0" y="0"/>
-          <a:chExt cx="0" cy="0"/>
-        </a:xfrm>
-      </p:grpSpPr>
-      <p:sp>
-        <p:nvSpPr>
-          <p:cNvPr id="2" name="Titre 1">
-            <a:extLst>
-              <a:ext uri="{FF2B5EF4-FFF2-40B4-BE49-F238E27FC236}">
-                <a16:creationId xmlns:a16="http://schemas.microsoft.com/office/drawing/2014/main" id="{82905DFC-5CD0-4CD9-A731-0120DC8FDFA1}"/>
-              </a:ext>
-            </a:extLst>
-          </p:cNvPr>
-          <p:cNvSpPr>
-            <a:spLocks noGrp="1"/>
-          </p:cNvSpPr>
-          <p:nvPr>
-            <p:ph type="title"/>
-          </p:nvPr>
-        </p:nvSpPr>
-        <p:spPr/>
-        <p:txBody>
-          <a:bodyPr/>
-          <a:lstStyle/>
-          <a:p>
-            <a:r>
-              <a:rPr lang="fr-FR" dirty="0"/>
-              <a:t>Types de données</a:t>
-            </a:r>
-            <a:br>
-              <a:rPr lang="fr-FR" dirty="0"/>
-            </a:br>
-            <a:r>
-              <a:rPr lang="fr-FR" dirty="0"/>
-              <a:t>variables</a:t>
-            </a:r>
-          </a:p>
-        </p:txBody>
-      </p:sp>
-      <p:sp>
-        <p:nvSpPr>
-          <p:cNvPr id="3" name="Espace réservé du contenu 2">
-            <a:extLst>
-              <a:ext uri="{FF2B5EF4-FFF2-40B4-BE49-F238E27FC236}">
-                <a16:creationId xmlns:a16="http://schemas.microsoft.com/office/drawing/2014/main" id="{D9F91083-9AF5-4A8E-82C5-A442B1EDC386}"/>
-              </a:ext>
-            </a:extLst>
-          </p:cNvPr>
-          <p:cNvSpPr>
-            <a:spLocks noGrp="1"/>
-          </p:cNvSpPr>
-          <p:nvPr>
-            <p:ph idx="1"/>
-          </p:nvPr>
-        </p:nvSpPr>
-        <p:spPr>
-          <a:xfrm>
-            <a:off x="838200" y="1825625"/>
-            <a:ext cx="10515600" cy="789238"/>
-          </a:xfrm>
-        </p:spPr>
-        <p:txBody>
-          <a:bodyPr/>
-          <a:lstStyle/>
-          <a:p>
-            <a:r>
-              <a:rPr lang="fr-FR" dirty="0"/>
-              <a:t>Python adopte l’affectation dynamique des variables</a:t>
-            </a:r>
-          </a:p>
-        </p:txBody>
-      </p:sp>
-      <p:pic>
-        <p:nvPicPr>
-          <p:cNvPr id="7" name="Image 6">
-            <a:extLst>
-              <a:ext uri="{FF2B5EF4-FFF2-40B4-BE49-F238E27FC236}">
-                <a16:creationId xmlns:a16="http://schemas.microsoft.com/office/drawing/2014/main" id="{9171F0B8-B130-4B33-97DC-96F36A809D96}"/>
-              </a:ext>
-            </a:extLst>
-          </p:cNvPr>
-          <p:cNvPicPr>
-            <a:picLocks noChangeAspect="1"/>
-          </p:cNvPicPr>
-          <p:nvPr/>
-        </p:nvPicPr>
-        <p:blipFill>
-          <a:blip r:embed="rId2"/>
-          <a:stretch>
-            <a:fillRect/>
-          </a:stretch>
-        </p:blipFill>
-        <p:spPr>
-          <a:xfrm>
-            <a:off x="0" y="2749800"/>
-            <a:ext cx="6353020" cy="3314619"/>
-          </a:xfrm>
-          <a:prstGeom prst="rect">
-            <a:avLst/>
-          </a:prstGeom>
-        </p:spPr>
-      </p:pic>
-      <p:pic>
-        <p:nvPicPr>
-          <p:cNvPr id="5" name="Image 4">
-            <a:extLst>
-              <a:ext uri="{FF2B5EF4-FFF2-40B4-BE49-F238E27FC236}">
-                <a16:creationId xmlns:a16="http://schemas.microsoft.com/office/drawing/2014/main" id="{D0779F64-C6B2-42D2-BDFB-6D462638BFF7}"/>
-              </a:ext>
-            </a:extLst>
-          </p:cNvPr>
-          <p:cNvPicPr>
-            <a:picLocks noChangeAspect="1"/>
-          </p:cNvPicPr>
-          <p:nvPr/>
-        </p:nvPicPr>
-        <p:blipFill>
-          <a:blip r:embed="rId3"/>
-          <a:stretch>
-            <a:fillRect/>
-          </a:stretch>
-        </p:blipFill>
-        <p:spPr>
-          <a:xfrm>
-            <a:off x="6557206" y="3791393"/>
-            <a:ext cx="5172797" cy="2915057"/>
-          </a:xfrm>
-          <a:prstGeom prst="rect">
-            <a:avLst/>
-          </a:prstGeom>
-        </p:spPr>
-      </p:pic>
-    </p:spTree>
-    <p:extLst>
-      <p:ext uri="{BB962C8B-B14F-4D97-AF65-F5344CB8AC3E}">
-        <p14:creationId xmlns:p14="http://schemas.microsoft.com/office/powerpoint/2010/main" val="1639796806"/>
-      </p:ext>
-    </p:extLst>
-  </p:cSld>
-  <p:clrMapOvr>
-    <a:masterClrMapping/>
-  </p:clrMapOvr>
-</p:sld>
-</file>
-
-<file path=ppt/slides/slide70.xml><?xml version="1.0" encoding="utf-8"?>
+<file path=ppt/slides/slide73.xml><?xml version="1.0" encoding="utf-8"?>
 <p:sld xmlns:a="http://schemas.openxmlformats.org/drawingml/2006/main" xmlns:r="http://schemas.openxmlformats.org/officeDocument/2006/relationships" xmlns:p="http://schemas.openxmlformats.org/presentationml/2006/main">
   <p:cSld>
     <p:bg>
@@ -16249,6 +16684,17 @@
 <file path=ppt/slides/slide8.xml><?xml version="1.0" encoding="utf-8"?>
 <p:sld xmlns:a="http://schemas.openxmlformats.org/drawingml/2006/main" xmlns:r="http://schemas.openxmlformats.org/officeDocument/2006/relationships" xmlns:p="http://schemas.openxmlformats.org/presentationml/2006/main">
   <p:cSld>
+    <p:bg>
+      <p:bgPr>
+        <a:solidFill>
+          <a:schemeClr val="accent2">
+            <a:lumMod val="40000"/>
+            <a:lumOff val="60000"/>
+          </a:schemeClr>
+        </a:solidFill>
+        <a:effectLst/>
+      </p:bgPr>
+    </p:bg>
     <p:spTree>
       <p:nvGrpSpPr>
         <p:cNvPr id="1" name=""/>
@@ -16321,14 +16767,12 @@
           </a:xfrm>
         </p:spPr>
         <p:txBody>
-          <a:bodyPr>
-            <a:normAutofit lnSpcReduction="10000"/>
-          </a:bodyPr>
-          <a:lstStyle/>
-          <a:p>
-            <a:r>
-              <a:rPr lang="fr-FR" dirty="0"/>
-              <a:t>Python est un langage objet : chaque objet dispose de ses attributs et de ses fonctions internes, ou méthodes.</a:t>
+          <a:bodyPr/>
+          <a:lstStyle/>
+          <a:p>
+            <a:r>
+              <a:rPr lang="fr-FR" dirty="0"/>
+              <a:t>Python adopte l’affectation dynamique des variables</a:t>
             </a:r>
           </a:p>
         </p:txBody>
@@ -16338,7 +16782,7 @@
           <p:cNvPr id="5" name="Image 4">
             <a:extLst>
               <a:ext uri="{FF2B5EF4-FFF2-40B4-BE49-F238E27FC236}">
-                <a16:creationId xmlns:a16="http://schemas.microsoft.com/office/drawing/2014/main" id="{4944D731-92C0-4C7E-A688-1CD86A189665}"/>
+                <a16:creationId xmlns:a16="http://schemas.microsoft.com/office/drawing/2014/main" id="{713A482B-D929-41CF-8196-6350E2FC90EA}"/>
               </a:ext>
             </a:extLst>
           </p:cNvPr>
@@ -16355,18 +16799,98 @@
         </p:blipFill>
         <p:spPr>
           <a:xfrm>
-            <a:off x="115410" y="2614863"/>
-            <a:ext cx="5772804" cy="4108437"/>
+            <a:off x="0" y="2749800"/>
+            <a:ext cx="6353020" cy="3314619"/>
           </a:xfrm>
           <a:prstGeom prst="rect">
             <a:avLst/>
           </a:prstGeom>
         </p:spPr>
       </p:pic>
+      <p:sp>
+        <p:nvSpPr>
+          <p:cNvPr id="4" name="ZoneTexte 3">
+            <a:extLst>
+              <a:ext uri="{FF2B5EF4-FFF2-40B4-BE49-F238E27FC236}">
+                <a16:creationId xmlns:a16="http://schemas.microsoft.com/office/drawing/2014/main" id="{EFEEFB1F-7D65-4575-87FB-2D77DA9EECD0}"/>
+              </a:ext>
+            </a:extLst>
+          </p:cNvPr>
+          <p:cNvSpPr txBox="1"/>
+          <p:nvPr/>
+        </p:nvSpPr>
+        <p:spPr>
+          <a:xfrm>
+            <a:off x="6986726" y="3240350"/>
+            <a:ext cx="4678532" cy="646331"/>
+          </a:xfrm>
+          <a:prstGeom prst="rect">
+            <a:avLst/>
+          </a:prstGeom>
+        </p:spPr>
+        <p:style>
+          <a:lnRef idx="2">
+            <a:schemeClr val="dk1">
+              <a:shade val="50000"/>
+            </a:schemeClr>
+          </a:lnRef>
+          <a:fillRef idx="1">
+            <a:schemeClr val="dk1"/>
+          </a:fillRef>
+          <a:effectRef idx="0">
+            <a:schemeClr val="dk1"/>
+          </a:effectRef>
+          <a:fontRef idx="minor">
+            <a:schemeClr val="lt1"/>
+          </a:fontRef>
+        </p:style>
+        <p:txBody>
+          <a:bodyPr wrap="square" rtlCol="0">
+            <a:spAutoFit/>
+          </a:bodyPr>
+          <a:lstStyle/>
+          <a:p>
+            <a:r>
+              <a:rPr lang="fr-FR" dirty="0"/>
+              <a:t>Afficher à l’écran : </a:t>
+            </a:r>
+            <a:r>
+              <a:rPr lang="fr-FR" dirty="0" err="1"/>
+              <a:t>print</a:t>
+            </a:r>
+            <a:r>
+              <a:rPr lang="fr-FR" dirty="0"/>
+              <a:t>(</a:t>
+            </a:r>
+            <a:r>
+              <a:rPr lang="fr-FR" i="1" dirty="0"/>
+              <a:t>contenu1, contenu2, …</a:t>
+            </a:r>
+            <a:r>
+              <a:rPr lang="fr-FR" dirty="0"/>
+              <a:t>)</a:t>
+            </a:r>
+          </a:p>
+          <a:p>
+            <a:r>
+              <a:rPr lang="fr-FR" dirty="0"/>
+              <a:t>Type d’une variable : type(</a:t>
+            </a:r>
+            <a:r>
+              <a:rPr lang="fr-FR" i="1" dirty="0"/>
+              <a:t>variable</a:t>
+            </a:r>
+            <a:r>
+              <a:rPr lang="fr-FR" dirty="0"/>
+              <a:t>)</a:t>
+            </a:r>
+          </a:p>
+        </p:txBody>
+      </p:sp>
     </p:spTree>
     <p:extLst>
       <p:ext uri="{BB962C8B-B14F-4D97-AF65-F5344CB8AC3E}">
-        <p14:creationId xmlns:p14="http://schemas.microsoft.com/office/powerpoint/2010/main" val="2671580143"/>
+        <p14:creationId xmlns:p14="http://schemas.microsoft.com/office/powerpoint/2010/main" val="952132060"/>
       </p:ext>
     </p:extLst>
   </p:cSld>
@@ -16451,24 +16975,22 @@
           </a:xfrm>
         </p:spPr>
         <p:txBody>
-          <a:bodyPr>
-            <a:normAutofit lnSpcReduction="10000"/>
-          </a:bodyPr>
-          <a:lstStyle/>
-          <a:p>
-            <a:r>
-              <a:rPr lang="fr-FR" dirty="0"/>
-              <a:t>Python est un langage objet : chaque objet dispose de ses attributs et de ses fonctions internes, ou méthodes.</a:t>
+          <a:bodyPr/>
+          <a:lstStyle/>
+          <a:p>
+            <a:r>
+              <a:rPr lang="fr-FR" dirty="0"/>
+              <a:t>Python adopte l’affectation dynamique des variables</a:t>
             </a:r>
           </a:p>
         </p:txBody>
       </p:sp>
       <p:pic>
         <p:nvPicPr>
-          <p:cNvPr id="5" name="Image 4">
-            <a:extLst>
-              <a:ext uri="{FF2B5EF4-FFF2-40B4-BE49-F238E27FC236}">
-                <a16:creationId xmlns:a16="http://schemas.microsoft.com/office/drawing/2014/main" id="{4944D731-92C0-4C7E-A688-1CD86A189665}"/>
+          <p:cNvPr id="7" name="Image 6">
+            <a:extLst>
+              <a:ext uri="{FF2B5EF4-FFF2-40B4-BE49-F238E27FC236}">
+                <a16:creationId xmlns:a16="http://schemas.microsoft.com/office/drawing/2014/main" id="{9171F0B8-B130-4B33-97DC-96F36A809D96}"/>
               </a:ext>
             </a:extLst>
           </p:cNvPr>
@@ -16485,8 +17007,8 @@
         </p:blipFill>
         <p:spPr>
           <a:xfrm>
-            <a:off x="115410" y="2614863"/>
-            <a:ext cx="5772804" cy="4108437"/>
+            <a:off x="0" y="2749800"/>
+            <a:ext cx="6353020" cy="3314619"/>
           </a:xfrm>
           <a:prstGeom prst="rect">
             <a:avLst/>
@@ -16495,10 +17017,10 @@
       </p:pic>
       <p:pic>
         <p:nvPicPr>
-          <p:cNvPr id="9" name="Image 8">
-            <a:extLst>
-              <a:ext uri="{FF2B5EF4-FFF2-40B4-BE49-F238E27FC236}">
-                <a16:creationId xmlns:a16="http://schemas.microsoft.com/office/drawing/2014/main" id="{7D07B2AE-0FAF-4AAF-AAF6-46DBEBB170AF}"/>
+          <p:cNvPr id="5" name="Image 4">
+            <a:extLst>
+              <a:ext uri="{FF2B5EF4-FFF2-40B4-BE49-F238E27FC236}">
+                <a16:creationId xmlns:a16="http://schemas.microsoft.com/office/drawing/2014/main" id="{D0779F64-C6B2-42D2-BDFB-6D462638BFF7}"/>
               </a:ext>
             </a:extLst>
           </p:cNvPr>
@@ -16515,8 +17037,8 @@
         </p:blipFill>
         <p:spPr>
           <a:xfrm>
-            <a:off x="7360231" y="2614862"/>
-            <a:ext cx="3284095" cy="4204741"/>
+            <a:off x="6557206" y="3791393"/>
+            <a:ext cx="5172797" cy="2915057"/>
           </a:xfrm>
           <a:prstGeom prst="rect">
             <a:avLst/>
@@ -16526,7 +17048,7 @@
     </p:spTree>
     <p:extLst>
       <p:ext uri="{BB962C8B-B14F-4D97-AF65-F5344CB8AC3E}">
-        <p14:creationId xmlns:p14="http://schemas.microsoft.com/office/powerpoint/2010/main" val="109326922"/>
+        <p14:creationId xmlns:p14="http://schemas.microsoft.com/office/powerpoint/2010/main" val="1639796806"/>
       </p:ext>
     </p:extLst>
   </p:cSld>
